--- a/doc/デザイン.pptx
+++ b/doc/デザイン.pptx
@@ -9,10 +9,11 @@
     <p:sldId id="264" r:id="rId3"/>
     <p:sldId id="256" r:id="rId4"/>
     <p:sldId id="259" r:id="rId5"/>
-    <p:sldId id="260" r:id="rId6"/>
-    <p:sldId id="265" r:id="rId7"/>
-    <p:sldId id="261" r:id="rId8"/>
-    <p:sldId id="262" r:id="rId9"/>
+    <p:sldId id="266" r:id="rId6"/>
+    <p:sldId id="260" r:id="rId7"/>
+    <p:sldId id="265" r:id="rId8"/>
+    <p:sldId id="261" r:id="rId9"/>
+    <p:sldId id="262" r:id="rId10"/>
   </p:sldIdLst>
   <p:sldSz cx="8999538" cy="10799763"/>
   <p:notesSz cx="6858000" cy="9144000"/>
@@ -5049,45 +5050,6 @@
       </p:sp>
       <p:sp>
         <p:nvSpPr>
-          <p:cNvPr id="51" name="テキスト ボックス 50">
-            <a:extLst>
-              <a:ext uri="{FF2B5EF4-FFF2-40B4-BE49-F238E27FC236}">
-                <a16:creationId xmlns:a16="http://schemas.microsoft.com/office/drawing/2014/main" id="{F935C9D4-4F98-B490-D1AA-FB1DB20F5A81}"/>
-              </a:ext>
-            </a:extLst>
-          </p:cNvPr>
-          <p:cNvSpPr txBox="1"/>
-          <p:nvPr/>
-        </p:nvSpPr>
-        <p:spPr>
-          <a:xfrm>
-            <a:off x="313286" y="9978979"/>
-            <a:ext cx="1641765" cy="369332"/>
-          </a:xfrm>
-          <a:prstGeom prst="rect">
-            <a:avLst/>
-          </a:prstGeom>
-          <a:noFill/>
-        </p:spPr>
-        <p:txBody>
-          <a:bodyPr wrap="square" rtlCol="0">
-            <a:spAutoFit/>
-          </a:bodyPr>
-          <a:lstStyle/>
-          <a:p>
-            <a:r>
-              <a:rPr kumimoji="1" lang="ja-JP" altLang="en-US" dirty="0">
-                <a:solidFill>
-                  <a:schemeClr val="bg1"/>
-                </a:solidFill>
-              </a:rPr>
-              <a:t>お問い合わせ</a:t>
-            </a:r>
-          </a:p>
-        </p:txBody>
-      </p:sp>
-      <p:sp>
-        <p:nvSpPr>
           <p:cNvPr id="52" name="テキスト ボックス 51">
             <a:extLst>
               <a:ext uri="{FF2B5EF4-FFF2-40B4-BE49-F238E27FC236}">
@@ -5467,45 +5429,6 @@
       </p:sp>
       <p:sp>
         <p:nvSpPr>
-          <p:cNvPr id="51" name="テキスト ボックス 50">
-            <a:extLst>
-              <a:ext uri="{FF2B5EF4-FFF2-40B4-BE49-F238E27FC236}">
-                <a16:creationId xmlns:a16="http://schemas.microsoft.com/office/drawing/2014/main" id="{F935C9D4-4F98-B490-D1AA-FB1DB20F5A81}"/>
-              </a:ext>
-            </a:extLst>
-          </p:cNvPr>
-          <p:cNvSpPr txBox="1"/>
-          <p:nvPr/>
-        </p:nvSpPr>
-        <p:spPr>
-          <a:xfrm>
-            <a:off x="313286" y="9978979"/>
-            <a:ext cx="1641765" cy="369332"/>
-          </a:xfrm>
-          <a:prstGeom prst="rect">
-            <a:avLst/>
-          </a:prstGeom>
-          <a:noFill/>
-        </p:spPr>
-        <p:txBody>
-          <a:bodyPr wrap="square" rtlCol="0">
-            <a:spAutoFit/>
-          </a:bodyPr>
-          <a:lstStyle/>
-          <a:p>
-            <a:r>
-              <a:rPr kumimoji="1" lang="ja-JP" altLang="en-US" dirty="0">
-                <a:solidFill>
-                  <a:schemeClr val="bg1"/>
-                </a:solidFill>
-              </a:rPr>
-              <a:t>お問い合わせ</a:t>
-            </a:r>
-          </a:p>
-        </p:txBody>
-      </p:sp>
-      <p:sp>
-        <p:nvSpPr>
           <p:cNvPr id="52" name="テキスト ボックス 51">
             <a:extLst>
               <a:ext uri="{FF2B5EF4-FFF2-40B4-BE49-F238E27FC236}">
@@ -6462,7 +6385,7 @@
         </p:nvSpPr>
         <p:spPr>
           <a:xfrm>
-            <a:off x="2169425" y="351195"/>
+            <a:off x="2169423" y="300167"/>
             <a:ext cx="4660688" cy="896399"/>
           </a:xfrm>
           <a:prstGeom prst="ribbon2">
@@ -6715,10 +6638,10 @@
       </p:sp>
       <p:sp>
         <p:nvSpPr>
-          <p:cNvPr id="51" name="テキスト ボックス 50">
-            <a:extLst>
-              <a:ext uri="{FF2B5EF4-FFF2-40B4-BE49-F238E27FC236}">
-                <a16:creationId xmlns:a16="http://schemas.microsoft.com/office/drawing/2014/main" id="{F935C9D4-4F98-B490-D1AA-FB1DB20F5A81}"/>
+          <p:cNvPr id="52" name="テキスト ボックス 51">
+            <a:extLst>
+              <a:ext uri="{FF2B5EF4-FFF2-40B4-BE49-F238E27FC236}">
+                <a16:creationId xmlns:a16="http://schemas.microsoft.com/office/drawing/2014/main" id="{52D7A579-0CF5-A572-2765-1FB7CEF7FFE6}"/>
               </a:ext>
             </a:extLst>
           </p:cNvPr>
@@ -6727,8 +6650,8 @@
         </p:nvSpPr>
         <p:spPr>
           <a:xfrm>
-            <a:off x="313286" y="9978979"/>
-            <a:ext cx="1641765" cy="369332"/>
+            <a:off x="313286" y="106452"/>
+            <a:ext cx="1766455" cy="369332"/>
           </a:xfrm>
           <a:prstGeom prst="rect">
             <a:avLst/>
@@ -6742,370 +6665,18 @@
           <a:lstStyle/>
           <a:p>
             <a:r>
-              <a:rPr kumimoji="1" lang="ja-JP" altLang="en-US" dirty="0">
-                <a:solidFill>
-                  <a:schemeClr val="bg1"/>
-                </a:solidFill>
-              </a:rPr>
-              <a:t>お問い合わせ</a:t>
-            </a:r>
-          </a:p>
-        </p:txBody>
-      </p:sp>
-      <p:sp>
-        <p:nvSpPr>
-          <p:cNvPr id="52" name="テキスト ボックス 51">
-            <a:extLst>
-              <a:ext uri="{FF2B5EF4-FFF2-40B4-BE49-F238E27FC236}">
-                <a16:creationId xmlns:a16="http://schemas.microsoft.com/office/drawing/2014/main" id="{52D7A579-0CF5-A572-2765-1FB7CEF7FFE6}"/>
-              </a:ext>
-            </a:extLst>
-          </p:cNvPr>
-          <p:cNvSpPr txBox="1"/>
-          <p:nvPr/>
-        </p:nvSpPr>
-        <p:spPr>
-          <a:xfrm>
-            <a:off x="329020" y="106452"/>
-            <a:ext cx="2329767" cy="369332"/>
-          </a:xfrm>
-          <a:prstGeom prst="rect">
-            <a:avLst/>
-          </a:prstGeom>
-          <a:noFill/>
-        </p:spPr>
-        <p:txBody>
-          <a:bodyPr wrap="square" rtlCol="0">
-            <a:spAutoFit/>
-          </a:bodyPr>
-          <a:lstStyle/>
-          <a:p>
-            <a:r>
               <a:rPr kumimoji="1" lang="ja-JP" altLang="en-US" dirty="0"/>
-              <a:t>コーディネート詳細</a:t>
-            </a:r>
-          </a:p>
-        </p:txBody>
-      </p:sp>
-      <p:cxnSp>
-        <p:nvCxnSpPr>
-          <p:cNvPr id="4" name="直線コネクタ 3">
-            <a:extLst>
-              <a:ext uri="{FF2B5EF4-FFF2-40B4-BE49-F238E27FC236}">
-                <a16:creationId xmlns:a16="http://schemas.microsoft.com/office/drawing/2014/main" id="{F57ED3D8-CA10-241B-3D5C-AF89219A37F1}"/>
-              </a:ext>
-            </a:extLst>
-          </p:cNvPr>
-          <p:cNvCxnSpPr/>
-          <p:nvPr/>
-        </p:nvCxnSpPr>
-        <p:spPr>
-          <a:xfrm>
-            <a:off x="0" y="5756564"/>
-            <a:ext cx="8999538" cy="0"/>
-          </a:xfrm>
-          <a:prstGeom prst="line">
-            <a:avLst/>
-          </a:prstGeom>
-          <a:ln w="9525" cap="flat" cmpd="sng" algn="ctr">
-            <a:solidFill>
-              <a:schemeClr val="accent3"/>
-            </a:solidFill>
-            <a:prstDash val="dash"/>
-            <a:round/>
-            <a:headEnd type="none" w="med" len="med"/>
-            <a:tailEnd type="none" w="med" len="med"/>
-          </a:ln>
-        </p:spPr>
-        <p:style>
-          <a:lnRef idx="0">
-            <a:scrgbClr r="0" g="0" b="0"/>
-          </a:lnRef>
-          <a:fillRef idx="0">
-            <a:scrgbClr r="0" g="0" b="0"/>
-          </a:fillRef>
-          <a:effectRef idx="0">
-            <a:scrgbClr r="0" g="0" b="0"/>
-          </a:effectRef>
-          <a:fontRef idx="minor">
-            <a:schemeClr val="tx1"/>
-          </a:fontRef>
-        </p:style>
-      </p:cxnSp>
-      <p:sp>
-        <p:nvSpPr>
-          <p:cNvPr id="5" name="テキスト ボックス 4">
-            <a:extLst>
-              <a:ext uri="{FF2B5EF4-FFF2-40B4-BE49-F238E27FC236}">
-                <a16:creationId xmlns:a16="http://schemas.microsoft.com/office/drawing/2014/main" id="{FDD34ECB-190B-EF47-A4CD-87E9C979AB00}"/>
-              </a:ext>
-            </a:extLst>
-          </p:cNvPr>
-          <p:cNvSpPr txBox="1"/>
-          <p:nvPr/>
-        </p:nvSpPr>
-        <p:spPr>
-          <a:xfrm>
-            <a:off x="666649" y="5938356"/>
-            <a:ext cx="2593178" cy="461665"/>
-          </a:xfrm>
-          <a:prstGeom prst="rect">
-            <a:avLst/>
-          </a:prstGeom>
-          <a:noFill/>
-        </p:spPr>
-        <p:txBody>
-          <a:bodyPr wrap="square" rtlCol="0">
-            <a:spAutoFit/>
-          </a:bodyPr>
-          <a:lstStyle/>
-          <a:p>
-            <a:r>
-              <a:rPr kumimoji="1" lang="ja-JP" altLang="en-US" sz="2400" dirty="0">
-                <a:latin typeface="HGP創英角ﾎﾟｯﾌﾟ体" panose="040B0A00000000000000" pitchFamily="50" charset="-128"/>
-                <a:ea typeface="HGP創英角ﾎﾟｯﾌﾟ体" panose="040B0A00000000000000" pitchFamily="50" charset="-128"/>
-              </a:rPr>
-              <a:t>アイテム情報</a:t>
-            </a:r>
-          </a:p>
-        </p:txBody>
-      </p:sp>
-      <p:sp>
-        <p:nvSpPr>
-          <p:cNvPr id="6" name="テキスト ボックス 5">
-            <a:extLst>
-              <a:ext uri="{FF2B5EF4-FFF2-40B4-BE49-F238E27FC236}">
-                <a16:creationId xmlns:a16="http://schemas.microsoft.com/office/drawing/2014/main" id="{7D8D091D-D44E-2ABB-3EE1-034218F6ADB8}"/>
-              </a:ext>
-            </a:extLst>
-          </p:cNvPr>
-          <p:cNvSpPr txBox="1"/>
-          <p:nvPr/>
-        </p:nvSpPr>
-        <p:spPr>
-          <a:xfrm>
-            <a:off x="1134168" y="6617043"/>
-            <a:ext cx="1799902" cy="369332"/>
-          </a:xfrm>
-          <a:prstGeom prst="rect">
-            <a:avLst/>
-          </a:prstGeom>
-          <a:noFill/>
-        </p:spPr>
-        <p:txBody>
-          <a:bodyPr wrap="square" rtlCol="0">
-            <a:spAutoFit/>
-          </a:bodyPr>
-          <a:lstStyle/>
-          <a:p>
-            <a:r>
-              <a:rPr kumimoji="1" lang="ja-JP" altLang="en-US" dirty="0"/>
-              <a:t>トップス</a:t>
-            </a:r>
-          </a:p>
-        </p:txBody>
-      </p:sp>
-      <p:sp>
-        <p:nvSpPr>
-          <p:cNvPr id="7" name="テキスト ボックス 6">
-            <a:extLst>
-              <a:ext uri="{FF2B5EF4-FFF2-40B4-BE49-F238E27FC236}">
-                <a16:creationId xmlns:a16="http://schemas.microsoft.com/office/drawing/2014/main" id="{AE2F1094-A9E6-445B-BBCD-94D2D5ABBAD6}"/>
-              </a:ext>
-            </a:extLst>
-          </p:cNvPr>
-          <p:cNvSpPr txBox="1"/>
-          <p:nvPr/>
-        </p:nvSpPr>
-        <p:spPr>
-          <a:xfrm>
-            <a:off x="1662545" y="7023526"/>
-            <a:ext cx="1799902" cy="369332"/>
-          </a:xfrm>
-          <a:prstGeom prst="rect">
-            <a:avLst/>
-          </a:prstGeom>
-          <a:noFill/>
-        </p:spPr>
-        <p:txBody>
-          <a:bodyPr wrap="square" rtlCol="0">
-            <a:spAutoFit/>
-          </a:bodyPr>
-          <a:lstStyle/>
-          <a:p>
-            <a:r>
-              <a:rPr kumimoji="1" lang="ja-JP" altLang="en-US" dirty="0"/>
-              <a:t>ブランド：</a:t>
-            </a:r>
-            <a:r>
-              <a:rPr kumimoji="1" lang="en-US" altLang="ja-JP" dirty="0"/>
-              <a:t>ABC</a:t>
-            </a:r>
-            <a:endParaRPr kumimoji="1" lang="ja-JP" altLang="en-US" dirty="0"/>
-          </a:p>
-        </p:txBody>
-      </p:sp>
-      <p:sp>
-        <p:nvSpPr>
-          <p:cNvPr id="8" name="テキスト ボックス 7">
-            <a:extLst>
-              <a:ext uri="{FF2B5EF4-FFF2-40B4-BE49-F238E27FC236}">
-                <a16:creationId xmlns:a16="http://schemas.microsoft.com/office/drawing/2014/main" id="{6633F854-03DF-28B8-BA9C-980933137F0C}"/>
-              </a:ext>
-            </a:extLst>
-          </p:cNvPr>
-          <p:cNvSpPr txBox="1"/>
-          <p:nvPr/>
-        </p:nvSpPr>
-        <p:spPr>
-          <a:xfrm>
-            <a:off x="1678279" y="7392493"/>
-            <a:ext cx="1391097" cy="369332"/>
-          </a:xfrm>
-          <a:prstGeom prst="rect">
-            <a:avLst/>
-          </a:prstGeom>
-          <a:noFill/>
-        </p:spPr>
-        <p:txBody>
-          <a:bodyPr wrap="square" rtlCol="0">
-            <a:spAutoFit/>
-          </a:bodyPr>
-          <a:lstStyle/>
-          <a:p>
-            <a:r>
-              <a:rPr kumimoji="1" lang="ja-JP" altLang="en-US" dirty="0"/>
-              <a:t>サイズ：</a:t>
-            </a:r>
-            <a:r>
-              <a:rPr kumimoji="1" lang="en-US" altLang="ja-JP" dirty="0"/>
-              <a:t>M</a:t>
-            </a:r>
-            <a:endParaRPr kumimoji="1" lang="ja-JP" altLang="en-US" dirty="0"/>
-          </a:p>
-        </p:txBody>
-      </p:sp>
-      <p:sp>
-        <p:nvSpPr>
-          <p:cNvPr id="9" name="テキスト ボックス 8">
-            <a:extLst>
-              <a:ext uri="{FF2B5EF4-FFF2-40B4-BE49-F238E27FC236}">
-                <a16:creationId xmlns:a16="http://schemas.microsoft.com/office/drawing/2014/main" id="{7F691F2A-09CB-D2CB-2FA9-EECC6D128823}"/>
-              </a:ext>
-            </a:extLst>
-          </p:cNvPr>
-          <p:cNvSpPr txBox="1"/>
-          <p:nvPr/>
-        </p:nvSpPr>
-        <p:spPr>
-          <a:xfrm>
-            <a:off x="1148118" y="8017222"/>
-            <a:ext cx="1391097" cy="369332"/>
-          </a:xfrm>
-          <a:prstGeom prst="rect">
-            <a:avLst/>
-          </a:prstGeom>
-          <a:noFill/>
-        </p:spPr>
-        <p:txBody>
-          <a:bodyPr wrap="square" rtlCol="0">
-            <a:spAutoFit/>
-          </a:bodyPr>
-          <a:lstStyle/>
-          <a:p>
-            <a:r>
-              <a:rPr kumimoji="1" lang="ja-JP" altLang="en-US" dirty="0"/>
-              <a:t>スカート</a:t>
-            </a:r>
-          </a:p>
-        </p:txBody>
-      </p:sp>
-      <p:sp>
-        <p:nvSpPr>
-          <p:cNvPr id="10" name="テキスト ボックス 9">
-            <a:extLst>
-              <a:ext uri="{FF2B5EF4-FFF2-40B4-BE49-F238E27FC236}">
-                <a16:creationId xmlns:a16="http://schemas.microsoft.com/office/drawing/2014/main" id="{9E6870A7-713C-89D7-5A00-90AB745240FA}"/>
-              </a:ext>
-            </a:extLst>
-          </p:cNvPr>
-          <p:cNvSpPr txBox="1"/>
-          <p:nvPr/>
-        </p:nvSpPr>
-        <p:spPr>
-          <a:xfrm>
-            <a:off x="1558707" y="8381813"/>
-            <a:ext cx="1799902" cy="369332"/>
-          </a:xfrm>
-          <a:prstGeom prst="rect">
-            <a:avLst/>
-          </a:prstGeom>
-          <a:noFill/>
-        </p:spPr>
-        <p:txBody>
-          <a:bodyPr wrap="square" rtlCol="0">
-            <a:spAutoFit/>
-          </a:bodyPr>
-          <a:lstStyle/>
-          <a:p>
-            <a:r>
-              <a:rPr kumimoji="1" lang="ja-JP" altLang="en-US"/>
-              <a:t>ブランド：</a:t>
-            </a:r>
-            <a:r>
-              <a:rPr kumimoji="1" lang="en-US" altLang="ja-JP"/>
-              <a:t>ABC</a:t>
-            </a:r>
-            <a:endParaRPr kumimoji="1" lang="ja-JP" altLang="en-US" dirty="0"/>
-          </a:p>
-        </p:txBody>
-      </p:sp>
-      <p:sp>
-        <p:nvSpPr>
-          <p:cNvPr id="24" name="テキスト ボックス 23">
-            <a:extLst>
-              <a:ext uri="{FF2B5EF4-FFF2-40B4-BE49-F238E27FC236}">
-                <a16:creationId xmlns:a16="http://schemas.microsoft.com/office/drawing/2014/main" id="{4F4F3098-EC68-BF82-E0D2-3D6B942B737A}"/>
-              </a:ext>
-            </a:extLst>
-          </p:cNvPr>
-          <p:cNvSpPr txBox="1"/>
-          <p:nvPr/>
-        </p:nvSpPr>
-        <p:spPr>
-          <a:xfrm>
-            <a:off x="1542973" y="8736940"/>
-            <a:ext cx="1391097" cy="369332"/>
-          </a:xfrm>
-          <a:prstGeom prst="rect">
-            <a:avLst/>
-          </a:prstGeom>
-          <a:noFill/>
-        </p:spPr>
-        <p:txBody>
-          <a:bodyPr wrap="square" rtlCol="0">
-            <a:spAutoFit/>
-          </a:bodyPr>
-          <a:lstStyle/>
-          <a:p>
-            <a:r>
-              <a:rPr kumimoji="1" lang="ja-JP" altLang="en-US" dirty="0"/>
-              <a:t>サイズ：</a:t>
-            </a:r>
-            <a:r>
-              <a:rPr kumimoji="1" lang="en-US" altLang="ja-JP" dirty="0"/>
-              <a:t>S</a:t>
-            </a:r>
-            <a:endParaRPr kumimoji="1" lang="ja-JP" altLang="en-US" dirty="0"/>
-          </a:p>
-        </p:txBody>
-      </p:sp>
-      <p:sp>
-        <p:nvSpPr>
-          <p:cNvPr id="2" name="正方形/長方形 1">
-            <a:extLst>
-              <a:ext uri="{FF2B5EF4-FFF2-40B4-BE49-F238E27FC236}">
-                <a16:creationId xmlns:a16="http://schemas.microsoft.com/office/drawing/2014/main" id="{67B68080-4B52-EB41-3451-50046BB6C903}"/>
+              <a:t>アイテム一覧</a:t>
+            </a:r>
+          </a:p>
+        </p:txBody>
+      </p:sp>
+      <p:sp>
+        <p:nvSpPr>
+          <p:cNvPr id="7" name="正方形/長方形 6">
+            <a:extLst>
+              <a:ext uri="{FF2B5EF4-FFF2-40B4-BE49-F238E27FC236}">
+                <a16:creationId xmlns:a16="http://schemas.microsoft.com/office/drawing/2014/main" id="{940B2C5E-82CB-8692-13C3-BB6361922D41}"/>
               </a:ext>
             </a:extLst>
           </p:cNvPr>
@@ -7114,8 +6685,8 @@
         </p:nvSpPr>
         <p:spPr>
           <a:xfrm>
-            <a:off x="3890" y="1570624"/>
-            <a:ext cx="8995647" cy="4086666"/>
+            <a:off x="3063758" y="1559094"/>
+            <a:ext cx="2872022" cy="2700858"/>
           </a:xfrm>
           <a:prstGeom prst="rect">
             <a:avLst/>
@@ -7146,10 +6717,10 @@
       </p:sp>
       <p:sp>
         <p:nvSpPr>
-          <p:cNvPr id="22" name="四角形: 角を丸くする 21">
-            <a:extLst>
-              <a:ext uri="{FF2B5EF4-FFF2-40B4-BE49-F238E27FC236}">
-                <a16:creationId xmlns:a16="http://schemas.microsoft.com/office/drawing/2014/main" id="{E02D7466-1E29-CDC0-1475-B53E3926D771}"/>
+          <p:cNvPr id="22" name="正方形/長方形 21">
+            <a:extLst>
+              <a:ext uri="{FF2B5EF4-FFF2-40B4-BE49-F238E27FC236}">
+                <a16:creationId xmlns:a16="http://schemas.microsoft.com/office/drawing/2014/main" id="{14C40024-C608-51F7-D9A9-FEB0C63D0BA6}"/>
               </a:ext>
             </a:extLst>
           </p:cNvPr>
@@ -7158,22 +6729,22 @@
         </p:nvSpPr>
         <p:spPr>
           <a:xfrm>
-            <a:off x="7238971" y="8815332"/>
-            <a:ext cx="1206224" cy="397637"/>
-          </a:xfrm>
-          <a:prstGeom prst="roundRect">
+            <a:off x="1" y="1566279"/>
+            <a:ext cx="2872022" cy="2711864"/>
+          </a:xfrm>
+          <a:prstGeom prst="rect">
             <a:avLst/>
           </a:prstGeom>
         </p:spPr>
         <p:style>
-          <a:lnRef idx="1">
-            <a:schemeClr val="accent3"/>
+          <a:lnRef idx="2">
+            <a:schemeClr val="dk1"/>
           </a:lnRef>
-          <a:fillRef idx="2">
-            <a:schemeClr val="accent3"/>
+          <a:fillRef idx="1">
+            <a:schemeClr val="lt1"/>
           </a:fillRef>
-          <a:effectRef idx="1">
-            <a:schemeClr val="accent3"/>
+          <a:effectRef idx="0">
+            <a:schemeClr val="dk1"/>
           </a:effectRef>
           <a:fontRef idx="minor">
             <a:schemeClr val="dk1"/>
@@ -7184,20 +6755,16 @@
           <a:lstStyle/>
           <a:p>
             <a:pPr algn="ctr"/>
-            <a:r>
-              <a:rPr kumimoji="1" lang="en-US" altLang="ja-JP" dirty="0"/>
-              <a:t>More info</a:t>
-            </a:r>
-            <a:endParaRPr kumimoji="1" lang="ja-JP" altLang="en-US" dirty="0"/>
-          </a:p>
-        </p:txBody>
-      </p:sp>
-      <p:sp>
-        <p:nvSpPr>
-          <p:cNvPr id="23" name="四角形: 角を丸くする 22">
-            <a:extLst>
-              <a:ext uri="{FF2B5EF4-FFF2-40B4-BE49-F238E27FC236}">
-                <a16:creationId xmlns:a16="http://schemas.microsoft.com/office/drawing/2014/main" id="{38399239-CD69-32A3-099D-9B5FD03483FE}"/>
+            <a:endParaRPr kumimoji="1" lang="ja-JP" altLang="en-US"/>
+          </a:p>
+        </p:txBody>
+      </p:sp>
+      <p:sp>
+        <p:nvSpPr>
+          <p:cNvPr id="23" name="正方形/長方形 22">
+            <a:extLst>
+              <a:ext uri="{FF2B5EF4-FFF2-40B4-BE49-F238E27FC236}">
+                <a16:creationId xmlns:a16="http://schemas.microsoft.com/office/drawing/2014/main" id="{0376425B-CEB0-A62A-BCB5-80EBA6ED5488}"/>
               </a:ext>
             </a:extLst>
           </p:cNvPr>
@@ -7206,22 +6773,22 @@
         </p:nvSpPr>
         <p:spPr>
           <a:xfrm>
-            <a:off x="7268760" y="7298092"/>
-            <a:ext cx="1206224" cy="397637"/>
-          </a:xfrm>
-          <a:prstGeom prst="roundRect">
+            <a:off x="6127517" y="1553591"/>
+            <a:ext cx="2872022" cy="2711864"/>
+          </a:xfrm>
+          <a:prstGeom prst="rect">
             <a:avLst/>
           </a:prstGeom>
         </p:spPr>
         <p:style>
-          <a:lnRef idx="1">
-            <a:schemeClr val="accent3"/>
+          <a:lnRef idx="2">
+            <a:schemeClr val="dk1"/>
           </a:lnRef>
-          <a:fillRef idx="2">
-            <a:schemeClr val="accent3"/>
+          <a:fillRef idx="1">
+            <a:schemeClr val="lt1"/>
           </a:fillRef>
-          <a:effectRef idx="1">
-            <a:schemeClr val="accent3"/>
+          <a:effectRef idx="0">
+            <a:schemeClr val="dk1"/>
           </a:effectRef>
           <a:fontRef idx="minor">
             <a:schemeClr val="dk1"/>
@@ -7232,20 +6799,16 @@
           <a:lstStyle/>
           <a:p>
             <a:pPr algn="ctr"/>
-            <a:r>
-              <a:rPr kumimoji="1" lang="en-US" altLang="ja-JP" dirty="0"/>
-              <a:t>More info</a:t>
-            </a:r>
-            <a:endParaRPr kumimoji="1" lang="ja-JP" altLang="en-US" dirty="0"/>
-          </a:p>
-        </p:txBody>
-      </p:sp>
-      <p:sp>
-        <p:nvSpPr>
-          <p:cNvPr id="3" name="四角形: 角を丸くする 2">
-            <a:extLst>
-              <a:ext uri="{FF2B5EF4-FFF2-40B4-BE49-F238E27FC236}">
-                <a16:creationId xmlns:a16="http://schemas.microsoft.com/office/drawing/2014/main" id="{76236FC8-F47A-3AA2-F42F-32EA941BE22C}"/>
+            <a:endParaRPr kumimoji="1" lang="ja-JP" altLang="en-US"/>
+          </a:p>
+        </p:txBody>
+      </p:sp>
+      <p:sp>
+        <p:nvSpPr>
+          <p:cNvPr id="24" name="正方形/長方形 23">
+            <a:extLst>
+              <a:ext uri="{FF2B5EF4-FFF2-40B4-BE49-F238E27FC236}">
+                <a16:creationId xmlns:a16="http://schemas.microsoft.com/office/drawing/2014/main" id="{74FC56A5-509A-2259-7AE1-D06CD38A7B3D}"/>
               </a:ext>
             </a:extLst>
           </p:cNvPr>
@@ -7254,22 +6817,22 @@
         </p:nvSpPr>
         <p:spPr>
           <a:xfrm>
-            <a:off x="7242969" y="6774873"/>
-            <a:ext cx="997527" cy="369329"/>
-          </a:xfrm>
-          <a:prstGeom prst="roundRect">
+            <a:off x="0" y="4478178"/>
+            <a:ext cx="2872022" cy="2711864"/>
+          </a:xfrm>
+          <a:prstGeom prst="rect">
             <a:avLst/>
           </a:prstGeom>
         </p:spPr>
         <p:style>
-          <a:lnRef idx="1">
-            <a:schemeClr val="accent3"/>
+          <a:lnRef idx="2">
+            <a:schemeClr val="dk1"/>
           </a:lnRef>
-          <a:fillRef idx="2">
-            <a:schemeClr val="accent3"/>
+          <a:fillRef idx="1">
+            <a:schemeClr val="lt1"/>
           </a:fillRef>
-          <a:effectRef idx="1">
-            <a:schemeClr val="accent3"/>
+          <a:effectRef idx="0">
+            <a:schemeClr val="dk1"/>
           </a:effectRef>
           <a:fontRef idx="minor">
             <a:schemeClr val="dk1"/>
@@ -7280,20 +6843,16 @@
           <a:lstStyle/>
           <a:p>
             <a:pPr algn="ctr"/>
-            <a:r>
-              <a:rPr kumimoji="1" lang="en-US" altLang="ja-JP" dirty="0"/>
-              <a:t>Delete</a:t>
-            </a:r>
-            <a:endParaRPr kumimoji="1" lang="ja-JP" altLang="en-US" dirty="0"/>
-          </a:p>
-        </p:txBody>
-      </p:sp>
-      <p:sp>
-        <p:nvSpPr>
-          <p:cNvPr id="25" name="四角形: 角を丸くする 24">
-            <a:extLst>
-              <a:ext uri="{FF2B5EF4-FFF2-40B4-BE49-F238E27FC236}">
-                <a16:creationId xmlns:a16="http://schemas.microsoft.com/office/drawing/2014/main" id="{499F5FE1-67F5-E4D1-9A3D-BC1889979130}"/>
+            <a:endParaRPr kumimoji="1" lang="ja-JP" altLang="en-US"/>
+          </a:p>
+        </p:txBody>
+      </p:sp>
+      <p:sp>
+        <p:nvSpPr>
+          <p:cNvPr id="25" name="正方形/長方形 24">
+            <a:extLst>
+              <a:ext uri="{FF2B5EF4-FFF2-40B4-BE49-F238E27FC236}">
+                <a16:creationId xmlns:a16="http://schemas.microsoft.com/office/drawing/2014/main" id="{340BC223-3273-391B-10AD-C584EDE7B4CB}"/>
               </a:ext>
             </a:extLst>
           </p:cNvPr>
@@ -7302,22 +6861,22 @@
         </p:nvSpPr>
         <p:spPr>
           <a:xfrm>
-            <a:off x="7242969" y="8218009"/>
-            <a:ext cx="997527" cy="369329"/>
-          </a:xfrm>
-          <a:prstGeom prst="roundRect">
+            <a:off x="3063758" y="4476496"/>
+            <a:ext cx="2872022" cy="2700858"/>
+          </a:xfrm>
+          <a:prstGeom prst="rect">
             <a:avLst/>
           </a:prstGeom>
         </p:spPr>
         <p:style>
-          <a:lnRef idx="1">
-            <a:schemeClr val="accent3"/>
+          <a:lnRef idx="2">
+            <a:schemeClr val="dk1"/>
           </a:lnRef>
-          <a:fillRef idx="2">
-            <a:schemeClr val="accent3"/>
+          <a:fillRef idx="1">
+            <a:schemeClr val="lt1"/>
           </a:fillRef>
-          <a:effectRef idx="1">
-            <a:schemeClr val="accent3"/>
+          <a:effectRef idx="0">
+            <a:schemeClr val="dk1"/>
           </a:effectRef>
           <a:fontRef idx="minor">
             <a:schemeClr val="dk1"/>
@@ -7328,20 +6887,16 @@
           <a:lstStyle/>
           <a:p>
             <a:pPr algn="ctr"/>
-            <a:r>
-              <a:rPr kumimoji="1" lang="en-US" altLang="ja-JP" dirty="0"/>
-              <a:t>Delete</a:t>
-            </a:r>
-            <a:endParaRPr kumimoji="1" lang="ja-JP" altLang="en-US" dirty="0"/>
-          </a:p>
-        </p:txBody>
-      </p:sp>
-      <p:sp>
-        <p:nvSpPr>
-          <p:cNvPr id="11" name="四角形: 角を丸くする 10">
-            <a:extLst>
-              <a:ext uri="{FF2B5EF4-FFF2-40B4-BE49-F238E27FC236}">
-                <a16:creationId xmlns:a16="http://schemas.microsoft.com/office/drawing/2014/main" id="{CE4B7C6D-8D43-1C69-BA0C-55342D15A4F4}"/>
+            <a:endParaRPr kumimoji="1" lang="ja-JP" altLang="en-US"/>
+          </a:p>
+        </p:txBody>
+      </p:sp>
+      <p:sp>
+        <p:nvSpPr>
+          <p:cNvPr id="26" name="正方形/長方形 25">
+            <a:extLst>
+              <a:ext uri="{FF2B5EF4-FFF2-40B4-BE49-F238E27FC236}">
+                <a16:creationId xmlns:a16="http://schemas.microsoft.com/office/drawing/2014/main" id="{2B521C5B-07BF-3CC7-490D-43CFB0CEDC2E}"/>
               </a:ext>
             </a:extLst>
           </p:cNvPr>
@@ -7350,22 +6905,22 @@
         </p:nvSpPr>
         <p:spPr>
           <a:xfrm>
-            <a:off x="6451870" y="9467482"/>
-            <a:ext cx="2330344" cy="461662"/>
-          </a:xfrm>
-          <a:prstGeom prst="roundRect">
+            <a:off x="6127517" y="4440113"/>
+            <a:ext cx="2872022" cy="2711864"/>
+          </a:xfrm>
+          <a:prstGeom prst="rect">
             <a:avLst/>
           </a:prstGeom>
         </p:spPr>
         <p:style>
-          <a:lnRef idx="1">
-            <a:schemeClr val="accent3"/>
+          <a:lnRef idx="2">
+            <a:schemeClr val="dk1"/>
           </a:lnRef>
-          <a:fillRef idx="2">
-            <a:schemeClr val="accent3"/>
+          <a:fillRef idx="1">
+            <a:schemeClr val="lt1"/>
           </a:fillRef>
-          <a:effectRef idx="1">
-            <a:schemeClr val="accent3"/>
+          <a:effectRef idx="0">
+            <a:schemeClr val="dk1"/>
           </a:effectRef>
           <a:fontRef idx="minor">
             <a:schemeClr val="dk1"/>
@@ -7376,18 +6931,522 @@
           <a:lstStyle/>
           <a:p>
             <a:pPr algn="ctr"/>
-            <a:r>
-              <a:rPr kumimoji="1" lang="en-US" altLang="ja-JP" dirty="0"/>
-              <a:t>Delete this look</a:t>
-            </a:r>
-            <a:endParaRPr kumimoji="1" lang="ja-JP" altLang="en-US" dirty="0"/>
-          </a:p>
-        </p:txBody>
-      </p:sp>
+            <a:endParaRPr kumimoji="1" lang="ja-JP" altLang="en-US"/>
+          </a:p>
+        </p:txBody>
+      </p:sp>
+      <p:sp>
+        <p:nvSpPr>
+          <p:cNvPr id="27" name="正方形/長方形 26">
+            <a:extLst>
+              <a:ext uri="{FF2B5EF4-FFF2-40B4-BE49-F238E27FC236}">
+                <a16:creationId xmlns:a16="http://schemas.microsoft.com/office/drawing/2014/main" id="{55E3DBCE-F12E-4BDB-09A6-38329FCEFF78}"/>
+              </a:ext>
+            </a:extLst>
+          </p:cNvPr>
+          <p:cNvSpPr/>
+          <p:nvPr/>
+        </p:nvSpPr>
+        <p:spPr>
+          <a:xfrm>
+            <a:off x="0" y="7390077"/>
+            <a:ext cx="2872022" cy="2461031"/>
+          </a:xfrm>
+          <a:prstGeom prst="rect">
+            <a:avLst/>
+          </a:prstGeom>
+        </p:spPr>
+        <p:style>
+          <a:lnRef idx="2">
+            <a:schemeClr val="dk1"/>
+          </a:lnRef>
+          <a:fillRef idx="1">
+            <a:schemeClr val="lt1"/>
+          </a:fillRef>
+          <a:effectRef idx="0">
+            <a:schemeClr val="dk1"/>
+          </a:effectRef>
+          <a:fontRef idx="minor">
+            <a:schemeClr val="dk1"/>
+          </a:fontRef>
+        </p:style>
+        <p:txBody>
+          <a:bodyPr rtlCol="0" anchor="ctr"/>
+          <a:lstStyle/>
+          <a:p>
+            <a:pPr algn="ctr"/>
+            <a:endParaRPr kumimoji="1" lang="ja-JP" altLang="en-US"/>
+          </a:p>
+        </p:txBody>
+      </p:sp>
+      <p:sp>
+        <p:nvSpPr>
+          <p:cNvPr id="28" name="正方形/長方形 27">
+            <a:extLst>
+              <a:ext uri="{FF2B5EF4-FFF2-40B4-BE49-F238E27FC236}">
+                <a16:creationId xmlns:a16="http://schemas.microsoft.com/office/drawing/2014/main" id="{E591420E-28D5-EAB2-D261-891259EF6C21}"/>
+              </a:ext>
+            </a:extLst>
+          </p:cNvPr>
+          <p:cNvSpPr/>
+          <p:nvPr/>
+        </p:nvSpPr>
+        <p:spPr>
+          <a:xfrm>
+            <a:off x="3063758" y="7397763"/>
+            <a:ext cx="2872022" cy="2461031"/>
+          </a:xfrm>
+          <a:prstGeom prst="rect">
+            <a:avLst/>
+          </a:prstGeom>
+        </p:spPr>
+        <p:style>
+          <a:lnRef idx="2">
+            <a:schemeClr val="dk1"/>
+          </a:lnRef>
+          <a:fillRef idx="1">
+            <a:schemeClr val="lt1"/>
+          </a:fillRef>
+          <a:effectRef idx="0">
+            <a:schemeClr val="dk1"/>
+          </a:effectRef>
+          <a:fontRef idx="minor">
+            <a:schemeClr val="dk1"/>
+          </a:fontRef>
+        </p:style>
+        <p:txBody>
+          <a:bodyPr rtlCol="0" anchor="ctr"/>
+          <a:lstStyle/>
+          <a:p>
+            <a:pPr algn="ctr"/>
+            <a:endParaRPr kumimoji="1" lang="ja-JP" altLang="en-US"/>
+          </a:p>
+        </p:txBody>
+      </p:sp>
+      <p:sp>
+        <p:nvSpPr>
+          <p:cNvPr id="31" name="正方形/長方形 30">
+            <a:extLst>
+              <a:ext uri="{FF2B5EF4-FFF2-40B4-BE49-F238E27FC236}">
+                <a16:creationId xmlns:a16="http://schemas.microsoft.com/office/drawing/2014/main" id="{1A8A30B5-C754-03DC-50F0-E38642E49A32}"/>
+              </a:ext>
+            </a:extLst>
+          </p:cNvPr>
+          <p:cNvSpPr/>
+          <p:nvPr/>
+        </p:nvSpPr>
+        <p:spPr>
+          <a:xfrm>
+            <a:off x="6127516" y="7390077"/>
+            <a:ext cx="2872022" cy="2468717"/>
+          </a:xfrm>
+          <a:prstGeom prst="rect">
+            <a:avLst/>
+          </a:prstGeom>
+        </p:spPr>
+        <p:style>
+          <a:lnRef idx="2">
+            <a:schemeClr val="dk1"/>
+          </a:lnRef>
+          <a:fillRef idx="1">
+            <a:schemeClr val="lt1"/>
+          </a:fillRef>
+          <a:effectRef idx="0">
+            <a:schemeClr val="dk1"/>
+          </a:effectRef>
+          <a:fontRef idx="minor">
+            <a:schemeClr val="dk1"/>
+          </a:fontRef>
+        </p:style>
+        <p:txBody>
+          <a:bodyPr rtlCol="0" anchor="ctr"/>
+          <a:lstStyle/>
+          <a:p>
+            <a:pPr algn="ctr"/>
+            <a:endParaRPr kumimoji="1" lang="ja-JP" altLang="en-US"/>
+          </a:p>
+        </p:txBody>
+      </p:sp>
+      <p:pic>
+        <p:nvPicPr>
+          <p:cNvPr id="6" name="図 5" descr="ダイアグラム&#10;&#10;自動的に生成された説明">
+            <a:extLst>
+              <a:ext uri="{FF2B5EF4-FFF2-40B4-BE49-F238E27FC236}">
+                <a16:creationId xmlns:a16="http://schemas.microsoft.com/office/drawing/2014/main" id="{8CF15A39-87D2-73C4-A852-6040725BDFDC}"/>
+              </a:ext>
+            </a:extLst>
+          </p:cNvPr>
+          <p:cNvPicPr>
+            <a:picLocks noChangeAspect="1"/>
+          </p:cNvPicPr>
+          <p:nvPr/>
+        </p:nvPicPr>
+        <p:blipFill>
+          <a:blip r:embed="rId2">
+            <a:extLst>
+              <a:ext uri="{28A0092B-C50C-407E-A947-70E740481C1C}">
+                <a14:useLocalDpi xmlns:a14="http://schemas.microsoft.com/office/drawing/2010/main" val="0"/>
+              </a:ext>
+            </a:extLst>
+          </a:blip>
+          <a:stretch>
+            <a:fillRect/>
+          </a:stretch>
+        </p:blipFill>
+        <p:spPr>
+          <a:xfrm>
+            <a:off x="193399" y="1701953"/>
+            <a:ext cx="2494100" cy="2440515"/>
+          </a:xfrm>
+          <a:prstGeom prst="rect">
+            <a:avLst/>
+          </a:prstGeom>
+        </p:spPr>
+      </p:pic>
+      <p:pic>
+        <p:nvPicPr>
+          <p:cNvPr id="11" name="図 10">
+            <a:extLst>
+              <a:ext uri="{FF2B5EF4-FFF2-40B4-BE49-F238E27FC236}">
+                <a16:creationId xmlns:a16="http://schemas.microsoft.com/office/drawing/2014/main" id="{D120ACB6-6419-F367-E1A5-556F5D1DD307}"/>
+              </a:ext>
+            </a:extLst>
+          </p:cNvPr>
+          <p:cNvPicPr>
+            <a:picLocks noChangeAspect="1"/>
+          </p:cNvPicPr>
+          <p:nvPr/>
+        </p:nvPicPr>
+        <p:blipFill>
+          <a:blip r:embed="rId3">
+            <a:extLst>
+              <a:ext uri="{28A0092B-C50C-407E-A947-70E740481C1C}">
+                <a14:useLocalDpi xmlns:a14="http://schemas.microsoft.com/office/drawing/2010/main" val="0"/>
+              </a:ext>
+            </a:extLst>
+          </a:blip>
+          <a:stretch>
+            <a:fillRect/>
+          </a:stretch>
+        </p:blipFill>
+        <p:spPr>
+          <a:xfrm>
+            <a:off x="3128523" y="1620672"/>
+            <a:ext cx="2622734" cy="2622734"/>
+          </a:xfrm>
+          <a:prstGeom prst="rect">
+            <a:avLst/>
+          </a:prstGeom>
+        </p:spPr>
+      </p:pic>
+      <p:pic>
+        <p:nvPicPr>
+          <p:cNvPr id="15" name="図 14" descr="ダイアグラム が含まれている画像&#10;&#10;自動的に生成された説明">
+            <a:extLst>
+              <a:ext uri="{FF2B5EF4-FFF2-40B4-BE49-F238E27FC236}">
+                <a16:creationId xmlns:a16="http://schemas.microsoft.com/office/drawing/2014/main" id="{CE3E1494-9218-1A50-B6CF-2BAF717746E2}"/>
+              </a:ext>
+            </a:extLst>
+          </p:cNvPr>
+          <p:cNvPicPr>
+            <a:picLocks noChangeAspect="1"/>
+          </p:cNvPicPr>
+          <p:nvPr/>
+        </p:nvPicPr>
+        <p:blipFill>
+          <a:blip r:embed="rId4">
+            <a:extLst>
+              <a:ext uri="{28A0092B-C50C-407E-A947-70E740481C1C}">
+                <a14:useLocalDpi xmlns:a14="http://schemas.microsoft.com/office/drawing/2010/main" val="0"/>
+              </a:ext>
+            </a:extLst>
+          </a:blip>
+          <a:stretch>
+            <a:fillRect/>
+          </a:stretch>
+        </p:blipFill>
+        <p:spPr>
+          <a:xfrm>
+            <a:off x="6427849" y="1586288"/>
+            <a:ext cx="2205585" cy="2605754"/>
+          </a:xfrm>
+          <a:prstGeom prst="rect">
+            <a:avLst/>
+          </a:prstGeom>
+        </p:spPr>
+      </p:pic>
+      <p:pic>
+        <p:nvPicPr>
+          <p:cNvPr id="19" name="図 18" descr="バッグ が含まれている画像&#10;&#10;自動的に生成された説明">
+            <a:extLst>
+              <a:ext uri="{FF2B5EF4-FFF2-40B4-BE49-F238E27FC236}">
+                <a16:creationId xmlns:a16="http://schemas.microsoft.com/office/drawing/2014/main" id="{16C614FD-A715-23FB-F80D-93205EA4D588}"/>
+              </a:ext>
+            </a:extLst>
+          </p:cNvPr>
+          <p:cNvPicPr>
+            <a:picLocks noChangeAspect="1"/>
+          </p:cNvPicPr>
+          <p:nvPr/>
+        </p:nvPicPr>
+        <p:blipFill>
+          <a:blip r:embed="rId5">
+            <a:extLst>
+              <a:ext uri="{28A0092B-C50C-407E-A947-70E740481C1C}">
+                <a14:useLocalDpi xmlns:a14="http://schemas.microsoft.com/office/drawing/2010/main" val="0"/>
+              </a:ext>
+            </a:extLst>
+          </a:blip>
+          <a:stretch>
+            <a:fillRect/>
+          </a:stretch>
+        </p:blipFill>
+        <p:spPr>
+          <a:xfrm>
+            <a:off x="193399" y="4802243"/>
+            <a:ext cx="2633152" cy="2063733"/>
+          </a:xfrm>
+          <a:prstGeom prst="rect">
+            <a:avLst/>
+          </a:prstGeom>
+        </p:spPr>
+      </p:pic>
+      <p:pic>
+        <p:nvPicPr>
+          <p:cNvPr id="33" name="図 32" descr="紫の布の上に置かれたネクタイ&#10;&#10;低い精度で自動的に生成された説明">
+            <a:extLst>
+              <a:ext uri="{FF2B5EF4-FFF2-40B4-BE49-F238E27FC236}">
+                <a16:creationId xmlns:a16="http://schemas.microsoft.com/office/drawing/2014/main" id="{EE300016-77B8-BE34-D36D-782657D66712}"/>
+              </a:ext>
+            </a:extLst>
+          </p:cNvPr>
+          <p:cNvPicPr>
+            <a:picLocks noChangeAspect="1"/>
+          </p:cNvPicPr>
+          <p:nvPr/>
+        </p:nvPicPr>
+        <p:blipFill>
+          <a:blip r:embed="rId6">
+            <a:extLst>
+              <a:ext uri="{28A0092B-C50C-407E-A947-70E740481C1C}">
+                <a14:useLocalDpi xmlns:a14="http://schemas.microsoft.com/office/drawing/2010/main" val="0"/>
+              </a:ext>
+            </a:extLst>
+          </a:blip>
+          <a:stretch>
+            <a:fillRect/>
+          </a:stretch>
+        </p:blipFill>
+        <p:spPr>
+          <a:xfrm>
+            <a:off x="6854671" y="7528264"/>
+            <a:ext cx="1417711" cy="2223229"/>
+          </a:xfrm>
+          <a:prstGeom prst="rect">
+            <a:avLst/>
+          </a:prstGeom>
+        </p:spPr>
+      </p:pic>
+      <p:sp>
+        <p:nvSpPr>
+          <p:cNvPr id="2" name="フローチャート: 結合子 1">
+            <a:extLst>
+              <a:ext uri="{FF2B5EF4-FFF2-40B4-BE49-F238E27FC236}">
+                <a16:creationId xmlns:a16="http://schemas.microsoft.com/office/drawing/2014/main" id="{1B5FAC98-2F04-EEC6-32CB-84333A3086AA}"/>
+              </a:ext>
+            </a:extLst>
+          </p:cNvPr>
+          <p:cNvSpPr/>
+          <p:nvPr/>
+        </p:nvSpPr>
+        <p:spPr>
+          <a:xfrm>
+            <a:off x="7956842" y="8789678"/>
+            <a:ext cx="946078" cy="902898"/>
+          </a:xfrm>
+          <a:prstGeom prst="flowChartConnector">
+            <a:avLst/>
+          </a:prstGeom>
+          <a:solidFill>
+            <a:schemeClr val="accent2">
+              <a:lumMod val="40000"/>
+              <a:lumOff val="60000"/>
+            </a:schemeClr>
+          </a:solidFill>
+        </p:spPr>
+        <p:style>
+          <a:lnRef idx="2">
+            <a:schemeClr val="accent1">
+              <a:shade val="50000"/>
+            </a:schemeClr>
+          </a:lnRef>
+          <a:fillRef idx="1">
+            <a:schemeClr val="accent1"/>
+          </a:fillRef>
+          <a:effectRef idx="0">
+            <a:schemeClr val="accent1"/>
+          </a:effectRef>
+          <a:fontRef idx="minor">
+            <a:schemeClr val="lt1"/>
+          </a:fontRef>
+        </p:style>
+        <p:txBody>
+          <a:bodyPr rtlCol="0" anchor="ctr"/>
+          <a:lstStyle/>
+          <a:p>
+            <a:pPr algn="ctr"/>
+            <a:endParaRPr kumimoji="1" lang="ja-JP" altLang="en-US"/>
+          </a:p>
+        </p:txBody>
+      </p:sp>
+      <p:pic>
+        <p:nvPicPr>
+          <p:cNvPr id="36" name="図 35" descr="抽象, 挿絵 が含まれている画像&#10;&#10;自動的に生成された説明">
+            <a:extLst>
+              <a:ext uri="{FF2B5EF4-FFF2-40B4-BE49-F238E27FC236}">
+                <a16:creationId xmlns:a16="http://schemas.microsoft.com/office/drawing/2014/main" id="{3926E668-A1A8-AFAB-9F37-CD6F22F80BB4}"/>
+              </a:ext>
+            </a:extLst>
+          </p:cNvPr>
+          <p:cNvPicPr>
+            <a:picLocks noChangeAspect="1"/>
+          </p:cNvPicPr>
+          <p:nvPr/>
+        </p:nvPicPr>
+        <p:blipFill>
+          <a:blip r:embed="rId7">
+            <a:extLst>
+              <a:ext uri="{28A0092B-C50C-407E-A947-70E740481C1C}">
+                <a14:useLocalDpi xmlns:a14="http://schemas.microsoft.com/office/drawing/2010/main" val="0"/>
+              </a:ext>
+            </a:extLst>
+          </a:blip>
+          <a:stretch>
+            <a:fillRect/>
+          </a:stretch>
+        </p:blipFill>
+        <p:spPr>
+          <a:xfrm>
+            <a:off x="201513" y="7944520"/>
+            <a:ext cx="2239821" cy="1500888"/>
+          </a:xfrm>
+          <a:prstGeom prst="rect">
+            <a:avLst/>
+          </a:prstGeom>
+        </p:spPr>
+      </p:pic>
+      <p:pic>
+        <p:nvPicPr>
+          <p:cNvPr id="41" name="図 40">
+            <a:extLst>
+              <a:ext uri="{FF2B5EF4-FFF2-40B4-BE49-F238E27FC236}">
+                <a16:creationId xmlns:a16="http://schemas.microsoft.com/office/drawing/2014/main" id="{8F5B84F8-C334-FEC2-36F9-7DACB07FF045}"/>
+              </a:ext>
+            </a:extLst>
+          </p:cNvPr>
+          <p:cNvPicPr>
+            <a:picLocks noChangeAspect="1"/>
+          </p:cNvPicPr>
+          <p:nvPr/>
+        </p:nvPicPr>
+        <p:blipFill>
+          <a:blip r:embed="rId8">
+            <a:extLst>
+              <a:ext uri="{28A0092B-C50C-407E-A947-70E740481C1C}">
+                <a14:useLocalDpi xmlns:a14="http://schemas.microsoft.com/office/drawing/2010/main" val="0"/>
+              </a:ext>
+            </a:extLst>
+          </a:blip>
+          <a:stretch>
+            <a:fillRect/>
+          </a:stretch>
+        </p:blipFill>
+        <p:spPr>
+          <a:xfrm>
+            <a:off x="3542174" y="4538380"/>
+            <a:ext cx="2016160" cy="2549381"/>
+          </a:xfrm>
+          <a:prstGeom prst="rect">
+            <a:avLst/>
+          </a:prstGeom>
+        </p:spPr>
+      </p:pic>
+      <p:pic>
+        <p:nvPicPr>
+          <p:cNvPr id="43" name="図 42" descr="下着, シャツ が含まれている画像&#10;&#10;自動的に生成された説明">
+            <a:extLst>
+              <a:ext uri="{FF2B5EF4-FFF2-40B4-BE49-F238E27FC236}">
+                <a16:creationId xmlns:a16="http://schemas.microsoft.com/office/drawing/2014/main" id="{B91BAD79-6FC5-5A55-C0F9-8CC146A26245}"/>
+              </a:ext>
+            </a:extLst>
+          </p:cNvPr>
+          <p:cNvPicPr>
+            <a:picLocks noChangeAspect="1"/>
+          </p:cNvPicPr>
+          <p:nvPr/>
+        </p:nvPicPr>
+        <p:blipFill>
+          <a:blip r:embed="rId9">
+            <a:extLst>
+              <a:ext uri="{28A0092B-C50C-407E-A947-70E740481C1C}">
+                <a14:useLocalDpi xmlns:a14="http://schemas.microsoft.com/office/drawing/2010/main" val="0"/>
+              </a:ext>
+            </a:extLst>
+          </a:blip>
+          <a:stretch>
+            <a:fillRect/>
+          </a:stretch>
+        </p:blipFill>
+        <p:spPr>
+          <a:xfrm>
+            <a:off x="6338996" y="4684936"/>
+            <a:ext cx="2383290" cy="2383290"/>
+          </a:xfrm>
+          <a:prstGeom prst="rect">
+            <a:avLst/>
+          </a:prstGeom>
+        </p:spPr>
+      </p:pic>
+      <p:pic>
+        <p:nvPicPr>
+          <p:cNvPr id="45" name="図 44" descr="ボトル, 光 が含まれている画像&#10;&#10;自動的に生成された説明">
+            <a:extLst>
+              <a:ext uri="{FF2B5EF4-FFF2-40B4-BE49-F238E27FC236}">
+                <a16:creationId xmlns:a16="http://schemas.microsoft.com/office/drawing/2014/main" id="{83154676-F736-6C27-010B-F6B21C98AB6B}"/>
+              </a:ext>
+            </a:extLst>
+          </p:cNvPr>
+          <p:cNvPicPr>
+            <a:picLocks noChangeAspect="1"/>
+          </p:cNvPicPr>
+          <p:nvPr/>
+        </p:nvPicPr>
+        <p:blipFill>
+          <a:blip r:embed="rId10">
+            <a:extLst>
+              <a:ext uri="{28A0092B-C50C-407E-A947-70E740481C1C}">
+                <a14:useLocalDpi xmlns:a14="http://schemas.microsoft.com/office/drawing/2010/main" val="0"/>
+              </a:ext>
+            </a:extLst>
+          </a:blip>
+          <a:stretch>
+            <a:fillRect/>
+          </a:stretch>
+        </p:blipFill>
+        <p:spPr>
+          <a:xfrm>
+            <a:off x="3599177" y="7308170"/>
+            <a:ext cx="1992433" cy="2370146"/>
+          </a:xfrm>
+          <a:prstGeom prst="rect">
+            <a:avLst/>
+          </a:prstGeom>
+        </p:spPr>
+      </p:pic>
     </p:spTree>
     <p:extLst>
       <p:ext uri="{BB962C8B-B14F-4D97-AF65-F5344CB8AC3E}">
-        <p14:creationId xmlns:p14="http://schemas.microsoft.com/office/powerpoint/2010/main" val="1151847789"/>
+        <p14:creationId xmlns:p14="http://schemas.microsoft.com/office/powerpoint/2010/main" val="3948473721"/>
       </p:ext>
     </p:extLst>
   </p:cSld>
@@ -7730,10 +7789,10 @@
       </p:sp>
       <p:sp>
         <p:nvSpPr>
-          <p:cNvPr id="51" name="テキスト ボックス 50">
-            <a:extLst>
-              <a:ext uri="{FF2B5EF4-FFF2-40B4-BE49-F238E27FC236}">
-                <a16:creationId xmlns:a16="http://schemas.microsoft.com/office/drawing/2014/main" id="{F935C9D4-4F98-B490-D1AA-FB1DB20F5A81}"/>
+          <p:cNvPr id="52" name="テキスト ボックス 51">
+            <a:extLst>
+              <a:ext uri="{FF2B5EF4-FFF2-40B4-BE49-F238E27FC236}">
+                <a16:creationId xmlns:a16="http://schemas.microsoft.com/office/drawing/2014/main" id="{52D7A579-0CF5-A572-2765-1FB7CEF7FFE6}"/>
               </a:ext>
             </a:extLst>
           </p:cNvPr>
@@ -7742,8 +7801,8 @@
         </p:nvSpPr>
         <p:spPr>
           <a:xfrm>
-            <a:off x="313286" y="9978979"/>
-            <a:ext cx="1641765" cy="369332"/>
+            <a:off x="329020" y="106452"/>
+            <a:ext cx="2329767" cy="369332"/>
           </a:xfrm>
           <a:prstGeom prst="rect">
             <a:avLst/>
@@ -7757,47 +7816,8 @@
           <a:lstStyle/>
           <a:p>
             <a:r>
-              <a:rPr kumimoji="1" lang="ja-JP" altLang="en-US" dirty="0">
-                <a:solidFill>
-                  <a:schemeClr val="bg1"/>
-                </a:solidFill>
-              </a:rPr>
-              <a:t>お問い合わせ</a:t>
-            </a:r>
-          </a:p>
-        </p:txBody>
-      </p:sp>
-      <p:sp>
-        <p:nvSpPr>
-          <p:cNvPr id="52" name="テキスト ボックス 51">
-            <a:extLst>
-              <a:ext uri="{FF2B5EF4-FFF2-40B4-BE49-F238E27FC236}">
-                <a16:creationId xmlns:a16="http://schemas.microsoft.com/office/drawing/2014/main" id="{52D7A579-0CF5-A572-2765-1FB7CEF7FFE6}"/>
-              </a:ext>
-            </a:extLst>
-          </p:cNvPr>
-          <p:cNvSpPr txBox="1"/>
-          <p:nvPr/>
-        </p:nvSpPr>
-        <p:spPr>
-          <a:xfrm>
-            <a:off x="313286" y="106452"/>
-            <a:ext cx="1856139" cy="369332"/>
-          </a:xfrm>
-          <a:prstGeom prst="rect">
-            <a:avLst/>
-          </a:prstGeom>
-          <a:noFill/>
-        </p:spPr>
-        <p:txBody>
-          <a:bodyPr wrap="square" rtlCol="0">
-            <a:spAutoFit/>
-          </a:bodyPr>
-          <a:lstStyle/>
-          <a:p>
-            <a:r>
               <a:rPr kumimoji="1" lang="ja-JP" altLang="en-US" dirty="0"/>
-              <a:t>アイテムの詳細</a:t>
+              <a:t>コーディネート詳細</a:t>
             </a:r>
           </a:p>
         </p:txBody>
@@ -8002,10 +8022,125 @@
       </p:sp>
       <p:sp>
         <p:nvSpPr>
-          <p:cNvPr id="13" name="四角形: 角を丸くする 12">
-            <a:extLst>
-              <a:ext uri="{FF2B5EF4-FFF2-40B4-BE49-F238E27FC236}">
-                <a16:creationId xmlns:a16="http://schemas.microsoft.com/office/drawing/2014/main" id="{3A2167E7-4A71-7C8F-D435-009A587A0DE1}"/>
+          <p:cNvPr id="9" name="テキスト ボックス 8">
+            <a:extLst>
+              <a:ext uri="{FF2B5EF4-FFF2-40B4-BE49-F238E27FC236}">
+                <a16:creationId xmlns:a16="http://schemas.microsoft.com/office/drawing/2014/main" id="{7F691F2A-09CB-D2CB-2FA9-EECC6D128823}"/>
+              </a:ext>
+            </a:extLst>
+          </p:cNvPr>
+          <p:cNvSpPr txBox="1"/>
+          <p:nvPr/>
+        </p:nvSpPr>
+        <p:spPr>
+          <a:xfrm>
+            <a:off x="1148118" y="8017222"/>
+            <a:ext cx="1391097" cy="369332"/>
+          </a:xfrm>
+          <a:prstGeom prst="rect">
+            <a:avLst/>
+          </a:prstGeom>
+          <a:noFill/>
+        </p:spPr>
+        <p:txBody>
+          <a:bodyPr wrap="square" rtlCol="0">
+            <a:spAutoFit/>
+          </a:bodyPr>
+          <a:lstStyle/>
+          <a:p>
+            <a:r>
+              <a:rPr kumimoji="1" lang="ja-JP" altLang="en-US" dirty="0"/>
+              <a:t>スカート</a:t>
+            </a:r>
+          </a:p>
+        </p:txBody>
+      </p:sp>
+      <p:sp>
+        <p:nvSpPr>
+          <p:cNvPr id="10" name="テキスト ボックス 9">
+            <a:extLst>
+              <a:ext uri="{FF2B5EF4-FFF2-40B4-BE49-F238E27FC236}">
+                <a16:creationId xmlns:a16="http://schemas.microsoft.com/office/drawing/2014/main" id="{9E6870A7-713C-89D7-5A00-90AB745240FA}"/>
+              </a:ext>
+            </a:extLst>
+          </p:cNvPr>
+          <p:cNvSpPr txBox="1"/>
+          <p:nvPr/>
+        </p:nvSpPr>
+        <p:spPr>
+          <a:xfrm>
+            <a:off x="1558707" y="8381813"/>
+            <a:ext cx="1799902" cy="369332"/>
+          </a:xfrm>
+          <a:prstGeom prst="rect">
+            <a:avLst/>
+          </a:prstGeom>
+          <a:noFill/>
+        </p:spPr>
+        <p:txBody>
+          <a:bodyPr wrap="square" rtlCol="0">
+            <a:spAutoFit/>
+          </a:bodyPr>
+          <a:lstStyle/>
+          <a:p>
+            <a:r>
+              <a:rPr kumimoji="1" lang="ja-JP" altLang="en-US"/>
+              <a:t>ブランド：</a:t>
+            </a:r>
+            <a:r>
+              <a:rPr kumimoji="1" lang="en-US" altLang="ja-JP"/>
+              <a:t>ABC</a:t>
+            </a:r>
+            <a:endParaRPr kumimoji="1" lang="ja-JP" altLang="en-US" dirty="0"/>
+          </a:p>
+        </p:txBody>
+      </p:sp>
+      <p:sp>
+        <p:nvSpPr>
+          <p:cNvPr id="24" name="テキスト ボックス 23">
+            <a:extLst>
+              <a:ext uri="{FF2B5EF4-FFF2-40B4-BE49-F238E27FC236}">
+                <a16:creationId xmlns:a16="http://schemas.microsoft.com/office/drawing/2014/main" id="{4F4F3098-EC68-BF82-E0D2-3D6B942B737A}"/>
+              </a:ext>
+            </a:extLst>
+          </p:cNvPr>
+          <p:cNvSpPr txBox="1"/>
+          <p:nvPr/>
+        </p:nvSpPr>
+        <p:spPr>
+          <a:xfrm>
+            <a:off x="1542973" y="8736940"/>
+            <a:ext cx="1391097" cy="369332"/>
+          </a:xfrm>
+          <a:prstGeom prst="rect">
+            <a:avLst/>
+          </a:prstGeom>
+          <a:noFill/>
+        </p:spPr>
+        <p:txBody>
+          <a:bodyPr wrap="square" rtlCol="0">
+            <a:spAutoFit/>
+          </a:bodyPr>
+          <a:lstStyle/>
+          <a:p>
+            <a:r>
+              <a:rPr kumimoji="1" lang="ja-JP" altLang="en-US" dirty="0"/>
+              <a:t>サイズ：</a:t>
+            </a:r>
+            <a:r>
+              <a:rPr kumimoji="1" lang="en-US" altLang="ja-JP" dirty="0"/>
+              <a:t>S</a:t>
+            </a:r>
+            <a:endParaRPr kumimoji="1" lang="ja-JP" altLang="en-US" dirty="0"/>
+          </a:p>
+        </p:txBody>
+      </p:sp>
+      <p:sp>
+        <p:nvSpPr>
+          <p:cNvPr id="2" name="正方形/長方形 1">
+            <a:extLst>
+              <a:ext uri="{FF2B5EF4-FFF2-40B4-BE49-F238E27FC236}">
+                <a16:creationId xmlns:a16="http://schemas.microsoft.com/office/drawing/2014/main" id="{67B68080-4B52-EB41-3451-50046BB6C903}"/>
               </a:ext>
             </a:extLst>
           </p:cNvPr>
@@ -8014,7 +8149,51 @@
         </p:nvSpPr>
         <p:spPr>
           <a:xfrm>
-            <a:off x="6689635" y="7312409"/>
+            <a:off x="3890" y="1570624"/>
+            <a:ext cx="8995647" cy="4086666"/>
+          </a:xfrm>
+          <a:prstGeom prst="rect">
+            <a:avLst/>
+          </a:prstGeom>
+        </p:spPr>
+        <p:style>
+          <a:lnRef idx="2">
+            <a:schemeClr val="dk1"/>
+          </a:lnRef>
+          <a:fillRef idx="1">
+            <a:schemeClr val="lt1"/>
+          </a:fillRef>
+          <a:effectRef idx="0">
+            <a:schemeClr val="dk1"/>
+          </a:effectRef>
+          <a:fontRef idx="minor">
+            <a:schemeClr val="dk1"/>
+          </a:fontRef>
+        </p:style>
+        <p:txBody>
+          <a:bodyPr rtlCol="0" anchor="ctr"/>
+          <a:lstStyle/>
+          <a:p>
+            <a:pPr algn="ctr"/>
+            <a:endParaRPr kumimoji="1" lang="ja-JP" altLang="en-US"/>
+          </a:p>
+        </p:txBody>
+      </p:sp>
+      <p:sp>
+        <p:nvSpPr>
+          <p:cNvPr id="22" name="四角形: 角を丸くする 21">
+            <a:extLst>
+              <a:ext uri="{FF2B5EF4-FFF2-40B4-BE49-F238E27FC236}">
+                <a16:creationId xmlns:a16="http://schemas.microsoft.com/office/drawing/2014/main" id="{E02D7466-1E29-CDC0-1475-B53E3926D771}"/>
+              </a:ext>
+            </a:extLst>
+          </p:cNvPr>
+          <p:cNvSpPr/>
+          <p:nvPr/>
+        </p:nvSpPr>
+        <p:spPr>
+          <a:xfrm>
+            <a:off x="7238971" y="8815332"/>
             <a:ext cx="1206224" cy="397637"/>
           </a:xfrm>
           <a:prstGeom prst="roundRect">
@@ -8050,10 +8229,10 @@
       </p:sp>
       <p:sp>
         <p:nvSpPr>
-          <p:cNvPr id="2" name="正方形/長方形 1">
-            <a:extLst>
-              <a:ext uri="{FF2B5EF4-FFF2-40B4-BE49-F238E27FC236}">
-                <a16:creationId xmlns:a16="http://schemas.microsoft.com/office/drawing/2014/main" id="{67B68080-4B52-EB41-3451-50046BB6C903}"/>
+          <p:cNvPr id="23" name="四角形: 角を丸くする 22">
+            <a:extLst>
+              <a:ext uri="{FF2B5EF4-FFF2-40B4-BE49-F238E27FC236}">
+                <a16:creationId xmlns:a16="http://schemas.microsoft.com/office/drawing/2014/main" id="{38399239-CD69-32A3-099D-9B5FD03483FE}"/>
               </a:ext>
             </a:extLst>
           </p:cNvPr>
@@ -8062,52 +8241,8 @@
         </p:nvSpPr>
         <p:spPr>
           <a:xfrm>
-            <a:off x="3890" y="1570624"/>
-            <a:ext cx="8995647" cy="4086666"/>
-          </a:xfrm>
-          <a:prstGeom prst="rect">
-            <a:avLst/>
-          </a:prstGeom>
-        </p:spPr>
-        <p:style>
-          <a:lnRef idx="2">
-            <a:schemeClr val="dk1"/>
-          </a:lnRef>
-          <a:fillRef idx="1">
-            <a:schemeClr val="lt1"/>
-          </a:fillRef>
-          <a:effectRef idx="0">
-            <a:schemeClr val="dk1"/>
-          </a:effectRef>
-          <a:fontRef idx="minor">
-            <a:schemeClr val="dk1"/>
-          </a:fontRef>
-        </p:style>
-        <p:txBody>
-          <a:bodyPr rtlCol="0" anchor="ctr"/>
-          <a:lstStyle/>
-          <a:p>
-            <a:pPr algn="ctr"/>
-            <a:endParaRPr kumimoji="1" lang="ja-JP" altLang="en-US"/>
-          </a:p>
-        </p:txBody>
-      </p:sp>
-      <p:sp>
-        <p:nvSpPr>
-          <p:cNvPr id="22" name="四角形: 角を丸くする 21">
-            <a:extLst>
-              <a:ext uri="{FF2B5EF4-FFF2-40B4-BE49-F238E27FC236}">
-                <a16:creationId xmlns:a16="http://schemas.microsoft.com/office/drawing/2014/main" id="{A7BAEDD6-E666-202E-E353-84CE65FBDDE9}"/>
-              </a:ext>
-            </a:extLst>
-          </p:cNvPr>
-          <p:cNvSpPr/>
-          <p:nvPr/>
-        </p:nvSpPr>
-        <p:spPr>
-          <a:xfrm>
-            <a:off x="6689635" y="6748744"/>
-            <a:ext cx="1149312" cy="464390"/>
+            <a:off x="7268760" y="7298092"/>
+            <a:ext cx="1206224" cy="397637"/>
           </a:xfrm>
           <a:prstGeom prst="roundRect">
             <a:avLst/>
@@ -8134,89 +8269,18 @@
             <a:pPr algn="ctr"/>
             <a:r>
               <a:rPr kumimoji="1" lang="en-US" altLang="ja-JP" dirty="0"/>
-              <a:t>Update</a:t>
-            </a:r>
-          </a:p>
-        </p:txBody>
-      </p:sp>
-      <p:pic>
-        <p:nvPicPr>
-          <p:cNvPr id="11" name="図 10" descr="アイコン&#10;&#10;自動的に生成された説明">
-            <a:extLst>
-              <a:ext uri="{FF2B5EF4-FFF2-40B4-BE49-F238E27FC236}">
-                <a16:creationId xmlns:a16="http://schemas.microsoft.com/office/drawing/2014/main" id="{BA3B52EB-8CFC-5C44-67D7-0F9A7CFA762E}"/>
-              </a:ext>
-            </a:extLst>
-          </p:cNvPr>
-          <p:cNvPicPr>
-            <a:picLocks noChangeAspect="1"/>
-          </p:cNvPicPr>
-          <p:nvPr/>
-        </p:nvPicPr>
-        <p:blipFill>
-          <a:blip r:embed="rId2">
-            <a:extLst>
-              <a:ext uri="{28A0092B-C50C-407E-A947-70E740481C1C}">
-                <a14:useLocalDpi xmlns:a14="http://schemas.microsoft.com/office/drawing/2010/main" val="0"/>
-              </a:ext>
-            </a:extLst>
-          </a:blip>
-          <a:stretch>
-            <a:fillRect/>
-          </a:stretch>
-        </p:blipFill>
-        <p:spPr>
-          <a:xfrm>
-            <a:off x="8288930" y="7362883"/>
-            <a:ext cx="548380" cy="305185"/>
-          </a:xfrm>
-          <a:prstGeom prst="rect">
-            <a:avLst/>
-          </a:prstGeom>
-        </p:spPr>
-      </p:pic>
-      <p:pic>
-        <p:nvPicPr>
-          <p:cNvPr id="14" name="図 13" descr="アイコン&#10;&#10;自動的に生成された説明">
-            <a:extLst>
-              <a:ext uri="{FF2B5EF4-FFF2-40B4-BE49-F238E27FC236}">
-                <a16:creationId xmlns:a16="http://schemas.microsoft.com/office/drawing/2014/main" id="{1BD79F5D-0705-EC06-A08E-5826544E9032}"/>
-              </a:ext>
-            </a:extLst>
-          </p:cNvPr>
-          <p:cNvPicPr>
-            <a:picLocks noChangeAspect="1"/>
-          </p:cNvPicPr>
-          <p:nvPr/>
-        </p:nvPicPr>
-        <p:blipFill>
-          <a:blip r:embed="rId3">
-            <a:extLst>
-              <a:ext uri="{28A0092B-C50C-407E-A947-70E740481C1C}">
-                <a14:useLocalDpi xmlns:a14="http://schemas.microsoft.com/office/drawing/2010/main" val="0"/>
-              </a:ext>
-            </a:extLst>
-          </a:blip>
-          <a:stretch>
-            <a:fillRect/>
-          </a:stretch>
-        </p:blipFill>
-        <p:spPr>
-          <a:xfrm>
-            <a:off x="8367324" y="6761808"/>
-            <a:ext cx="357880" cy="380654"/>
-          </a:xfrm>
-          <a:prstGeom prst="rect">
-            <a:avLst/>
-          </a:prstGeom>
-        </p:spPr>
-      </p:pic>
-      <p:sp>
-        <p:nvSpPr>
-          <p:cNvPr id="31" name="四角形: 角を丸くする 30">
-            <a:extLst>
-              <a:ext uri="{FF2B5EF4-FFF2-40B4-BE49-F238E27FC236}">
-                <a16:creationId xmlns:a16="http://schemas.microsoft.com/office/drawing/2014/main" id="{E6A4B94C-82A5-4966-FB36-BF3CE72CF110}"/>
+              <a:t>More info</a:t>
+            </a:r>
+            <a:endParaRPr kumimoji="1" lang="ja-JP" altLang="en-US" dirty="0"/>
+          </a:p>
+        </p:txBody>
+      </p:sp>
+      <p:sp>
+        <p:nvSpPr>
+          <p:cNvPr id="3" name="四角形: 角を丸くする 2">
+            <a:extLst>
+              <a:ext uri="{FF2B5EF4-FFF2-40B4-BE49-F238E27FC236}">
+                <a16:creationId xmlns:a16="http://schemas.microsoft.com/office/drawing/2014/main" id="{76236FC8-F47A-3AA2-F42F-32EA941BE22C}"/>
               </a:ext>
             </a:extLst>
           </p:cNvPr>
@@ -8225,7 +8289,7 @@
         </p:nvSpPr>
         <p:spPr>
           <a:xfrm>
-            <a:off x="6703653" y="7853777"/>
+            <a:off x="7242969" y="6774873"/>
             <a:ext cx="997527" cy="369329"/>
           </a:xfrm>
           <a:prstGeom prst="roundRect">
@@ -8259,10 +8323,106 @@
           </a:p>
         </p:txBody>
       </p:sp>
+      <p:sp>
+        <p:nvSpPr>
+          <p:cNvPr id="25" name="四角形: 角を丸くする 24">
+            <a:extLst>
+              <a:ext uri="{FF2B5EF4-FFF2-40B4-BE49-F238E27FC236}">
+                <a16:creationId xmlns:a16="http://schemas.microsoft.com/office/drawing/2014/main" id="{499F5FE1-67F5-E4D1-9A3D-BC1889979130}"/>
+              </a:ext>
+            </a:extLst>
+          </p:cNvPr>
+          <p:cNvSpPr/>
+          <p:nvPr/>
+        </p:nvSpPr>
+        <p:spPr>
+          <a:xfrm>
+            <a:off x="7242969" y="8218009"/>
+            <a:ext cx="997527" cy="369329"/>
+          </a:xfrm>
+          <a:prstGeom prst="roundRect">
+            <a:avLst/>
+          </a:prstGeom>
+        </p:spPr>
+        <p:style>
+          <a:lnRef idx="1">
+            <a:schemeClr val="accent3"/>
+          </a:lnRef>
+          <a:fillRef idx="2">
+            <a:schemeClr val="accent3"/>
+          </a:fillRef>
+          <a:effectRef idx="1">
+            <a:schemeClr val="accent3"/>
+          </a:effectRef>
+          <a:fontRef idx="minor">
+            <a:schemeClr val="dk1"/>
+          </a:fontRef>
+        </p:style>
+        <p:txBody>
+          <a:bodyPr rtlCol="0" anchor="ctr"/>
+          <a:lstStyle/>
+          <a:p>
+            <a:pPr algn="ctr"/>
+            <a:r>
+              <a:rPr kumimoji="1" lang="en-US" altLang="ja-JP" dirty="0"/>
+              <a:t>Delete</a:t>
+            </a:r>
+            <a:endParaRPr kumimoji="1" lang="ja-JP" altLang="en-US" dirty="0"/>
+          </a:p>
+        </p:txBody>
+      </p:sp>
+      <p:sp>
+        <p:nvSpPr>
+          <p:cNvPr id="11" name="四角形: 角を丸くする 10">
+            <a:extLst>
+              <a:ext uri="{FF2B5EF4-FFF2-40B4-BE49-F238E27FC236}">
+                <a16:creationId xmlns:a16="http://schemas.microsoft.com/office/drawing/2014/main" id="{CE4B7C6D-8D43-1C69-BA0C-55342D15A4F4}"/>
+              </a:ext>
+            </a:extLst>
+          </p:cNvPr>
+          <p:cNvSpPr/>
+          <p:nvPr/>
+        </p:nvSpPr>
+        <p:spPr>
+          <a:xfrm>
+            <a:off x="6451870" y="9467482"/>
+            <a:ext cx="2330344" cy="461662"/>
+          </a:xfrm>
+          <a:prstGeom prst="roundRect">
+            <a:avLst/>
+          </a:prstGeom>
+        </p:spPr>
+        <p:style>
+          <a:lnRef idx="1">
+            <a:schemeClr val="accent3"/>
+          </a:lnRef>
+          <a:fillRef idx="2">
+            <a:schemeClr val="accent3"/>
+          </a:fillRef>
+          <a:effectRef idx="1">
+            <a:schemeClr val="accent3"/>
+          </a:effectRef>
+          <a:fontRef idx="minor">
+            <a:schemeClr val="dk1"/>
+          </a:fontRef>
+        </p:style>
+        <p:txBody>
+          <a:bodyPr rtlCol="0" anchor="ctr"/>
+          <a:lstStyle/>
+          <a:p>
+            <a:pPr algn="ctr"/>
+            <a:r>
+              <a:rPr kumimoji="1" lang="en-US" altLang="ja-JP" dirty="0"/>
+              <a:t>Delete this look</a:t>
+            </a:r>
+            <a:endParaRPr kumimoji="1" lang="ja-JP" altLang="en-US" dirty="0"/>
+          </a:p>
+        </p:txBody>
+      </p:sp>
     </p:spTree>
     <p:extLst>
       <p:ext uri="{BB962C8B-B14F-4D97-AF65-F5344CB8AC3E}">
-        <p14:creationId xmlns:p14="http://schemas.microsoft.com/office/powerpoint/2010/main" val="172660750"/>
+        <p14:creationId xmlns:p14="http://schemas.microsoft.com/office/powerpoint/2010/main" val="1151847789"/>
       </p:ext>
     </p:extLst>
   </p:cSld>
@@ -8605,10 +8765,10 @@
       </p:sp>
       <p:sp>
         <p:nvSpPr>
-          <p:cNvPr id="51" name="テキスト ボックス 50">
-            <a:extLst>
-              <a:ext uri="{FF2B5EF4-FFF2-40B4-BE49-F238E27FC236}">
-                <a16:creationId xmlns:a16="http://schemas.microsoft.com/office/drawing/2014/main" id="{F935C9D4-4F98-B490-D1AA-FB1DB20F5A81}"/>
+          <p:cNvPr id="52" name="テキスト ボックス 51">
+            <a:extLst>
+              <a:ext uri="{FF2B5EF4-FFF2-40B4-BE49-F238E27FC236}">
+                <a16:creationId xmlns:a16="http://schemas.microsoft.com/office/drawing/2014/main" id="{52D7A579-0CF5-A572-2765-1FB7CEF7FFE6}"/>
               </a:ext>
             </a:extLst>
           </p:cNvPr>
@@ -8617,8 +8777,8 @@
         </p:nvSpPr>
         <p:spPr>
           <a:xfrm>
-            <a:off x="313286" y="9978979"/>
-            <a:ext cx="1641765" cy="369332"/>
+            <a:off x="313286" y="106452"/>
+            <a:ext cx="1856139" cy="369332"/>
           </a:xfrm>
           <a:prstGeom prst="rect">
             <a:avLst/>
@@ -8632,22 +8792,63 @@
           <a:lstStyle/>
           <a:p>
             <a:r>
-              <a:rPr kumimoji="1" lang="ja-JP" altLang="en-US" dirty="0">
-                <a:solidFill>
-                  <a:schemeClr val="bg1"/>
-                </a:solidFill>
-              </a:rPr>
-              <a:t>お問い合わせ</a:t>
-            </a:r>
-          </a:p>
-        </p:txBody>
-      </p:sp>
-      <p:sp>
-        <p:nvSpPr>
-          <p:cNvPr id="52" name="テキスト ボックス 51">
-            <a:extLst>
-              <a:ext uri="{FF2B5EF4-FFF2-40B4-BE49-F238E27FC236}">
-                <a16:creationId xmlns:a16="http://schemas.microsoft.com/office/drawing/2014/main" id="{52D7A579-0CF5-A572-2765-1FB7CEF7FFE6}"/>
+              <a:rPr kumimoji="1" lang="ja-JP" altLang="en-US" dirty="0"/>
+              <a:t>アイテムの詳細</a:t>
+            </a:r>
+          </a:p>
+        </p:txBody>
+      </p:sp>
+      <p:cxnSp>
+        <p:nvCxnSpPr>
+          <p:cNvPr id="4" name="直線コネクタ 3">
+            <a:extLst>
+              <a:ext uri="{FF2B5EF4-FFF2-40B4-BE49-F238E27FC236}">
+                <a16:creationId xmlns:a16="http://schemas.microsoft.com/office/drawing/2014/main" id="{F57ED3D8-CA10-241B-3D5C-AF89219A37F1}"/>
+              </a:ext>
+            </a:extLst>
+          </p:cNvPr>
+          <p:cNvCxnSpPr/>
+          <p:nvPr/>
+        </p:nvCxnSpPr>
+        <p:spPr>
+          <a:xfrm>
+            <a:off x="0" y="5756564"/>
+            <a:ext cx="8999538" cy="0"/>
+          </a:xfrm>
+          <a:prstGeom prst="line">
+            <a:avLst/>
+          </a:prstGeom>
+          <a:ln w="9525" cap="flat" cmpd="sng" algn="ctr">
+            <a:solidFill>
+              <a:schemeClr val="accent3"/>
+            </a:solidFill>
+            <a:prstDash val="dash"/>
+            <a:round/>
+            <a:headEnd type="none" w="med" len="med"/>
+            <a:tailEnd type="none" w="med" len="med"/>
+          </a:ln>
+        </p:spPr>
+        <p:style>
+          <a:lnRef idx="0">
+            <a:scrgbClr r="0" g="0" b="0"/>
+          </a:lnRef>
+          <a:fillRef idx="0">
+            <a:scrgbClr r="0" g="0" b="0"/>
+          </a:fillRef>
+          <a:effectRef idx="0">
+            <a:scrgbClr r="0" g="0" b="0"/>
+          </a:effectRef>
+          <a:fontRef idx="minor">
+            <a:schemeClr val="tx1"/>
+          </a:fontRef>
+        </p:style>
+      </p:cxnSp>
+      <p:sp>
+        <p:nvSpPr>
+          <p:cNvPr id="5" name="テキスト ボックス 4">
+            <a:extLst>
+              <a:ext uri="{FF2B5EF4-FFF2-40B4-BE49-F238E27FC236}">
+                <a16:creationId xmlns:a16="http://schemas.microsoft.com/office/drawing/2014/main" id="{FDD34ECB-190B-EF47-A4CD-87E9C979AB00}"/>
               </a:ext>
             </a:extLst>
           </p:cNvPr>
@@ -8656,8 +8857,8 @@
         </p:nvSpPr>
         <p:spPr>
           <a:xfrm>
-            <a:off x="313286" y="106452"/>
-            <a:ext cx="2575387" cy="369332"/>
+            <a:off x="666649" y="5938356"/>
+            <a:ext cx="2593178" cy="461665"/>
           </a:xfrm>
           <a:prstGeom prst="rect">
             <a:avLst/>
@@ -8671,18 +8872,21 @@
           <a:lstStyle/>
           <a:p>
             <a:r>
-              <a:rPr kumimoji="1" lang="ja-JP" altLang="en-US" dirty="0"/>
-              <a:t>アイテム登録</a:t>
-            </a:r>
-          </a:p>
-        </p:txBody>
-      </p:sp>
-      <p:sp>
-        <p:nvSpPr>
-          <p:cNvPr id="3" name="テキスト ボックス 2">
-            <a:extLst>
-              <a:ext uri="{FF2B5EF4-FFF2-40B4-BE49-F238E27FC236}">
-                <a16:creationId xmlns:a16="http://schemas.microsoft.com/office/drawing/2014/main" id="{F3E136A2-0DB7-AF46-5457-741C6EFFEB6B}"/>
+              <a:rPr kumimoji="1" lang="ja-JP" altLang="en-US" sz="2400" dirty="0">
+                <a:latin typeface="HGP創英角ﾎﾟｯﾌﾟ体" panose="040B0A00000000000000" pitchFamily="50" charset="-128"/>
+                <a:ea typeface="HGP創英角ﾎﾟｯﾌﾟ体" panose="040B0A00000000000000" pitchFamily="50" charset="-128"/>
+              </a:rPr>
+              <a:t>アイテム情報</a:t>
+            </a:r>
+          </a:p>
+        </p:txBody>
+      </p:sp>
+      <p:sp>
+        <p:nvSpPr>
+          <p:cNvPr id="6" name="テキスト ボックス 5">
+            <a:extLst>
+              <a:ext uri="{FF2B5EF4-FFF2-40B4-BE49-F238E27FC236}">
+                <a16:creationId xmlns:a16="http://schemas.microsoft.com/office/drawing/2014/main" id="{7D8D091D-D44E-2ABB-3EE1-034218F6ADB8}"/>
               </a:ext>
             </a:extLst>
           </p:cNvPr>
@@ -8691,8 +8895,8 @@
         </p:nvSpPr>
         <p:spPr>
           <a:xfrm>
-            <a:off x="734282" y="5551462"/>
-            <a:ext cx="1941027" cy="369332"/>
+            <a:off x="1134168" y="6617043"/>
+            <a:ext cx="1799902" cy="369332"/>
           </a:xfrm>
           <a:prstGeom prst="rect">
             <a:avLst/>
@@ -8707,17 +8911,97 @@
           <a:p>
             <a:r>
               <a:rPr kumimoji="1" lang="ja-JP" altLang="en-US" dirty="0"/>
-              <a:t>アイテム情報</a:t>
-            </a:r>
-          </a:p>
-        </p:txBody>
-      </p:sp>
-      <p:sp>
-        <p:nvSpPr>
-          <p:cNvPr id="4" name="四角形: 角を丸くする 3">
-            <a:extLst>
-              <a:ext uri="{FF2B5EF4-FFF2-40B4-BE49-F238E27FC236}">
-                <a16:creationId xmlns:a16="http://schemas.microsoft.com/office/drawing/2014/main" id="{36511605-7A4A-EDD8-AE88-269729E9D126}"/>
+              <a:t>トップス</a:t>
+            </a:r>
+          </a:p>
+        </p:txBody>
+      </p:sp>
+      <p:sp>
+        <p:nvSpPr>
+          <p:cNvPr id="7" name="テキスト ボックス 6">
+            <a:extLst>
+              <a:ext uri="{FF2B5EF4-FFF2-40B4-BE49-F238E27FC236}">
+                <a16:creationId xmlns:a16="http://schemas.microsoft.com/office/drawing/2014/main" id="{AE2F1094-A9E6-445B-BBCD-94D2D5ABBAD6}"/>
+              </a:ext>
+            </a:extLst>
+          </p:cNvPr>
+          <p:cNvSpPr txBox="1"/>
+          <p:nvPr/>
+        </p:nvSpPr>
+        <p:spPr>
+          <a:xfrm>
+            <a:off x="1662545" y="7023526"/>
+            <a:ext cx="1799902" cy="369332"/>
+          </a:xfrm>
+          <a:prstGeom prst="rect">
+            <a:avLst/>
+          </a:prstGeom>
+          <a:noFill/>
+        </p:spPr>
+        <p:txBody>
+          <a:bodyPr wrap="square" rtlCol="0">
+            <a:spAutoFit/>
+          </a:bodyPr>
+          <a:lstStyle/>
+          <a:p>
+            <a:r>
+              <a:rPr kumimoji="1" lang="ja-JP" altLang="en-US" dirty="0"/>
+              <a:t>ブランド：</a:t>
+            </a:r>
+            <a:r>
+              <a:rPr kumimoji="1" lang="en-US" altLang="ja-JP" dirty="0"/>
+              <a:t>ABC</a:t>
+            </a:r>
+            <a:endParaRPr kumimoji="1" lang="ja-JP" altLang="en-US" dirty="0"/>
+          </a:p>
+        </p:txBody>
+      </p:sp>
+      <p:sp>
+        <p:nvSpPr>
+          <p:cNvPr id="8" name="テキスト ボックス 7">
+            <a:extLst>
+              <a:ext uri="{FF2B5EF4-FFF2-40B4-BE49-F238E27FC236}">
+                <a16:creationId xmlns:a16="http://schemas.microsoft.com/office/drawing/2014/main" id="{6633F854-03DF-28B8-BA9C-980933137F0C}"/>
+              </a:ext>
+            </a:extLst>
+          </p:cNvPr>
+          <p:cNvSpPr txBox="1"/>
+          <p:nvPr/>
+        </p:nvSpPr>
+        <p:spPr>
+          <a:xfrm>
+            <a:off x="1678279" y="7392493"/>
+            <a:ext cx="1391097" cy="369332"/>
+          </a:xfrm>
+          <a:prstGeom prst="rect">
+            <a:avLst/>
+          </a:prstGeom>
+          <a:noFill/>
+        </p:spPr>
+        <p:txBody>
+          <a:bodyPr wrap="square" rtlCol="0">
+            <a:spAutoFit/>
+          </a:bodyPr>
+          <a:lstStyle/>
+          <a:p>
+            <a:r>
+              <a:rPr kumimoji="1" lang="ja-JP" altLang="en-US" dirty="0"/>
+              <a:t>サイズ：</a:t>
+            </a:r>
+            <a:r>
+              <a:rPr kumimoji="1" lang="en-US" altLang="ja-JP" dirty="0"/>
+              <a:t>M</a:t>
+            </a:r>
+            <a:endParaRPr kumimoji="1" lang="ja-JP" altLang="en-US" dirty="0"/>
+          </a:p>
+        </p:txBody>
+      </p:sp>
+      <p:sp>
+        <p:nvSpPr>
+          <p:cNvPr id="2" name="正方形/長方形 1">
+            <a:extLst>
+              <a:ext uri="{FF2B5EF4-FFF2-40B4-BE49-F238E27FC236}">
+                <a16:creationId xmlns:a16="http://schemas.microsoft.com/office/drawing/2014/main" id="{67B68080-4B52-EB41-3451-50046BB6C903}"/>
               </a:ext>
             </a:extLst>
           </p:cNvPr>
@@ -8726,8 +9010,52 @@
         </p:nvSpPr>
         <p:spPr>
           <a:xfrm>
-            <a:off x="1095719" y="5915845"/>
-            <a:ext cx="1718663" cy="369328"/>
+            <a:off x="3890" y="1570624"/>
+            <a:ext cx="8995647" cy="4086666"/>
+          </a:xfrm>
+          <a:prstGeom prst="rect">
+            <a:avLst/>
+          </a:prstGeom>
+        </p:spPr>
+        <p:style>
+          <a:lnRef idx="2">
+            <a:schemeClr val="dk1"/>
+          </a:lnRef>
+          <a:fillRef idx="1">
+            <a:schemeClr val="lt1"/>
+          </a:fillRef>
+          <a:effectRef idx="0">
+            <a:schemeClr val="dk1"/>
+          </a:effectRef>
+          <a:fontRef idx="minor">
+            <a:schemeClr val="dk1"/>
+          </a:fontRef>
+        </p:style>
+        <p:txBody>
+          <a:bodyPr rtlCol="0" anchor="ctr"/>
+          <a:lstStyle/>
+          <a:p>
+            <a:pPr algn="ctr"/>
+            <a:endParaRPr kumimoji="1" lang="ja-JP" altLang="en-US"/>
+          </a:p>
+        </p:txBody>
+      </p:sp>
+      <p:sp>
+        <p:nvSpPr>
+          <p:cNvPr id="22" name="四角形: 角を丸くする 21">
+            <a:extLst>
+              <a:ext uri="{FF2B5EF4-FFF2-40B4-BE49-F238E27FC236}">
+                <a16:creationId xmlns:a16="http://schemas.microsoft.com/office/drawing/2014/main" id="{A7BAEDD6-E666-202E-E353-84CE65FBDDE9}"/>
+              </a:ext>
+            </a:extLst>
+          </p:cNvPr>
+          <p:cNvSpPr/>
+          <p:nvPr/>
+        </p:nvSpPr>
+        <p:spPr>
+          <a:xfrm>
+            <a:off x="6689635" y="6748744"/>
+            <a:ext cx="1149312" cy="464390"/>
           </a:xfrm>
           <a:prstGeom prst="roundRect">
             <a:avLst/>
@@ -8751,230 +9079,20 @@
           <a:bodyPr rtlCol="0" anchor="ctr"/>
           <a:lstStyle/>
           <a:p>
-            <a:r>
-              <a:rPr kumimoji="1" lang="ja-JP" altLang="en-US" dirty="0"/>
-              <a:t>トップス</a:t>
-            </a:r>
-          </a:p>
-        </p:txBody>
-      </p:sp>
-      <p:sp>
-        <p:nvSpPr>
-          <p:cNvPr id="5" name="二等辺三角形 4">
-            <a:extLst>
-              <a:ext uri="{FF2B5EF4-FFF2-40B4-BE49-F238E27FC236}">
-                <a16:creationId xmlns:a16="http://schemas.microsoft.com/office/drawing/2014/main" id="{2B2F61DD-25AF-8A78-86ED-020542E8F940}"/>
-              </a:ext>
-            </a:extLst>
-          </p:cNvPr>
-          <p:cNvSpPr/>
-          <p:nvPr/>
-        </p:nvSpPr>
-        <p:spPr>
-          <a:xfrm rot="10800000">
-            <a:off x="2488272" y="6049607"/>
-            <a:ext cx="187037" cy="145472"/>
-          </a:xfrm>
-          <a:prstGeom prst="triangle">
-            <a:avLst/>
-          </a:prstGeom>
-          <a:solidFill>
-            <a:schemeClr val="tx1">
-              <a:lumMod val="65000"/>
-              <a:lumOff val="35000"/>
-            </a:schemeClr>
-          </a:solidFill>
-        </p:spPr>
-        <p:style>
-          <a:lnRef idx="2">
-            <a:schemeClr val="dk1">
-              <a:shade val="50000"/>
-            </a:schemeClr>
-          </a:lnRef>
-          <a:fillRef idx="1">
-            <a:schemeClr val="dk1"/>
-          </a:fillRef>
-          <a:effectRef idx="0">
-            <a:schemeClr val="dk1"/>
-          </a:effectRef>
-          <a:fontRef idx="minor">
-            <a:schemeClr val="lt1"/>
-          </a:fontRef>
-        </p:style>
-        <p:txBody>
-          <a:bodyPr rtlCol="0" anchor="ctr"/>
-          <a:lstStyle/>
-          <a:p>
             <a:pPr algn="ctr"/>
-            <a:endParaRPr kumimoji="1" lang="ja-JP" altLang="en-US"/>
-          </a:p>
-        </p:txBody>
-      </p:sp>
-      <p:sp>
-        <p:nvSpPr>
-          <p:cNvPr id="6" name="正方形/長方形 5">
-            <a:extLst>
-              <a:ext uri="{FF2B5EF4-FFF2-40B4-BE49-F238E27FC236}">
-                <a16:creationId xmlns:a16="http://schemas.microsoft.com/office/drawing/2014/main" id="{3865C760-3798-C15A-C52C-CD0152BC8612}"/>
-              </a:ext>
-            </a:extLst>
-          </p:cNvPr>
-          <p:cNvSpPr/>
-          <p:nvPr/>
-        </p:nvSpPr>
-        <p:spPr>
-          <a:xfrm>
-            <a:off x="2169425" y="2348345"/>
-            <a:ext cx="4660688" cy="2580554"/>
-          </a:xfrm>
-          <a:prstGeom prst="rect">
-            <a:avLst/>
-          </a:prstGeom>
-        </p:spPr>
-        <p:style>
-          <a:lnRef idx="2">
-            <a:schemeClr val="dk1"/>
-          </a:lnRef>
-          <a:fillRef idx="1">
-            <a:schemeClr val="lt1"/>
-          </a:fillRef>
-          <a:effectRef idx="0">
-            <a:schemeClr val="dk1"/>
-          </a:effectRef>
-          <a:fontRef idx="minor">
-            <a:schemeClr val="dk1"/>
-          </a:fontRef>
-        </p:style>
-        <p:txBody>
-          <a:bodyPr rtlCol="0" anchor="ctr"/>
-          <a:lstStyle/>
-          <a:p>
-            <a:pPr algn="ctr"/>
-            <a:endParaRPr kumimoji="1" lang="ja-JP" altLang="en-US"/>
-          </a:p>
-        </p:txBody>
-      </p:sp>
-      <p:sp>
-        <p:nvSpPr>
-          <p:cNvPr id="7" name="テキスト ボックス 6">
-            <a:extLst>
-              <a:ext uri="{FF2B5EF4-FFF2-40B4-BE49-F238E27FC236}">
-                <a16:creationId xmlns:a16="http://schemas.microsoft.com/office/drawing/2014/main" id="{C80E9D7A-E0CA-5024-E05D-1F6ADCF19A7D}"/>
-              </a:ext>
-            </a:extLst>
-          </p:cNvPr>
-          <p:cNvSpPr txBox="1"/>
-          <p:nvPr/>
-        </p:nvSpPr>
-        <p:spPr>
-          <a:xfrm>
-            <a:off x="2701636" y="3251248"/>
-            <a:ext cx="3782292" cy="369332"/>
-          </a:xfrm>
-          <a:prstGeom prst="rect">
-            <a:avLst/>
-          </a:prstGeom>
-          <a:noFill/>
-        </p:spPr>
-        <p:txBody>
-          <a:bodyPr wrap="square" rtlCol="0">
-            <a:spAutoFit/>
-          </a:bodyPr>
-          <a:lstStyle/>
-          <a:p>
-            <a:r>
-              <a:rPr kumimoji="1" lang="ja-JP" altLang="en-US" dirty="0"/>
-              <a:t>画像をアップロードしてください</a:t>
-            </a:r>
-          </a:p>
-        </p:txBody>
-      </p:sp>
-      <p:sp>
-        <p:nvSpPr>
-          <p:cNvPr id="25" name="テキスト ボックス 24">
-            <a:extLst>
-              <a:ext uri="{FF2B5EF4-FFF2-40B4-BE49-F238E27FC236}">
-                <a16:creationId xmlns:a16="http://schemas.microsoft.com/office/drawing/2014/main" id="{D65BBFFD-10BE-9E55-7512-687A64387C8F}"/>
-              </a:ext>
-            </a:extLst>
-          </p:cNvPr>
-          <p:cNvSpPr txBox="1"/>
-          <p:nvPr/>
-        </p:nvSpPr>
-        <p:spPr>
-          <a:xfrm>
-            <a:off x="1618200" y="6362934"/>
-            <a:ext cx="1799902" cy="369332"/>
-          </a:xfrm>
-          <a:prstGeom prst="rect">
-            <a:avLst/>
-          </a:prstGeom>
-          <a:noFill/>
-        </p:spPr>
-        <p:txBody>
-          <a:bodyPr wrap="square" rtlCol="0">
-            <a:spAutoFit/>
-          </a:bodyPr>
-          <a:lstStyle/>
-          <a:p>
-            <a:r>
-              <a:rPr kumimoji="1" lang="ja-JP" altLang="en-US" dirty="0"/>
-              <a:t>ブランド：</a:t>
-            </a:r>
             <a:r>
               <a:rPr kumimoji="1" lang="en-US" altLang="ja-JP" dirty="0"/>
-              <a:t>ABC</a:t>
-            </a:r>
-            <a:endParaRPr kumimoji="1" lang="ja-JP" altLang="en-US" dirty="0"/>
-          </a:p>
-        </p:txBody>
-      </p:sp>
-      <p:sp>
-        <p:nvSpPr>
-          <p:cNvPr id="26" name="テキスト ボックス 25">
-            <a:extLst>
-              <a:ext uri="{FF2B5EF4-FFF2-40B4-BE49-F238E27FC236}">
-                <a16:creationId xmlns:a16="http://schemas.microsoft.com/office/drawing/2014/main" id="{F1AE8199-68D9-282B-677D-2C30C714E301}"/>
-              </a:ext>
-            </a:extLst>
-          </p:cNvPr>
-          <p:cNvSpPr txBox="1"/>
-          <p:nvPr/>
-        </p:nvSpPr>
-        <p:spPr>
-          <a:xfrm>
-            <a:off x="1618200" y="6699296"/>
-            <a:ext cx="1391097" cy="369332"/>
-          </a:xfrm>
-          <a:prstGeom prst="rect">
-            <a:avLst/>
-          </a:prstGeom>
-          <a:noFill/>
-        </p:spPr>
-        <p:txBody>
-          <a:bodyPr wrap="square" rtlCol="0">
-            <a:spAutoFit/>
-          </a:bodyPr>
-          <a:lstStyle/>
-          <a:p>
-            <a:r>
-              <a:rPr kumimoji="1" lang="ja-JP" altLang="en-US" dirty="0"/>
-              <a:t>サイズ：</a:t>
-            </a:r>
-            <a:r>
-              <a:rPr kumimoji="1" lang="en-US" altLang="ja-JP" dirty="0"/>
-              <a:t>M</a:t>
-            </a:r>
-            <a:endParaRPr kumimoji="1" lang="ja-JP" altLang="en-US" dirty="0"/>
+              <a:t>Update</a:t>
+            </a:r>
           </a:p>
         </p:txBody>
       </p:sp>
       <p:pic>
         <p:nvPicPr>
-          <p:cNvPr id="9" name="図 8">
-            <a:extLst>
-              <a:ext uri="{FF2B5EF4-FFF2-40B4-BE49-F238E27FC236}">
-                <a16:creationId xmlns:a16="http://schemas.microsoft.com/office/drawing/2014/main" id="{5DF8584F-64E4-1FFF-4A14-32B586AFF26D}"/>
+          <p:cNvPr id="11" name="図 10" descr="アイコン&#10;&#10;自動的に生成された説明">
+            <a:extLst>
+              <a:ext uri="{FF2B5EF4-FFF2-40B4-BE49-F238E27FC236}">
+                <a16:creationId xmlns:a16="http://schemas.microsoft.com/office/drawing/2014/main" id="{BA3B52EB-8CFC-5C44-67D7-0F9A7CFA762E}"/>
               </a:ext>
             </a:extLst>
           </p:cNvPr>
@@ -8984,27 +9102,69 @@
           <p:nvPr/>
         </p:nvPicPr>
         <p:blipFill>
-          <a:blip r:embed="rId2"/>
+          <a:blip r:embed="rId2">
+            <a:extLst>
+              <a:ext uri="{28A0092B-C50C-407E-A947-70E740481C1C}">
+                <a14:useLocalDpi xmlns:a14="http://schemas.microsoft.com/office/drawing/2010/main" val="0"/>
+              </a:ext>
+            </a:extLst>
+          </a:blip>
           <a:stretch>
             <a:fillRect/>
           </a:stretch>
         </p:blipFill>
         <p:spPr>
           <a:xfrm>
-            <a:off x="0" y="5393841"/>
-            <a:ext cx="8999538" cy="12080"/>
+            <a:off x="8288930" y="7362883"/>
+            <a:ext cx="548380" cy="305185"/>
           </a:xfrm>
           <a:prstGeom prst="rect">
             <a:avLst/>
           </a:prstGeom>
         </p:spPr>
       </p:pic>
-      <p:sp>
-        <p:nvSpPr>
-          <p:cNvPr id="19" name="四角形: 角を丸くする 18">
-            <a:extLst>
-              <a:ext uri="{FF2B5EF4-FFF2-40B4-BE49-F238E27FC236}">
-                <a16:creationId xmlns:a16="http://schemas.microsoft.com/office/drawing/2014/main" id="{8E9F0F1B-C698-FFB6-E384-6583763F3E89}"/>
+      <p:pic>
+        <p:nvPicPr>
+          <p:cNvPr id="14" name="図 13" descr="アイコン&#10;&#10;自動的に生成された説明">
+            <a:extLst>
+              <a:ext uri="{FF2B5EF4-FFF2-40B4-BE49-F238E27FC236}">
+                <a16:creationId xmlns:a16="http://schemas.microsoft.com/office/drawing/2014/main" id="{1BD79F5D-0705-EC06-A08E-5826544E9032}"/>
+              </a:ext>
+            </a:extLst>
+          </p:cNvPr>
+          <p:cNvPicPr>
+            <a:picLocks noChangeAspect="1"/>
+          </p:cNvPicPr>
+          <p:nvPr/>
+        </p:nvPicPr>
+        <p:blipFill>
+          <a:blip r:embed="rId3">
+            <a:extLst>
+              <a:ext uri="{28A0092B-C50C-407E-A947-70E740481C1C}">
+                <a14:useLocalDpi xmlns:a14="http://schemas.microsoft.com/office/drawing/2010/main" val="0"/>
+              </a:ext>
+            </a:extLst>
+          </a:blip>
+          <a:stretch>
+            <a:fillRect/>
+          </a:stretch>
+        </p:blipFill>
+        <p:spPr>
+          <a:xfrm>
+            <a:off x="8367324" y="6761808"/>
+            <a:ext cx="357880" cy="380654"/>
+          </a:xfrm>
+          <a:prstGeom prst="rect">
+            <a:avLst/>
+          </a:prstGeom>
+        </p:spPr>
+      </p:pic>
+      <p:sp>
+        <p:nvSpPr>
+          <p:cNvPr id="31" name="四角形: 角を丸くする 30">
+            <a:extLst>
+              <a:ext uri="{FF2B5EF4-FFF2-40B4-BE49-F238E27FC236}">
+                <a16:creationId xmlns:a16="http://schemas.microsoft.com/office/drawing/2014/main" id="{E6A4B94C-82A5-4966-FB36-BF3CE72CF110}"/>
               </a:ext>
             </a:extLst>
           </p:cNvPr>
@@ -9013,8 +9173,8 @@
         </p:nvSpPr>
         <p:spPr>
           <a:xfrm>
-            <a:off x="7711065" y="7228174"/>
-            <a:ext cx="1121207" cy="312248"/>
+            <a:off x="6689635" y="7362883"/>
+            <a:ext cx="997527" cy="369329"/>
           </a:xfrm>
           <a:prstGeom prst="roundRect">
             <a:avLst/>
@@ -9041,7 +9201,7 @@
             <a:pPr algn="ctr"/>
             <a:r>
               <a:rPr kumimoji="1" lang="en-US" altLang="ja-JP" dirty="0"/>
-              <a:t>Register</a:t>
+              <a:t>Delete</a:t>
             </a:r>
             <a:endParaRPr kumimoji="1" lang="ja-JP" altLang="en-US" dirty="0"/>
           </a:p>
@@ -9050,7 +9210,7 @@
     </p:spTree>
     <p:extLst>
       <p:ext uri="{BB962C8B-B14F-4D97-AF65-F5344CB8AC3E}">
-        <p14:creationId xmlns:p14="http://schemas.microsoft.com/office/powerpoint/2010/main" val="312725625"/>
+        <p14:creationId xmlns:p14="http://schemas.microsoft.com/office/powerpoint/2010/main" val="172660750"/>
       </p:ext>
     </p:extLst>
   </p:cSld>
@@ -9393,10 +9553,10 @@
       </p:sp>
       <p:sp>
         <p:nvSpPr>
-          <p:cNvPr id="51" name="テキスト ボックス 50">
-            <a:extLst>
-              <a:ext uri="{FF2B5EF4-FFF2-40B4-BE49-F238E27FC236}">
-                <a16:creationId xmlns:a16="http://schemas.microsoft.com/office/drawing/2014/main" id="{F935C9D4-4F98-B490-D1AA-FB1DB20F5A81}"/>
+          <p:cNvPr id="52" name="テキスト ボックス 51">
+            <a:extLst>
+              <a:ext uri="{FF2B5EF4-FFF2-40B4-BE49-F238E27FC236}">
+                <a16:creationId xmlns:a16="http://schemas.microsoft.com/office/drawing/2014/main" id="{52D7A579-0CF5-A572-2765-1FB7CEF7FFE6}"/>
               </a:ext>
             </a:extLst>
           </p:cNvPr>
@@ -9405,8 +9565,8 @@
         </p:nvSpPr>
         <p:spPr>
           <a:xfrm>
-            <a:off x="313286" y="9978979"/>
-            <a:ext cx="1641765" cy="369332"/>
+            <a:off x="313286" y="106452"/>
+            <a:ext cx="2575387" cy="369332"/>
           </a:xfrm>
           <a:prstGeom prst="rect">
             <a:avLst/>
@@ -9420,13 +9580,723 @@
           <a:lstStyle/>
           <a:p>
             <a:r>
-              <a:rPr kumimoji="1" lang="ja-JP" altLang="en-US" dirty="0">
-                <a:solidFill>
-                  <a:schemeClr val="bg1"/>
-                </a:solidFill>
-              </a:rPr>
-              <a:t>お問い合わせ</a:t>
-            </a:r>
+              <a:rPr kumimoji="1" lang="ja-JP" altLang="en-US" dirty="0"/>
+              <a:t>アイテム登録</a:t>
+            </a:r>
+          </a:p>
+        </p:txBody>
+      </p:sp>
+      <p:sp>
+        <p:nvSpPr>
+          <p:cNvPr id="3" name="テキスト ボックス 2">
+            <a:extLst>
+              <a:ext uri="{FF2B5EF4-FFF2-40B4-BE49-F238E27FC236}">
+                <a16:creationId xmlns:a16="http://schemas.microsoft.com/office/drawing/2014/main" id="{F3E136A2-0DB7-AF46-5457-741C6EFFEB6B}"/>
+              </a:ext>
+            </a:extLst>
+          </p:cNvPr>
+          <p:cNvSpPr txBox="1"/>
+          <p:nvPr/>
+        </p:nvSpPr>
+        <p:spPr>
+          <a:xfrm>
+            <a:off x="734282" y="5551462"/>
+            <a:ext cx="1941027" cy="369332"/>
+          </a:xfrm>
+          <a:prstGeom prst="rect">
+            <a:avLst/>
+          </a:prstGeom>
+          <a:noFill/>
+        </p:spPr>
+        <p:txBody>
+          <a:bodyPr wrap="square" rtlCol="0">
+            <a:spAutoFit/>
+          </a:bodyPr>
+          <a:lstStyle/>
+          <a:p>
+            <a:r>
+              <a:rPr kumimoji="1" lang="ja-JP" altLang="en-US" dirty="0"/>
+              <a:t>アイテム情報</a:t>
+            </a:r>
+          </a:p>
+        </p:txBody>
+      </p:sp>
+      <p:sp>
+        <p:nvSpPr>
+          <p:cNvPr id="4" name="四角形: 角を丸くする 3">
+            <a:extLst>
+              <a:ext uri="{FF2B5EF4-FFF2-40B4-BE49-F238E27FC236}">
+                <a16:creationId xmlns:a16="http://schemas.microsoft.com/office/drawing/2014/main" id="{36511605-7A4A-EDD8-AE88-269729E9D126}"/>
+              </a:ext>
+            </a:extLst>
+          </p:cNvPr>
+          <p:cNvSpPr/>
+          <p:nvPr/>
+        </p:nvSpPr>
+        <p:spPr>
+          <a:xfrm>
+            <a:off x="1095719" y="5915845"/>
+            <a:ext cx="1718663" cy="369328"/>
+          </a:xfrm>
+          <a:prstGeom prst="roundRect">
+            <a:avLst/>
+          </a:prstGeom>
+        </p:spPr>
+        <p:style>
+          <a:lnRef idx="1">
+            <a:schemeClr val="accent3"/>
+          </a:lnRef>
+          <a:fillRef idx="2">
+            <a:schemeClr val="accent3"/>
+          </a:fillRef>
+          <a:effectRef idx="1">
+            <a:schemeClr val="accent3"/>
+          </a:effectRef>
+          <a:fontRef idx="minor">
+            <a:schemeClr val="dk1"/>
+          </a:fontRef>
+        </p:style>
+        <p:txBody>
+          <a:bodyPr rtlCol="0" anchor="ctr"/>
+          <a:lstStyle/>
+          <a:p>
+            <a:r>
+              <a:rPr kumimoji="1" lang="ja-JP" altLang="en-US" dirty="0"/>
+              <a:t>トップス</a:t>
+            </a:r>
+          </a:p>
+        </p:txBody>
+      </p:sp>
+      <p:sp>
+        <p:nvSpPr>
+          <p:cNvPr id="5" name="二等辺三角形 4">
+            <a:extLst>
+              <a:ext uri="{FF2B5EF4-FFF2-40B4-BE49-F238E27FC236}">
+                <a16:creationId xmlns:a16="http://schemas.microsoft.com/office/drawing/2014/main" id="{2B2F61DD-25AF-8A78-86ED-020542E8F940}"/>
+              </a:ext>
+            </a:extLst>
+          </p:cNvPr>
+          <p:cNvSpPr/>
+          <p:nvPr/>
+        </p:nvSpPr>
+        <p:spPr>
+          <a:xfrm rot="10800000">
+            <a:off x="2488272" y="6049607"/>
+            <a:ext cx="187037" cy="145472"/>
+          </a:xfrm>
+          <a:prstGeom prst="triangle">
+            <a:avLst/>
+          </a:prstGeom>
+          <a:solidFill>
+            <a:schemeClr val="tx1">
+              <a:lumMod val="65000"/>
+              <a:lumOff val="35000"/>
+            </a:schemeClr>
+          </a:solidFill>
+        </p:spPr>
+        <p:style>
+          <a:lnRef idx="2">
+            <a:schemeClr val="dk1">
+              <a:shade val="50000"/>
+            </a:schemeClr>
+          </a:lnRef>
+          <a:fillRef idx="1">
+            <a:schemeClr val="dk1"/>
+          </a:fillRef>
+          <a:effectRef idx="0">
+            <a:schemeClr val="dk1"/>
+          </a:effectRef>
+          <a:fontRef idx="minor">
+            <a:schemeClr val="lt1"/>
+          </a:fontRef>
+        </p:style>
+        <p:txBody>
+          <a:bodyPr rtlCol="0" anchor="ctr"/>
+          <a:lstStyle/>
+          <a:p>
+            <a:pPr algn="ctr"/>
+            <a:endParaRPr kumimoji="1" lang="ja-JP" altLang="en-US"/>
+          </a:p>
+        </p:txBody>
+      </p:sp>
+      <p:sp>
+        <p:nvSpPr>
+          <p:cNvPr id="6" name="正方形/長方形 5">
+            <a:extLst>
+              <a:ext uri="{FF2B5EF4-FFF2-40B4-BE49-F238E27FC236}">
+                <a16:creationId xmlns:a16="http://schemas.microsoft.com/office/drawing/2014/main" id="{3865C760-3798-C15A-C52C-CD0152BC8612}"/>
+              </a:ext>
+            </a:extLst>
+          </p:cNvPr>
+          <p:cNvSpPr/>
+          <p:nvPr/>
+        </p:nvSpPr>
+        <p:spPr>
+          <a:xfrm>
+            <a:off x="2169425" y="2348345"/>
+            <a:ext cx="4660688" cy="2580554"/>
+          </a:xfrm>
+          <a:prstGeom prst="rect">
+            <a:avLst/>
+          </a:prstGeom>
+        </p:spPr>
+        <p:style>
+          <a:lnRef idx="2">
+            <a:schemeClr val="dk1"/>
+          </a:lnRef>
+          <a:fillRef idx="1">
+            <a:schemeClr val="lt1"/>
+          </a:fillRef>
+          <a:effectRef idx="0">
+            <a:schemeClr val="dk1"/>
+          </a:effectRef>
+          <a:fontRef idx="minor">
+            <a:schemeClr val="dk1"/>
+          </a:fontRef>
+        </p:style>
+        <p:txBody>
+          <a:bodyPr rtlCol="0" anchor="ctr"/>
+          <a:lstStyle/>
+          <a:p>
+            <a:pPr algn="ctr"/>
+            <a:endParaRPr kumimoji="1" lang="ja-JP" altLang="en-US"/>
+          </a:p>
+        </p:txBody>
+      </p:sp>
+      <p:sp>
+        <p:nvSpPr>
+          <p:cNvPr id="7" name="テキスト ボックス 6">
+            <a:extLst>
+              <a:ext uri="{FF2B5EF4-FFF2-40B4-BE49-F238E27FC236}">
+                <a16:creationId xmlns:a16="http://schemas.microsoft.com/office/drawing/2014/main" id="{C80E9D7A-E0CA-5024-E05D-1F6ADCF19A7D}"/>
+              </a:ext>
+            </a:extLst>
+          </p:cNvPr>
+          <p:cNvSpPr txBox="1"/>
+          <p:nvPr/>
+        </p:nvSpPr>
+        <p:spPr>
+          <a:xfrm>
+            <a:off x="2701636" y="3251248"/>
+            <a:ext cx="3782292" cy="369332"/>
+          </a:xfrm>
+          <a:prstGeom prst="rect">
+            <a:avLst/>
+          </a:prstGeom>
+          <a:noFill/>
+        </p:spPr>
+        <p:txBody>
+          <a:bodyPr wrap="square" rtlCol="0">
+            <a:spAutoFit/>
+          </a:bodyPr>
+          <a:lstStyle/>
+          <a:p>
+            <a:r>
+              <a:rPr kumimoji="1" lang="ja-JP" altLang="en-US" dirty="0"/>
+              <a:t>画像をアップロードしてください</a:t>
+            </a:r>
+          </a:p>
+        </p:txBody>
+      </p:sp>
+      <p:sp>
+        <p:nvSpPr>
+          <p:cNvPr id="25" name="テキスト ボックス 24">
+            <a:extLst>
+              <a:ext uri="{FF2B5EF4-FFF2-40B4-BE49-F238E27FC236}">
+                <a16:creationId xmlns:a16="http://schemas.microsoft.com/office/drawing/2014/main" id="{D65BBFFD-10BE-9E55-7512-687A64387C8F}"/>
+              </a:ext>
+            </a:extLst>
+          </p:cNvPr>
+          <p:cNvSpPr txBox="1"/>
+          <p:nvPr/>
+        </p:nvSpPr>
+        <p:spPr>
+          <a:xfrm>
+            <a:off x="1618200" y="6362934"/>
+            <a:ext cx="1799902" cy="369332"/>
+          </a:xfrm>
+          <a:prstGeom prst="rect">
+            <a:avLst/>
+          </a:prstGeom>
+          <a:noFill/>
+        </p:spPr>
+        <p:txBody>
+          <a:bodyPr wrap="square" rtlCol="0">
+            <a:spAutoFit/>
+          </a:bodyPr>
+          <a:lstStyle/>
+          <a:p>
+            <a:r>
+              <a:rPr kumimoji="1" lang="ja-JP" altLang="en-US" dirty="0"/>
+              <a:t>ブランド：</a:t>
+            </a:r>
+            <a:r>
+              <a:rPr kumimoji="1" lang="en-US" altLang="ja-JP" dirty="0"/>
+              <a:t>ABC</a:t>
+            </a:r>
+            <a:endParaRPr kumimoji="1" lang="ja-JP" altLang="en-US" dirty="0"/>
+          </a:p>
+        </p:txBody>
+      </p:sp>
+      <p:sp>
+        <p:nvSpPr>
+          <p:cNvPr id="26" name="テキスト ボックス 25">
+            <a:extLst>
+              <a:ext uri="{FF2B5EF4-FFF2-40B4-BE49-F238E27FC236}">
+                <a16:creationId xmlns:a16="http://schemas.microsoft.com/office/drawing/2014/main" id="{F1AE8199-68D9-282B-677D-2C30C714E301}"/>
+              </a:ext>
+            </a:extLst>
+          </p:cNvPr>
+          <p:cNvSpPr txBox="1"/>
+          <p:nvPr/>
+        </p:nvSpPr>
+        <p:spPr>
+          <a:xfrm>
+            <a:off x="1618200" y="6699296"/>
+            <a:ext cx="1391097" cy="369332"/>
+          </a:xfrm>
+          <a:prstGeom prst="rect">
+            <a:avLst/>
+          </a:prstGeom>
+          <a:noFill/>
+        </p:spPr>
+        <p:txBody>
+          <a:bodyPr wrap="square" rtlCol="0">
+            <a:spAutoFit/>
+          </a:bodyPr>
+          <a:lstStyle/>
+          <a:p>
+            <a:r>
+              <a:rPr kumimoji="1" lang="ja-JP" altLang="en-US" dirty="0"/>
+              <a:t>サイズ：</a:t>
+            </a:r>
+            <a:r>
+              <a:rPr kumimoji="1" lang="en-US" altLang="ja-JP" dirty="0"/>
+              <a:t>M</a:t>
+            </a:r>
+            <a:endParaRPr kumimoji="1" lang="ja-JP" altLang="en-US" dirty="0"/>
+          </a:p>
+        </p:txBody>
+      </p:sp>
+      <p:pic>
+        <p:nvPicPr>
+          <p:cNvPr id="9" name="図 8">
+            <a:extLst>
+              <a:ext uri="{FF2B5EF4-FFF2-40B4-BE49-F238E27FC236}">
+                <a16:creationId xmlns:a16="http://schemas.microsoft.com/office/drawing/2014/main" id="{5DF8584F-64E4-1FFF-4A14-32B586AFF26D}"/>
+              </a:ext>
+            </a:extLst>
+          </p:cNvPr>
+          <p:cNvPicPr>
+            <a:picLocks noChangeAspect="1"/>
+          </p:cNvPicPr>
+          <p:nvPr/>
+        </p:nvPicPr>
+        <p:blipFill>
+          <a:blip r:embed="rId2"/>
+          <a:stretch>
+            <a:fillRect/>
+          </a:stretch>
+        </p:blipFill>
+        <p:spPr>
+          <a:xfrm>
+            <a:off x="0" y="5393841"/>
+            <a:ext cx="8999538" cy="12080"/>
+          </a:xfrm>
+          <a:prstGeom prst="rect">
+            <a:avLst/>
+          </a:prstGeom>
+        </p:spPr>
+      </p:pic>
+      <p:sp>
+        <p:nvSpPr>
+          <p:cNvPr id="19" name="四角形: 角を丸くする 18">
+            <a:extLst>
+              <a:ext uri="{FF2B5EF4-FFF2-40B4-BE49-F238E27FC236}">
+                <a16:creationId xmlns:a16="http://schemas.microsoft.com/office/drawing/2014/main" id="{8E9F0F1B-C698-FFB6-E384-6583763F3E89}"/>
+              </a:ext>
+            </a:extLst>
+          </p:cNvPr>
+          <p:cNvSpPr/>
+          <p:nvPr/>
+        </p:nvSpPr>
+        <p:spPr>
+          <a:xfrm>
+            <a:off x="7711065" y="7228174"/>
+            <a:ext cx="1121207" cy="312248"/>
+          </a:xfrm>
+          <a:prstGeom prst="roundRect">
+            <a:avLst/>
+          </a:prstGeom>
+        </p:spPr>
+        <p:style>
+          <a:lnRef idx="1">
+            <a:schemeClr val="accent3"/>
+          </a:lnRef>
+          <a:fillRef idx="2">
+            <a:schemeClr val="accent3"/>
+          </a:fillRef>
+          <a:effectRef idx="1">
+            <a:schemeClr val="accent3"/>
+          </a:effectRef>
+          <a:fontRef idx="minor">
+            <a:schemeClr val="dk1"/>
+          </a:fontRef>
+        </p:style>
+        <p:txBody>
+          <a:bodyPr rtlCol="0" anchor="ctr"/>
+          <a:lstStyle/>
+          <a:p>
+            <a:pPr algn="ctr"/>
+            <a:r>
+              <a:rPr kumimoji="1" lang="en-US" altLang="ja-JP" dirty="0"/>
+              <a:t>Register</a:t>
+            </a:r>
+            <a:endParaRPr kumimoji="1" lang="ja-JP" altLang="en-US" dirty="0"/>
+          </a:p>
+        </p:txBody>
+      </p:sp>
+    </p:spTree>
+    <p:extLst>
+      <p:ext uri="{BB962C8B-B14F-4D97-AF65-F5344CB8AC3E}">
+        <p14:creationId xmlns:p14="http://schemas.microsoft.com/office/powerpoint/2010/main" val="312725625"/>
+      </p:ext>
+    </p:extLst>
+  </p:cSld>
+  <p:clrMapOvr>
+    <a:masterClrMapping/>
+  </p:clrMapOvr>
+</p:sld>
+</file>
+
+<file path=ppt/slides/slide9.xml><?xml version="1.0" encoding="utf-8"?>
+<p:sld xmlns:a="http://schemas.openxmlformats.org/drawingml/2006/main" xmlns:r="http://schemas.openxmlformats.org/officeDocument/2006/relationships" xmlns:p="http://schemas.openxmlformats.org/presentationml/2006/main">
+  <p:cSld>
+    <p:spTree>
+      <p:nvGrpSpPr>
+        <p:cNvPr id="1" name=""/>
+        <p:cNvGrpSpPr/>
+        <p:nvPr/>
+      </p:nvGrpSpPr>
+      <p:grpSpPr>
+        <a:xfrm>
+          <a:off x="0" y="0"/>
+          <a:ext cx="0" cy="0"/>
+          <a:chOff x="0" y="0"/>
+          <a:chExt cx="0" cy="0"/>
+        </a:xfrm>
+      </p:grpSpPr>
+      <p:sp>
+        <p:nvSpPr>
+          <p:cNvPr id="29" name="テキスト ボックス 28">
+            <a:extLst>
+              <a:ext uri="{FF2B5EF4-FFF2-40B4-BE49-F238E27FC236}">
+                <a16:creationId xmlns:a16="http://schemas.microsoft.com/office/drawing/2014/main" id="{3D25E513-500A-5183-F054-2C11A1A194EE}"/>
+              </a:ext>
+            </a:extLst>
+          </p:cNvPr>
+          <p:cNvSpPr txBox="1"/>
+          <p:nvPr/>
+        </p:nvSpPr>
+        <p:spPr>
+          <a:xfrm>
+            <a:off x="8206707" y="106452"/>
+            <a:ext cx="792831" cy="507831"/>
+          </a:xfrm>
+          <a:prstGeom prst="rect">
+            <a:avLst/>
+          </a:prstGeom>
+          <a:noFill/>
+        </p:spPr>
+        <p:txBody>
+          <a:bodyPr wrap="square" rtlCol="0">
+            <a:spAutoFit/>
+          </a:bodyPr>
+          <a:lstStyle/>
+          <a:p>
+            <a:r>
+              <a:rPr kumimoji="1" lang="ja-JP" altLang="en-US" sz="900" dirty="0"/>
+              <a:t>ーー</a:t>
+            </a:r>
+            <a:endParaRPr kumimoji="1" lang="en-US" altLang="ja-JP" sz="900" dirty="0"/>
+          </a:p>
+          <a:p>
+            <a:r>
+              <a:rPr kumimoji="1" lang="ja-JP" altLang="en-US" sz="900" dirty="0"/>
+              <a:t>ーー</a:t>
+            </a:r>
+            <a:endParaRPr kumimoji="1" lang="en-US" altLang="ja-JP" sz="900" dirty="0"/>
+          </a:p>
+          <a:p>
+            <a:r>
+              <a:rPr kumimoji="1" lang="ja-JP" altLang="en-US" sz="900" dirty="0"/>
+              <a:t>ーー</a:t>
+            </a:r>
+          </a:p>
+        </p:txBody>
+      </p:sp>
+      <p:sp>
+        <p:nvSpPr>
+          <p:cNvPr id="30" name="リボン: 上に曲がる 29">
+            <a:extLst>
+              <a:ext uri="{FF2B5EF4-FFF2-40B4-BE49-F238E27FC236}">
+                <a16:creationId xmlns:a16="http://schemas.microsoft.com/office/drawing/2014/main" id="{5DE70570-FFCE-6168-A5C5-7792F7750ADB}"/>
+              </a:ext>
+            </a:extLst>
+          </p:cNvPr>
+          <p:cNvSpPr/>
+          <p:nvPr/>
+        </p:nvSpPr>
+        <p:spPr>
+          <a:xfrm>
+            <a:off x="2169425" y="351195"/>
+            <a:ext cx="4660688" cy="896399"/>
+          </a:xfrm>
+          <a:prstGeom prst="ribbon2">
+            <a:avLst/>
+          </a:prstGeom>
+        </p:spPr>
+        <p:style>
+          <a:lnRef idx="2">
+            <a:schemeClr val="dk1">
+              <a:shade val="50000"/>
+            </a:schemeClr>
+          </a:lnRef>
+          <a:fillRef idx="1">
+            <a:schemeClr val="dk1"/>
+          </a:fillRef>
+          <a:effectRef idx="0">
+            <a:schemeClr val="dk1"/>
+          </a:effectRef>
+          <a:fontRef idx="minor">
+            <a:schemeClr val="lt1"/>
+          </a:fontRef>
+        </p:style>
+        <p:txBody>
+          <a:bodyPr rtlCol="0" anchor="ctr"/>
+          <a:lstStyle/>
+          <a:p>
+            <a:pPr algn="ctr"/>
+            <a:r>
+              <a:rPr kumimoji="1" lang="en-US" altLang="ja-JP" sz="3600" dirty="0"/>
+              <a:t>LOGO</a:t>
+            </a:r>
+            <a:endParaRPr kumimoji="1" lang="ja-JP" altLang="en-US" sz="3600" dirty="0"/>
+          </a:p>
+        </p:txBody>
+      </p:sp>
+      <p:cxnSp>
+        <p:nvCxnSpPr>
+          <p:cNvPr id="32" name="直線コネクタ 31">
+            <a:extLst>
+              <a:ext uri="{FF2B5EF4-FFF2-40B4-BE49-F238E27FC236}">
+                <a16:creationId xmlns:a16="http://schemas.microsoft.com/office/drawing/2014/main" id="{76AAD5FF-E3A5-EB37-699E-02B851D90469}"/>
+              </a:ext>
+            </a:extLst>
+          </p:cNvPr>
+          <p:cNvCxnSpPr/>
+          <p:nvPr/>
+        </p:nvCxnSpPr>
+        <p:spPr>
+          <a:xfrm>
+            <a:off x="0" y="1558636"/>
+            <a:ext cx="8999538" cy="0"/>
+          </a:xfrm>
+          <a:prstGeom prst="line">
+            <a:avLst/>
+          </a:prstGeom>
+        </p:spPr>
+        <p:style>
+          <a:lnRef idx="1">
+            <a:schemeClr val="dk1"/>
+          </a:lnRef>
+          <a:fillRef idx="0">
+            <a:schemeClr val="dk1"/>
+          </a:fillRef>
+          <a:effectRef idx="0">
+            <a:schemeClr val="dk1"/>
+          </a:effectRef>
+          <a:fontRef idx="minor">
+            <a:schemeClr val="tx1"/>
+          </a:fontRef>
+        </p:style>
+      </p:cxnSp>
+      <p:sp>
+        <p:nvSpPr>
+          <p:cNvPr id="38" name="太陽 37">
+            <a:extLst>
+              <a:ext uri="{FF2B5EF4-FFF2-40B4-BE49-F238E27FC236}">
+                <a16:creationId xmlns:a16="http://schemas.microsoft.com/office/drawing/2014/main" id="{E85D0F8E-1F7E-F9CD-FB2A-608F88DBCF33}"/>
+              </a:ext>
+            </a:extLst>
+          </p:cNvPr>
+          <p:cNvSpPr/>
+          <p:nvPr/>
+        </p:nvSpPr>
+        <p:spPr>
+          <a:xfrm>
+            <a:off x="7617042" y="826686"/>
+            <a:ext cx="509660" cy="457199"/>
+          </a:xfrm>
+          <a:prstGeom prst="sun">
+            <a:avLst/>
+          </a:prstGeom>
+        </p:spPr>
+        <p:style>
+          <a:lnRef idx="2">
+            <a:schemeClr val="dk1"/>
+          </a:lnRef>
+          <a:fillRef idx="1">
+            <a:schemeClr val="lt1"/>
+          </a:fillRef>
+          <a:effectRef idx="0">
+            <a:schemeClr val="dk1"/>
+          </a:effectRef>
+          <a:fontRef idx="minor">
+            <a:schemeClr val="dk1"/>
+          </a:fontRef>
+        </p:style>
+        <p:txBody>
+          <a:bodyPr rtlCol="0" anchor="ctr"/>
+          <a:lstStyle/>
+          <a:p>
+            <a:pPr algn="ctr"/>
+            <a:endParaRPr kumimoji="1" lang="ja-JP" altLang="en-US"/>
+          </a:p>
+        </p:txBody>
+      </p:sp>
+      <p:sp>
+        <p:nvSpPr>
+          <p:cNvPr id="39" name="テキスト ボックス 38">
+            <a:extLst>
+              <a:ext uri="{FF2B5EF4-FFF2-40B4-BE49-F238E27FC236}">
+                <a16:creationId xmlns:a16="http://schemas.microsoft.com/office/drawing/2014/main" id="{C79CDC0E-C0FA-1C31-BB6A-26B12B6429B8}"/>
+              </a:ext>
+            </a:extLst>
+          </p:cNvPr>
+          <p:cNvSpPr txBox="1"/>
+          <p:nvPr/>
+        </p:nvSpPr>
+        <p:spPr>
+          <a:xfrm>
+            <a:off x="8126702" y="889034"/>
+            <a:ext cx="436418" cy="369332"/>
+          </a:xfrm>
+          <a:prstGeom prst="rect">
+            <a:avLst/>
+          </a:prstGeom>
+          <a:noFill/>
+        </p:spPr>
+        <p:txBody>
+          <a:bodyPr wrap="square" rtlCol="0">
+            <a:spAutoFit/>
+          </a:bodyPr>
+          <a:lstStyle/>
+          <a:p>
+            <a:r>
+              <a:rPr kumimoji="1" lang="en-US" altLang="ja-JP" dirty="0"/>
+              <a:t>/</a:t>
+            </a:r>
+            <a:endParaRPr kumimoji="1" lang="ja-JP" altLang="en-US" dirty="0"/>
+          </a:p>
+        </p:txBody>
+      </p:sp>
+      <p:sp>
+        <p:nvSpPr>
+          <p:cNvPr id="40" name="テキスト ボックス 39">
+            <a:extLst>
+              <a:ext uri="{FF2B5EF4-FFF2-40B4-BE49-F238E27FC236}">
+                <a16:creationId xmlns:a16="http://schemas.microsoft.com/office/drawing/2014/main" id="{3805D789-838E-C787-2AEC-0D4D5CD3952E}"/>
+              </a:ext>
+            </a:extLst>
+          </p:cNvPr>
+          <p:cNvSpPr txBox="1"/>
+          <p:nvPr/>
+        </p:nvSpPr>
+        <p:spPr>
+          <a:xfrm>
+            <a:off x="8240496" y="870619"/>
+            <a:ext cx="832284" cy="369332"/>
+          </a:xfrm>
+          <a:prstGeom prst="rect">
+            <a:avLst/>
+          </a:prstGeom>
+          <a:noFill/>
+        </p:spPr>
+        <p:txBody>
+          <a:bodyPr wrap="square" rtlCol="0">
+            <a:spAutoFit/>
+          </a:bodyPr>
+          <a:lstStyle/>
+          <a:p>
+            <a:r>
+              <a:rPr kumimoji="1" lang="en-US" altLang="ja-JP" dirty="0"/>
+              <a:t>50</a:t>
+            </a:r>
+            <a:r>
+              <a:rPr kumimoji="1" lang="ja-JP" altLang="en-US" dirty="0"/>
+              <a:t>％</a:t>
+            </a:r>
+          </a:p>
+        </p:txBody>
+      </p:sp>
+      <p:sp>
+        <p:nvSpPr>
+          <p:cNvPr id="50" name="正方形/長方形 49">
+            <a:extLst>
+              <a:ext uri="{FF2B5EF4-FFF2-40B4-BE49-F238E27FC236}">
+                <a16:creationId xmlns:a16="http://schemas.microsoft.com/office/drawing/2014/main" id="{5804D86F-64EB-1D8D-01F4-835390986837}"/>
+              </a:ext>
+            </a:extLst>
+          </p:cNvPr>
+          <p:cNvSpPr/>
+          <p:nvPr/>
+        </p:nvSpPr>
+        <p:spPr>
+          <a:xfrm>
+            <a:off x="0" y="9896860"/>
+            <a:ext cx="8999538" cy="902903"/>
+          </a:xfrm>
+          <a:prstGeom prst="rect">
+            <a:avLst/>
+          </a:prstGeom>
+          <a:solidFill>
+            <a:schemeClr val="tx2">
+              <a:lumMod val="40000"/>
+              <a:lumOff val="60000"/>
+            </a:schemeClr>
+          </a:solidFill>
+          <a:ln>
+            <a:solidFill>
+              <a:schemeClr val="tx2">
+                <a:lumMod val="40000"/>
+                <a:lumOff val="60000"/>
+              </a:schemeClr>
+            </a:solidFill>
+          </a:ln>
+        </p:spPr>
+        <p:style>
+          <a:lnRef idx="2">
+            <a:schemeClr val="dk1">
+              <a:shade val="50000"/>
+            </a:schemeClr>
+          </a:lnRef>
+          <a:fillRef idx="1">
+            <a:schemeClr val="dk1"/>
+          </a:fillRef>
+          <a:effectRef idx="0">
+            <a:schemeClr val="dk1"/>
+          </a:effectRef>
+          <a:fontRef idx="minor">
+            <a:schemeClr val="lt1"/>
+          </a:fontRef>
+        </p:style>
+        <p:txBody>
+          <a:bodyPr rtlCol="0" anchor="ctr"/>
+          <a:lstStyle/>
+          <a:p>
+            <a:pPr algn="ctr"/>
+            <a:endParaRPr kumimoji="1" lang="ja-JP" altLang="en-US"/>
           </a:p>
         </p:txBody>
       </p:sp>

--- a/doc/デザイン.pptx
+++ b/doc/デザイン.pptx
@@ -7761,7 +7761,7 @@
         <p:spPr>
           <a:xfrm>
             <a:off x="313286" y="106452"/>
-            <a:ext cx="1349259" cy="369332"/>
+            <a:ext cx="2326005" cy="369332"/>
           </a:xfrm>
           <a:prstGeom prst="rect">
             <a:avLst/>
@@ -7776,7 +7776,7 @@
           <a:p>
             <a:r>
               <a:rPr kumimoji="1" lang="ja-JP" altLang="en-US" dirty="0"/>
-              <a:t>検索一覧</a:t>
+              <a:t>コーディネート検索</a:t>
             </a:r>
           </a:p>
         </p:txBody>
@@ -9829,8 +9829,9 @@
           <a:p>
             <a:r>
               <a:rPr kumimoji="1" lang="ja-JP" altLang="en-US" dirty="0"/>
-              <a:t>アイテム一覧</a:t>
-            </a:r>
+              <a:t>アイテム検索</a:t>
+            </a:r>
+            <a:endParaRPr kumimoji="1" lang="en-US" altLang="ja-JP" dirty="0"/>
           </a:p>
         </p:txBody>
       </p:sp>

--- a/doc/デザイン.pptx
+++ b/doc/デザイン.pptx
@@ -11,10 +11,11 @@
     <p:sldId id="259" r:id="rId5"/>
     <p:sldId id="267" r:id="rId6"/>
     <p:sldId id="266" r:id="rId7"/>
-    <p:sldId id="260" r:id="rId8"/>
-    <p:sldId id="265" r:id="rId9"/>
-    <p:sldId id="261" r:id="rId10"/>
-    <p:sldId id="262" r:id="rId11"/>
+    <p:sldId id="268" r:id="rId8"/>
+    <p:sldId id="260" r:id="rId9"/>
+    <p:sldId id="265" r:id="rId10"/>
+    <p:sldId id="261" r:id="rId11"/>
+    <p:sldId id="262" r:id="rId12"/>
   </p:sldIdLst>
   <p:sldSz cx="8999538" cy="10799763"/>
   <p:notesSz cx="6858000" cy="9144000"/>
@@ -4216,6 +4217,755 @@
           <a:p>
             <a:r>
               <a:rPr kumimoji="1" lang="ja-JP" altLang="en-US" dirty="0"/>
+              <a:t>アイテム登録</a:t>
+            </a:r>
+          </a:p>
+        </p:txBody>
+      </p:sp>
+      <p:sp>
+        <p:nvSpPr>
+          <p:cNvPr id="3" name="テキスト ボックス 2">
+            <a:extLst>
+              <a:ext uri="{FF2B5EF4-FFF2-40B4-BE49-F238E27FC236}">
+                <a16:creationId xmlns:a16="http://schemas.microsoft.com/office/drawing/2014/main" id="{F3E136A2-0DB7-AF46-5457-741C6EFFEB6B}"/>
+              </a:ext>
+            </a:extLst>
+          </p:cNvPr>
+          <p:cNvSpPr txBox="1"/>
+          <p:nvPr/>
+        </p:nvSpPr>
+        <p:spPr>
+          <a:xfrm>
+            <a:off x="734282" y="5551462"/>
+            <a:ext cx="1941027" cy="369332"/>
+          </a:xfrm>
+          <a:prstGeom prst="rect">
+            <a:avLst/>
+          </a:prstGeom>
+          <a:noFill/>
+        </p:spPr>
+        <p:txBody>
+          <a:bodyPr wrap="square" rtlCol="0">
+            <a:spAutoFit/>
+          </a:bodyPr>
+          <a:lstStyle/>
+          <a:p>
+            <a:r>
+              <a:rPr kumimoji="1" lang="ja-JP" altLang="en-US" dirty="0"/>
+              <a:t>アイテム情報</a:t>
+            </a:r>
+          </a:p>
+        </p:txBody>
+      </p:sp>
+      <p:sp>
+        <p:nvSpPr>
+          <p:cNvPr id="4" name="四角形: 角を丸くする 3">
+            <a:extLst>
+              <a:ext uri="{FF2B5EF4-FFF2-40B4-BE49-F238E27FC236}">
+                <a16:creationId xmlns:a16="http://schemas.microsoft.com/office/drawing/2014/main" id="{36511605-7A4A-EDD8-AE88-269729E9D126}"/>
+              </a:ext>
+            </a:extLst>
+          </p:cNvPr>
+          <p:cNvSpPr/>
+          <p:nvPr/>
+        </p:nvSpPr>
+        <p:spPr>
+          <a:xfrm>
+            <a:off x="1095719" y="5915845"/>
+            <a:ext cx="1718663" cy="369328"/>
+          </a:xfrm>
+          <a:prstGeom prst="roundRect">
+            <a:avLst/>
+          </a:prstGeom>
+        </p:spPr>
+        <p:style>
+          <a:lnRef idx="1">
+            <a:schemeClr val="accent3"/>
+          </a:lnRef>
+          <a:fillRef idx="2">
+            <a:schemeClr val="accent3"/>
+          </a:fillRef>
+          <a:effectRef idx="1">
+            <a:schemeClr val="accent3"/>
+          </a:effectRef>
+          <a:fontRef idx="minor">
+            <a:schemeClr val="dk1"/>
+          </a:fontRef>
+        </p:style>
+        <p:txBody>
+          <a:bodyPr rtlCol="0" anchor="ctr"/>
+          <a:lstStyle/>
+          <a:p>
+            <a:r>
+              <a:rPr kumimoji="1" lang="ja-JP" altLang="en-US" dirty="0"/>
+              <a:t>トップス</a:t>
+            </a:r>
+          </a:p>
+        </p:txBody>
+      </p:sp>
+      <p:sp>
+        <p:nvSpPr>
+          <p:cNvPr id="5" name="二等辺三角形 4">
+            <a:extLst>
+              <a:ext uri="{FF2B5EF4-FFF2-40B4-BE49-F238E27FC236}">
+                <a16:creationId xmlns:a16="http://schemas.microsoft.com/office/drawing/2014/main" id="{2B2F61DD-25AF-8A78-86ED-020542E8F940}"/>
+              </a:ext>
+            </a:extLst>
+          </p:cNvPr>
+          <p:cNvSpPr/>
+          <p:nvPr/>
+        </p:nvSpPr>
+        <p:spPr>
+          <a:xfrm rot="10800000">
+            <a:off x="2488272" y="6049607"/>
+            <a:ext cx="187037" cy="145472"/>
+          </a:xfrm>
+          <a:prstGeom prst="triangle">
+            <a:avLst/>
+          </a:prstGeom>
+          <a:solidFill>
+            <a:schemeClr val="tx1">
+              <a:lumMod val="65000"/>
+              <a:lumOff val="35000"/>
+            </a:schemeClr>
+          </a:solidFill>
+        </p:spPr>
+        <p:style>
+          <a:lnRef idx="2">
+            <a:schemeClr val="dk1">
+              <a:shade val="50000"/>
+            </a:schemeClr>
+          </a:lnRef>
+          <a:fillRef idx="1">
+            <a:schemeClr val="dk1"/>
+          </a:fillRef>
+          <a:effectRef idx="0">
+            <a:schemeClr val="dk1"/>
+          </a:effectRef>
+          <a:fontRef idx="minor">
+            <a:schemeClr val="lt1"/>
+          </a:fontRef>
+        </p:style>
+        <p:txBody>
+          <a:bodyPr rtlCol="0" anchor="ctr"/>
+          <a:lstStyle/>
+          <a:p>
+            <a:pPr algn="ctr"/>
+            <a:endParaRPr kumimoji="1" lang="ja-JP" altLang="en-US"/>
+          </a:p>
+        </p:txBody>
+      </p:sp>
+      <p:sp>
+        <p:nvSpPr>
+          <p:cNvPr id="6" name="正方形/長方形 5">
+            <a:extLst>
+              <a:ext uri="{FF2B5EF4-FFF2-40B4-BE49-F238E27FC236}">
+                <a16:creationId xmlns:a16="http://schemas.microsoft.com/office/drawing/2014/main" id="{3865C760-3798-C15A-C52C-CD0152BC8612}"/>
+              </a:ext>
+            </a:extLst>
+          </p:cNvPr>
+          <p:cNvSpPr/>
+          <p:nvPr/>
+        </p:nvSpPr>
+        <p:spPr>
+          <a:xfrm>
+            <a:off x="2169425" y="2348345"/>
+            <a:ext cx="4660688" cy="2580554"/>
+          </a:xfrm>
+          <a:prstGeom prst="rect">
+            <a:avLst/>
+          </a:prstGeom>
+        </p:spPr>
+        <p:style>
+          <a:lnRef idx="2">
+            <a:schemeClr val="dk1"/>
+          </a:lnRef>
+          <a:fillRef idx="1">
+            <a:schemeClr val="lt1"/>
+          </a:fillRef>
+          <a:effectRef idx="0">
+            <a:schemeClr val="dk1"/>
+          </a:effectRef>
+          <a:fontRef idx="minor">
+            <a:schemeClr val="dk1"/>
+          </a:fontRef>
+        </p:style>
+        <p:txBody>
+          <a:bodyPr rtlCol="0" anchor="ctr"/>
+          <a:lstStyle/>
+          <a:p>
+            <a:pPr algn="ctr"/>
+            <a:endParaRPr kumimoji="1" lang="ja-JP" altLang="en-US"/>
+          </a:p>
+        </p:txBody>
+      </p:sp>
+      <p:sp>
+        <p:nvSpPr>
+          <p:cNvPr id="7" name="テキスト ボックス 6">
+            <a:extLst>
+              <a:ext uri="{FF2B5EF4-FFF2-40B4-BE49-F238E27FC236}">
+                <a16:creationId xmlns:a16="http://schemas.microsoft.com/office/drawing/2014/main" id="{C80E9D7A-E0CA-5024-E05D-1F6ADCF19A7D}"/>
+              </a:ext>
+            </a:extLst>
+          </p:cNvPr>
+          <p:cNvSpPr txBox="1"/>
+          <p:nvPr/>
+        </p:nvSpPr>
+        <p:spPr>
+          <a:xfrm>
+            <a:off x="2701636" y="3251248"/>
+            <a:ext cx="3782292" cy="369332"/>
+          </a:xfrm>
+          <a:prstGeom prst="rect">
+            <a:avLst/>
+          </a:prstGeom>
+          <a:noFill/>
+        </p:spPr>
+        <p:txBody>
+          <a:bodyPr wrap="square" rtlCol="0">
+            <a:spAutoFit/>
+          </a:bodyPr>
+          <a:lstStyle/>
+          <a:p>
+            <a:r>
+              <a:rPr kumimoji="1" lang="ja-JP" altLang="en-US" dirty="0"/>
+              <a:t>画像をアップロードしてください</a:t>
+            </a:r>
+          </a:p>
+        </p:txBody>
+      </p:sp>
+      <p:sp>
+        <p:nvSpPr>
+          <p:cNvPr id="25" name="テキスト ボックス 24">
+            <a:extLst>
+              <a:ext uri="{FF2B5EF4-FFF2-40B4-BE49-F238E27FC236}">
+                <a16:creationId xmlns:a16="http://schemas.microsoft.com/office/drawing/2014/main" id="{D65BBFFD-10BE-9E55-7512-687A64387C8F}"/>
+              </a:ext>
+            </a:extLst>
+          </p:cNvPr>
+          <p:cNvSpPr txBox="1"/>
+          <p:nvPr/>
+        </p:nvSpPr>
+        <p:spPr>
+          <a:xfrm>
+            <a:off x="1618200" y="6362934"/>
+            <a:ext cx="1799902" cy="369332"/>
+          </a:xfrm>
+          <a:prstGeom prst="rect">
+            <a:avLst/>
+          </a:prstGeom>
+          <a:noFill/>
+        </p:spPr>
+        <p:txBody>
+          <a:bodyPr wrap="square" rtlCol="0">
+            <a:spAutoFit/>
+          </a:bodyPr>
+          <a:lstStyle/>
+          <a:p>
+            <a:r>
+              <a:rPr kumimoji="1" lang="ja-JP" altLang="en-US" dirty="0"/>
+              <a:t>ブランド：</a:t>
+            </a:r>
+            <a:r>
+              <a:rPr kumimoji="1" lang="en-US" altLang="ja-JP" dirty="0"/>
+              <a:t>ABC</a:t>
+            </a:r>
+            <a:endParaRPr kumimoji="1" lang="ja-JP" altLang="en-US" dirty="0"/>
+          </a:p>
+        </p:txBody>
+      </p:sp>
+      <p:sp>
+        <p:nvSpPr>
+          <p:cNvPr id="26" name="テキスト ボックス 25">
+            <a:extLst>
+              <a:ext uri="{FF2B5EF4-FFF2-40B4-BE49-F238E27FC236}">
+                <a16:creationId xmlns:a16="http://schemas.microsoft.com/office/drawing/2014/main" id="{F1AE8199-68D9-282B-677D-2C30C714E301}"/>
+              </a:ext>
+            </a:extLst>
+          </p:cNvPr>
+          <p:cNvSpPr txBox="1"/>
+          <p:nvPr/>
+        </p:nvSpPr>
+        <p:spPr>
+          <a:xfrm>
+            <a:off x="1618200" y="6699296"/>
+            <a:ext cx="1391097" cy="369332"/>
+          </a:xfrm>
+          <a:prstGeom prst="rect">
+            <a:avLst/>
+          </a:prstGeom>
+          <a:noFill/>
+        </p:spPr>
+        <p:txBody>
+          <a:bodyPr wrap="square" rtlCol="0">
+            <a:spAutoFit/>
+          </a:bodyPr>
+          <a:lstStyle/>
+          <a:p>
+            <a:r>
+              <a:rPr kumimoji="1" lang="ja-JP" altLang="en-US" dirty="0"/>
+              <a:t>サイズ：</a:t>
+            </a:r>
+            <a:r>
+              <a:rPr kumimoji="1" lang="en-US" altLang="ja-JP" dirty="0"/>
+              <a:t>M</a:t>
+            </a:r>
+            <a:endParaRPr kumimoji="1" lang="ja-JP" altLang="en-US" dirty="0"/>
+          </a:p>
+        </p:txBody>
+      </p:sp>
+      <p:pic>
+        <p:nvPicPr>
+          <p:cNvPr id="9" name="図 8">
+            <a:extLst>
+              <a:ext uri="{FF2B5EF4-FFF2-40B4-BE49-F238E27FC236}">
+                <a16:creationId xmlns:a16="http://schemas.microsoft.com/office/drawing/2014/main" id="{5DF8584F-64E4-1FFF-4A14-32B586AFF26D}"/>
+              </a:ext>
+            </a:extLst>
+          </p:cNvPr>
+          <p:cNvPicPr>
+            <a:picLocks noChangeAspect="1"/>
+          </p:cNvPicPr>
+          <p:nvPr/>
+        </p:nvPicPr>
+        <p:blipFill>
+          <a:blip r:embed="rId2"/>
+          <a:stretch>
+            <a:fillRect/>
+          </a:stretch>
+        </p:blipFill>
+        <p:spPr>
+          <a:xfrm>
+            <a:off x="0" y="5393841"/>
+            <a:ext cx="8999538" cy="12080"/>
+          </a:xfrm>
+          <a:prstGeom prst="rect">
+            <a:avLst/>
+          </a:prstGeom>
+        </p:spPr>
+      </p:pic>
+      <p:sp>
+        <p:nvSpPr>
+          <p:cNvPr id="19" name="四角形: 角を丸くする 18">
+            <a:extLst>
+              <a:ext uri="{FF2B5EF4-FFF2-40B4-BE49-F238E27FC236}">
+                <a16:creationId xmlns:a16="http://schemas.microsoft.com/office/drawing/2014/main" id="{8E9F0F1B-C698-FFB6-E384-6583763F3E89}"/>
+              </a:ext>
+            </a:extLst>
+          </p:cNvPr>
+          <p:cNvSpPr/>
+          <p:nvPr/>
+        </p:nvSpPr>
+        <p:spPr>
+          <a:xfrm>
+            <a:off x="7711065" y="7228174"/>
+            <a:ext cx="1121207" cy="312248"/>
+          </a:xfrm>
+          <a:prstGeom prst="roundRect">
+            <a:avLst/>
+          </a:prstGeom>
+        </p:spPr>
+        <p:style>
+          <a:lnRef idx="1">
+            <a:schemeClr val="accent3"/>
+          </a:lnRef>
+          <a:fillRef idx="2">
+            <a:schemeClr val="accent3"/>
+          </a:fillRef>
+          <a:effectRef idx="1">
+            <a:schemeClr val="accent3"/>
+          </a:effectRef>
+          <a:fontRef idx="minor">
+            <a:schemeClr val="dk1"/>
+          </a:fontRef>
+        </p:style>
+        <p:txBody>
+          <a:bodyPr rtlCol="0" anchor="ctr"/>
+          <a:lstStyle/>
+          <a:p>
+            <a:pPr algn="ctr"/>
+            <a:r>
+              <a:rPr kumimoji="1" lang="en-US" altLang="ja-JP" dirty="0"/>
+              <a:t>Register</a:t>
+            </a:r>
+            <a:endParaRPr kumimoji="1" lang="ja-JP" altLang="en-US" dirty="0"/>
+          </a:p>
+        </p:txBody>
+      </p:sp>
+    </p:spTree>
+    <p:extLst>
+      <p:ext uri="{BB962C8B-B14F-4D97-AF65-F5344CB8AC3E}">
+        <p14:creationId xmlns:p14="http://schemas.microsoft.com/office/powerpoint/2010/main" val="312725625"/>
+      </p:ext>
+    </p:extLst>
+  </p:cSld>
+  <p:clrMapOvr>
+    <a:masterClrMapping/>
+  </p:clrMapOvr>
+</p:sld>
+</file>
+
+<file path=ppt/slides/slide11.xml><?xml version="1.0" encoding="utf-8"?>
+<p:sld xmlns:a="http://schemas.openxmlformats.org/drawingml/2006/main" xmlns:r="http://schemas.openxmlformats.org/officeDocument/2006/relationships" xmlns:p="http://schemas.openxmlformats.org/presentationml/2006/main">
+  <p:cSld>
+    <p:spTree>
+      <p:nvGrpSpPr>
+        <p:cNvPr id="1" name=""/>
+        <p:cNvGrpSpPr/>
+        <p:nvPr/>
+      </p:nvGrpSpPr>
+      <p:grpSpPr>
+        <a:xfrm>
+          <a:off x="0" y="0"/>
+          <a:ext cx="0" cy="0"/>
+          <a:chOff x="0" y="0"/>
+          <a:chExt cx="0" cy="0"/>
+        </a:xfrm>
+      </p:grpSpPr>
+      <p:sp>
+        <p:nvSpPr>
+          <p:cNvPr id="29" name="テキスト ボックス 28">
+            <a:extLst>
+              <a:ext uri="{FF2B5EF4-FFF2-40B4-BE49-F238E27FC236}">
+                <a16:creationId xmlns:a16="http://schemas.microsoft.com/office/drawing/2014/main" id="{3D25E513-500A-5183-F054-2C11A1A194EE}"/>
+              </a:ext>
+            </a:extLst>
+          </p:cNvPr>
+          <p:cNvSpPr txBox="1"/>
+          <p:nvPr/>
+        </p:nvSpPr>
+        <p:spPr>
+          <a:xfrm>
+            <a:off x="8206707" y="106452"/>
+            <a:ext cx="792831" cy="507831"/>
+          </a:xfrm>
+          <a:prstGeom prst="rect">
+            <a:avLst/>
+          </a:prstGeom>
+          <a:noFill/>
+        </p:spPr>
+        <p:txBody>
+          <a:bodyPr wrap="square" rtlCol="0">
+            <a:spAutoFit/>
+          </a:bodyPr>
+          <a:lstStyle/>
+          <a:p>
+            <a:r>
+              <a:rPr kumimoji="1" lang="ja-JP" altLang="en-US" sz="900" dirty="0"/>
+              <a:t>ーー</a:t>
+            </a:r>
+            <a:endParaRPr kumimoji="1" lang="en-US" altLang="ja-JP" sz="900" dirty="0"/>
+          </a:p>
+          <a:p>
+            <a:r>
+              <a:rPr kumimoji="1" lang="ja-JP" altLang="en-US" sz="900" dirty="0"/>
+              <a:t>ーー</a:t>
+            </a:r>
+            <a:endParaRPr kumimoji="1" lang="en-US" altLang="ja-JP" sz="900" dirty="0"/>
+          </a:p>
+          <a:p>
+            <a:r>
+              <a:rPr kumimoji="1" lang="ja-JP" altLang="en-US" sz="900" dirty="0"/>
+              <a:t>ーー</a:t>
+            </a:r>
+          </a:p>
+        </p:txBody>
+      </p:sp>
+      <p:sp>
+        <p:nvSpPr>
+          <p:cNvPr id="30" name="リボン: 上に曲がる 29">
+            <a:extLst>
+              <a:ext uri="{FF2B5EF4-FFF2-40B4-BE49-F238E27FC236}">
+                <a16:creationId xmlns:a16="http://schemas.microsoft.com/office/drawing/2014/main" id="{5DE70570-FFCE-6168-A5C5-7792F7750ADB}"/>
+              </a:ext>
+            </a:extLst>
+          </p:cNvPr>
+          <p:cNvSpPr/>
+          <p:nvPr/>
+        </p:nvSpPr>
+        <p:spPr>
+          <a:xfrm>
+            <a:off x="2169425" y="351195"/>
+            <a:ext cx="4660688" cy="896399"/>
+          </a:xfrm>
+          <a:prstGeom prst="ribbon2">
+            <a:avLst/>
+          </a:prstGeom>
+        </p:spPr>
+        <p:style>
+          <a:lnRef idx="2">
+            <a:schemeClr val="dk1">
+              <a:shade val="50000"/>
+            </a:schemeClr>
+          </a:lnRef>
+          <a:fillRef idx="1">
+            <a:schemeClr val="dk1"/>
+          </a:fillRef>
+          <a:effectRef idx="0">
+            <a:schemeClr val="dk1"/>
+          </a:effectRef>
+          <a:fontRef idx="minor">
+            <a:schemeClr val="lt1"/>
+          </a:fontRef>
+        </p:style>
+        <p:txBody>
+          <a:bodyPr rtlCol="0" anchor="ctr"/>
+          <a:lstStyle/>
+          <a:p>
+            <a:pPr algn="ctr"/>
+            <a:r>
+              <a:rPr kumimoji="1" lang="en-US" altLang="ja-JP" sz="3600" dirty="0"/>
+              <a:t>LOGO</a:t>
+            </a:r>
+            <a:endParaRPr kumimoji="1" lang="ja-JP" altLang="en-US" sz="3600" dirty="0"/>
+          </a:p>
+        </p:txBody>
+      </p:sp>
+      <p:cxnSp>
+        <p:nvCxnSpPr>
+          <p:cNvPr id="32" name="直線コネクタ 31">
+            <a:extLst>
+              <a:ext uri="{FF2B5EF4-FFF2-40B4-BE49-F238E27FC236}">
+                <a16:creationId xmlns:a16="http://schemas.microsoft.com/office/drawing/2014/main" id="{76AAD5FF-E3A5-EB37-699E-02B851D90469}"/>
+              </a:ext>
+            </a:extLst>
+          </p:cNvPr>
+          <p:cNvCxnSpPr/>
+          <p:nvPr/>
+        </p:nvCxnSpPr>
+        <p:spPr>
+          <a:xfrm>
+            <a:off x="0" y="1558636"/>
+            <a:ext cx="8999538" cy="0"/>
+          </a:xfrm>
+          <a:prstGeom prst="line">
+            <a:avLst/>
+          </a:prstGeom>
+        </p:spPr>
+        <p:style>
+          <a:lnRef idx="1">
+            <a:schemeClr val="dk1"/>
+          </a:lnRef>
+          <a:fillRef idx="0">
+            <a:schemeClr val="dk1"/>
+          </a:fillRef>
+          <a:effectRef idx="0">
+            <a:schemeClr val="dk1"/>
+          </a:effectRef>
+          <a:fontRef idx="minor">
+            <a:schemeClr val="tx1"/>
+          </a:fontRef>
+        </p:style>
+      </p:cxnSp>
+      <p:sp>
+        <p:nvSpPr>
+          <p:cNvPr id="38" name="太陽 37">
+            <a:extLst>
+              <a:ext uri="{FF2B5EF4-FFF2-40B4-BE49-F238E27FC236}">
+                <a16:creationId xmlns:a16="http://schemas.microsoft.com/office/drawing/2014/main" id="{E85D0F8E-1F7E-F9CD-FB2A-608F88DBCF33}"/>
+              </a:ext>
+            </a:extLst>
+          </p:cNvPr>
+          <p:cNvSpPr/>
+          <p:nvPr/>
+        </p:nvSpPr>
+        <p:spPr>
+          <a:xfrm>
+            <a:off x="7617042" y="826686"/>
+            <a:ext cx="509660" cy="457199"/>
+          </a:xfrm>
+          <a:prstGeom prst="sun">
+            <a:avLst/>
+          </a:prstGeom>
+        </p:spPr>
+        <p:style>
+          <a:lnRef idx="2">
+            <a:schemeClr val="dk1"/>
+          </a:lnRef>
+          <a:fillRef idx="1">
+            <a:schemeClr val="lt1"/>
+          </a:fillRef>
+          <a:effectRef idx="0">
+            <a:schemeClr val="dk1"/>
+          </a:effectRef>
+          <a:fontRef idx="minor">
+            <a:schemeClr val="dk1"/>
+          </a:fontRef>
+        </p:style>
+        <p:txBody>
+          <a:bodyPr rtlCol="0" anchor="ctr"/>
+          <a:lstStyle/>
+          <a:p>
+            <a:pPr algn="ctr"/>
+            <a:endParaRPr kumimoji="1" lang="ja-JP" altLang="en-US"/>
+          </a:p>
+        </p:txBody>
+      </p:sp>
+      <p:sp>
+        <p:nvSpPr>
+          <p:cNvPr id="39" name="テキスト ボックス 38">
+            <a:extLst>
+              <a:ext uri="{FF2B5EF4-FFF2-40B4-BE49-F238E27FC236}">
+                <a16:creationId xmlns:a16="http://schemas.microsoft.com/office/drawing/2014/main" id="{C79CDC0E-C0FA-1C31-BB6A-26B12B6429B8}"/>
+              </a:ext>
+            </a:extLst>
+          </p:cNvPr>
+          <p:cNvSpPr txBox="1"/>
+          <p:nvPr/>
+        </p:nvSpPr>
+        <p:spPr>
+          <a:xfrm>
+            <a:off x="8126702" y="889034"/>
+            <a:ext cx="436418" cy="369332"/>
+          </a:xfrm>
+          <a:prstGeom prst="rect">
+            <a:avLst/>
+          </a:prstGeom>
+          <a:noFill/>
+        </p:spPr>
+        <p:txBody>
+          <a:bodyPr wrap="square" rtlCol="0">
+            <a:spAutoFit/>
+          </a:bodyPr>
+          <a:lstStyle/>
+          <a:p>
+            <a:r>
+              <a:rPr kumimoji="1" lang="en-US" altLang="ja-JP" dirty="0"/>
+              <a:t>/</a:t>
+            </a:r>
+            <a:endParaRPr kumimoji="1" lang="ja-JP" altLang="en-US" dirty="0"/>
+          </a:p>
+        </p:txBody>
+      </p:sp>
+      <p:sp>
+        <p:nvSpPr>
+          <p:cNvPr id="40" name="テキスト ボックス 39">
+            <a:extLst>
+              <a:ext uri="{FF2B5EF4-FFF2-40B4-BE49-F238E27FC236}">
+                <a16:creationId xmlns:a16="http://schemas.microsoft.com/office/drawing/2014/main" id="{3805D789-838E-C787-2AEC-0D4D5CD3952E}"/>
+              </a:ext>
+            </a:extLst>
+          </p:cNvPr>
+          <p:cNvSpPr txBox="1"/>
+          <p:nvPr/>
+        </p:nvSpPr>
+        <p:spPr>
+          <a:xfrm>
+            <a:off x="8240496" y="870619"/>
+            <a:ext cx="832284" cy="369332"/>
+          </a:xfrm>
+          <a:prstGeom prst="rect">
+            <a:avLst/>
+          </a:prstGeom>
+          <a:noFill/>
+        </p:spPr>
+        <p:txBody>
+          <a:bodyPr wrap="square" rtlCol="0">
+            <a:spAutoFit/>
+          </a:bodyPr>
+          <a:lstStyle/>
+          <a:p>
+            <a:r>
+              <a:rPr kumimoji="1" lang="en-US" altLang="ja-JP" dirty="0"/>
+              <a:t>50</a:t>
+            </a:r>
+            <a:r>
+              <a:rPr kumimoji="1" lang="ja-JP" altLang="en-US" dirty="0"/>
+              <a:t>％</a:t>
+            </a:r>
+          </a:p>
+        </p:txBody>
+      </p:sp>
+      <p:sp>
+        <p:nvSpPr>
+          <p:cNvPr id="50" name="正方形/長方形 49">
+            <a:extLst>
+              <a:ext uri="{FF2B5EF4-FFF2-40B4-BE49-F238E27FC236}">
+                <a16:creationId xmlns:a16="http://schemas.microsoft.com/office/drawing/2014/main" id="{5804D86F-64EB-1D8D-01F4-835390986837}"/>
+              </a:ext>
+            </a:extLst>
+          </p:cNvPr>
+          <p:cNvSpPr/>
+          <p:nvPr/>
+        </p:nvSpPr>
+        <p:spPr>
+          <a:xfrm>
+            <a:off x="0" y="9896860"/>
+            <a:ext cx="8999538" cy="902903"/>
+          </a:xfrm>
+          <a:prstGeom prst="rect">
+            <a:avLst/>
+          </a:prstGeom>
+          <a:solidFill>
+            <a:schemeClr val="tx2">
+              <a:lumMod val="40000"/>
+              <a:lumOff val="60000"/>
+            </a:schemeClr>
+          </a:solidFill>
+          <a:ln>
+            <a:solidFill>
+              <a:schemeClr val="tx2">
+                <a:lumMod val="40000"/>
+                <a:lumOff val="60000"/>
+              </a:schemeClr>
+            </a:solidFill>
+          </a:ln>
+        </p:spPr>
+        <p:style>
+          <a:lnRef idx="2">
+            <a:schemeClr val="dk1">
+              <a:shade val="50000"/>
+            </a:schemeClr>
+          </a:lnRef>
+          <a:fillRef idx="1">
+            <a:schemeClr val="dk1"/>
+          </a:fillRef>
+          <a:effectRef idx="0">
+            <a:schemeClr val="dk1"/>
+          </a:effectRef>
+          <a:fontRef idx="minor">
+            <a:schemeClr val="lt1"/>
+          </a:fontRef>
+        </p:style>
+        <p:txBody>
+          <a:bodyPr rtlCol="0" anchor="ctr"/>
+          <a:lstStyle/>
+          <a:p>
+            <a:pPr algn="ctr"/>
+            <a:endParaRPr kumimoji="1" lang="ja-JP" altLang="en-US"/>
+          </a:p>
+        </p:txBody>
+      </p:sp>
+      <p:sp>
+        <p:nvSpPr>
+          <p:cNvPr id="52" name="テキスト ボックス 51">
+            <a:extLst>
+              <a:ext uri="{FF2B5EF4-FFF2-40B4-BE49-F238E27FC236}">
+                <a16:creationId xmlns:a16="http://schemas.microsoft.com/office/drawing/2014/main" id="{52D7A579-0CF5-A572-2765-1FB7CEF7FFE6}"/>
+              </a:ext>
+            </a:extLst>
+          </p:cNvPr>
+          <p:cNvSpPr txBox="1"/>
+          <p:nvPr/>
+        </p:nvSpPr>
+        <p:spPr>
+          <a:xfrm>
+            <a:off x="313286" y="106452"/>
+            <a:ext cx="2575387" cy="369332"/>
+          </a:xfrm>
+          <a:prstGeom prst="rect">
+            <a:avLst/>
+          </a:prstGeom>
+          <a:noFill/>
+        </p:spPr>
+        <p:txBody>
+          <a:bodyPr wrap="square" rtlCol="0">
+            <a:spAutoFit/>
+          </a:bodyPr>
+          <a:lstStyle/>
+          <a:p>
+            <a:r>
+              <a:rPr kumimoji="1" lang="ja-JP" altLang="en-US" dirty="0"/>
               <a:t>コーディネート登録</a:t>
             </a:r>
           </a:p>
@@ -9829,7 +10579,7 @@
           <a:p>
             <a:r>
               <a:rPr kumimoji="1" lang="ja-JP" altLang="en-US" dirty="0"/>
-              <a:t>アイテム検索</a:t>
+              <a:t>アイテム一蘭</a:t>
             </a:r>
             <a:endParaRPr kumimoji="1" lang="en-US" altLang="ja-JP" dirty="0"/>
           </a:p>
@@ -11125,472 +11875,6 @@
           </a:fillRef>
           <a:effectRef idx="0">
             <a:schemeClr val="accent1"/>
-          </a:effectRef>
-          <a:fontRef idx="minor">
-            <a:schemeClr val="lt1"/>
-          </a:fontRef>
-        </p:style>
-        <p:txBody>
-          <a:bodyPr rtlCol="0" anchor="ctr"/>
-          <a:lstStyle/>
-          <a:p>
-            <a:pPr algn="ctr"/>
-            <a:endParaRPr kumimoji="1" lang="ja-JP" altLang="en-US"/>
-          </a:p>
-        </p:txBody>
-      </p:sp>
-      <p:sp>
-        <p:nvSpPr>
-          <p:cNvPr id="56" name="正方形/長方形 55">
-            <a:extLst>
-              <a:ext uri="{FF2B5EF4-FFF2-40B4-BE49-F238E27FC236}">
-                <a16:creationId xmlns:a16="http://schemas.microsoft.com/office/drawing/2014/main" id="{BF6BEDFA-5528-4633-D26C-FA1223FE18AD}"/>
-              </a:ext>
-            </a:extLst>
-          </p:cNvPr>
-          <p:cNvSpPr/>
-          <p:nvPr/>
-        </p:nvSpPr>
-        <p:spPr>
-          <a:xfrm>
-            <a:off x="0" y="4482109"/>
-            <a:ext cx="8999538" cy="5380616"/>
-          </a:xfrm>
-          <a:prstGeom prst="rect">
-            <a:avLst/>
-          </a:prstGeom>
-        </p:spPr>
-        <p:style>
-          <a:lnRef idx="2">
-            <a:schemeClr val="accent5"/>
-          </a:lnRef>
-          <a:fillRef idx="1">
-            <a:schemeClr val="lt1"/>
-          </a:fillRef>
-          <a:effectRef idx="0">
-            <a:schemeClr val="accent5"/>
-          </a:effectRef>
-          <a:fontRef idx="minor">
-            <a:schemeClr val="dk1"/>
-          </a:fontRef>
-        </p:style>
-        <p:txBody>
-          <a:bodyPr rtlCol="0" anchor="ctr"/>
-          <a:lstStyle/>
-          <a:p>
-            <a:pPr algn="ctr"/>
-            <a:endParaRPr kumimoji="1" lang="ja-JP" altLang="en-US"/>
-          </a:p>
-        </p:txBody>
-      </p:sp>
-      <p:sp>
-        <p:nvSpPr>
-          <p:cNvPr id="57" name="テキスト ボックス 56">
-            <a:extLst>
-              <a:ext uri="{FF2B5EF4-FFF2-40B4-BE49-F238E27FC236}">
-                <a16:creationId xmlns:a16="http://schemas.microsoft.com/office/drawing/2014/main" id="{ACAC40E4-BF97-B51B-ABD9-F2BC902FA580}"/>
-              </a:ext>
-            </a:extLst>
-          </p:cNvPr>
-          <p:cNvSpPr txBox="1"/>
-          <p:nvPr/>
-        </p:nvSpPr>
-        <p:spPr>
-          <a:xfrm>
-            <a:off x="3065838" y="4637269"/>
-            <a:ext cx="4740813" cy="523220"/>
-          </a:xfrm>
-          <a:prstGeom prst="rect">
-            <a:avLst/>
-          </a:prstGeom>
-          <a:noFill/>
-        </p:spPr>
-        <p:txBody>
-          <a:bodyPr wrap="square" rtlCol="0">
-            <a:spAutoFit/>
-          </a:bodyPr>
-          <a:lstStyle/>
-          <a:p>
-            <a:r>
-              <a:rPr kumimoji="1" lang="en-US" altLang="ja-JP" sz="2800" dirty="0">
-                <a:solidFill>
-                  <a:schemeClr val="bg2"/>
-                </a:solidFill>
-                <a:highlight>
-                  <a:srgbClr val="008080"/>
-                </a:highlight>
-                <a:latin typeface="Castellar" panose="020A0402060406010301" pitchFamily="18" charset="0"/>
-              </a:rPr>
-              <a:t>Search Items</a:t>
-            </a:r>
-            <a:endParaRPr kumimoji="1" lang="ja-JP" altLang="en-US" sz="2800" dirty="0">
-              <a:solidFill>
-                <a:schemeClr val="bg2"/>
-              </a:solidFill>
-              <a:highlight>
-                <a:srgbClr val="008080"/>
-              </a:highlight>
-              <a:latin typeface="Castellar" panose="020A0402060406010301" pitchFamily="18" charset="0"/>
-            </a:endParaRPr>
-          </a:p>
-        </p:txBody>
-      </p:sp>
-      <p:cxnSp>
-        <p:nvCxnSpPr>
-          <p:cNvPr id="60" name="直線コネクタ 59">
-            <a:extLst>
-              <a:ext uri="{FF2B5EF4-FFF2-40B4-BE49-F238E27FC236}">
-                <a16:creationId xmlns:a16="http://schemas.microsoft.com/office/drawing/2014/main" id="{0DE25942-1038-7B28-0DD6-D4EC982E0E96}"/>
-              </a:ext>
-            </a:extLst>
-          </p:cNvPr>
-          <p:cNvCxnSpPr/>
-          <p:nvPr/>
-        </p:nvCxnSpPr>
-        <p:spPr>
-          <a:xfrm>
-            <a:off x="-48309" y="5399881"/>
-            <a:ext cx="8999538" cy="0"/>
-          </a:xfrm>
-          <a:prstGeom prst="line">
-            <a:avLst/>
-          </a:prstGeom>
-          <a:ln w="9525" cap="flat" cmpd="sng" algn="ctr">
-            <a:solidFill>
-              <a:schemeClr val="accent1"/>
-            </a:solidFill>
-            <a:prstDash val="dash"/>
-            <a:round/>
-            <a:headEnd type="none" w="med" len="med"/>
-            <a:tailEnd type="none" w="med" len="med"/>
-          </a:ln>
-        </p:spPr>
-        <p:style>
-          <a:lnRef idx="0">
-            <a:scrgbClr r="0" g="0" b="0"/>
-          </a:lnRef>
-          <a:fillRef idx="0">
-            <a:scrgbClr r="0" g="0" b="0"/>
-          </a:fillRef>
-          <a:effectRef idx="0">
-            <a:scrgbClr r="0" g="0" b="0"/>
-          </a:effectRef>
-          <a:fontRef idx="minor">
-            <a:schemeClr val="tx1"/>
-          </a:fontRef>
-        </p:style>
-      </p:cxnSp>
-      <p:cxnSp>
-        <p:nvCxnSpPr>
-          <p:cNvPr id="61" name="直線コネクタ 60">
-            <a:extLst>
-              <a:ext uri="{FF2B5EF4-FFF2-40B4-BE49-F238E27FC236}">
-                <a16:creationId xmlns:a16="http://schemas.microsoft.com/office/drawing/2014/main" id="{A0354D60-ADC8-D0D4-15F0-55BE04A299CC}"/>
-              </a:ext>
-            </a:extLst>
-          </p:cNvPr>
-          <p:cNvCxnSpPr/>
-          <p:nvPr/>
-        </p:nvCxnSpPr>
-        <p:spPr>
-          <a:xfrm>
-            <a:off x="143933" y="7508977"/>
-            <a:ext cx="8902920" cy="0"/>
-          </a:xfrm>
-          <a:prstGeom prst="line">
-            <a:avLst/>
-          </a:prstGeom>
-          <a:ln w="9525" cap="flat" cmpd="sng" algn="ctr">
-            <a:solidFill>
-              <a:schemeClr val="accent1"/>
-            </a:solidFill>
-            <a:prstDash val="dash"/>
-            <a:round/>
-            <a:headEnd type="none" w="med" len="med"/>
-            <a:tailEnd type="none" w="med" len="med"/>
-          </a:ln>
-        </p:spPr>
-        <p:style>
-          <a:lnRef idx="0">
-            <a:scrgbClr r="0" g="0" b="0"/>
-          </a:lnRef>
-          <a:fillRef idx="0">
-            <a:scrgbClr r="0" g="0" b="0"/>
-          </a:fillRef>
-          <a:effectRef idx="0">
-            <a:scrgbClr r="0" g="0" b="0"/>
-          </a:effectRef>
-          <a:fontRef idx="minor">
-            <a:schemeClr val="tx1"/>
-          </a:fontRef>
-        </p:style>
-      </p:cxnSp>
-      <p:sp>
-        <p:nvSpPr>
-          <p:cNvPr id="3" name="四角形: 角を丸くする 2">
-            <a:extLst>
-              <a:ext uri="{FF2B5EF4-FFF2-40B4-BE49-F238E27FC236}">
-                <a16:creationId xmlns:a16="http://schemas.microsoft.com/office/drawing/2014/main" id="{B217B6F5-04C1-B4A6-4118-6657F0CBDC34}"/>
-              </a:ext>
-            </a:extLst>
-          </p:cNvPr>
-          <p:cNvSpPr/>
-          <p:nvPr/>
-        </p:nvSpPr>
-        <p:spPr>
-          <a:xfrm>
-            <a:off x="2475819" y="5813070"/>
-            <a:ext cx="4354292" cy="539431"/>
-          </a:xfrm>
-          <a:prstGeom prst="roundRect">
-            <a:avLst/>
-          </a:prstGeom>
-        </p:spPr>
-        <p:style>
-          <a:lnRef idx="1">
-            <a:schemeClr val="accent3"/>
-          </a:lnRef>
-          <a:fillRef idx="2">
-            <a:schemeClr val="accent3"/>
-          </a:fillRef>
-          <a:effectRef idx="1">
-            <a:schemeClr val="accent3"/>
-          </a:effectRef>
-          <a:fontRef idx="minor">
-            <a:schemeClr val="dk1"/>
-          </a:fontRef>
-        </p:style>
-        <p:txBody>
-          <a:bodyPr rtlCol="0" anchor="ctr"/>
-          <a:lstStyle/>
-          <a:p>
-            <a:pPr algn="ctr"/>
-            <a:endParaRPr kumimoji="1" lang="ja-JP" altLang="en-US"/>
-          </a:p>
-        </p:txBody>
-      </p:sp>
-      <p:sp>
-        <p:nvSpPr>
-          <p:cNvPr id="76" name="四角形: 角を丸くする 75">
-            <a:extLst>
-              <a:ext uri="{FF2B5EF4-FFF2-40B4-BE49-F238E27FC236}">
-                <a16:creationId xmlns:a16="http://schemas.microsoft.com/office/drawing/2014/main" id="{BDC0408C-79C0-EAE6-BD74-C2CAE3CCC88B}"/>
-              </a:ext>
-            </a:extLst>
-          </p:cNvPr>
-          <p:cNvSpPr/>
-          <p:nvPr/>
-        </p:nvSpPr>
-        <p:spPr>
-          <a:xfrm>
-            <a:off x="2518050" y="8044308"/>
-            <a:ext cx="4354292" cy="539431"/>
-          </a:xfrm>
-          <a:prstGeom prst="roundRect">
-            <a:avLst/>
-          </a:prstGeom>
-        </p:spPr>
-        <p:style>
-          <a:lnRef idx="1">
-            <a:schemeClr val="accent3"/>
-          </a:lnRef>
-          <a:fillRef idx="2">
-            <a:schemeClr val="accent3"/>
-          </a:fillRef>
-          <a:effectRef idx="1">
-            <a:schemeClr val="accent3"/>
-          </a:effectRef>
-          <a:fontRef idx="minor">
-            <a:schemeClr val="dk1"/>
-          </a:fontRef>
-        </p:style>
-        <p:txBody>
-          <a:bodyPr rtlCol="0" anchor="ctr"/>
-          <a:lstStyle/>
-          <a:p>
-            <a:pPr algn="ctr"/>
-            <a:endParaRPr kumimoji="1" lang="ja-JP" altLang="en-US"/>
-          </a:p>
-        </p:txBody>
-      </p:sp>
-      <p:sp>
-        <p:nvSpPr>
-          <p:cNvPr id="63" name="テキスト ボックス 62">
-            <a:extLst>
-              <a:ext uri="{FF2B5EF4-FFF2-40B4-BE49-F238E27FC236}">
-                <a16:creationId xmlns:a16="http://schemas.microsoft.com/office/drawing/2014/main" id="{E40D5B40-4F2A-7F0D-382A-4255D360F631}"/>
-              </a:ext>
-            </a:extLst>
-          </p:cNvPr>
-          <p:cNvSpPr txBox="1"/>
-          <p:nvPr/>
-        </p:nvSpPr>
-        <p:spPr>
-          <a:xfrm>
-            <a:off x="2568572" y="5800079"/>
-            <a:ext cx="2271602" cy="523220"/>
-          </a:xfrm>
-          <a:prstGeom prst="rect">
-            <a:avLst/>
-          </a:prstGeom>
-          <a:noFill/>
-        </p:spPr>
-        <p:txBody>
-          <a:bodyPr wrap="square" rtlCol="0">
-            <a:spAutoFit/>
-          </a:bodyPr>
-          <a:lstStyle/>
-          <a:p>
-            <a:r>
-              <a:rPr kumimoji="1" lang="ja-JP" altLang="en-US" sz="2800" dirty="0">
-                <a:solidFill>
-                  <a:schemeClr val="tx1">
-                    <a:lumMod val="50000"/>
-                    <a:lumOff val="50000"/>
-                  </a:schemeClr>
-                </a:solidFill>
-                <a:latin typeface="HGPｺﾞｼｯｸM" panose="020B0600000000000000" pitchFamily="50" charset="-128"/>
-                <a:ea typeface="HGPｺﾞｼｯｸM" panose="020B0600000000000000" pitchFamily="50" charset="-128"/>
-              </a:rPr>
-              <a:t>カテゴリー</a:t>
-            </a:r>
-          </a:p>
-        </p:txBody>
-      </p:sp>
-      <p:sp>
-        <p:nvSpPr>
-          <p:cNvPr id="62" name="テキスト ボックス 61">
-            <a:extLst>
-              <a:ext uri="{FF2B5EF4-FFF2-40B4-BE49-F238E27FC236}">
-                <a16:creationId xmlns:a16="http://schemas.microsoft.com/office/drawing/2014/main" id="{CD5DD732-6711-E422-6EC3-0A53C722C118}"/>
-              </a:ext>
-            </a:extLst>
-          </p:cNvPr>
-          <p:cNvSpPr txBox="1"/>
-          <p:nvPr/>
-        </p:nvSpPr>
-        <p:spPr>
-          <a:xfrm>
-            <a:off x="2627072" y="8032691"/>
-            <a:ext cx="2176112" cy="523220"/>
-          </a:xfrm>
-          <a:prstGeom prst="rect">
-            <a:avLst/>
-          </a:prstGeom>
-          <a:noFill/>
-        </p:spPr>
-        <p:txBody>
-          <a:bodyPr wrap="square" rtlCol="0">
-            <a:spAutoFit/>
-          </a:bodyPr>
-          <a:lstStyle/>
-          <a:p>
-            <a:r>
-              <a:rPr kumimoji="1" lang="ja-JP" altLang="en-US" sz="2800" dirty="0">
-                <a:solidFill>
-                  <a:schemeClr val="tx1">
-                    <a:lumMod val="50000"/>
-                    <a:lumOff val="50000"/>
-                  </a:schemeClr>
-                </a:solidFill>
-                <a:latin typeface="HGPｺﾞｼｯｸM" panose="020B0600000000000000" pitchFamily="50" charset="-128"/>
-                <a:ea typeface="HGPｺﾞｼｯｸM" panose="020B0600000000000000" pitchFamily="50" charset="-128"/>
-              </a:rPr>
-              <a:t>ブランド</a:t>
-            </a:r>
-          </a:p>
-        </p:txBody>
-      </p:sp>
-      <p:sp>
-        <p:nvSpPr>
-          <p:cNvPr id="77" name="二等辺三角形 76">
-            <a:extLst>
-              <a:ext uri="{FF2B5EF4-FFF2-40B4-BE49-F238E27FC236}">
-                <a16:creationId xmlns:a16="http://schemas.microsoft.com/office/drawing/2014/main" id="{73B37E9B-9496-70CF-B2AF-1D09546DA4EA}"/>
-              </a:ext>
-            </a:extLst>
-          </p:cNvPr>
-          <p:cNvSpPr/>
-          <p:nvPr/>
-        </p:nvSpPr>
-        <p:spPr>
-          <a:xfrm rot="10800000">
-            <a:off x="6458978" y="8294301"/>
-            <a:ext cx="187037" cy="145472"/>
-          </a:xfrm>
-          <a:prstGeom prst="triangle">
-            <a:avLst/>
-          </a:prstGeom>
-          <a:solidFill>
-            <a:schemeClr val="tx1">
-              <a:lumMod val="65000"/>
-              <a:lumOff val="35000"/>
-            </a:schemeClr>
-          </a:solidFill>
-        </p:spPr>
-        <p:style>
-          <a:lnRef idx="2">
-            <a:schemeClr val="dk1">
-              <a:shade val="50000"/>
-            </a:schemeClr>
-          </a:lnRef>
-          <a:fillRef idx="1">
-            <a:schemeClr val="dk1"/>
-          </a:fillRef>
-          <a:effectRef idx="0">
-            <a:schemeClr val="dk1"/>
-          </a:effectRef>
-          <a:fontRef idx="minor">
-            <a:schemeClr val="lt1"/>
-          </a:fontRef>
-        </p:style>
-        <p:txBody>
-          <a:bodyPr rtlCol="0" anchor="ctr"/>
-          <a:lstStyle/>
-          <a:p>
-            <a:pPr algn="ctr"/>
-            <a:endParaRPr kumimoji="1" lang="ja-JP" altLang="en-US"/>
-          </a:p>
-        </p:txBody>
-      </p:sp>
-      <p:sp>
-        <p:nvSpPr>
-          <p:cNvPr id="78" name="二等辺三角形 77">
-            <a:extLst>
-              <a:ext uri="{FF2B5EF4-FFF2-40B4-BE49-F238E27FC236}">
-                <a16:creationId xmlns:a16="http://schemas.microsoft.com/office/drawing/2014/main" id="{2DA6A1F0-4BBF-11FA-B272-D2C85E8418EA}"/>
-              </a:ext>
-            </a:extLst>
-          </p:cNvPr>
-          <p:cNvSpPr/>
-          <p:nvPr/>
-        </p:nvSpPr>
-        <p:spPr>
-          <a:xfrm rot="10800000">
-            <a:off x="6458978" y="6015846"/>
-            <a:ext cx="187037" cy="145472"/>
-          </a:xfrm>
-          <a:prstGeom prst="triangle">
-            <a:avLst/>
-          </a:prstGeom>
-          <a:solidFill>
-            <a:schemeClr val="tx1">
-              <a:lumMod val="65000"/>
-              <a:lumOff val="35000"/>
-            </a:schemeClr>
-          </a:solidFill>
-        </p:spPr>
-        <p:style>
-          <a:lnRef idx="2">
-            <a:schemeClr val="dk1">
-              <a:shade val="50000"/>
-            </a:schemeClr>
-          </a:lnRef>
-          <a:fillRef idx="1">
-            <a:schemeClr val="dk1"/>
-          </a:fillRef>
-          <a:effectRef idx="0">
-            <a:schemeClr val="dk1"/>
           </a:effectRef>
           <a:fontRef idx="minor">
             <a:schemeClr val="lt1"/>
@@ -11698,7 +11982,7 @@
         </p:nvSpPr>
         <p:spPr>
           <a:xfrm>
-            <a:off x="2169425" y="351195"/>
+            <a:off x="2169423" y="300167"/>
             <a:ext cx="4660688" cy="896399"/>
           </a:xfrm>
           <a:prstGeom prst="ribbon2">
@@ -11963,8 +12247,8 @@
         </p:nvSpPr>
         <p:spPr>
           <a:xfrm>
-            <a:off x="329020" y="106452"/>
-            <a:ext cx="2329767" cy="369332"/>
+            <a:off x="313286" y="106452"/>
+            <a:ext cx="1766455" cy="369332"/>
           </a:xfrm>
           <a:prstGeom prst="rect">
             <a:avLst/>
@@ -11979,17 +12263,1418 @@
           <a:p>
             <a:r>
               <a:rPr kumimoji="1" lang="ja-JP" altLang="en-US" dirty="0"/>
-              <a:t>コーディネート詳細</a:t>
-            </a:r>
+              <a:t>アイテム検索</a:t>
+            </a:r>
+            <a:endParaRPr kumimoji="1" lang="en-US" altLang="ja-JP" dirty="0"/>
+          </a:p>
+        </p:txBody>
+      </p:sp>
+      <p:sp>
+        <p:nvSpPr>
+          <p:cNvPr id="7" name="正方形/長方形 6">
+            <a:extLst>
+              <a:ext uri="{FF2B5EF4-FFF2-40B4-BE49-F238E27FC236}">
+                <a16:creationId xmlns:a16="http://schemas.microsoft.com/office/drawing/2014/main" id="{940B2C5E-82CB-8692-13C3-BB6361922D41}"/>
+              </a:ext>
+            </a:extLst>
+          </p:cNvPr>
+          <p:cNvSpPr/>
+          <p:nvPr/>
+        </p:nvSpPr>
+        <p:spPr>
+          <a:xfrm>
+            <a:off x="3063758" y="1559094"/>
+            <a:ext cx="2872022" cy="2700858"/>
+          </a:xfrm>
+          <a:prstGeom prst="rect">
+            <a:avLst/>
+          </a:prstGeom>
+        </p:spPr>
+        <p:style>
+          <a:lnRef idx="2">
+            <a:schemeClr val="dk1"/>
+          </a:lnRef>
+          <a:fillRef idx="1">
+            <a:schemeClr val="lt1"/>
+          </a:fillRef>
+          <a:effectRef idx="0">
+            <a:schemeClr val="dk1"/>
+          </a:effectRef>
+          <a:fontRef idx="minor">
+            <a:schemeClr val="dk1"/>
+          </a:fontRef>
+        </p:style>
+        <p:txBody>
+          <a:bodyPr rtlCol="0" anchor="ctr"/>
+          <a:lstStyle/>
+          <a:p>
+            <a:pPr algn="ctr"/>
+            <a:endParaRPr kumimoji="1" lang="ja-JP" altLang="en-US"/>
+          </a:p>
+        </p:txBody>
+      </p:sp>
+      <p:sp>
+        <p:nvSpPr>
+          <p:cNvPr id="22" name="正方形/長方形 21">
+            <a:extLst>
+              <a:ext uri="{FF2B5EF4-FFF2-40B4-BE49-F238E27FC236}">
+                <a16:creationId xmlns:a16="http://schemas.microsoft.com/office/drawing/2014/main" id="{14C40024-C608-51F7-D9A9-FEB0C63D0BA6}"/>
+              </a:ext>
+            </a:extLst>
+          </p:cNvPr>
+          <p:cNvSpPr/>
+          <p:nvPr/>
+        </p:nvSpPr>
+        <p:spPr>
+          <a:xfrm>
+            <a:off x="1" y="1566279"/>
+            <a:ext cx="2872022" cy="2711864"/>
+          </a:xfrm>
+          <a:prstGeom prst="rect">
+            <a:avLst/>
+          </a:prstGeom>
+        </p:spPr>
+        <p:style>
+          <a:lnRef idx="2">
+            <a:schemeClr val="dk1"/>
+          </a:lnRef>
+          <a:fillRef idx="1">
+            <a:schemeClr val="lt1"/>
+          </a:fillRef>
+          <a:effectRef idx="0">
+            <a:schemeClr val="dk1"/>
+          </a:effectRef>
+          <a:fontRef idx="minor">
+            <a:schemeClr val="dk1"/>
+          </a:fontRef>
+        </p:style>
+        <p:txBody>
+          <a:bodyPr rtlCol="0" anchor="ctr"/>
+          <a:lstStyle/>
+          <a:p>
+            <a:pPr algn="ctr"/>
+            <a:endParaRPr kumimoji="1" lang="ja-JP" altLang="en-US"/>
+          </a:p>
+        </p:txBody>
+      </p:sp>
+      <p:sp>
+        <p:nvSpPr>
+          <p:cNvPr id="23" name="正方形/長方形 22">
+            <a:extLst>
+              <a:ext uri="{FF2B5EF4-FFF2-40B4-BE49-F238E27FC236}">
+                <a16:creationId xmlns:a16="http://schemas.microsoft.com/office/drawing/2014/main" id="{0376425B-CEB0-A62A-BCB5-80EBA6ED5488}"/>
+              </a:ext>
+            </a:extLst>
+          </p:cNvPr>
+          <p:cNvSpPr/>
+          <p:nvPr/>
+        </p:nvSpPr>
+        <p:spPr>
+          <a:xfrm>
+            <a:off x="6127517" y="1553591"/>
+            <a:ext cx="2872022" cy="2711864"/>
+          </a:xfrm>
+          <a:prstGeom prst="rect">
+            <a:avLst/>
+          </a:prstGeom>
+        </p:spPr>
+        <p:style>
+          <a:lnRef idx="2">
+            <a:schemeClr val="dk1"/>
+          </a:lnRef>
+          <a:fillRef idx="1">
+            <a:schemeClr val="lt1"/>
+          </a:fillRef>
+          <a:effectRef idx="0">
+            <a:schemeClr val="dk1"/>
+          </a:effectRef>
+          <a:fontRef idx="minor">
+            <a:schemeClr val="dk1"/>
+          </a:fontRef>
+        </p:style>
+        <p:txBody>
+          <a:bodyPr rtlCol="0" anchor="ctr"/>
+          <a:lstStyle/>
+          <a:p>
+            <a:pPr algn="ctr"/>
+            <a:endParaRPr kumimoji="1" lang="ja-JP" altLang="en-US"/>
+          </a:p>
+        </p:txBody>
+      </p:sp>
+      <p:sp>
+        <p:nvSpPr>
+          <p:cNvPr id="24" name="正方形/長方形 23">
+            <a:extLst>
+              <a:ext uri="{FF2B5EF4-FFF2-40B4-BE49-F238E27FC236}">
+                <a16:creationId xmlns:a16="http://schemas.microsoft.com/office/drawing/2014/main" id="{74FC56A5-509A-2259-7AE1-D06CD38A7B3D}"/>
+              </a:ext>
+            </a:extLst>
+          </p:cNvPr>
+          <p:cNvSpPr/>
+          <p:nvPr/>
+        </p:nvSpPr>
+        <p:spPr>
+          <a:xfrm>
+            <a:off x="0" y="4478178"/>
+            <a:ext cx="2872022" cy="2711864"/>
+          </a:xfrm>
+          <a:prstGeom prst="rect">
+            <a:avLst/>
+          </a:prstGeom>
+        </p:spPr>
+        <p:style>
+          <a:lnRef idx="2">
+            <a:schemeClr val="dk1"/>
+          </a:lnRef>
+          <a:fillRef idx="1">
+            <a:schemeClr val="lt1"/>
+          </a:fillRef>
+          <a:effectRef idx="0">
+            <a:schemeClr val="dk1"/>
+          </a:effectRef>
+          <a:fontRef idx="minor">
+            <a:schemeClr val="dk1"/>
+          </a:fontRef>
+        </p:style>
+        <p:txBody>
+          <a:bodyPr rtlCol="0" anchor="ctr"/>
+          <a:lstStyle/>
+          <a:p>
+            <a:pPr algn="ctr"/>
+            <a:endParaRPr kumimoji="1" lang="ja-JP" altLang="en-US"/>
+          </a:p>
+        </p:txBody>
+      </p:sp>
+      <p:sp>
+        <p:nvSpPr>
+          <p:cNvPr id="25" name="正方形/長方形 24">
+            <a:extLst>
+              <a:ext uri="{FF2B5EF4-FFF2-40B4-BE49-F238E27FC236}">
+                <a16:creationId xmlns:a16="http://schemas.microsoft.com/office/drawing/2014/main" id="{340BC223-3273-391B-10AD-C584EDE7B4CB}"/>
+              </a:ext>
+            </a:extLst>
+          </p:cNvPr>
+          <p:cNvSpPr/>
+          <p:nvPr/>
+        </p:nvSpPr>
+        <p:spPr>
+          <a:xfrm>
+            <a:off x="3063758" y="4476496"/>
+            <a:ext cx="2872022" cy="2700858"/>
+          </a:xfrm>
+          <a:prstGeom prst="rect">
+            <a:avLst/>
+          </a:prstGeom>
+        </p:spPr>
+        <p:style>
+          <a:lnRef idx="2">
+            <a:schemeClr val="dk1"/>
+          </a:lnRef>
+          <a:fillRef idx="1">
+            <a:schemeClr val="lt1"/>
+          </a:fillRef>
+          <a:effectRef idx="0">
+            <a:schemeClr val="dk1"/>
+          </a:effectRef>
+          <a:fontRef idx="minor">
+            <a:schemeClr val="dk1"/>
+          </a:fontRef>
+        </p:style>
+        <p:txBody>
+          <a:bodyPr rtlCol="0" anchor="ctr"/>
+          <a:lstStyle/>
+          <a:p>
+            <a:pPr algn="ctr"/>
+            <a:endParaRPr kumimoji="1" lang="ja-JP" altLang="en-US"/>
+          </a:p>
+        </p:txBody>
+      </p:sp>
+      <p:sp>
+        <p:nvSpPr>
+          <p:cNvPr id="26" name="正方形/長方形 25">
+            <a:extLst>
+              <a:ext uri="{FF2B5EF4-FFF2-40B4-BE49-F238E27FC236}">
+                <a16:creationId xmlns:a16="http://schemas.microsoft.com/office/drawing/2014/main" id="{2B521C5B-07BF-3CC7-490D-43CFB0CEDC2E}"/>
+              </a:ext>
+            </a:extLst>
+          </p:cNvPr>
+          <p:cNvSpPr/>
+          <p:nvPr/>
+        </p:nvSpPr>
+        <p:spPr>
+          <a:xfrm>
+            <a:off x="6127517" y="4440113"/>
+            <a:ext cx="2872022" cy="2711864"/>
+          </a:xfrm>
+          <a:prstGeom prst="rect">
+            <a:avLst/>
+          </a:prstGeom>
+        </p:spPr>
+        <p:style>
+          <a:lnRef idx="2">
+            <a:schemeClr val="dk1"/>
+          </a:lnRef>
+          <a:fillRef idx="1">
+            <a:schemeClr val="lt1"/>
+          </a:fillRef>
+          <a:effectRef idx="0">
+            <a:schemeClr val="dk1"/>
+          </a:effectRef>
+          <a:fontRef idx="minor">
+            <a:schemeClr val="dk1"/>
+          </a:fontRef>
+        </p:style>
+        <p:txBody>
+          <a:bodyPr rtlCol="0" anchor="ctr"/>
+          <a:lstStyle/>
+          <a:p>
+            <a:pPr algn="ctr"/>
+            <a:endParaRPr kumimoji="1" lang="ja-JP" altLang="en-US"/>
+          </a:p>
+        </p:txBody>
+      </p:sp>
+      <p:sp>
+        <p:nvSpPr>
+          <p:cNvPr id="27" name="正方形/長方形 26">
+            <a:extLst>
+              <a:ext uri="{FF2B5EF4-FFF2-40B4-BE49-F238E27FC236}">
+                <a16:creationId xmlns:a16="http://schemas.microsoft.com/office/drawing/2014/main" id="{55E3DBCE-F12E-4BDB-09A6-38329FCEFF78}"/>
+              </a:ext>
+            </a:extLst>
+          </p:cNvPr>
+          <p:cNvSpPr/>
+          <p:nvPr/>
+        </p:nvSpPr>
+        <p:spPr>
+          <a:xfrm>
+            <a:off x="0" y="7390077"/>
+            <a:ext cx="2872022" cy="2461031"/>
+          </a:xfrm>
+          <a:prstGeom prst="rect">
+            <a:avLst/>
+          </a:prstGeom>
+        </p:spPr>
+        <p:style>
+          <a:lnRef idx="2">
+            <a:schemeClr val="dk1"/>
+          </a:lnRef>
+          <a:fillRef idx="1">
+            <a:schemeClr val="lt1"/>
+          </a:fillRef>
+          <a:effectRef idx="0">
+            <a:schemeClr val="dk1"/>
+          </a:effectRef>
+          <a:fontRef idx="minor">
+            <a:schemeClr val="dk1"/>
+          </a:fontRef>
+        </p:style>
+        <p:txBody>
+          <a:bodyPr rtlCol="0" anchor="ctr"/>
+          <a:lstStyle/>
+          <a:p>
+            <a:pPr algn="ctr"/>
+            <a:endParaRPr kumimoji="1" lang="ja-JP" altLang="en-US"/>
+          </a:p>
+        </p:txBody>
+      </p:sp>
+      <p:sp>
+        <p:nvSpPr>
+          <p:cNvPr id="28" name="正方形/長方形 27">
+            <a:extLst>
+              <a:ext uri="{FF2B5EF4-FFF2-40B4-BE49-F238E27FC236}">
+                <a16:creationId xmlns:a16="http://schemas.microsoft.com/office/drawing/2014/main" id="{E591420E-28D5-EAB2-D261-891259EF6C21}"/>
+              </a:ext>
+            </a:extLst>
+          </p:cNvPr>
+          <p:cNvSpPr/>
+          <p:nvPr/>
+        </p:nvSpPr>
+        <p:spPr>
+          <a:xfrm>
+            <a:off x="3063758" y="7397763"/>
+            <a:ext cx="2872022" cy="2461031"/>
+          </a:xfrm>
+          <a:prstGeom prst="rect">
+            <a:avLst/>
+          </a:prstGeom>
+        </p:spPr>
+        <p:style>
+          <a:lnRef idx="2">
+            <a:schemeClr val="dk1"/>
+          </a:lnRef>
+          <a:fillRef idx="1">
+            <a:schemeClr val="lt1"/>
+          </a:fillRef>
+          <a:effectRef idx="0">
+            <a:schemeClr val="dk1"/>
+          </a:effectRef>
+          <a:fontRef idx="minor">
+            <a:schemeClr val="dk1"/>
+          </a:fontRef>
+        </p:style>
+        <p:txBody>
+          <a:bodyPr rtlCol="0" anchor="ctr"/>
+          <a:lstStyle/>
+          <a:p>
+            <a:pPr algn="ctr"/>
+            <a:endParaRPr kumimoji="1" lang="ja-JP" altLang="en-US"/>
+          </a:p>
+        </p:txBody>
+      </p:sp>
+      <p:sp>
+        <p:nvSpPr>
+          <p:cNvPr id="31" name="正方形/長方形 30">
+            <a:extLst>
+              <a:ext uri="{FF2B5EF4-FFF2-40B4-BE49-F238E27FC236}">
+                <a16:creationId xmlns:a16="http://schemas.microsoft.com/office/drawing/2014/main" id="{1A8A30B5-C754-03DC-50F0-E38642E49A32}"/>
+              </a:ext>
+            </a:extLst>
+          </p:cNvPr>
+          <p:cNvSpPr/>
+          <p:nvPr/>
+        </p:nvSpPr>
+        <p:spPr>
+          <a:xfrm>
+            <a:off x="6127516" y="7390077"/>
+            <a:ext cx="2872022" cy="2468717"/>
+          </a:xfrm>
+          <a:prstGeom prst="rect">
+            <a:avLst/>
+          </a:prstGeom>
+        </p:spPr>
+        <p:style>
+          <a:lnRef idx="2">
+            <a:schemeClr val="dk1"/>
+          </a:lnRef>
+          <a:fillRef idx="1">
+            <a:schemeClr val="lt1"/>
+          </a:fillRef>
+          <a:effectRef idx="0">
+            <a:schemeClr val="dk1"/>
+          </a:effectRef>
+          <a:fontRef idx="minor">
+            <a:schemeClr val="dk1"/>
+          </a:fontRef>
+        </p:style>
+        <p:txBody>
+          <a:bodyPr rtlCol="0" anchor="ctr"/>
+          <a:lstStyle/>
+          <a:p>
+            <a:pPr algn="ctr"/>
+            <a:endParaRPr kumimoji="1" lang="ja-JP" altLang="en-US"/>
+          </a:p>
+        </p:txBody>
+      </p:sp>
+      <p:pic>
+        <p:nvPicPr>
+          <p:cNvPr id="6" name="図 5" descr="ダイアグラム&#10;&#10;自動的に生成された説明">
+            <a:extLst>
+              <a:ext uri="{FF2B5EF4-FFF2-40B4-BE49-F238E27FC236}">
+                <a16:creationId xmlns:a16="http://schemas.microsoft.com/office/drawing/2014/main" id="{8CF15A39-87D2-73C4-A852-6040725BDFDC}"/>
+              </a:ext>
+            </a:extLst>
+          </p:cNvPr>
+          <p:cNvPicPr>
+            <a:picLocks noChangeAspect="1"/>
+          </p:cNvPicPr>
+          <p:nvPr/>
+        </p:nvPicPr>
+        <p:blipFill>
+          <a:blip r:embed="rId2">
+            <a:extLst>
+              <a:ext uri="{28A0092B-C50C-407E-A947-70E740481C1C}">
+                <a14:useLocalDpi xmlns:a14="http://schemas.microsoft.com/office/drawing/2010/main" val="0"/>
+              </a:ext>
+            </a:extLst>
+          </a:blip>
+          <a:stretch>
+            <a:fillRect/>
+          </a:stretch>
+        </p:blipFill>
+        <p:spPr>
+          <a:xfrm>
+            <a:off x="193399" y="1701953"/>
+            <a:ext cx="2494100" cy="2440515"/>
+          </a:xfrm>
+          <a:prstGeom prst="rect">
+            <a:avLst/>
+          </a:prstGeom>
+        </p:spPr>
+      </p:pic>
+      <p:pic>
+        <p:nvPicPr>
+          <p:cNvPr id="11" name="図 10">
+            <a:extLst>
+              <a:ext uri="{FF2B5EF4-FFF2-40B4-BE49-F238E27FC236}">
+                <a16:creationId xmlns:a16="http://schemas.microsoft.com/office/drawing/2014/main" id="{D120ACB6-6419-F367-E1A5-556F5D1DD307}"/>
+              </a:ext>
+            </a:extLst>
+          </p:cNvPr>
+          <p:cNvPicPr>
+            <a:picLocks noChangeAspect="1"/>
+          </p:cNvPicPr>
+          <p:nvPr/>
+        </p:nvPicPr>
+        <p:blipFill>
+          <a:blip r:embed="rId3">
+            <a:extLst>
+              <a:ext uri="{28A0092B-C50C-407E-A947-70E740481C1C}">
+                <a14:useLocalDpi xmlns:a14="http://schemas.microsoft.com/office/drawing/2010/main" val="0"/>
+              </a:ext>
+            </a:extLst>
+          </a:blip>
+          <a:stretch>
+            <a:fillRect/>
+          </a:stretch>
+        </p:blipFill>
+        <p:spPr>
+          <a:xfrm>
+            <a:off x="3128523" y="1620672"/>
+            <a:ext cx="2622734" cy="2622734"/>
+          </a:xfrm>
+          <a:prstGeom prst="rect">
+            <a:avLst/>
+          </a:prstGeom>
+        </p:spPr>
+      </p:pic>
+      <p:pic>
+        <p:nvPicPr>
+          <p:cNvPr id="15" name="図 14" descr="ダイアグラム が含まれている画像&#10;&#10;自動的に生成された説明">
+            <a:extLst>
+              <a:ext uri="{FF2B5EF4-FFF2-40B4-BE49-F238E27FC236}">
+                <a16:creationId xmlns:a16="http://schemas.microsoft.com/office/drawing/2014/main" id="{CE3E1494-9218-1A50-B6CF-2BAF717746E2}"/>
+              </a:ext>
+            </a:extLst>
+          </p:cNvPr>
+          <p:cNvPicPr>
+            <a:picLocks noChangeAspect="1"/>
+          </p:cNvPicPr>
+          <p:nvPr/>
+        </p:nvPicPr>
+        <p:blipFill>
+          <a:blip r:embed="rId4">
+            <a:extLst>
+              <a:ext uri="{28A0092B-C50C-407E-A947-70E740481C1C}">
+                <a14:useLocalDpi xmlns:a14="http://schemas.microsoft.com/office/drawing/2010/main" val="0"/>
+              </a:ext>
+            </a:extLst>
+          </a:blip>
+          <a:stretch>
+            <a:fillRect/>
+          </a:stretch>
+        </p:blipFill>
+        <p:spPr>
+          <a:xfrm>
+            <a:off x="6427849" y="1586288"/>
+            <a:ext cx="2205585" cy="2605754"/>
+          </a:xfrm>
+          <a:prstGeom prst="rect">
+            <a:avLst/>
+          </a:prstGeom>
+        </p:spPr>
+      </p:pic>
+      <p:pic>
+        <p:nvPicPr>
+          <p:cNvPr id="19" name="図 18" descr="バッグ が含まれている画像&#10;&#10;自動的に生成された説明">
+            <a:extLst>
+              <a:ext uri="{FF2B5EF4-FFF2-40B4-BE49-F238E27FC236}">
+                <a16:creationId xmlns:a16="http://schemas.microsoft.com/office/drawing/2014/main" id="{16C614FD-A715-23FB-F80D-93205EA4D588}"/>
+              </a:ext>
+            </a:extLst>
+          </p:cNvPr>
+          <p:cNvPicPr>
+            <a:picLocks noChangeAspect="1"/>
+          </p:cNvPicPr>
+          <p:nvPr/>
+        </p:nvPicPr>
+        <p:blipFill>
+          <a:blip r:embed="rId5">
+            <a:extLst>
+              <a:ext uri="{28A0092B-C50C-407E-A947-70E740481C1C}">
+                <a14:useLocalDpi xmlns:a14="http://schemas.microsoft.com/office/drawing/2010/main" val="0"/>
+              </a:ext>
+            </a:extLst>
+          </a:blip>
+          <a:stretch>
+            <a:fillRect/>
+          </a:stretch>
+        </p:blipFill>
+        <p:spPr>
+          <a:xfrm>
+            <a:off x="193399" y="4802243"/>
+            <a:ext cx="2633152" cy="2063733"/>
+          </a:xfrm>
+          <a:prstGeom prst="rect">
+            <a:avLst/>
+          </a:prstGeom>
+        </p:spPr>
+      </p:pic>
+      <p:pic>
+        <p:nvPicPr>
+          <p:cNvPr id="33" name="図 32" descr="紫の布の上に置かれたネクタイ&#10;&#10;低い精度で自動的に生成された説明">
+            <a:extLst>
+              <a:ext uri="{FF2B5EF4-FFF2-40B4-BE49-F238E27FC236}">
+                <a16:creationId xmlns:a16="http://schemas.microsoft.com/office/drawing/2014/main" id="{EE300016-77B8-BE34-D36D-782657D66712}"/>
+              </a:ext>
+            </a:extLst>
+          </p:cNvPr>
+          <p:cNvPicPr>
+            <a:picLocks noChangeAspect="1"/>
+          </p:cNvPicPr>
+          <p:nvPr/>
+        </p:nvPicPr>
+        <p:blipFill>
+          <a:blip r:embed="rId6">
+            <a:extLst>
+              <a:ext uri="{28A0092B-C50C-407E-A947-70E740481C1C}">
+                <a14:useLocalDpi xmlns:a14="http://schemas.microsoft.com/office/drawing/2010/main" val="0"/>
+              </a:ext>
+            </a:extLst>
+          </a:blip>
+          <a:stretch>
+            <a:fillRect/>
+          </a:stretch>
+        </p:blipFill>
+        <p:spPr>
+          <a:xfrm>
+            <a:off x="6854671" y="7528264"/>
+            <a:ext cx="1417711" cy="2223229"/>
+          </a:xfrm>
+          <a:prstGeom prst="rect">
+            <a:avLst/>
+          </a:prstGeom>
+        </p:spPr>
+      </p:pic>
+      <p:sp>
+        <p:nvSpPr>
+          <p:cNvPr id="2" name="フローチャート: 結合子 1">
+            <a:extLst>
+              <a:ext uri="{FF2B5EF4-FFF2-40B4-BE49-F238E27FC236}">
+                <a16:creationId xmlns:a16="http://schemas.microsoft.com/office/drawing/2014/main" id="{1B5FAC98-2F04-EEC6-32CB-84333A3086AA}"/>
+              </a:ext>
+            </a:extLst>
+          </p:cNvPr>
+          <p:cNvSpPr/>
+          <p:nvPr/>
+        </p:nvSpPr>
+        <p:spPr>
+          <a:xfrm>
+            <a:off x="7956842" y="8789678"/>
+            <a:ext cx="946078" cy="902898"/>
+          </a:xfrm>
+          <a:prstGeom prst="flowChartConnector">
+            <a:avLst/>
+          </a:prstGeom>
+          <a:solidFill>
+            <a:schemeClr val="accent2">
+              <a:lumMod val="40000"/>
+              <a:lumOff val="60000"/>
+            </a:schemeClr>
+          </a:solidFill>
+        </p:spPr>
+        <p:style>
+          <a:lnRef idx="2">
+            <a:schemeClr val="accent1">
+              <a:shade val="50000"/>
+            </a:schemeClr>
+          </a:lnRef>
+          <a:fillRef idx="1">
+            <a:schemeClr val="accent1"/>
+          </a:fillRef>
+          <a:effectRef idx="0">
+            <a:schemeClr val="accent1"/>
+          </a:effectRef>
+          <a:fontRef idx="minor">
+            <a:schemeClr val="lt1"/>
+          </a:fontRef>
+        </p:style>
+        <p:txBody>
+          <a:bodyPr rtlCol="0" anchor="ctr"/>
+          <a:lstStyle/>
+          <a:p>
+            <a:pPr algn="ctr"/>
+            <a:endParaRPr kumimoji="1" lang="ja-JP" altLang="en-US"/>
+          </a:p>
+        </p:txBody>
+      </p:sp>
+      <p:pic>
+        <p:nvPicPr>
+          <p:cNvPr id="36" name="図 35" descr="抽象, 挿絵 が含まれている画像&#10;&#10;自動的に生成された説明">
+            <a:extLst>
+              <a:ext uri="{FF2B5EF4-FFF2-40B4-BE49-F238E27FC236}">
+                <a16:creationId xmlns:a16="http://schemas.microsoft.com/office/drawing/2014/main" id="{3926E668-A1A8-AFAB-9F37-CD6F22F80BB4}"/>
+              </a:ext>
+            </a:extLst>
+          </p:cNvPr>
+          <p:cNvPicPr>
+            <a:picLocks noChangeAspect="1"/>
+          </p:cNvPicPr>
+          <p:nvPr/>
+        </p:nvPicPr>
+        <p:blipFill>
+          <a:blip r:embed="rId7">
+            <a:extLst>
+              <a:ext uri="{28A0092B-C50C-407E-A947-70E740481C1C}">
+                <a14:useLocalDpi xmlns:a14="http://schemas.microsoft.com/office/drawing/2010/main" val="0"/>
+              </a:ext>
+            </a:extLst>
+          </a:blip>
+          <a:stretch>
+            <a:fillRect/>
+          </a:stretch>
+        </p:blipFill>
+        <p:spPr>
+          <a:xfrm>
+            <a:off x="201513" y="7944520"/>
+            <a:ext cx="2239821" cy="1500888"/>
+          </a:xfrm>
+          <a:prstGeom prst="rect">
+            <a:avLst/>
+          </a:prstGeom>
+        </p:spPr>
+      </p:pic>
+      <p:pic>
+        <p:nvPicPr>
+          <p:cNvPr id="41" name="図 40">
+            <a:extLst>
+              <a:ext uri="{FF2B5EF4-FFF2-40B4-BE49-F238E27FC236}">
+                <a16:creationId xmlns:a16="http://schemas.microsoft.com/office/drawing/2014/main" id="{8F5B84F8-C334-FEC2-36F9-7DACB07FF045}"/>
+              </a:ext>
+            </a:extLst>
+          </p:cNvPr>
+          <p:cNvPicPr>
+            <a:picLocks noChangeAspect="1"/>
+          </p:cNvPicPr>
+          <p:nvPr/>
+        </p:nvPicPr>
+        <p:blipFill>
+          <a:blip r:embed="rId8">
+            <a:extLst>
+              <a:ext uri="{28A0092B-C50C-407E-A947-70E740481C1C}">
+                <a14:useLocalDpi xmlns:a14="http://schemas.microsoft.com/office/drawing/2010/main" val="0"/>
+              </a:ext>
+            </a:extLst>
+          </a:blip>
+          <a:stretch>
+            <a:fillRect/>
+          </a:stretch>
+        </p:blipFill>
+        <p:spPr>
+          <a:xfrm>
+            <a:off x="3542174" y="4538380"/>
+            <a:ext cx="2016160" cy="2549381"/>
+          </a:xfrm>
+          <a:prstGeom prst="rect">
+            <a:avLst/>
+          </a:prstGeom>
+        </p:spPr>
+      </p:pic>
+      <p:pic>
+        <p:nvPicPr>
+          <p:cNvPr id="43" name="図 42" descr="下着, シャツ が含まれている画像&#10;&#10;自動的に生成された説明">
+            <a:extLst>
+              <a:ext uri="{FF2B5EF4-FFF2-40B4-BE49-F238E27FC236}">
+                <a16:creationId xmlns:a16="http://schemas.microsoft.com/office/drawing/2014/main" id="{B91BAD79-6FC5-5A55-C0F9-8CC146A26245}"/>
+              </a:ext>
+            </a:extLst>
+          </p:cNvPr>
+          <p:cNvPicPr>
+            <a:picLocks noChangeAspect="1"/>
+          </p:cNvPicPr>
+          <p:nvPr/>
+        </p:nvPicPr>
+        <p:blipFill>
+          <a:blip r:embed="rId9">
+            <a:extLst>
+              <a:ext uri="{28A0092B-C50C-407E-A947-70E740481C1C}">
+                <a14:useLocalDpi xmlns:a14="http://schemas.microsoft.com/office/drawing/2010/main" val="0"/>
+              </a:ext>
+            </a:extLst>
+          </a:blip>
+          <a:stretch>
+            <a:fillRect/>
+          </a:stretch>
+        </p:blipFill>
+        <p:spPr>
+          <a:xfrm>
+            <a:off x="6338996" y="4684936"/>
+            <a:ext cx="2383290" cy="2383290"/>
+          </a:xfrm>
+          <a:prstGeom prst="rect">
+            <a:avLst/>
+          </a:prstGeom>
+        </p:spPr>
+      </p:pic>
+      <p:pic>
+        <p:nvPicPr>
+          <p:cNvPr id="45" name="図 44" descr="ボトル, 光 が含まれている画像&#10;&#10;自動的に生成された説明">
+            <a:extLst>
+              <a:ext uri="{FF2B5EF4-FFF2-40B4-BE49-F238E27FC236}">
+                <a16:creationId xmlns:a16="http://schemas.microsoft.com/office/drawing/2014/main" id="{83154676-F736-6C27-010B-F6B21C98AB6B}"/>
+              </a:ext>
+            </a:extLst>
+          </p:cNvPr>
+          <p:cNvPicPr>
+            <a:picLocks noChangeAspect="1"/>
+          </p:cNvPicPr>
+          <p:nvPr/>
+        </p:nvPicPr>
+        <p:blipFill>
+          <a:blip r:embed="rId10">
+            <a:extLst>
+              <a:ext uri="{28A0092B-C50C-407E-A947-70E740481C1C}">
+                <a14:useLocalDpi xmlns:a14="http://schemas.microsoft.com/office/drawing/2010/main" val="0"/>
+              </a:ext>
+            </a:extLst>
+          </a:blip>
+          <a:stretch>
+            <a:fillRect/>
+          </a:stretch>
+        </p:blipFill>
+        <p:spPr>
+          <a:xfrm>
+            <a:off x="3599177" y="7308170"/>
+            <a:ext cx="1992433" cy="2370146"/>
+          </a:xfrm>
+          <a:prstGeom prst="rect">
+            <a:avLst/>
+          </a:prstGeom>
+        </p:spPr>
+      </p:pic>
+      <p:sp>
+        <p:nvSpPr>
+          <p:cNvPr id="34" name="正方形/長方形 33">
+            <a:extLst>
+              <a:ext uri="{FF2B5EF4-FFF2-40B4-BE49-F238E27FC236}">
+                <a16:creationId xmlns:a16="http://schemas.microsoft.com/office/drawing/2014/main" id="{4E6C100C-BC24-3C03-5EA7-24986489A266}"/>
+              </a:ext>
+            </a:extLst>
+          </p:cNvPr>
+          <p:cNvSpPr/>
+          <p:nvPr/>
+        </p:nvSpPr>
+        <p:spPr>
+          <a:xfrm>
+            <a:off x="0" y="4478178"/>
+            <a:ext cx="2872022" cy="2711864"/>
+          </a:xfrm>
+          <a:prstGeom prst="rect">
+            <a:avLst/>
+          </a:prstGeom>
+        </p:spPr>
+        <p:style>
+          <a:lnRef idx="2">
+            <a:schemeClr val="dk1"/>
+          </a:lnRef>
+          <a:fillRef idx="1">
+            <a:schemeClr val="lt1"/>
+          </a:fillRef>
+          <a:effectRef idx="0">
+            <a:schemeClr val="dk1"/>
+          </a:effectRef>
+          <a:fontRef idx="minor">
+            <a:schemeClr val="dk1"/>
+          </a:fontRef>
+        </p:style>
+        <p:txBody>
+          <a:bodyPr rtlCol="0" anchor="ctr"/>
+          <a:lstStyle/>
+          <a:p>
+            <a:pPr algn="ctr"/>
+            <a:endParaRPr kumimoji="1" lang="ja-JP" altLang="en-US"/>
+          </a:p>
+        </p:txBody>
+      </p:sp>
+      <p:sp>
+        <p:nvSpPr>
+          <p:cNvPr id="35" name="正方形/長方形 34">
+            <a:extLst>
+              <a:ext uri="{FF2B5EF4-FFF2-40B4-BE49-F238E27FC236}">
+                <a16:creationId xmlns:a16="http://schemas.microsoft.com/office/drawing/2014/main" id="{349B1641-D9E9-E608-134C-24DDBDA6DB35}"/>
+              </a:ext>
+            </a:extLst>
+          </p:cNvPr>
+          <p:cNvSpPr/>
+          <p:nvPr/>
+        </p:nvSpPr>
+        <p:spPr>
+          <a:xfrm>
+            <a:off x="3063758" y="4476496"/>
+            <a:ext cx="2872022" cy="2700858"/>
+          </a:xfrm>
+          <a:prstGeom prst="rect">
+            <a:avLst/>
+          </a:prstGeom>
+        </p:spPr>
+        <p:style>
+          <a:lnRef idx="2">
+            <a:schemeClr val="dk1"/>
+          </a:lnRef>
+          <a:fillRef idx="1">
+            <a:schemeClr val="lt1"/>
+          </a:fillRef>
+          <a:effectRef idx="0">
+            <a:schemeClr val="dk1"/>
+          </a:effectRef>
+          <a:fontRef idx="minor">
+            <a:schemeClr val="dk1"/>
+          </a:fontRef>
+        </p:style>
+        <p:txBody>
+          <a:bodyPr rtlCol="0" anchor="ctr"/>
+          <a:lstStyle/>
+          <a:p>
+            <a:pPr algn="ctr"/>
+            <a:endParaRPr kumimoji="1" lang="ja-JP" altLang="en-US"/>
+          </a:p>
+        </p:txBody>
+      </p:sp>
+      <p:sp>
+        <p:nvSpPr>
+          <p:cNvPr id="37" name="正方形/長方形 36">
+            <a:extLst>
+              <a:ext uri="{FF2B5EF4-FFF2-40B4-BE49-F238E27FC236}">
+                <a16:creationId xmlns:a16="http://schemas.microsoft.com/office/drawing/2014/main" id="{E56F4E42-77E3-AC6A-D379-BEB60AC70DF6}"/>
+              </a:ext>
+            </a:extLst>
+          </p:cNvPr>
+          <p:cNvSpPr/>
+          <p:nvPr/>
+        </p:nvSpPr>
+        <p:spPr>
+          <a:xfrm>
+            <a:off x="6127517" y="4440113"/>
+            <a:ext cx="2872022" cy="2711864"/>
+          </a:xfrm>
+          <a:prstGeom prst="rect">
+            <a:avLst/>
+          </a:prstGeom>
+        </p:spPr>
+        <p:style>
+          <a:lnRef idx="2">
+            <a:schemeClr val="dk1"/>
+          </a:lnRef>
+          <a:fillRef idx="1">
+            <a:schemeClr val="lt1"/>
+          </a:fillRef>
+          <a:effectRef idx="0">
+            <a:schemeClr val="dk1"/>
+          </a:effectRef>
+          <a:fontRef idx="minor">
+            <a:schemeClr val="dk1"/>
+          </a:fontRef>
+        </p:style>
+        <p:txBody>
+          <a:bodyPr rtlCol="0" anchor="ctr"/>
+          <a:lstStyle/>
+          <a:p>
+            <a:pPr algn="ctr"/>
+            <a:endParaRPr kumimoji="1" lang="ja-JP" altLang="en-US"/>
+          </a:p>
+        </p:txBody>
+      </p:sp>
+      <p:sp>
+        <p:nvSpPr>
+          <p:cNvPr id="42" name="正方形/長方形 41">
+            <a:extLst>
+              <a:ext uri="{FF2B5EF4-FFF2-40B4-BE49-F238E27FC236}">
+                <a16:creationId xmlns:a16="http://schemas.microsoft.com/office/drawing/2014/main" id="{A392A209-E7E8-9018-E51E-2299817EFF3A}"/>
+              </a:ext>
+            </a:extLst>
+          </p:cNvPr>
+          <p:cNvSpPr/>
+          <p:nvPr/>
+        </p:nvSpPr>
+        <p:spPr>
+          <a:xfrm>
+            <a:off x="0" y="7390077"/>
+            <a:ext cx="2872022" cy="2461031"/>
+          </a:xfrm>
+          <a:prstGeom prst="rect">
+            <a:avLst/>
+          </a:prstGeom>
+        </p:spPr>
+        <p:style>
+          <a:lnRef idx="2">
+            <a:schemeClr val="dk1"/>
+          </a:lnRef>
+          <a:fillRef idx="1">
+            <a:schemeClr val="lt1"/>
+          </a:fillRef>
+          <a:effectRef idx="0">
+            <a:schemeClr val="dk1"/>
+          </a:effectRef>
+          <a:fontRef idx="minor">
+            <a:schemeClr val="dk1"/>
+          </a:fontRef>
+        </p:style>
+        <p:txBody>
+          <a:bodyPr rtlCol="0" anchor="ctr"/>
+          <a:lstStyle/>
+          <a:p>
+            <a:pPr algn="ctr"/>
+            <a:endParaRPr kumimoji="1" lang="ja-JP" altLang="en-US"/>
+          </a:p>
+        </p:txBody>
+      </p:sp>
+      <p:sp>
+        <p:nvSpPr>
+          <p:cNvPr id="44" name="正方形/長方形 43">
+            <a:extLst>
+              <a:ext uri="{FF2B5EF4-FFF2-40B4-BE49-F238E27FC236}">
+                <a16:creationId xmlns:a16="http://schemas.microsoft.com/office/drawing/2014/main" id="{8D49C137-8E6A-5845-B3D0-95338367BC06}"/>
+              </a:ext>
+            </a:extLst>
+          </p:cNvPr>
+          <p:cNvSpPr/>
+          <p:nvPr/>
+        </p:nvSpPr>
+        <p:spPr>
+          <a:xfrm>
+            <a:off x="3063758" y="7397763"/>
+            <a:ext cx="2872022" cy="2461031"/>
+          </a:xfrm>
+          <a:prstGeom prst="rect">
+            <a:avLst/>
+          </a:prstGeom>
+        </p:spPr>
+        <p:style>
+          <a:lnRef idx="2">
+            <a:schemeClr val="dk1"/>
+          </a:lnRef>
+          <a:fillRef idx="1">
+            <a:schemeClr val="lt1"/>
+          </a:fillRef>
+          <a:effectRef idx="0">
+            <a:schemeClr val="dk1"/>
+          </a:effectRef>
+          <a:fontRef idx="minor">
+            <a:schemeClr val="dk1"/>
+          </a:fontRef>
+        </p:style>
+        <p:txBody>
+          <a:bodyPr rtlCol="0" anchor="ctr"/>
+          <a:lstStyle/>
+          <a:p>
+            <a:pPr algn="ctr"/>
+            <a:endParaRPr kumimoji="1" lang="ja-JP" altLang="en-US"/>
+          </a:p>
+        </p:txBody>
+      </p:sp>
+      <p:sp>
+        <p:nvSpPr>
+          <p:cNvPr id="46" name="正方形/長方形 45">
+            <a:extLst>
+              <a:ext uri="{FF2B5EF4-FFF2-40B4-BE49-F238E27FC236}">
+                <a16:creationId xmlns:a16="http://schemas.microsoft.com/office/drawing/2014/main" id="{2ACBEC94-FA70-5CAF-1041-FB7B8587A7EF}"/>
+              </a:ext>
+            </a:extLst>
+          </p:cNvPr>
+          <p:cNvSpPr/>
+          <p:nvPr/>
+        </p:nvSpPr>
+        <p:spPr>
+          <a:xfrm>
+            <a:off x="6127516" y="7390077"/>
+            <a:ext cx="2872022" cy="2468717"/>
+          </a:xfrm>
+          <a:prstGeom prst="rect">
+            <a:avLst/>
+          </a:prstGeom>
+        </p:spPr>
+        <p:style>
+          <a:lnRef idx="2">
+            <a:schemeClr val="dk1"/>
+          </a:lnRef>
+          <a:fillRef idx="1">
+            <a:schemeClr val="lt1"/>
+          </a:fillRef>
+          <a:effectRef idx="0">
+            <a:schemeClr val="dk1"/>
+          </a:effectRef>
+          <a:fontRef idx="minor">
+            <a:schemeClr val="dk1"/>
+          </a:fontRef>
+        </p:style>
+        <p:txBody>
+          <a:bodyPr rtlCol="0" anchor="ctr"/>
+          <a:lstStyle/>
+          <a:p>
+            <a:pPr algn="ctr"/>
+            <a:endParaRPr kumimoji="1" lang="ja-JP" altLang="en-US"/>
+          </a:p>
+        </p:txBody>
+      </p:sp>
+      <p:pic>
+        <p:nvPicPr>
+          <p:cNvPr id="47" name="図 46" descr="ドレスを着た女性の絵&#10;&#10;中程度の精度で自動的に生成された説明">
+            <a:extLst>
+              <a:ext uri="{FF2B5EF4-FFF2-40B4-BE49-F238E27FC236}">
+                <a16:creationId xmlns:a16="http://schemas.microsoft.com/office/drawing/2014/main" id="{09323EFF-C10D-0469-8B93-BB0DF8265411}"/>
+              </a:ext>
+            </a:extLst>
+          </p:cNvPr>
+          <p:cNvPicPr>
+            <a:picLocks noChangeAspect="1"/>
+          </p:cNvPicPr>
+          <p:nvPr/>
+        </p:nvPicPr>
+        <p:blipFill>
+          <a:blip r:embed="rId11">
+            <a:extLst>
+              <a:ext uri="{28A0092B-C50C-407E-A947-70E740481C1C}">
+                <a14:useLocalDpi xmlns:a14="http://schemas.microsoft.com/office/drawing/2010/main" val="0"/>
+              </a:ext>
+            </a:extLst>
+          </a:blip>
+          <a:stretch>
+            <a:fillRect/>
+          </a:stretch>
+        </p:blipFill>
+        <p:spPr>
+          <a:xfrm>
+            <a:off x="6427849" y="4538380"/>
+            <a:ext cx="2576945" cy="2576945"/>
+          </a:xfrm>
+          <a:prstGeom prst="rect">
+            <a:avLst/>
+          </a:prstGeom>
+        </p:spPr>
+      </p:pic>
+      <p:pic>
+        <p:nvPicPr>
+          <p:cNvPr id="48" name="図 47" descr="衣料, 人形, おもちゃ, コート が含まれている画像&#10;&#10;自動的に生成された説明">
+            <a:extLst>
+              <a:ext uri="{FF2B5EF4-FFF2-40B4-BE49-F238E27FC236}">
+                <a16:creationId xmlns:a16="http://schemas.microsoft.com/office/drawing/2014/main" id="{7B0298E8-3C33-86BE-D2AE-02CB42645F84}"/>
+              </a:ext>
+            </a:extLst>
+          </p:cNvPr>
+          <p:cNvPicPr>
+            <a:picLocks noChangeAspect="1"/>
+          </p:cNvPicPr>
+          <p:nvPr/>
+        </p:nvPicPr>
+        <p:blipFill>
+          <a:blip r:embed="rId12">
+            <a:extLst>
+              <a:ext uri="{28A0092B-C50C-407E-A947-70E740481C1C}">
+                <a14:useLocalDpi xmlns:a14="http://schemas.microsoft.com/office/drawing/2010/main" val="0"/>
+              </a:ext>
+            </a:extLst>
+          </a:blip>
+          <a:stretch>
+            <a:fillRect/>
+          </a:stretch>
+        </p:blipFill>
+        <p:spPr>
+          <a:xfrm>
+            <a:off x="651391" y="4542760"/>
+            <a:ext cx="1428350" cy="2609217"/>
+          </a:xfrm>
+          <a:prstGeom prst="rect">
+            <a:avLst/>
+          </a:prstGeom>
+        </p:spPr>
+      </p:pic>
+      <p:pic>
+        <p:nvPicPr>
+          <p:cNvPr id="49" name="図 48" descr="下着姿の女性のイラスト&#10;&#10;低い精度で自動的に生成された説明">
+            <a:extLst>
+              <a:ext uri="{FF2B5EF4-FFF2-40B4-BE49-F238E27FC236}">
+                <a16:creationId xmlns:a16="http://schemas.microsoft.com/office/drawing/2014/main" id="{732713AE-D979-646B-4289-FDD50B70E7C2}"/>
+              </a:ext>
+            </a:extLst>
+          </p:cNvPr>
+          <p:cNvPicPr>
+            <a:picLocks noChangeAspect="1"/>
+          </p:cNvPicPr>
+          <p:nvPr/>
+        </p:nvPicPr>
+        <p:blipFill>
+          <a:blip r:embed="rId13">
+            <a:extLst>
+              <a:ext uri="{28A0092B-C50C-407E-A947-70E740481C1C}">
+                <a14:useLocalDpi xmlns:a14="http://schemas.microsoft.com/office/drawing/2010/main" val="0"/>
+              </a:ext>
+            </a:extLst>
+          </a:blip>
+          <a:stretch>
+            <a:fillRect/>
+          </a:stretch>
+        </p:blipFill>
+        <p:spPr>
+          <a:xfrm>
+            <a:off x="3331926" y="4480361"/>
+            <a:ext cx="2620391" cy="2620391"/>
+          </a:xfrm>
+          <a:prstGeom prst="rect">
+            <a:avLst/>
+          </a:prstGeom>
+        </p:spPr>
+      </p:pic>
+      <p:pic>
+        <p:nvPicPr>
+          <p:cNvPr id="51" name="図 50" descr="ダイアグラム&#10;&#10;自動的に生成された説明">
+            <a:extLst>
+              <a:ext uri="{FF2B5EF4-FFF2-40B4-BE49-F238E27FC236}">
+                <a16:creationId xmlns:a16="http://schemas.microsoft.com/office/drawing/2014/main" id="{7E800B15-7E99-490D-EB89-56C87119197F}"/>
+              </a:ext>
+            </a:extLst>
+          </p:cNvPr>
+          <p:cNvPicPr>
+            <a:picLocks noChangeAspect="1"/>
+          </p:cNvPicPr>
+          <p:nvPr/>
+        </p:nvPicPr>
+        <p:blipFill>
+          <a:blip r:embed="rId14">
+            <a:extLst>
+              <a:ext uri="{28A0092B-C50C-407E-A947-70E740481C1C}">
+                <a14:useLocalDpi xmlns:a14="http://schemas.microsoft.com/office/drawing/2010/main" val="0"/>
+              </a:ext>
+            </a:extLst>
+          </a:blip>
+          <a:stretch>
+            <a:fillRect/>
+          </a:stretch>
+        </p:blipFill>
+        <p:spPr>
+          <a:xfrm>
+            <a:off x="563332" y="7439891"/>
+            <a:ext cx="1735662" cy="2394259"/>
+          </a:xfrm>
+          <a:prstGeom prst="rect">
+            <a:avLst/>
+          </a:prstGeom>
+        </p:spPr>
+      </p:pic>
+      <p:pic>
+        <p:nvPicPr>
+          <p:cNvPr id="53" name="図 52">
+            <a:extLst>
+              <a:ext uri="{FF2B5EF4-FFF2-40B4-BE49-F238E27FC236}">
+                <a16:creationId xmlns:a16="http://schemas.microsoft.com/office/drawing/2014/main" id="{9796678F-36C7-67C7-B42F-90F30A1D65D7}"/>
+              </a:ext>
+            </a:extLst>
+          </p:cNvPr>
+          <p:cNvPicPr>
+            <a:picLocks noChangeAspect="1"/>
+          </p:cNvPicPr>
+          <p:nvPr/>
+        </p:nvPicPr>
+        <p:blipFill>
+          <a:blip r:embed="rId15">
+            <a:extLst>
+              <a:ext uri="{28A0092B-C50C-407E-A947-70E740481C1C}">
+                <a14:useLocalDpi xmlns:a14="http://schemas.microsoft.com/office/drawing/2010/main" val="0"/>
+              </a:ext>
+            </a:extLst>
+          </a:blip>
+          <a:stretch>
+            <a:fillRect/>
+          </a:stretch>
+        </p:blipFill>
+        <p:spPr>
+          <a:xfrm>
+            <a:off x="3725907" y="7508977"/>
+            <a:ext cx="1832427" cy="2223229"/>
+          </a:xfrm>
+          <a:prstGeom prst="rect">
+            <a:avLst/>
+          </a:prstGeom>
+        </p:spPr>
+      </p:pic>
+      <p:pic>
+        <p:nvPicPr>
+          <p:cNvPr id="54" name="図 53" descr="女性, 立つ が含まれている画像&#10;&#10;自動的に生成された説明">
+            <a:extLst>
+              <a:ext uri="{FF2B5EF4-FFF2-40B4-BE49-F238E27FC236}">
+                <a16:creationId xmlns:a16="http://schemas.microsoft.com/office/drawing/2014/main" id="{91B395ED-5D7A-6B89-34A3-6F94B745A393}"/>
+              </a:ext>
+            </a:extLst>
+          </p:cNvPr>
+          <p:cNvPicPr>
+            <a:picLocks noChangeAspect="1"/>
+          </p:cNvPicPr>
+          <p:nvPr/>
+        </p:nvPicPr>
+        <p:blipFill>
+          <a:blip r:embed="rId16">
+            <a:extLst>
+              <a:ext uri="{28A0092B-C50C-407E-A947-70E740481C1C}">
+                <a14:useLocalDpi xmlns:a14="http://schemas.microsoft.com/office/drawing/2010/main" val="0"/>
+              </a:ext>
+            </a:extLst>
+          </a:blip>
+          <a:stretch>
+            <a:fillRect/>
+          </a:stretch>
+        </p:blipFill>
+        <p:spPr>
+          <a:xfrm>
+            <a:off x="6458978" y="7429305"/>
+            <a:ext cx="2271602" cy="2404113"/>
+          </a:xfrm>
+          <a:prstGeom prst="rect">
+            <a:avLst/>
+          </a:prstGeom>
+        </p:spPr>
+      </p:pic>
+      <p:sp>
+        <p:nvSpPr>
+          <p:cNvPr id="55" name="フローチャート: 結合子 54">
+            <a:extLst>
+              <a:ext uri="{FF2B5EF4-FFF2-40B4-BE49-F238E27FC236}">
+                <a16:creationId xmlns:a16="http://schemas.microsoft.com/office/drawing/2014/main" id="{3985BFBC-1EBE-6E05-A501-645BA36157B1}"/>
+              </a:ext>
+            </a:extLst>
+          </p:cNvPr>
+          <p:cNvSpPr/>
+          <p:nvPr/>
+        </p:nvSpPr>
+        <p:spPr>
+          <a:xfrm>
+            <a:off x="7956842" y="8789678"/>
+            <a:ext cx="946078" cy="902898"/>
+          </a:xfrm>
+          <a:prstGeom prst="flowChartConnector">
+            <a:avLst/>
+          </a:prstGeom>
+          <a:solidFill>
+            <a:schemeClr val="accent2">
+              <a:lumMod val="40000"/>
+              <a:lumOff val="60000"/>
+            </a:schemeClr>
+          </a:solidFill>
+        </p:spPr>
+        <p:style>
+          <a:lnRef idx="2">
+            <a:schemeClr val="accent1">
+              <a:shade val="50000"/>
+            </a:schemeClr>
+          </a:lnRef>
+          <a:fillRef idx="1">
+            <a:schemeClr val="accent1"/>
+          </a:fillRef>
+          <a:effectRef idx="0">
+            <a:schemeClr val="accent1"/>
+          </a:effectRef>
+          <a:fontRef idx="minor">
+            <a:schemeClr val="lt1"/>
+          </a:fontRef>
+        </p:style>
+        <p:txBody>
+          <a:bodyPr rtlCol="0" anchor="ctr"/>
+          <a:lstStyle/>
+          <a:p>
+            <a:pPr algn="ctr"/>
+            <a:endParaRPr kumimoji="1" lang="ja-JP" altLang="en-US"/>
+          </a:p>
+        </p:txBody>
+      </p:sp>
+      <p:sp>
+        <p:nvSpPr>
+          <p:cNvPr id="56" name="正方形/長方形 55">
+            <a:extLst>
+              <a:ext uri="{FF2B5EF4-FFF2-40B4-BE49-F238E27FC236}">
+                <a16:creationId xmlns:a16="http://schemas.microsoft.com/office/drawing/2014/main" id="{BF6BEDFA-5528-4633-D26C-FA1223FE18AD}"/>
+              </a:ext>
+            </a:extLst>
+          </p:cNvPr>
+          <p:cNvSpPr/>
+          <p:nvPr/>
+        </p:nvSpPr>
+        <p:spPr>
+          <a:xfrm>
+            <a:off x="0" y="4485864"/>
+            <a:ext cx="8999538" cy="5380616"/>
+          </a:xfrm>
+          <a:prstGeom prst="rect">
+            <a:avLst/>
+          </a:prstGeom>
+        </p:spPr>
+        <p:style>
+          <a:lnRef idx="2">
+            <a:schemeClr val="accent5"/>
+          </a:lnRef>
+          <a:fillRef idx="1">
+            <a:schemeClr val="lt1"/>
+          </a:fillRef>
+          <a:effectRef idx="0">
+            <a:schemeClr val="accent5"/>
+          </a:effectRef>
+          <a:fontRef idx="minor">
+            <a:schemeClr val="dk1"/>
+          </a:fontRef>
+        </p:style>
+        <p:txBody>
+          <a:bodyPr rtlCol="0" anchor="ctr"/>
+          <a:lstStyle/>
+          <a:p>
+            <a:pPr algn="ctr"/>
+            <a:endParaRPr kumimoji="1" lang="ja-JP" altLang="en-US"/>
+          </a:p>
+        </p:txBody>
+      </p:sp>
+      <p:sp>
+        <p:nvSpPr>
+          <p:cNvPr id="57" name="テキスト ボックス 56">
+            <a:extLst>
+              <a:ext uri="{FF2B5EF4-FFF2-40B4-BE49-F238E27FC236}">
+                <a16:creationId xmlns:a16="http://schemas.microsoft.com/office/drawing/2014/main" id="{ACAC40E4-BF97-B51B-ABD9-F2BC902FA580}"/>
+              </a:ext>
+            </a:extLst>
+          </p:cNvPr>
+          <p:cNvSpPr txBox="1"/>
+          <p:nvPr/>
+        </p:nvSpPr>
+        <p:spPr>
+          <a:xfrm>
+            <a:off x="3065838" y="4637269"/>
+            <a:ext cx="4740813" cy="523220"/>
+          </a:xfrm>
+          <a:prstGeom prst="rect">
+            <a:avLst/>
+          </a:prstGeom>
+          <a:noFill/>
+        </p:spPr>
+        <p:txBody>
+          <a:bodyPr wrap="square" rtlCol="0">
+            <a:spAutoFit/>
+          </a:bodyPr>
+          <a:lstStyle/>
+          <a:p>
+            <a:r>
+              <a:rPr kumimoji="1" lang="en-US" altLang="ja-JP" sz="2800" dirty="0">
+                <a:solidFill>
+                  <a:schemeClr val="bg2"/>
+                </a:solidFill>
+                <a:highlight>
+                  <a:srgbClr val="008080"/>
+                </a:highlight>
+                <a:latin typeface="Castellar" panose="020A0402060406010301" pitchFamily="18" charset="0"/>
+              </a:rPr>
+              <a:t>Search Items</a:t>
+            </a:r>
+            <a:endParaRPr kumimoji="1" lang="ja-JP" altLang="en-US" sz="2800" dirty="0">
+              <a:solidFill>
+                <a:schemeClr val="bg2"/>
+              </a:solidFill>
+              <a:highlight>
+                <a:srgbClr val="008080"/>
+              </a:highlight>
+              <a:latin typeface="Castellar" panose="020A0402060406010301" pitchFamily="18" charset="0"/>
+            </a:endParaRPr>
           </a:p>
         </p:txBody>
       </p:sp>
       <p:cxnSp>
         <p:nvCxnSpPr>
-          <p:cNvPr id="4" name="直線コネクタ 3">
-            <a:extLst>
-              <a:ext uri="{FF2B5EF4-FFF2-40B4-BE49-F238E27FC236}">
-                <a16:creationId xmlns:a16="http://schemas.microsoft.com/office/drawing/2014/main" id="{F57ED3D8-CA10-241B-3D5C-AF89219A37F1}"/>
+          <p:cNvPr id="60" name="直線コネクタ 59">
+            <a:extLst>
+              <a:ext uri="{FF2B5EF4-FFF2-40B4-BE49-F238E27FC236}">
+                <a16:creationId xmlns:a16="http://schemas.microsoft.com/office/drawing/2014/main" id="{0DE25942-1038-7B28-0DD6-D4EC982E0E96}"/>
               </a:ext>
             </a:extLst>
           </p:cNvPr>
@@ -11998,7 +13683,7 @@
         </p:nvCxnSpPr>
         <p:spPr>
           <a:xfrm>
-            <a:off x="0" y="5756564"/>
+            <a:off x="-48309" y="5399881"/>
             <a:ext cx="8999538" cy="0"/>
           </a:xfrm>
           <a:prstGeom prst="line">
@@ -12006,7 +13691,7 @@
           </a:prstGeom>
           <a:ln w="9525" cap="flat" cmpd="sng" algn="ctr">
             <a:solidFill>
-              <a:schemeClr val="accent3"/>
+              <a:schemeClr val="accent1"/>
             </a:solidFill>
             <a:prstDash val="dash"/>
             <a:round/>
@@ -12029,324 +13714,57 @@
           </a:fontRef>
         </p:style>
       </p:cxnSp>
-      <p:sp>
-        <p:nvSpPr>
-          <p:cNvPr id="5" name="テキスト ボックス 4">
-            <a:extLst>
-              <a:ext uri="{FF2B5EF4-FFF2-40B4-BE49-F238E27FC236}">
-                <a16:creationId xmlns:a16="http://schemas.microsoft.com/office/drawing/2014/main" id="{FDD34ECB-190B-EF47-A4CD-87E9C979AB00}"/>
-              </a:ext>
-            </a:extLst>
-          </p:cNvPr>
-          <p:cNvSpPr txBox="1"/>
-          <p:nvPr/>
-        </p:nvSpPr>
-        <p:spPr>
-          <a:xfrm>
-            <a:off x="666649" y="5938356"/>
-            <a:ext cx="2593178" cy="461665"/>
-          </a:xfrm>
-          <a:prstGeom prst="rect">
-            <a:avLst/>
-          </a:prstGeom>
-          <a:noFill/>
-        </p:spPr>
-        <p:txBody>
-          <a:bodyPr wrap="square" rtlCol="0">
-            <a:spAutoFit/>
-          </a:bodyPr>
-          <a:lstStyle/>
-          <a:p>
-            <a:r>
-              <a:rPr kumimoji="1" lang="ja-JP" altLang="en-US" sz="2400" dirty="0">
-                <a:latin typeface="HGP創英角ﾎﾟｯﾌﾟ体" panose="040B0A00000000000000" pitchFamily="50" charset="-128"/>
-                <a:ea typeface="HGP創英角ﾎﾟｯﾌﾟ体" panose="040B0A00000000000000" pitchFamily="50" charset="-128"/>
-              </a:rPr>
-              <a:t>アイテム情報</a:t>
-            </a:r>
-          </a:p>
-        </p:txBody>
-      </p:sp>
-      <p:sp>
-        <p:nvSpPr>
-          <p:cNvPr id="6" name="テキスト ボックス 5">
-            <a:extLst>
-              <a:ext uri="{FF2B5EF4-FFF2-40B4-BE49-F238E27FC236}">
-                <a16:creationId xmlns:a16="http://schemas.microsoft.com/office/drawing/2014/main" id="{7D8D091D-D44E-2ABB-3EE1-034218F6ADB8}"/>
-              </a:ext>
-            </a:extLst>
-          </p:cNvPr>
-          <p:cNvSpPr txBox="1"/>
-          <p:nvPr/>
-        </p:nvSpPr>
-        <p:spPr>
-          <a:xfrm>
-            <a:off x="1134168" y="6617043"/>
-            <a:ext cx="1799902" cy="369332"/>
-          </a:xfrm>
-          <a:prstGeom prst="rect">
-            <a:avLst/>
-          </a:prstGeom>
-          <a:noFill/>
-        </p:spPr>
-        <p:txBody>
-          <a:bodyPr wrap="square" rtlCol="0">
-            <a:spAutoFit/>
-          </a:bodyPr>
-          <a:lstStyle/>
-          <a:p>
-            <a:r>
-              <a:rPr kumimoji="1" lang="ja-JP" altLang="en-US" dirty="0"/>
-              <a:t>トップス</a:t>
-            </a:r>
-          </a:p>
-        </p:txBody>
-      </p:sp>
-      <p:sp>
-        <p:nvSpPr>
-          <p:cNvPr id="7" name="テキスト ボックス 6">
-            <a:extLst>
-              <a:ext uri="{FF2B5EF4-FFF2-40B4-BE49-F238E27FC236}">
-                <a16:creationId xmlns:a16="http://schemas.microsoft.com/office/drawing/2014/main" id="{AE2F1094-A9E6-445B-BBCD-94D2D5ABBAD6}"/>
-              </a:ext>
-            </a:extLst>
-          </p:cNvPr>
-          <p:cNvSpPr txBox="1"/>
-          <p:nvPr/>
-        </p:nvSpPr>
-        <p:spPr>
-          <a:xfrm>
-            <a:off x="1662545" y="7023526"/>
-            <a:ext cx="1799902" cy="369332"/>
-          </a:xfrm>
-          <a:prstGeom prst="rect">
-            <a:avLst/>
-          </a:prstGeom>
-          <a:noFill/>
-        </p:spPr>
-        <p:txBody>
-          <a:bodyPr wrap="square" rtlCol="0">
-            <a:spAutoFit/>
-          </a:bodyPr>
-          <a:lstStyle/>
-          <a:p>
-            <a:r>
-              <a:rPr kumimoji="1" lang="ja-JP" altLang="en-US" dirty="0"/>
-              <a:t>ブランド：</a:t>
-            </a:r>
-            <a:r>
-              <a:rPr kumimoji="1" lang="en-US" altLang="ja-JP" dirty="0"/>
-              <a:t>ABC</a:t>
-            </a:r>
-            <a:endParaRPr kumimoji="1" lang="ja-JP" altLang="en-US" dirty="0"/>
-          </a:p>
-        </p:txBody>
-      </p:sp>
-      <p:sp>
-        <p:nvSpPr>
-          <p:cNvPr id="8" name="テキスト ボックス 7">
-            <a:extLst>
-              <a:ext uri="{FF2B5EF4-FFF2-40B4-BE49-F238E27FC236}">
-                <a16:creationId xmlns:a16="http://schemas.microsoft.com/office/drawing/2014/main" id="{6633F854-03DF-28B8-BA9C-980933137F0C}"/>
-              </a:ext>
-            </a:extLst>
-          </p:cNvPr>
-          <p:cNvSpPr txBox="1"/>
-          <p:nvPr/>
-        </p:nvSpPr>
-        <p:spPr>
-          <a:xfrm>
-            <a:off x="1678279" y="7392493"/>
-            <a:ext cx="1391097" cy="369332"/>
-          </a:xfrm>
-          <a:prstGeom prst="rect">
-            <a:avLst/>
-          </a:prstGeom>
-          <a:noFill/>
-        </p:spPr>
-        <p:txBody>
-          <a:bodyPr wrap="square" rtlCol="0">
-            <a:spAutoFit/>
-          </a:bodyPr>
-          <a:lstStyle/>
-          <a:p>
-            <a:r>
-              <a:rPr kumimoji="1" lang="ja-JP" altLang="en-US" dirty="0"/>
-              <a:t>サイズ：</a:t>
-            </a:r>
-            <a:r>
-              <a:rPr kumimoji="1" lang="en-US" altLang="ja-JP" dirty="0"/>
-              <a:t>M</a:t>
-            </a:r>
-            <a:endParaRPr kumimoji="1" lang="ja-JP" altLang="en-US" dirty="0"/>
-          </a:p>
-        </p:txBody>
-      </p:sp>
-      <p:sp>
-        <p:nvSpPr>
-          <p:cNvPr id="9" name="テキスト ボックス 8">
-            <a:extLst>
-              <a:ext uri="{FF2B5EF4-FFF2-40B4-BE49-F238E27FC236}">
-                <a16:creationId xmlns:a16="http://schemas.microsoft.com/office/drawing/2014/main" id="{7F691F2A-09CB-D2CB-2FA9-EECC6D128823}"/>
-              </a:ext>
-            </a:extLst>
-          </p:cNvPr>
-          <p:cNvSpPr txBox="1"/>
-          <p:nvPr/>
-        </p:nvSpPr>
-        <p:spPr>
-          <a:xfrm>
-            <a:off x="1148118" y="8017222"/>
-            <a:ext cx="1391097" cy="369332"/>
-          </a:xfrm>
-          <a:prstGeom prst="rect">
-            <a:avLst/>
-          </a:prstGeom>
-          <a:noFill/>
-        </p:spPr>
-        <p:txBody>
-          <a:bodyPr wrap="square" rtlCol="0">
-            <a:spAutoFit/>
-          </a:bodyPr>
-          <a:lstStyle/>
-          <a:p>
-            <a:r>
-              <a:rPr kumimoji="1" lang="ja-JP" altLang="en-US" dirty="0"/>
-              <a:t>スカート</a:t>
-            </a:r>
-          </a:p>
-        </p:txBody>
-      </p:sp>
-      <p:sp>
-        <p:nvSpPr>
-          <p:cNvPr id="10" name="テキスト ボックス 9">
-            <a:extLst>
-              <a:ext uri="{FF2B5EF4-FFF2-40B4-BE49-F238E27FC236}">
-                <a16:creationId xmlns:a16="http://schemas.microsoft.com/office/drawing/2014/main" id="{9E6870A7-713C-89D7-5A00-90AB745240FA}"/>
-              </a:ext>
-            </a:extLst>
-          </p:cNvPr>
-          <p:cNvSpPr txBox="1"/>
-          <p:nvPr/>
-        </p:nvSpPr>
-        <p:spPr>
-          <a:xfrm>
-            <a:off x="1558707" y="8381813"/>
-            <a:ext cx="1799902" cy="369332"/>
-          </a:xfrm>
-          <a:prstGeom prst="rect">
-            <a:avLst/>
-          </a:prstGeom>
-          <a:noFill/>
-        </p:spPr>
-        <p:txBody>
-          <a:bodyPr wrap="square" rtlCol="0">
-            <a:spAutoFit/>
-          </a:bodyPr>
-          <a:lstStyle/>
-          <a:p>
-            <a:r>
-              <a:rPr kumimoji="1" lang="ja-JP" altLang="en-US"/>
-              <a:t>ブランド：</a:t>
-            </a:r>
-            <a:r>
-              <a:rPr kumimoji="1" lang="en-US" altLang="ja-JP"/>
-              <a:t>ABC</a:t>
-            </a:r>
-            <a:endParaRPr kumimoji="1" lang="ja-JP" altLang="en-US" dirty="0"/>
-          </a:p>
-        </p:txBody>
-      </p:sp>
-      <p:sp>
-        <p:nvSpPr>
-          <p:cNvPr id="24" name="テキスト ボックス 23">
-            <a:extLst>
-              <a:ext uri="{FF2B5EF4-FFF2-40B4-BE49-F238E27FC236}">
-                <a16:creationId xmlns:a16="http://schemas.microsoft.com/office/drawing/2014/main" id="{4F4F3098-EC68-BF82-E0D2-3D6B942B737A}"/>
-              </a:ext>
-            </a:extLst>
-          </p:cNvPr>
-          <p:cNvSpPr txBox="1"/>
-          <p:nvPr/>
-        </p:nvSpPr>
-        <p:spPr>
-          <a:xfrm>
-            <a:off x="1542973" y="8736940"/>
-            <a:ext cx="1391097" cy="369332"/>
-          </a:xfrm>
-          <a:prstGeom prst="rect">
-            <a:avLst/>
-          </a:prstGeom>
-          <a:noFill/>
-        </p:spPr>
-        <p:txBody>
-          <a:bodyPr wrap="square" rtlCol="0">
-            <a:spAutoFit/>
-          </a:bodyPr>
-          <a:lstStyle/>
-          <a:p>
-            <a:r>
-              <a:rPr kumimoji="1" lang="ja-JP" altLang="en-US" dirty="0"/>
-              <a:t>サイズ：</a:t>
-            </a:r>
-            <a:r>
-              <a:rPr kumimoji="1" lang="en-US" altLang="ja-JP" dirty="0"/>
-              <a:t>S</a:t>
-            </a:r>
-            <a:endParaRPr kumimoji="1" lang="ja-JP" altLang="en-US" dirty="0"/>
-          </a:p>
-        </p:txBody>
-      </p:sp>
-      <p:sp>
-        <p:nvSpPr>
-          <p:cNvPr id="2" name="正方形/長方形 1">
-            <a:extLst>
-              <a:ext uri="{FF2B5EF4-FFF2-40B4-BE49-F238E27FC236}">
-                <a16:creationId xmlns:a16="http://schemas.microsoft.com/office/drawing/2014/main" id="{67B68080-4B52-EB41-3451-50046BB6C903}"/>
-              </a:ext>
-            </a:extLst>
-          </p:cNvPr>
-          <p:cNvSpPr/>
-          <p:nvPr/>
-        </p:nvSpPr>
-        <p:spPr>
-          <a:xfrm>
-            <a:off x="3890" y="1570624"/>
-            <a:ext cx="8995647" cy="4086666"/>
-          </a:xfrm>
-          <a:prstGeom prst="rect">
-            <a:avLst/>
-          </a:prstGeom>
+      <p:cxnSp>
+        <p:nvCxnSpPr>
+          <p:cNvPr id="61" name="直線コネクタ 60">
+            <a:extLst>
+              <a:ext uri="{FF2B5EF4-FFF2-40B4-BE49-F238E27FC236}">
+                <a16:creationId xmlns:a16="http://schemas.microsoft.com/office/drawing/2014/main" id="{A0354D60-ADC8-D0D4-15F0-55BE04A299CC}"/>
+              </a:ext>
+            </a:extLst>
+          </p:cNvPr>
+          <p:cNvCxnSpPr/>
+          <p:nvPr/>
+        </p:nvCxnSpPr>
+        <p:spPr>
+          <a:xfrm>
+            <a:off x="143933" y="7508977"/>
+            <a:ext cx="8902920" cy="0"/>
+          </a:xfrm>
+          <a:prstGeom prst="line">
+            <a:avLst/>
+          </a:prstGeom>
+          <a:ln w="9525" cap="flat" cmpd="sng" algn="ctr">
+            <a:solidFill>
+              <a:schemeClr val="accent1"/>
+            </a:solidFill>
+            <a:prstDash val="dash"/>
+            <a:round/>
+            <a:headEnd type="none" w="med" len="med"/>
+            <a:tailEnd type="none" w="med" len="med"/>
+          </a:ln>
         </p:spPr>
         <p:style>
-          <a:lnRef idx="2">
-            <a:schemeClr val="dk1"/>
+          <a:lnRef idx="0">
+            <a:scrgbClr r="0" g="0" b="0"/>
           </a:lnRef>
-          <a:fillRef idx="1">
-            <a:schemeClr val="lt1"/>
+          <a:fillRef idx="0">
+            <a:scrgbClr r="0" g="0" b="0"/>
           </a:fillRef>
           <a:effectRef idx="0">
-            <a:schemeClr val="dk1"/>
+            <a:scrgbClr r="0" g="0" b="0"/>
           </a:effectRef>
           <a:fontRef idx="minor">
-            <a:schemeClr val="dk1"/>
+            <a:schemeClr val="tx1"/>
           </a:fontRef>
         </p:style>
-        <p:txBody>
-          <a:bodyPr rtlCol="0" anchor="ctr"/>
-          <a:lstStyle/>
-          <a:p>
-            <a:pPr algn="ctr"/>
-            <a:endParaRPr kumimoji="1" lang="ja-JP" altLang="en-US"/>
-          </a:p>
-        </p:txBody>
-      </p:sp>
-      <p:sp>
-        <p:nvSpPr>
-          <p:cNvPr id="22" name="四角形: 角を丸くする 21">
-            <a:extLst>
-              <a:ext uri="{FF2B5EF4-FFF2-40B4-BE49-F238E27FC236}">
-                <a16:creationId xmlns:a16="http://schemas.microsoft.com/office/drawing/2014/main" id="{E02D7466-1E29-CDC0-1475-B53E3926D771}"/>
+      </p:cxnSp>
+      <p:sp>
+        <p:nvSpPr>
+          <p:cNvPr id="3" name="四角形: 角を丸くする 2">
+            <a:extLst>
+              <a:ext uri="{FF2B5EF4-FFF2-40B4-BE49-F238E27FC236}">
+                <a16:creationId xmlns:a16="http://schemas.microsoft.com/office/drawing/2014/main" id="{B217B6F5-04C1-B4A6-4118-6657F0CBDC34}"/>
               </a:ext>
             </a:extLst>
           </p:cNvPr>
@@ -12355,8 +13773,8 @@
         </p:nvSpPr>
         <p:spPr>
           <a:xfrm>
-            <a:off x="7238971" y="8815332"/>
-            <a:ext cx="1206224" cy="397637"/>
+            <a:off x="2475819" y="5813070"/>
+            <a:ext cx="4354292" cy="539431"/>
           </a:xfrm>
           <a:prstGeom prst="roundRect">
             <a:avLst/>
@@ -12381,20 +13799,16 @@
           <a:lstStyle/>
           <a:p>
             <a:pPr algn="ctr"/>
-            <a:r>
-              <a:rPr kumimoji="1" lang="en-US" altLang="ja-JP" dirty="0"/>
-              <a:t>More info</a:t>
-            </a:r>
-            <a:endParaRPr kumimoji="1" lang="ja-JP" altLang="en-US" dirty="0"/>
-          </a:p>
-        </p:txBody>
-      </p:sp>
-      <p:sp>
-        <p:nvSpPr>
-          <p:cNvPr id="23" name="四角形: 角を丸くする 22">
-            <a:extLst>
-              <a:ext uri="{FF2B5EF4-FFF2-40B4-BE49-F238E27FC236}">
-                <a16:creationId xmlns:a16="http://schemas.microsoft.com/office/drawing/2014/main" id="{38399239-CD69-32A3-099D-9B5FD03483FE}"/>
+            <a:endParaRPr kumimoji="1" lang="ja-JP" altLang="en-US"/>
+          </a:p>
+        </p:txBody>
+      </p:sp>
+      <p:sp>
+        <p:nvSpPr>
+          <p:cNvPr id="76" name="四角形: 角を丸くする 75">
+            <a:extLst>
+              <a:ext uri="{FF2B5EF4-FFF2-40B4-BE49-F238E27FC236}">
+                <a16:creationId xmlns:a16="http://schemas.microsoft.com/office/drawing/2014/main" id="{BDC0408C-79C0-EAE6-BD74-C2CAE3CCC88B}"/>
               </a:ext>
             </a:extLst>
           </p:cNvPr>
@@ -12403,8 +13817,8 @@
         </p:nvSpPr>
         <p:spPr>
           <a:xfrm>
-            <a:off x="7268760" y="7298092"/>
-            <a:ext cx="1206224" cy="397637"/>
+            <a:off x="2518050" y="8044308"/>
+            <a:ext cx="4354292" cy="539431"/>
           </a:xfrm>
           <a:prstGeom prst="roundRect">
             <a:avLst/>
@@ -12429,20 +13843,104 @@
           <a:lstStyle/>
           <a:p>
             <a:pPr algn="ctr"/>
-            <a:r>
-              <a:rPr kumimoji="1" lang="en-US" altLang="ja-JP" dirty="0"/>
-              <a:t>More info</a:t>
-            </a:r>
-            <a:endParaRPr kumimoji="1" lang="ja-JP" altLang="en-US" dirty="0"/>
-          </a:p>
-        </p:txBody>
-      </p:sp>
-      <p:sp>
-        <p:nvSpPr>
-          <p:cNvPr id="3" name="四角形: 角を丸くする 2">
-            <a:extLst>
-              <a:ext uri="{FF2B5EF4-FFF2-40B4-BE49-F238E27FC236}">
-                <a16:creationId xmlns:a16="http://schemas.microsoft.com/office/drawing/2014/main" id="{76236FC8-F47A-3AA2-F42F-32EA941BE22C}"/>
+            <a:endParaRPr kumimoji="1" lang="ja-JP" altLang="en-US"/>
+          </a:p>
+        </p:txBody>
+      </p:sp>
+      <p:sp>
+        <p:nvSpPr>
+          <p:cNvPr id="63" name="テキスト ボックス 62">
+            <a:extLst>
+              <a:ext uri="{FF2B5EF4-FFF2-40B4-BE49-F238E27FC236}">
+                <a16:creationId xmlns:a16="http://schemas.microsoft.com/office/drawing/2014/main" id="{E40D5B40-4F2A-7F0D-382A-4255D360F631}"/>
+              </a:ext>
+            </a:extLst>
+          </p:cNvPr>
+          <p:cNvSpPr txBox="1"/>
+          <p:nvPr/>
+        </p:nvSpPr>
+        <p:spPr>
+          <a:xfrm>
+            <a:off x="2568572" y="5800079"/>
+            <a:ext cx="2271602" cy="523220"/>
+          </a:xfrm>
+          <a:prstGeom prst="rect">
+            <a:avLst/>
+          </a:prstGeom>
+          <a:noFill/>
+        </p:spPr>
+        <p:txBody>
+          <a:bodyPr wrap="square" rtlCol="0">
+            <a:spAutoFit/>
+          </a:bodyPr>
+          <a:lstStyle/>
+          <a:p>
+            <a:r>
+              <a:rPr kumimoji="1" lang="ja-JP" altLang="en-US" sz="2800" dirty="0">
+                <a:solidFill>
+                  <a:schemeClr val="tx1">
+                    <a:lumMod val="50000"/>
+                    <a:lumOff val="50000"/>
+                  </a:schemeClr>
+                </a:solidFill>
+                <a:latin typeface="HGPｺﾞｼｯｸM" panose="020B0600000000000000" pitchFamily="50" charset="-128"/>
+                <a:ea typeface="HGPｺﾞｼｯｸM" panose="020B0600000000000000" pitchFamily="50" charset="-128"/>
+              </a:rPr>
+              <a:t>カテゴリー</a:t>
+            </a:r>
+          </a:p>
+        </p:txBody>
+      </p:sp>
+      <p:sp>
+        <p:nvSpPr>
+          <p:cNvPr id="62" name="テキスト ボックス 61">
+            <a:extLst>
+              <a:ext uri="{FF2B5EF4-FFF2-40B4-BE49-F238E27FC236}">
+                <a16:creationId xmlns:a16="http://schemas.microsoft.com/office/drawing/2014/main" id="{CD5DD732-6711-E422-6EC3-0A53C722C118}"/>
+              </a:ext>
+            </a:extLst>
+          </p:cNvPr>
+          <p:cNvSpPr txBox="1"/>
+          <p:nvPr/>
+        </p:nvSpPr>
+        <p:spPr>
+          <a:xfrm>
+            <a:off x="2627072" y="8032691"/>
+            <a:ext cx="2176112" cy="523220"/>
+          </a:xfrm>
+          <a:prstGeom prst="rect">
+            <a:avLst/>
+          </a:prstGeom>
+          <a:noFill/>
+        </p:spPr>
+        <p:txBody>
+          <a:bodyPr wrap="square" rtlCol="0">
+            <a:spAutoFit/>
+          </a:bodyPr>
+          <a:lstStyle/>
+          <a:p>
+            <a:r>
+              <a:rPr kumimoji="1" lang="ja-JP" altLang="en-US" sz="2800" dirty="0">
+                <a:solidFill>
+                  <a:schemeClr val="tx1">
+                    <a:lumMod val="50000"/>
+                    <a:lumOff val="50000"/>
+                  </a:schemeClr>
+                </a:solidFill>
+                <a:latin typeface="HGPｺﾞｼｯｸM" panose="020B0600000000000000" pitchFamily="50" charset="-128"/>
+                <a:ea typeface="HGPｺﾞｼｯｸM" panose="020B0600000000000000" pitchFamily="50" charset="-128"/>
+              </a:rPr>
+              <a:t>ブランド</a:t>
+            </a:r>
+          </a:p>
+        </p:txBody>
+      </p:sp>
+      <p:sp>
+        <p:nvSpPr>
+          <p:cNvPr id="77" name="二等辺三角形 76">
+            <a:extLst>
+              <a:ext uri="{FF2B5EF4-FFF2-40B4-BE49-F238E27FC236}">
+                <a16:creationId xmlns:a16="http://schemas.microsoft.com/office/drawing/2014/main" id="{73B37E9B-9496-70CF-B2AF-1D09546DA4EA}"/>
               </a:ext>
             </a:extLst>
           </p:cNvPr>
@@ -12450,26 +13948,34 @@
           <p:nvPr/>
         </p:nvSpPr>
         <p:spPr>
-          <a:xfrm>
-            <a:off x="7242969" y="6774873"/>
-            <a:ext cx="997527" cy="369329"/>
-          </a:xfrm>
-          <a:prstGeom prst="roundRect">
-            <a:avLst/>
-          </a:prstGeom>
+          <a:xfrm rot="10800000">
+            <a:off x="6458978" y="8294301"/>
+            <a:ext cx="187037" cy="145472"/>
+          </a:xfrm>
+          <a:prstGeom prst="triangle">
+            <a:avLst/>
+          </a:prstGeom>
+          <a:solidFill>
+            <a:schemeClr val="tx1">
+              <a:lumMod val="65000"/>
+              <a:lumOff val="35000"/>
+            </a:schemeClr>
+          </a:solidFill>
         </p:spPr>
         <p:style>
-          <a:lnRef idx="1">
-            <a:schemeClr val="accent3"/>
+          <a:lnRef idx="2">
+            <a:schemeClr val="dk1">
+              <a:shade val="50000"/>
+            </a:schemeClr>
           </a:lnRef>
-          <a:fillRef idx="2">
-            <a:schemeClr val="accent3"/>
+          <a:fillRef idx="1">
+            <a:schemeClr val="dk1"/>
           </a:fillRef>
-          <a:effectRef idx="1">
-            <a:schemeClr val="accent3"/>
+          <a:effectRef idx="0">
+            <a:schemeClr val="dk1"/>
           </a:effectRef>
           <a:fontRef idx="minor">
-            <a:schemeClr val="dk1"/>
+            <a:schemeClr val="lt1"/>
           </a:fontRef>
         </p:style>
         <p:txBody>
@@ -12477,20 +13983,16 @@
           <a:lstStyle/>
           <a:p>
             <a:pPr algn="ctr"/>
-            <a:r>
-              <a:rPr kumimoji="1" lang="en-US" altLang="ja-JP" dirty="0"/>
-              <a:t>Delete</a:t>
-            </a:r>
-            <a:endParaRPr kumimoji="1" lang="ja-JP" altLang="en-US" dirty="0"/>
-          </a:p>
-        </p:txBody>
-      </p:sp>
-      <p:sp>
-        <p:nvSpPr>
-          <p:cNvPr id="25" name="四角形: 角を丸くする 24">
-            <a:extLst>
-              <a:ext uri="{FF2B5EF4-FFF2-40B4-BE49-F238E27FC236}">
-                <a16:creationId xmlns:a16="http://schemas.microsoft.com/office/drawing/2014/main" id="{499F5FE1-67F5-E4D1-9A3D-BC1889979130}"/>
+            <a:endParaRPr kumimoji="1" lang="ja-JP" altLang="en-US"/>
+          </a:p>
+        </p:txBody>
+      </p:sp>
+      <p:sp>
+        <p:nvSpPr>
+          <p:cNvPr id="78" name="二等辺三角形 77">
+            <a:extLst>
+              <a:ext uri="{FF2B5EF4-FFF2-40B4-BE49-F238E27FC236}">
+                <a16:creationId xmlns:a16="http://schemas.microsoft.com/office/drawing/2014/main" id="{2DA6A1F0-4BBF-11FA-B272-D2C85E8418EA}"/>
               </a:ext>
             </a:extLst>
           </p:cNvPr>
@@ -12498,26 +14000,34 @@
           <p:nvPr/>
         </p:nvSpPr>
         <p:spPr>
-          <a:xfrm>
-            <a:off x="7242969" y="8218009"/>
-            <a:ext cx="997527" cy="369329"/>
-          </a:xfrm>
-          <a:prstGeom prst="roundRect">
-            <a:avLst/>
-          </a:prstGeom>
+          <a:xfrm rot="10800000">
+            <a:off x="6458978" y="6015846"/>
+            <a:ext cx="187037" cy="145472"/>
+          </a:xfrm>
+          <a:prstGeom prst="triangle">
+            <a:avLst/>
+          </a:prstGeom>
+          <a:solidFill>
+            <a:schemeClr val="tx1">
+              <a:lumMod val="65000"/>
+              <a:lumOff val="35000"/>
+            </a:schemeClr>
+          </a:solidFill>
         </p:spPr>
         <p:style>
-          <a:lnRef idx="1">
-            <a:schemeClr val="accent3"/>
+          <a:lnRef idx="2">
+            <a:schemeClr val="dk1">
+              <a:shade val="50000"/>
+            </a:schemeClr>
           </a:lnRef>
-          <a:fillRef idx="2">
-            <a:schemeClr val="accent3"/>
+          <a:fillRef idx="1">
+            <a:schemeClr val="dk1"/>
           </a:fillRef>
-          <a:effectRef idx="1">
-            <a:schemeClr val="accent3"/>
+          <a:effectRef idx="0">
+            <a:schemeClr val="dk1"/>
           </a:effectRef>
           <a:fontRef idx="minor">
-            <a:schemeClr val="dk1"/>
+            <a:schemeClr val="lt1"/>
           </a:fontRef>
         </p:style>
         <p:txBody>
@@ -12525,66 +14035,14 @@
           <a:lstStyle/>
           <a:p>
             <a:pPr algn="ctr"/>
-            <a:r>
-              <a:rPr kumimoji="1" lang="en-US" altLang="ja-JP" dirty="0"/>
-              <a:t>Delete</a:t>
-            </a:r>
-            <a:endParaRPr kumimoji="1" lang="ja-JP" altLang="en-US" dirty="0"/>
-          </a:p>
-        </p:txBody>
-      </p:sp>
-      <p:sp>
-        <p:nvSpPr>
-          <p:cNvPr id="11" name="四角形: 角を丸くする 10">
-            <a:extLst>
-              <a:ext uri="{FF2B5EF4-FFF2-40B4-BE49-F238E27FC236}">
-                <a16:creationId xmlns:a16="http://schemas.microsoft.com/office/drawing/2014/main" id="{CE4B7C6D-8D43-1C69-BA0C-55342D15A4F4}"/>
-              </a:ext>
-            </a:extLst>
-          </p:cNvPr>
-          <p:cNvSpPr/>
-          <p:nvPr/>
-        </p:nvSpPr>
-        <p:spPr>
-          <a:xfrm>
-            <a:off x="6451870" y="9467482"/>
-            <a:ext cx="2330344" cy="461662"/>
-          </a:xfrm>
-          <a:prstGeom prst="roundRect">
-            <a:avLst/>
-          </a:prstGeom>
-        </p:spPr>
-        <p:style>
-          <a:lnRef idx="1">
-            <a:schemeClr val="accent3"/>
-          </a:lnRef>
-          <a:fillRef idx="2">
-            <a:schemeClr val="accent3"/>
-          </a:fillRef>
-          <a:effectRef idx="1">
-            <a:schemeClr val="accent3"/>
-          </a:effectRef>
-          <a:fontRef idx="minor">
-            <a:schemeClr val="dk1"/>
-          </a:fontRef>
-        </p:style>
-        <p:txBody>
-          <a:bodyPr rtlCol="0" anchor="ctr"/>
-          <a:lstStyle/>
-          <a:p>
-            <a:pPr algn="ctr"/>
-            <a:r>
-              <a:rPr kumimoji="1" lang="en-US" altLang="ja-JP" dirty="0"/>
-              <a:t>Delete this look</a:t>
-            </a:r>
-            <a:endParaRPr kumimoji="1" lang="ja-JP" altLang="en-US" dirty="0"/>
+            <a:endParaRPr kumimoji="1" lang="ja-JP" altLang="en-US"/>
           </a:p>
         </p:txBody>
       </p:sp>
     </p:spTree>
     <p:extLst>
       <p:ext uri="{BB962C8B-B14F-4D97-AF65-F5344CB8AC3E}">
-        <p14:creationId xmlns:p14="http://schemas.microsoft.com/office/powerpoint/2010/main" val="1151847789"/>
+        <p14:creationId xmlns:p14="http://schemas.microsoft.com/office/powerpoint/2010/main" val="1392552137"/>
       </p:ext>
     </p:extLst>
   </p:cSld>
@@ -12939,8 +14397,8 @@
         </p:nvSpPr>
         <p:spPr>
           <a:xfrm>
-            <a:off x="313286" y="106452"/>
-            <a:ext cx="1856139" cy="369332"/>
+            <a:off x="329020" y="106452"/>
+            <a:ext cx="2329767" cy="369332"/>
           </a:xfrm>
           <a:prstGeom prst="rect">
             <a:avLst/>
@@ -12955,7 +14413,7 @@
           <a:p>
             <a:r>
               <a:rPr kumimoji="1" lang="ja-JP" altLang="en-US" dirty="0"/>
-              <a:t>アイテムの詳細</a:t>
+              <a:t>コーディネート詳細</a:t>
             </a:r>
           </a:p>
         </p:txBody>
@@ -13160,6 +14618,121 @@
       </p:sp>
       <p:sp>
         <p:nvSpPr>
+          <p:cNvPr id="9" name="テキスト ボックス 8">
+            <a:extLst>
+              <a:ext uri="{FF2B5EF4-FFF2-40B4-BE49-F238E27FC236}">
+                <a16:creationId xmlns:a16="http://schemas.microsoft.com/office/drawing/2014/main" id="{7F691F2A-09CB-D2CB-2FA9-EECC6D128823}"/>
+              </a:ext>
+            </a:extLst>
+          </p:cNvPr>
+          <p:cNvSpPr txBox="1"/>
+          <p:nvPr/>
+        </p:nvSpPr>
+        <p:spPr>
+          <a:xfrm>
+            <a:off x="1148118" y="8017222"/>
+            <a:ext cx="1391097" cy="369332"/>
+          </a:xfrm>
+          <a:prstGeom prst="rect">
+            <a:avLst/>
+          </a:prstGeom>
+          <a:noFill/>
+        </p:spPr>
+        <p:txBody>
+          <a:bodyPr wrap="square" rtlCol="0">
+            <a:spAutoFit/>
+          </a:bodyPr>
+          <a:lstStyle/>
+          <a:p>
+            <a:r>
+              <a:rPr kumimoji="1" lang="ja-JP" altLang="en-US" dirty="0"/>
+              <a:t>スカート</a:t>
+            </a:r>
+          </a:p>
+        </p:txBody>
+      </p:sp>
+      <p:sp>
+        <p:nvSpPr>
+          <p:cNvPr id="10" name="テキスト ボックス 9">
+            <a:extLst>
+              <a:ext uri="{FF2B5EF4-FFF2-40B4-BE49-F238E27FC236}">
+                <a16:creationId xmlns:a16="http://schemas.microsoft.com/office/drawing/2014/main" id="{9E6870A7-713C-89D7-5A00-90AB745240FA}"/>
+              </a:ext>
+            </a:extLst>
+          </p:cNvPr>
+          <p:cNvSpPr txBox="1"/>
+          <p:nvPr/>
+        </p:nvSpPr>
+        <p:spPr>
+          <a:xfrm>
+            <a:off x="1558707" y="8381813"/>
+            <a:ext cx="1799902" cy="369332"/>
+          </a:xfrm>
+          <a:prstGeom prst="rect">
+            <a:avLst/>
+          </a:prstGeom>
+          <a:noFill/>
+        </p:spPr>
+        <p:txBody>
+          <a:bodyPr wrap="square" rtlCol="0">
+            <a:spAutoFit/>
+          </a:bodyPr>
+          <a:lstStyle/>
+          <a:p>
+            <a:r>
+              <a:rPr kumimoji="1" lang="ja-JP" altLang="en-US"/>
+              <a:t>ブランド：</a:t>
+            </a:r>
+            <a:r>
+              <a:rPr kumimoji="1" lang="en-US" altLang="ja-JP"/>
+              <a:t>ABC</a:t>
+            </a:r>
+            <a:endParaRPr kumimoji="1" lang="ja-JP" altLang="en-US" dirty="0"/>
+          </a:p>
+        </p:txBody>
+      </p:sp>
+      <p:sp>
+        <p:nvSpPr>
+          <p:cNvPr id="24" name="テキスト ボックス 23">
+            <a:extLst>
+              <a:ext uri="{FF2B5EF4-FFF2-40B4-BE49-F238E27FC236}">
+                <a16:creationId xmlns:a16="http://schemas.microsoft.com/office/drawing/2014/main" id="{4F4F3098-EC68-BF82-E0D2-3D6B942B737A}"/>
+              </a:ext>
+            </a:extLst>
+          </p:cNvPr>
+          <p:cNvSpPr txBox="1"/>
+          <p:nvPr/>
+        </p:nvSpPr>
+        <p:spPr>
+          <a:xfrm>
+            <a:off x="1542973" y="8736940"/>
+            <a:ext cx="1391097" cy="369332"/>
+          </a:xfrm>
+          <a:prstGeom prst="rect">
+            <a:avLst/>
+          </a:prstGeom>
+          <a:noFill/>
+        </p:spPr>
+        <p:txBody>
+          <a:bodyPr wrap="square" rtlCol="0">
+            <a:spAutoFit/>
+          </a:bodyPr>
+          <a:lstStyle/>
+          <a:p>
+            <a:r>
+              <a:rPr kumimoji="1" lang="ja-JP" altLang="en-US" dirty="0"/>
+              <a:t>サイズ：</a:t>
+            </a:r>
+            <a:r>
+              <a:rPr kumimoji="1" lang="en-US" altLang="ja-JP" dirty="0"/>
+              <a:t>S</a:t>
+            </a:r>
+            <a:endParaRPr kumimoji="1" lang="ja-JP" altLang="en-US" dirty="0"/>
+          </a:p>
+        </p:txBody>
+      </p:sp>
+      <p:sp>
+        <p:nvSpPr>
           <p:cNvPr id="2" name="正方形/長方形 1">
             <a:extLst>
               <a:ext uri="{FF2B5EF4-FFF2-40B4-BE49-F238E27FC236}">
@@ -13207,7 +14780,7 @@
           <p:cNvPr id="22" name="四角形: 角を丸くする 21">
             <a:extLst>
               <a:ext uri="{FF2B5EF4-FFF2-40B4-BE49-F238E27FC236}">
-                <a16:creationId xmlns:a16="http://schemas.microsoft.com/office/drawing/2014/main" id="{A7BAEDD6-E666-202E-E353-84CE65FBDDE9}"/>
+                <a16:creationId xmlns:a16="http://schemas.microsoft.com/office/drawing/2014/main" id="{E02D7466-1E29-CDC0-1475-B53E3926D771}"/>
               </a:ext>
             </a:extLst>
           </p:cNvPr>
@@ -13216,8 +14789,8 @@
         </p:nvSpPr>
         <p:spPr>
           <a:xfrm>
-            <a:off x="6689635" y="6748744"/>
-            <a:ext cx="1149312" cy="464390"/>
+            <a:off x="7238971" y="8815332"/>
+            <a:ext cx="1206224" cy="397637"/>
           </a:xfrm>
           <a:prstGeom prst="roundRect">
             <a:avLst/>
@@ -13244,89 +14817,18 @@
             <a:pPr algn="ctr"/>
             <a:r>
               <a:rPr kumimoji="1" lang="en-US" altLang="ja-JP" dirty="0"/>
-              <a:t>Update</a:t>
-            </a:r>
-          </a:p>
-        </p:txBody>
-      </p:sp>
-      <p:pic>
-        <p:nvPicPr>
-          <p:cNvPr id="11" name="図 10" descr="アイコン&#10;&#10;自動的に生成された説明">
-            <a:extLst>
-              <a:ext uri="{FF2B5EF4-FFF2-40B4-BE49-F238E27FC236}">
-                <a16:creationId xmlns:a16="http://schemas.microsoft.com/office/drawing/2014/main" id="{BA3B52EB-8CFC-5C44-67D7-0F9A7CFA762E}"/>
-              </a:ext>
-            </a:extLst>
-          </p:cNvPr>
-          <p:cNvPicPr>
-            <a:picLocks noChangeAspect="1"/>
-          </p:cNvPicPr>
-          <p:nvPr/>
-        </p:nvPicPr>
-        <p:blipFill>
-          <a:blip r:embed="rId2">
-            <a:extLst>
-              <a:ext uri="{28A0092B-C50C-407E-A947-70E740481C1C}">
-                <a14:useLocalDpi xmlns:a14="http://schemas.microsoft.com/office/drawing/2010/main" val="0"/>
-              </a:ext>
-            </a:extLst>
-          </a:blip>
-          <a:stretch>
-            <a:fillRect/>
-          </a:stretch>
-        </p:blipFill>
-        <p:spPr>
-          <a:xfrm>
-            <a:off x="8288930" y="7362883"/>
-            <a:ext cx="548380" cy="305185"/>
-          </a:xfrm>
-          <a:prstGeom prst="rect">
-            <a:avLst/>
-          </a:prstGeom>
-        </p:spPr>
-      </p:pic>
-      <p:pic>
-        <p:nvPicPr>
-          <p:cNvPr id="14" name="図 13" descr="アイコン&#10;&#10;自動的に生成された説明">
-            <a:extLst>
-              <a:ext uri="{FF2B5EF4-FFF2-40B4-BE49-F238E27FC236}">
-                <a16:creationId xmlns:a16="http://schemas.microsoft.com/office/drawing/2014/main" id="{1BD79F5D-0705-EC06-A08E-5826544E9032}"/>
-              </a:ext>
-            </a:extLst>
-          </p:cNvPr>
-          <p:cNvPicPr>
-            <a:picLocks noChangeAspect="1"/>
-          </p:cNvPicPr>
-          <p:nvPr/>
-        </p:nvPicPr>
-        <p:blipFill>
-          <a:blip r:embed="rId3">
-            <a:extLst>
-              <a:ext uri="{28A0092B-C50C-407E-A947-70E740481C1C}">
-                <a14:useLocalDpi xmlns:a14="http://schemas.microsoft.com/office/drawing/2010/main" val="0"/>
-              </a:ext>
-            </a:extLst>
-          </a:blip>
-          <a:stretch>
-            <a:fillRect/>
-          </a:stretch>
-        </p:blipFill>
-        <p:spPr>
-          <a:xfrm>
-            <a:off x="8367324" y="6761808"/>
-            <a:ext cx="357880" cy="380654"/>
-          </a:xfrm>
-          <a:prstGeom prst="rect">
-            <a:avLst/>
-          </a:prstGeom>
-        </p:spPr>
-      </p:pic>
-      <p:sp>
-        <p:nvSpPr>
-          <p:cNvPr id="31" name="四角形: 角を丸くする 30">
-            <a:extLst>
-              <a:ext uri="{FF2B5EF4-FFF2-40B4-BE49-F238E27FC236}">
-                <a16:creationId xmlns:a16="http://schemas.microsoft.com/office/drawing/2014/main" id="{E6A4B94C-82A5-4966-FB36-BF3CE72CF110}"/>
+              <a:t>More info</a:t>
+            </a:r>
+            <a:endParaRPr kumimoji="1" lang="ja-JP" altLang="en-US" dirty="0"/>
+          </a:p>
+        </p:txBody>
+      </p:sp>
+      <p:sp>
+        <p:nvSpPr>
+          <p:cNvPr id="23" name="四角形: 角を丸くする 22">
+            <a:extLst>
+              <a:ext uri="{FF2B5EF4-FFF2-40B4-BE49-F238E27FC236}">
+                <a16:creationId xmlns:a16="http://schemas.microsoft.com/office/drawing/2014/main" id="{38399239-CD69-32A3-099D-9B5FD03483FE}"/>
               </a:ext>
             </a:extLst>
           </p:cNvPr>
@@ -13335,8 +14837,8 @@
         </p:nvSpPr>
         <p:spPr>
           <a:xfrm>
-            <a:off x="6689635" y="7362883"/>
-            <a:ext cx="997527" cy="369329"/>
+            <a:off x="7268760" y="7298092"/>
+            <a:ext cx="1206224" cy="397637"/>
           </a:xfrm>
           <a:prstGeom prst="roundRect">
             <a:avLst/>
@@ -13363,7 +14865,151 @@
             <a:pPr algn="ctr"/>
             <a:r>
               <a:rPr kumimoji="1" lang="en-US" altLang="ja-JP" dirty="0"/>
+              <a:t>More info</a:t>
+            </a:r>
+            <a:endParaRPr kumimoji="1" lang="ja-JP" altLang="en-US" dirty="0"/>
+          </a:p>
+        </p:txBody>
+      </p:sp>
+      <p:sp>
+        <p:nvSpPr>
+          <p:cNvPr id="3" name="四角形: 角を丸くする 2">
+            <a:extLst>
+              <a:ext uri="{FF2B5EF4-FFF2-40B4-BE49-F238E27FC236}">
+                <a16:creationId xmlns:a16="http://schemas.microsoft.com/office/drawing/2014/main" id="{76236FC8-F47A-3AA2-F42F-32EA941BE22C}"/>
+              </a:ext>
+            </a:extLst>
+          </p:cNvPr>
+          <p:cNvSpPr/>
+          <p:nvPr/>
+        </p:nvSpPr>
+        <p:spPr>
+          <a:xfrm>
+            <a:off x="7242969" y="6774873"/>
+            <a:ext cx="997527" cy="369329"/>
+          </a:xfrm>
+          <a:prstGeom prst="roundRect">
+            <a:avLst/>
+          </a:prstGeom>
+        </p:spPr>
+        <p:style>
+          <a:lnRef idx="1">
+            <a:schemeClr val="accent3"/>
+          </a:lnRef>
+          <a:fillRef idx="2">
+            <a:schemeClr val="accent3"/>
+          </a:fillRef>
+          <a:effectRef idx="1">
+            <a:schemeClr val="accent3"/>
+          </a:effectRef>
+          <a:fontRef idx="minor">
+            <a:schemeClr val="dk1"/>
+          </a:fontRef>
+        </p:style>
+        <p:txBody>
+          <a:bodyPr rtlCol="0" anchor="ctr"/>
+          <a:lstStyle/>
+          <a:p>
+            <a:pPr algn="ctr"/>
+            <a:r>
+              <a:rPr kumimoji="1" lang="en-US" altLang="ja-JP" dirty="0"/>
               <a:t>Delete</a:t>
+            </a:r>
+            <a:endParaRPr kumimoji="1" lang="ja-JP" altLang="en-US" dirty="0"/>
+          </a:p>
+        </p:txBody>
+      </p:sp>
+      <p:sp>
+        <p:nvSpPr>
+          <p:cNvPr id="25" name="四角形: 角を丸くする 24">
+            <a:extLst>
+              <a:ext uri="{FF2B5EF4-FFF2-40B4-BE49-F238E27FC236}">
+                <a16:creationId xmlns:a16="http://schemas.microsoft.com/office/drawing/2014/main" id="{499F5FE1-67F5-E4D1-9A3D-BC1889979130}"/>
+              </a:ext>
+            </a:extLst>
+          </p:cNvPr>
+          <p:cNvSpPr/>
+          <p:nvPr/>
+        </p:nvSpPr>
+        <p:spPr>
+          <a:xfrm>
+            <a:off x="7242969" y="8218009"/>
+            <a:ext cx="997527" cy="369329"/>
+          </a:xfrm>
+          <a:prstGeom prst="roundRect">
+            <a:avLst/>
+          </a:prstGeom>
+        </p:spPr>
+        <p:style>
+          <a:lnRef idx="1">
+            <a:schemeClr val="accent3"/>
+          </a:lnRef>
+          <a:fillRef idx="2">
+            <a:schemeClr val="accent3"/>
+          </a:fillRef>
+          <a:effectRef idx="1">
+            <a:schemeClr val="accent3"/>
+          </a:effectRef>
+          <a:fontRef idx="minor">
+            <a:schemeClr val="dk1"/>
+          </a:fontRef>
+        </p:style>
+        <p:txBody>
+          <a:bodyPr rtlCol="0" anchor="ctr"/>
+          <a:lstStyle/>
+          <a:p>
+            <a:pPr algn="ctr"/>
+            <a:r>
+              <a:rPr kumimoji="1" lang="en-US" altLang="ja-JP" dirty="0"/>
+              <a:t>Delete</a:t>
+            </a:r>
+            <a:endParaRPr kumimoji="1" lang="ja-JP" altLang="en-US" dirty="0"/>
+          </a:p>
+        </p:txBody>
+      </p:sp>
+      <p:sp>
+        <p:nvSpPr>
+          <p:cNvPr id="11" name="四角形: 角を丸くする 10">
+            <a:extLst>
+              <a:ext uri="{FF2B5EF4-FFF2-40B4-BE49-F238E27FC236}">
+                <a16:creationId xmlns:a16="http://schemas.microsoft.com/office/drawing/2014/main" id="{CE4B7C6D-8D43-1C69-BA0C-55342D15A4F4}"/>
+              </a:ext>
+            </a:extLst>
+          </p:cNvPr>
+          <p:cNvSpPr/>
+          <p:nvPr/>
+        </p:nvSpPr>
+        <p:spPr>
+          <a:xfrm>
+            <a:off x="6451870" y="9467482"/>
+            <a:ext cx="2330344" cy="461662"/>
+          </a:xfrm>
+          <a:prstGeom prst="roundRect">
+            <a:avLst/>
+          </a:prstGeom>
+        </p:spPr>
+        <p:style>
+          <a:lnRef idx="1">
+            <a:schemeClr val="accent3"/>
+          </a:lnRef>
+          <a:fillRef idx="2">
+            <a:schemeClr val="accent3"/>
+          </a:fillRef>
+          <a:effectRef idx="1">
+            <a:schemeClr val="accent3"/>
+          </a:effectRef>
+          <a:fontRef idx="minor">
+            <a:schemeClr val="dk1"/>
+          </a:fontRef>
+        </p:style>
+        <p:txBody>
+          <a:bodyPr rtlCol="0" anchor="ctr"/>
+          <a:lstStyle/>
+          <a:p>
+            <a:pPr algn="ctr"/>
+            <a:r>
+              <a:rPr kumimoji="1" lang="en-US" altLang="ja-JP" dirty="0"/>
+              <a:t>Delete this look</a:t>
             </a:r>
             <a:endParaRPr kumimoji="1" lang="ja-JP" altLang="en-US" dirty="0"/>
           </a:p>
@@ -13372,7 +15018,7 @@
     </p:spTree>
     <p:extLst>
       <p:ext uri="{BB962C8B-B14F-4D97-AF65-F5344CB8AC3E}">
-        <p14:creationId xmlns:p14="http://schemas.microsoft.com/office/powerpoint/2010/main" val="172660750"/>
+        <p14:creationId xmlns:p14="http://schemas.microsoft.com/office/powerpoint/2010/main" val="1151847789"/>
       </p:ext>
     </p:extLst>
   </p:cSld>
@@ -13728,7 +15374,7 @@
         <p:spPr>
           <a:xfrm>
             <a:off x="313286" y="106452"/>
-            <a:ext cx="2575387" cy="369332"/>
+            <a:ext cx="1856139" cy="369332"/>
           </a:xfrm>
           <a:prstGeom prst="rect">
             <a:avLst/>
@@ -13743,17 +15389,62 @@
           <a:p>
             <a:r>
               <a:rPr kumimoji="1" lang="ja-JP" altLang="en-US" dirty="0"/>
-              <a:t>アイテム登録</a:t>
-            </a:r>
-          </a:p>
-        </p:txBody>
-      </p:sp>
-      <p:sp>
-        <p:nvSpPr>
-          <p:cNvPr id="3" name="テキスト ボックス 2">
-            <a:extLst>
-              <a:ext uri="{FF2B5EF4-FFF2-40B4-BE49-F238E27FC236}">
-                <a16:creationId xmlns:a16="http://schemas.microsoft.com/office/drawing/2014/main" id="{F3E136A2-0DB7-AF46-5457-741C6EFFEB6B}"/>
+              <a:t>アイテムの詳細</a:t>
+            </a:r>
+          </a:p>
+        </p:txBody>
+      </p:sp>
+      <p:cxnSp>
+        <p:nvCxnSpPr>
+          <p:cNvPr id="4" name="直線コネクタ 3">
+            <a:extLst>
+              <a:ext uri="{FF2B5EF4-FFF2-40B4-BE49-F238E27FC236}">
+                <a16:creationId xmlns:a16="http://schemas.microsoft.com/office/drawing/2014/main" id="{F57ED3D8-CA10-241B-3D5C-AF89219A37F1}"/>
+              </a:ext>
+            </a:extLst>
+          </p:cNvPr>
+          <p:cNvCxnSpPr/>
+          <p:nvPr/>
+        </p:nvCxnSpPr>
+        <p:spPr>
+          <a:xfrm>
+            <a:off x="0" y="5756564"/>
+            <a:ext cx="8999538" cy="0"/>
+          </a:xfrm>
+          <a:prstGeom prst="line">
+            <a:avLst/>
+          </a:prstGeom>
+          <a:ln w="9525" cap="flat" cmpd="sng" algn="ctr">
+            <a:solidFill>
+              <a:schemeClr val="accent3"/>
+            </a:solidFill>
+            <a:prstDash val="dash"/>
+            <a:round/>
+            <a:headEnd type="none" w="med" len="med"/>
+            <a:tailEnd type="none" w="med" len="med"/>
+          </a:ln>
+        </p:spPr>
+        <p:style>
+          <a:lnRef idx="0">
+            <a:scrgbClr r="0" g="0" b="0"/>
+          </a:lnRef>
+          <a:fillRef idx="0">
+            <a:scrgbClr r="0" g="0" b="0"/>
+          </a:fillRef>
+          <a:effectRef idx="0">
+            <a:scrgbClr r="0" g="0" b="0"/>
+          </a:effectRef>
+          <a:fontRef idx="minor">
+            <a:schemeClr val="tx1"/>
+          </a:fontRef>
+        </p:style>
+      </p:cxnSp>
+      <p:sp>
+        <p:nvSpPr>
+          <p:cNvPr id="5" name="テキスト ボックス 4">
+            <a:extLst>
+              <a:ext uri="{FF2B5EF4-FFF2-40B4-BE49-F238E27FC236}">
+                <a16:creationId xmlns:a16="http://schemas.microsoft.com/office/drawing/2014/main" id="{FDD34ECB-190B-EF47-A4CD-87E9C979AB00}"/>
               </a:ext>
             </a:extLst>
           </p:cNvPr>
@@ -13762,8 +15453,8 @@
         </p:nvSpPr>
         <p:spPr>
           <a:xfrm>
-            <a:off x="734282" y="5551462"/>
-            <a:ext cx="1941027" cy="369332"/>
+            <a:off x="666649" y="5938356"/>
+            <a:ext cx="2593178" cy="461665"/>
           </a:xfrm>
           <a:prstGeom prst="rect">
             <a:avLst/>
@@ -13777,18 +15468,136 @@
           <a:lstStyle/>
           <a:p>
             <a:r>
+              <a:rPr kumimoji="1" lang="ja-JP" altLang="en-US" sz="2400" dirty="0">
+                <a:latin typeface="HGP創英角ﾎﾟｯﾌﾟ体" panose="040B0A00000000000000" pitchFamily="50" charset="-128"/>
+                <a:ea typeface="HGP創英角ﾎﾟｯﾌﾟ体" panose="040B0A00000000000000" pitchFamily="50" charset="-128"/>
+              </a:rPr>
+              <a:t>アイテム情報</a:t>
+            </a:r>
+          </a:p>
+        </p:txBody>
+      </p:sp>
+      <p:sp>
+        <p:nvSpPr>
+          <p:cNvPr id="6" name="テキスト ボックス 5">
+            <a:extLst>
+              <a:ext uri="{FF2B5EF4-FFF2-40B4-BE49-F238E27FC236}">
+                <a16:creationId xmlns:a16="http://schemas.microsoft.com/office/drawing/2014/main" id="{7D8D091D-D44E-2ABB-3EE1-034218F6ADB8}"/>
+              </a:ext>
+            </a:extLst>
+          </p:cNvPr>
+          <p:cNvSpPr txBox="1"/>
+          <p:nvPr/>
+        </p:nvSpPr>
+        <p:spPr>
+          <a:xfrm>
+            <a:off x="1134168" y="6617043"/>
+            <a:ext cx="1799902" cy="369332"/>
+          </a:xfrm>
+          <a:prstGeom prst="rect">
+            <a:avLst/>
+          </a:prstGeom>
+          <a:noFill/>
+        </p:spPr>
+        <p:txBody>
+          <a:bodyPr wrap="square" rtlCol="0">
+            <a:spAutoFit/>
+          </a:bodyPr>
+          <a:lstStyle/>
+          <a:p>
+            <a:r>
               <a:rPr kumimoji="1" lang="ja-JP" altLang="en-US" dirty="0"/>
-              <a:t>アイテム情報</a:t>
-            </a:r>
-          </a:p>
-        </p:txBody>
-      </p:sp>
-      <p:sp>
-        <p:nvSpPr>
-          <p:cNvPr id="4" name="四角形: 角を丸くする 3">
-            <a:extLst>
-              <a:ext uri="{FF2B5EF4-FFF2-40B4-BE49-F238E27FC236}">
-                <a16:creationId xmlns:a16="http://schemas.microsoft.com/office/drawing/2014/main" id="{36511605-7A4A-EDD8-AE88-269729E9D126}"/>
+              <a:t>トップス</a:t>
+            </a:r>
+          </a:p>
+        </p:txBody>
+      </p:sp>
+      <p:sp>
+        <p:nvSpPr>
+          <p:cNvPr id="7" name="テキスト ボックス 6">
+            <a:extLst>
+              <a:ext uri="{FF2B5EF4-FFF2-40B4-BE49-F238E27FC236}">
+                <a16:creationId xmlns:a16="http://schemas.microsoft.com/office/drawing/2014/main" id="{AE2F1094-A9E6-445B-BBCD-94D2D5ABBAD6}"/>
+              </a:ext>
+            </a:extLst>
+          </p:cNvPr>
+          <p:cNvSpPr txBox="1"/>
+          <p:nvPr/>
+        </p:nvSpPr>
+        <p:spPr>
+          <a:xfrm>
+            <a:off x="1662545" y="7023526"/>
+            <a:ext cx="1799902" cy="369332"/>
+          </a:xfrm>
+          <a:prstGeom prst="rect">
+            <a:avLst/>
+          </a:prstGeom>
+          <a:noFill/>
+        </p:spPr>
+        <p:txBody>
+          <a:bodyPr wrap="square" rtlCol="0">
+            <a:spAutoFit/>
+          </a:bodyPr>
+          <a:lstStyle/>
+          <a:p>
+            <a:r>
+              <a:rPr kumimoji="1" lang="ja-JP" altLang="en-US" dirty="0"/>
+              <a:t>ブランド：</a:t>
+            </a:r>
+            <a:r>
+              <a:rPr kumimoji="1" lang="en-US" altLang="ja-JP" dirty="0"/>
+              <a:t>ABC</a:t>
+            </a:r>
+            <a:endParaRPr kumimoji="1" lang="ja-JP" altLang="en-US" dirty="0"/>
+          </a:p>
+        </p:txBody>
+      </p:sp>
+      <p:sp>
+        <p:nvSpPr>
+          <p:cNvPr id="8" name="テキスト ボックス 7">
+            <a:extLst>
+              <a:ext uri="{FF2B5EF4-FFF2-40B4-BE49-F238E27FC236}">
+                <a16:creationId xmlns:a16="http://schemas.microsoft.com/office/drawing/2014/main" id="{6633F854-03DF-28B8-BA9C-980933137F0C}"/>
+              </a:ext>
+            </a:extLst>
+          </p:cNvPr>
+          <p:cNvSpPr txBox="1"/>
+          <p:nvPr/>
+        </p:nvSpPr>
+        <p:spPr>
+          <a:xfrm>
+            <a:off x="1678279" y="7392493"/>
+            <a:ext cx="1391097" cy="369332"/>
+          </a:xfrm>
+          <a:prstGeom prst="rect">
+            <a:avLst/>
+          </a:prstGeom>
+          <a:noFill/>
+        </p:spPr>
+        <p:txBody>
+          <a:bodyPr wrap="square" rtlCol="0">
+            <a:spAutoFit/>
+          </a:bodyPr>
+          <a:lstStyle/>
+          <a:p>
+            <a:r>
+              <a:rPr kumimoji="1" lang="ja-JP" altLang="en-US" dirty="0"/>
+              <a:t>サイズ：</a:t>
+            </a:r>
+            <a:r>
+              <a:rPr kumimoji="1" lang="en-US" altLang="ja-JP" dirty="0"/>
+              <a:t>M</a:t>
+            </a:r>
+            <a:endParaRPr kumimoji="1" lang="ja-JP" altLang="en-US" dirty="0"/>
+          </a:p>
+        </p:txBody>
+      </p:sp>
+      <p:sp>
+        <p:nvSpPr>
+          <p:cNvPr id="2" name="正方形/長方形 1">
+            <a:extLst>
+              <a:ext uri="{FF2B5EF4-FFF2-40B4-BE49-F238E27FC236}">
+                <a16:creationId xmlns:a16="http://schemas.microsoft.com/office/drawing/2014/main" id="{67B68080-4B52-EB41-3451-50046BB6C903}"/>
               </a:ext>
             </a:extLst>
           </p:cNvPr>
@@ -13797,8 +15606,52 @@
         </p:nvSpPr>
         <p:spPr>
           <a:xfrm>
-            <a:off x="1095719" y="5915845"/>
-            <a:ext cx="1718663" cy="369328"/>
+            <a:off x="3890" y="1570624"/>
+            <a:ext cx="8995647" cy="4086666"/>
+          </a:xfrm>
+          <a:prstGeom prst="rect">
+            <a:avLst/>
+          </a:prstGeom>
+        </p:spPr>
+        <p:style>
+          <a:lnRef idx="2">
+            <a:schemeClr val="dk1"/>
+          </a:lnRef>
+          <a:fillRef idx="1">
+            <a:schemeClr val="lt1"/>
+          </a:fillRef>
+          <a:effectRef idx="0">
+            <a:schemeClr val="dk1"/>
+          </a:effectRef>
+          <a:fontRef idx="minor">
+            <a:schemeClr val="dk1"/>
+          </a:fontRef>
+        </p:style>
+        <p:txBody>
+          <a:bodyPr rtlCol="0" anchor="ctr"/>
+          <a:lstStyle/>
+          <a:p>
+            <a:pPr algn="ctr"/>
+            <a:endParaRPr kumimoji="1" lang="ja-JP" altLang="en-US"/>
+          </a:p>
+        </p:txBody>
+      </p:sp>
+      <p:sp>
+        <p:nvSpPr>
+          <p:cNvPr id="22" name="四角形: 角を丸くする 21">
+            <a:extLst>
+              <a:ext uri="{FF2B5EF4-FFF2-40B4-BE49-F238E27FC236}">
+                <a16:creationId xmlns:a16="http://schemas.microsoft.com/office/drawing/2014/main" id="{A7BAEDD6-E666-202E-E353-84CE65FBDDE9}"/>
+              </a:ext>
+            </a:extLst>
+          </p:cNvPr>
+          <p:cNvSpPr/>
+          <p:nvPr/>
+        </p:nvSpPr>
+        <p:spPr>
+          <a:xfrm>
+            <a:off x="6689635" y="6748744"/>
+            <a:ext cx="1149312" cy="464390"/>
           </a:xfrm>
           <a:prstGeom prst="roundRect">
             <a:avLst/>
@@ -13822,230 +15675,20 @@
           <a:bodyPr rtlCol="0" anchor="ctr"/>
           <a:lstStyle/>
           <a:p>
-            <a:r>
-              <a:rPr kumimoji="1" lang="ja-JP" altLang="en-US" dirty="0"/>
-              <a:t>トップス</a:t>
-            </a:r>
-          </a:p>
-        </p:txBody>
-      </p:sp>
-      <p:sp>
-        <p:nvSpPr>
-          <p:cNvPr id="5" name="二等辺三角形 4">
-            <a:extLst>
-              <a:ext uri="{FF2B5EF4-FFF2-40B4-BE49-F238E27FC236}">
-                <a16:creationId xmlns:a16="http://schemas.microsoft.com/office/drawing/2014/main" id="{2B2F61DD-25AF-8A78-86ED-020542E8F940}"/>
-              </a:ext>
-            </a:extLst>
-          </p:cNvPr>
-          <p:cNvSpPr/>
-          <p:nvPr/>
-        </p:nvSpPr>
-        <p:spPr>
-          <a:xfrm rot="10800000">
-            <a:off x="2488272" y="6049607"/>
-            <a:ext cx="187037" cy="145472"/>
-          </a:xfrm>
-          <a:prstGeom prst="triangle">
-            <a:avLst/>
-          </a:prstGeom>
-          <a:solidFill>
-            <a:schemeClr val="tx1">
-              <a:lumMod val="65000"/>
-              <a:lumOff val="35000"/>
-            </a:schemeClr>
-          </a:solidFill>
-        </p:spPr>
-        <p:style>
-          <a:lnRef idx="2">
-            <a:schemeClr val="dk1">
-              <a:shade val="50000"/>
-            </a:schemeClr>
-          </a:lnRef>
-          <a:fillRef idx="1">
-            <a:schemeClr val="dk1"/>
-          </a:fillRef>
-          <a:effectRef idx="0">
-            <a:schemeClr val="dk1"/>
-          </a:effectRef>
-          <a:fontRef idx="minor">
-            <a:schemeClr val="lt1"/>
-          </a:fontRef>
-        </p:style>
-        <p:txBody>
-          <a:bodyPr rtlCol="0" anchor="ctr"/>
-          <a:lstStyle/>
-          <a:p>
             <a:pPr algn="ctr"/>
-            <a:endParaRPr kumimoji="1" lang="ja-JP" altLang="en-US"/>
-          </a:p>
-        </p:txBody>
-      </p:sp>
-      <p:sp>
-        <p:nvSpPr>
-          <p:cNvPr id="6" name="正方形/長方形 5">
-            <a:extLst>
-              <a:ext uri="{FF2B5EF4-FFF2-40B4-BE49-F238E27FC236}">
-                <a16:creationId xmlns:a16="http://schemas.microsoft.com/office/drawing/2014/main" id="{3865C760-3798-C15A-C52C-CD0152BC8612}"/>
-              </a:ext>
-            </a:extLst>
-          </p:cNvPr>
-          <p:cNvSpPr/>
-          <p:nvPr/>
-        </p:nvSpPr>
-        <p:spPr>
-          <a:xfrm>
-            <a:off x="2169425" y="2348345"/>
-            <a:ext cx="4660688" cy="2580554"/>
-          </a:xfrm>
-          <a:prstGeom prst="rect">
-            <a:avLst/>
-          </a:prstGeom>
-        </p:spPr>
-        <p:style>
-          <a:lnRef idx="2">
-            <a:schemeClr val="dk1"/>
-          </a:lnRef>
-          <a:fillRef idx="1">
-            <a:schemeClr val="lt1"/>
-          </a:fillRef>
-          <a:effectRef idx="0">
-            <a:schemeClr val="dk1"/>
-          </a:effectRef>
-          <a:fontRef idx="minor">
-            <a:schemeClr val="dk1"/>
-          </a:fontRef>
-        </p:style>
-        <p:txBody>
-          <a:bodyPr rtlCol="0" anchor="ctr"/>
-          <a:lstStyle/>
-          <a:p>
-            <a:pPr algn="ctr"/>
-            <a:endParaRPr kumimoji="1" lang="ja-JP" altLang="en-US"/>
-          </a:p>
-        </p:txBody>
-      </p:sp>
-      <p:sp>
-        <p:nvSpPr>
-          <p:cNvPr id="7" name="テキスト ボックス 6">
-            <a:extLst>
-              <a:ext uri="{FF2B5EF4-FFF2-40B4-BE49-F238E27FC236}">
-                <a16:creationId xmlns:a16="http://schemas.microsoft.com/office/drawing/2014/main" id="{C80E9D7A-E0CA-5024-E05D-1F6ADCF19A7D}"/>
-              </a:ext>
-            </a:extLst>
-          </p:cNvPr>
-          <p:cNvSpPr txBox="1"/>
-          <p:nvPr/>
-        </p:nvSpPr>
-        <p:spPr>
-          <a:xfrm>
-            <a:off x="2701636" y="3251248"/>
-            <a:ext cx="3782292" cy="369332"/>
-          </a:xfrm>
-          <a:prstGeom prst="rect">
-            <a:avLst/>
-          </a:prstGeom>
-          <a:noFill/>
-        </p:spPr>
-        <p:txBody>
-          <a:bodyPr wrap="square" rtlCol="0">
-            <a:spAutoFit/>
-          </a:bodyPr>
-          <a:lstStyle/>
-          <a:p>
-            <a:r>
-              <a:rPr kumimoji="1" lang="ja-JP" altLang="en-US" dirty="0"/>
-              <a:t>画像をアップロードしてください</a:t>
-            </a:r>
-          </a:p>
-        </p:txBody>
-      </p:sp>
-      <p:sp>
-        <p:nvSpPr>
-          <p:cNvPr id="25" name="テキスト ボックス 24">
-            <a:extLst>
-              <a:ext uri="{FF2B5EF4-FFF2-40B4-BE49-F238E27FC236}">
-                <a16:creationId xmlns:a16="http://schemas.microsoft.com/office/drawing/2014/main" id="{D65BBFFD-10BE-9E55-7512-687A64387C8F}"/>
-              </a:ext>
-            </a:extLst>
-          </p:cNvPr>
-          <p:cNvSpPr txBox="1"/>
-          <p:nvPr/>
-        </p:nvSpPr>
-        <p:spPr>
-          <a:xfrm>
-            <a:off x="1618200" y="6362934"/>
-            <a:ext cx="1799902" cy="369332"/>
-          </a:xfrm>
-          <a:prstGeom prst="rect">
-            <a:avLst/>
-          </a:prstGeom>
-          <a:noFill/>
-        </p:spPr>
-        <p:txBody>
-          <a:bodyPr wrap="square" rtlCol="0">
-            <a:spAutoFit/>
-          </a:bodyPr>
-          <a:lstStyle/>
-          <a:p>
-            <a:r>
-              <a:rPr kumimoji="1" lang="ja-JP" altLang="en-US" dirty="0"/>
-              <a:t>ブランド：</a:t>
-            </a:r>
             <a:r>
               <a:rPr kumimoji="1" lang="en-US" altLang="ja-JP" dirty="0"/>
-              <a:t>ABC</a:t>
-            </a:r>
-            <a:endParaRPr kumimoji="1" lang="ja-JP" altLang="en-US" dirty="0"/>
-          </a:p>
-        </p:txBody>
-      </p:sp>
-      <p:sp>
-        <p:nvSpPr>
-          <p:cNvPr id="26" name="テキスト ボックス 25">
-            <a:extLst>
-              <a:ext uri="{FF2B5EF4-FFF2-40B4-BE49-F238E27FC236}">
-                <a16:creationId xmlns:a16="http://schemas.microsoft.com/office/drawing/2014/main" id="{F1AE8199-68D9-282B-677D-2C30C714E301}"/>
-              </a:ext>
-            </a:extLst>
-          </p:cNvPr>
-          <p:cNvSpPr txBox="1"/>
-          <p:nvPr/>
-        </p:nvSpPr>
-        <p:spPr>
-          <a:xfrm>
-            <a:off x="1618200" y="6699296"/>
-            <a:ext cx="1391097" cy="369332"/>
-          </a:xfrm>
-          <a:prstGeom prst="rect">
-            <a:avLst/>
-          </a:prstGeom>
-          <a:noFill/>
-        </p:spPr>
-        <p:txBody>
-          <a:bodyPr wrap="square" rtlCol="0">
-            <a:spAutoFit/>
-          </a:bodyPr>
-          <a:lstStyle/>
-          <a:p>
-            <a:r>
-              <a:rPr kumimoji="1" lang="ja-JP" altLang="en-US" dirty="0"/>
-              <a:t>サイズ：</a:t>
-            </a:r>
-            <a:r>
-              <a:rPr kumimoji="1" lang="en-US" altLang="ja-JP" dirty="0"/>
-              <a:t>M</a:t>
-            </a:r>
-            <a:endParaRPr kumimoji="1" lang="ja-JP" altLang="en-US" dirty="0"/>
+              <a:t>Update</a:t>
+            </a:r>
           </a:p>
         </p:txBody>
       </p:sp>
       <p:pic>
         <p:nvPicPr>
-          <p:cNvPr id="9" name="図 8">
-            <a:extLst>
-              <a:ext uri="{FF2B5EF4-FFF2-40B4-BE49-F238E27FC236}">
-                <a16:creationId xmlns:a16="http://schemas.microsoft.com/office/drawing/2014/main" id="{5DF8584F-64E4-1FFF-4A14-32B586AFF26D}"/>
+          <p:cNvPr id="11" name="図 10" descr="アイコン&#10;&#10;自動的に生成された説明">
+            <a:extLst>
+              <a:ext uri="{FF2B5EF4-FFF2-40B4-BE49-F238E27FC236}">
+                <a16:creationId xmlns:a16="http://schemas.microsoft.com/office/drawing/2014/main" id="{BA3B52EB-8CFC-5C44-67D7-0F9A7CFA762E}"/>
               </a:ext>
             </a:extLst>
           </p:cNvPr>
@@ -14055,27 +15698,69 @@
           <p:nvPr/>
         </p:nvPicPr>
         <p:blipFill>
-          <a:blip r:embed="rId2"/>
+          <a:blip r:embed="rId2">
+            <a:extLst>
+              <a:ext uri="{28A0092B-C50C-407E-A947-70E740481C1C}">
+                <a14:useLocalDpi xmlns:a14="http://schemas.microsoft.com/office/drawing/2010/main" val="0"/>
+              </a:ext>
+            </a:extLst>
+          </a:blip>
           <a:stretch>
             <a:fillRect/>
           </a:stretch>
         </p:blipFill>
         <p:spPr>
           <a:xfrm>
-            <a:off x="0" y="5393841"/>
-            <a:ext cx="8999538" cy="12080"/>
+            <a:off x="8288930" y="7362883"/>
+            <a:ext cx="548380" cy="305185"/>
           </a:xfrm>
           <a:prstGeom prst="rect">
             <a:avLst/>
           </a:prstGeom>
         </p:spPr>
       </p:pic>
-      <p:sp>
-        <p:nvSpPr>
-          <p:cNvPr id="19" name="四角形: 角を丸くする 18">
-            <a:extLst>
-              <a:ext uri="{FF2B5EF4-FFF2-40B4-BE49-F238E27FC236}">
-                <a16:creationId xmlns:a16="http://schemas.microsoft.com/office/drawing/2014/main" id="{8E9F0F1B-C698-FFB6-E384-6583763F3E89}"/>
+      <p:pic>
+        <p:nvPicPr>
+          <p:cNvPr id="14" name="図 13" descr="アイコン&#10;&#10;自動的に生成された説明">
+            <a:extLst>
+              <a:ext uri="{FF2B5EF4-FFF2-40B4-BE49-F238E27FC236}">
+                <a16:creationId xmlns:a16="http://schemas.microsoft.com/office/drawing/2014/main" id="{1BD79F5D-0705-EC06-A08E-5826544E9032}"/>
+              </a:ext>
+            </a:extLst>
+          </p:cNvPr>
+          <p:cNvPicPr>
+            <a:picLocks noChangeAspect="1"/>
+          </p:cNvPicPr>
+          <p:nvPr/>
+        </p:nvPicPr>
+        <p:blipFill>
+          <a:blip r:embed="rId3">
+            <a:extLst>
+              <a:ext uri="{28A0092B-C50C-407E-A947-70E740481C1C}">
+                <a14:useLocalDpi xmlns:a14="http://schemas.microsoft.com/office/drawing/2010/main" val="0"/>
+              </a:ext>
+            </a:extLst>
+          </a:blip>
+          <a:stretch>
+            <a:fillRect/>
+          </a:stretch>
+        </p:blipFill>
+        <p:spPr>
+          <a:xfrm>
+            <a:off x="8367324" y="6761808"/>
+            <a:ext cx="357880" cy="380654"/>
+          </a:xfrm>
+          <a:prstGeom prst="rect">
+            <a:avLst/>
+          </a:prstGeom>
+        </p:spPr>
+      </p:pic>
+      <p:sp>
+        <p:nvSpPr>
+          <p:cNvPr id="31" name="四角形: 角を丸くする 30">
+            <a:extLst>
+              <a:ext uri="{FF2B5EF4-FFF2-40B4-BE49-F238E27FC236}">
+                <a16:creationId xmlns:a16="http://schemas.microsoft.com/office/drawing/2014/main" id="{E6A4B94C-82A5-4966-FB36-BF3CE72CF110}"/>
               </a:ext>
             </a:extLst>
           </p:cNvPr>
@@ -14084,8 +15769,8 @@
         </p:nvSpPr>
         <p:spPr>
           <a:xfrm>
-            <a:off x="7711065" y="7228174"/>
-            <a:ext cx="1121207" cy="312248"/>
+            <a:off x="6689635" y="7362883"/>
+            <a:ext cx="997527" cy="369329"/>
           </a:xfrm>
           <a:prstGeom prst="roundRect">
             <a:avLst/>
@@ -14112,7 +15797,7 @@
             <a:pPr algn="ctr"/>
             <a:r>
               <a:rPr kumimoji="1" lang="en-US" altLang="ja-JP" dirty="0"/>
-              <a:t>Register</a:t>
+              <a:t>Delete</a:t>
             </a:r>
             <a:endParaRPr kumimoji="1" lang="ja-JP" altLang="en-US" dirty="0"/>
           </a:p>
@@ -14121,7 +15806,7 @@
     </p:spTree>
     <p:extLst>
       <p:ext uri="{BB962C8B-B14F-4D97-AF65-F5344CB8AC3E}">
-        <p14:creationId xmlns:p14="http://schemas.microsoft.com/office/powerpoint/2010/main" val="312725625"/>
+        <p14:creationId xmlns:p14="http://schemas.microsoft.com/office/powerpoint/2010/main" val="172660750"/>
       </p:ext>
     </p:extLst>
   </p:cSld>

--- a/doc/デザイン.pptx
+++ b/doc/デザイン.pptx
@@ -16,6 +16,7 @@
     <p:sldId id="265" r:id="rId10"/>
     <p:sldId id="261" r:id="rId11"/>
     <p:sldId id="262" r:id="rId12"/>
+    <p:sldId id="269" r:id="rId13"/>
   </p:sldIdLst>
   <p:sldSz cx="8999538" cy="10799763"/>
   <p:notesSz cx="6858000" cy="9144000"/>
@@ -253,7 +254,7 @@
           <a:p>
             <a:fld id="{0357D4C0-8135-4EE7-A1BE-5A3D076F24A3}" type="datetimeFigureOut">
               <a:rPr kumimoji="1" lang="ja-JP" altLang="en-US" smtClean="0"/>
-              <a:t>2022/6/8</a:t>
+              <a:t>2022/6/9</a:t>
             </a:fld>
             <a:endParaRPr kumimoji="1" lang="ja-JP" altLang="en-US"/>
           </a:p>
@@ -455,7 +456,7 @@
           <a:p>
             <a:fld id="{0357D4C0-8135-4EE7-A1BE-5A3D076F24A3}" type="datetimeFigureOut">
               <a:rPr kumimoji="1" lang="ja-JP" altLang="en-US" smtClean="0"/>
-              <a:t>2022/6/8</a:t>
+              <a:t>2022/6/9</a:t>
             </a:fld>
             <a:endParaRPr kumimoji="1" lang="ja-JP" altLang="en-US"/>
           </a:p>
@@ -667,7 +668,7 @@
           <a:p>
             <a:fld id="{0357D4C0-8135-4EE7-A1BE-5A3D076F24A3}" type="datetimeFigureOut">
               <a:rPr kumimoji="1" lang="ja-JP" altLang="en-US" smtClean="0"/>
-              <a:t>2022/6/8</a:t>
+              <a:t>2022/6/9</a:t>
             </a:fld>
             <a:endParaRPr kumimoji="1" lang="ja-JP" altLang="en-US"/>
           </a:p>
@@ -869,7 +870,7 @@
           <a:p>
             <a:fld id="{0357D4C0-8135-4EE7-A1BE-5A3D076F24A3}" type="datetimeFigureOut">
               <a:rPr kumimoji="1" lang="ja-JP" altLang="en-US" smtClean="0"/>
-              <a:t>2022/6/8</a:t>
+              <a:t>2022/6/9</a:t>
             </a:fld>
             <a:endParaRPr kumimoji="1" lang="ja-JP" altLang="en-US"/>
           </a:p>
@@ -1113,7 +1114,7 @@
           <a:p>
             <a:fld id="{0357D4C0-8135-4EE7-A1BE-5A3D076F24A3}" type="datetimeFigureOut">
               <a:rPr kumimoji="1" lang="ja-JP" altLang="en-US" smtClean="0"/>
-              <a:t>2022/6/8</a:t>
+              <a:t>2022/6/9</a:t>
             </a:fld>
             <a:endParaRPr kumimoji="1" lang="ja-JP" altLang="en-US"/>
           </a:p>
@@ -1409,7 +1410,7 @@
           <a:p>
             <a:fld id="{0357D4C0-8135-4EE7-A1BE-5A3D076F24A3}" type="datetimeFigureOut">
               <a:rPr kumimoji="1" lang="ja-JP" altLang="en-US" smtClean="0"/>
-              <a:t>2022/6/8</a:t>
+              <a:t>2022/6/9</a:t>
             </a:fld>
             <a:endParaRPr kumimoji="1" lang="ja-JP" altLang="en-US"/>
           </a:p>
@@ -1840,7 +1841,7 @@
           <a:p>
             <a:fld id="{0357D4C0-8135-4EE7-A1BE-5A3D076F24A3}" type="datetimeFigureOut">
               <a:rPr kumimoji="1" lang="ja-JP" altLang="en-US" smtClean="0"/>
-              <a:t>2022/6/8</a:t>
+              <a:t>2022/6/9</a:t>
             </a:fld>
             <a:endParaRPr kumimoji="1" lang="ja-JP" altLang="en-US"/>
           </a:p>
@@ -1958,7 +1959,7 @@
           <a:p>
             <a:fld id="{0357D4C0-8135-4EE7-A1BE-5A3D076F24A3}" type="datetimeFigureOut">
               <a:rPr kumimoji="1" lang="ja-JP" altLang="en-US" smtClean="0"/>
-              <a:t>2022/6/8</a:t>
+              <a:t>2022/6/9</a:t>
             </a:fld>
             <a:endParaRPr kumimoji="1" lang="ja-JP" altLang="en-US"/>
           </a:p>
@@ -2053,7 +2054,7 @@
           <a:p>
             <a:fld id="{0357D4C0-8135-4EE7-A1BE-5A3D076F24A3}" type="datetimeFigureOut">
               <a:rPr kumimoji="1" lang="ja-JP" altLang="en-US" smtClean="0"/>
-              <a:t>2022/6/8</a:t>
+              <a:t>2022/6/9</a:t>
             </a:fld>
             <a:endParaRPr kumimoji="1" lang="ja-JP" altLang="en-US"/>
           </a:p>
@@ -2362,7 +2363,7 @@
           <a:p>
             <a:fld id="{0357D4C0-8135-4EE7-A1BE-5A3D076F24A3}" type="datetimeFigureOut">
               <a:rPr kumimoji="1" lang="ja-JP" altLang="en-US" smtClean="0"/>
-              <a:t>2022/6/8</a:t>
+              <a:t>2022/6/9</a:t>
             </a:fld>
             <a:endParaRPr kumimoji="1" lang="ja-JP" altLang="en-US"/>
           </a:p>
@@ -2619,7 +2620,7 @@
           <a:p>
             <a:fld id="{0357D4C0-8135-4EE7-A1BE-5A3D076F24A3}" type="datetimeFigureOut">
               <a:rPr kumimoji="1" lang="ja-JP" altLang="en-US" smtClean="0"/>
-              <a:t>2022/6/8</a:t>
+              <a:t>2022/6/9</a:t>
             </a:fld>
             <a:endParaRPr kumimoji="1" lang="ja-JP" altLang="en-US"/>
           </a:p>
@@ -2864,7 +2865,7 @@
           <a:p>
             <a:fld id="{0357D4C0-8135-4EE7-A1BE-5A3D076F24A3}" type="datetimeFigureOut">
               <a:rPr kumimoji="1" lang="ja-JP" altLang="en-US" smtClean="0"/>
-              <a:t>2022/6/8</a:t>
+              <a:t>2022/6/9</a:t>
             </a:fld>
             <a:endParaRPr kumimoji="1" lang="ja-JP" altLang="en-US"/>
           </a:p>
@@ -5714,6 +5715,410 @@
 </p:sld>
 </file>
 
+<file path=ppt/slides/slide12.xml><?xml version="1.0" encoding="utf-8"?>
+<p:sld xmlns:a="http://schemas.openxmlformats.org/drawingml/2006/main" xmlns:r="http://schemas.openxmlformats.org/officeDocument/2006/relationships" xmlns:p="http://schemas.openxmlformats.org/presentationml/2006/main">
+  <p:cSld>
+    <p:bg>
+      <p:bgPr>
+        <a:solidFill>
+          <a:schemeClr val="tx1"/>
+        </a:solidFill>
+        <a:effectLst/>
+      </p:bgPr>
+    </p:bg>
+    <p:spTree>
+      <p:nvGrpSpPr>
+        <p:cNvPr id="1" name=""/>
+        <p:cNvGrpSpPr/>
+        <p:nvPr/>
+      </p:nvGrpSpPr>
+      <p:grpSpPr>
+        <a:xfrm>
+          <a:off x="0" y="0"/>
+          <a:ext cx="0" cy="0"/>
+          <a:chOff x="0" y="0"/>
+          <a:chExt cx="0" cy="0"/>
+        </a:xfrm>
+      </p:grpSpPr>
+      <p:sp>
+        <p:nvSpPr>
+          <p:cNvPr id="4" name="テキスト ボックス 3">
+            <a:extLst>
+              <a:ext uri="{FF2B5EF4-FFF2-40B4-BE49-F238E27FC236}">
+                <a16:creationId xmlns:a16="http://schemas.microsoft.com/office/drawing/2014/main" id="{8E1C99CE-176C-F5D6-B489-6B1B7B7E0BBA}"/>
+              </a:ext>
+            </a:extLst>
+          </p:cNvPr>
+          <p:cNvSpPr txBox="1"/>
+          <p:nvPr/>
+        </p:nvSpPr>
+        <p:spPr>
+          <a:xfrm>
+            <a:off x="1070769" y="593649"/>
+            <a:ext cx="4779818" cy="646331"/>
+          </a:xfrm>
+          <a:prstGeom prst="rect">
+            <a:avLst/>
+          </a:prstGeom>
+          <a:noFill/>
+        </p:spPr>
+        <p:txBody>
+          <a:bodyPr wrap="square" rtlCol="0">
+            <a:spAutoFit/>
+          </a:bodyPr>
+          <a:lstStyle/>
+          <a:p>
+            <a:r>
+              <a:rPr kumimoji="1" lang="en-US" altLang="ja-JP" sz="3600" dirty="0">
+                <a:solidFill>
+                  <a:schemeClr val="bg1"/>
+                </a:solidFill>
+              </a:rPr>
+              <a:t>New Registration</a:t>
+            </a:r>
+            <a:endParaRPr kumimoji="1" lang="ja-JP" altLang="en-US" sz="3600" dirty="0">
+              <a:solidFill>
+                <a:schemeClr val="bg1"/>
+              </a:solidFill>
+            </a:endParaRPr>
+          </a:p>
+        </p:txBody>
+      </p:sp>
+      <p:sp>
+        <p:nvSpPr>
+          <p:cNvPr id="5" name="テキスト ボックス 4">
+            <a:extLst>
+              <a:ext uri="{FF2B5EF4-FFF2-40B4-BE49-F238E27FC236}">
+                <a16:creationId xmlns:a16="http://schemas.microsoft.com/office/drawing/2014/main" id="{67FFF852-1F8A-80EA-928B-1877A48133BB}"/>
+              </a:ext>
+            </a:extLst>
+          </p:cNvPr>
+          <p:cNvSpPr txBox="1"/>
+          <p:nvPr/>
+        </p:nvSpPr>
+        <p:spPr>
+          <a:xfrm>
+            <a:off x="1070769" y="1886311"/>
+            <a:ext cx="3252860" cy="646331"/>
+          </a:xfrm>
+          <a:prstGeom prst="rect">
+            <a:avLst/>
+          </a:prstGeom>
+          <a:noFill/>
+        </p:spPr>
+        <p:txBody>
+          <a:bodyPr wrap="square" rtlCol="0">
+            <a:spAutoFit/>
+          </a:bodyPr>
+          <a:lstStyle/>
+          <a:p>
+            <a:r>
+              <a:rPr kumimoji="1" lang="en-US" altLang="ja-JP" sz="3600" dirty="0">
+                <a:solidFill>
+                  <a:schemeClr val="bg1"/>
+                </a:solidFill>
+              </a:rPr>
+              <a:t>Search/Chart</a:t>
+            </a:r>
+          </a:p>
+        </p:txBody>
+      </p:sp>
+      <p:sp>
+        <p:nvSpPr>
+          <p:cNvPr id="6" name="テキスト ボックス 5">
+            <a:extLst>
+              <a:ext uri="{FF2B5EF4-FFF2-40B4-BE49-F238E27FC236}">
+                <a16:creationId xmlns:a16="http://schemas.microsoft.com/office/drawing/2014/main" id="{ABA1D379-E14E-753F-4B49-4506E9BF9AAD}"/>
+              </a:ext>
+            </a:extLst>
+          </p:cNvPr>
+          <p:cNvSpPr txBox="1"/>
+          <p:nvPr/>
+        </p:nvSpPr>
+        <p:spPr>
+          <a:xfrm>
+            <a:off x="1070769" y="3178973"/>
+            <a:ext cx="4145467" cy="646331"/>
+          </a:xfrm>
+          <a:prstGeom prst="rect">
+            <a:avLst/>
+          </a:prstGeom>
+          <a:noFill/>
+        </p:spPr>
+        <p:txBody>
+          <a:bodyPr wrap="square" rtlCol="0">
+            <a:spAutoFit/>
+          </a:bodyPr>
+          <a:lstStyle/>
+          <a:p>
+            <a:r>
+              <a:rPr kumimoji="1" lang="en-US" altLang="ja-JP" sz="3600" dirty="0">
+                <a:solidFill>
+                  <a:schemeClr val="bg1"/>
+                </a:solidFill>
+              </a:rPr>
+              <a:t>Outfits Registration</a:t>
+            </a:r>
+            <a:endParaRPr kumimoji="1" lang="ja-JP" altLang="en-US" sz="3600" dirty="0">
+              <a:solidFill>
+                <a:schemeClr val="bg1"/>
+              </a:solidFill>
+            </a:endParaRPr>
+          </a:p>
+        </p:txBody>
+      </p:sp>
+      <p:sp>
+        <p:nvSpPr>
+          <p:cNvPr id="8" name="テキスト ボックス 7">
+            <a:extLst>
+              <a:ext uri="{FF2B5EF4-FFF2-40B4-BE49-F238E27FC236}">
+                <a16:creationId xmlns:a16="http://schemas.microsoft.com/office/drawing/2014/main" id="{B35549AC-63CF-1F5F-C086-5C8AF697BE0F}"/>
+              </a:ext>
+            </a:extLst>
+          </p:cNvPr>
+          <p:cNvSpPr txBox="1"/>
+          <p:nvPr/>
+        </p:nvSpPr>
+        <p:spPr>
+          <a:xfrm>
+            <a:off x="1070769" y="4467784"/>
+            <a:ext cx="4468090" cy="646331"/>
+          </a:xfrm>
+          <a:prstGeom prst="rect">
+            <a:avLst/>
+          </a:prstGeom>
+          <a:noFill/>
+        </p:spPr>
+        <p:txBody>
+          <a:bodyPr wrap="square" rtlCol="0">
+            <a:spAutoFit/>
+          </a:bodyPr>
+          <a:lstStyle/>
+          <a:p>
+            <a:r>
+              <a:rPr kumimoji="1" lang="en-US" altLang="ja-JP" sz="3600" dirty="0">
+                <a:solidFill>
+                  <a:schemeClr val="bg1"/>
+                </a:solidFill>
+              </a:rPr>
+              <a:t>Items Registration</a:t>
+            </a:r>
+            <a:endParaRPr kumimoji="1" lang="ja-JP" altLang="en-US" sz="3600" dirty="0">
+              <a:solidFill>
+                <a:schemeClr val="bg1"/>
+              </a:solidFill>
+            </a:endParaRPr>
+          </a:p>
+        </p:txBody>
+      </p:sp>
+      <p:sp>
+        <p:nvSpPr>
+          <p:cNvPr id="9" name="テキスト ボックス 8">
+            <a:extLst>
+              <a:ext uri="{FF2B5EF4-FFF2-40B4-BE49-F238E27FC236}">
+                <a16:creationId xmlns:a16="http://schemas.microsoft.com/office/drawing/2014/main" id="{897A58D2-7A11-D4B6-41D9-F544AA09D6A1}"/>
+              </a:ext>
+            </a:extLst>
+          </p:cNvPr>
+          <p:cNvSpPr txBox="1"/>
+          <p:nvPr/>
+        </p:nvSpPr>
+        <p:spPr>
+          <a:xfrm>
+            <a:off x="1055436" y="1144143"/>
+            <a:ext cx="1641763" cy="369332"/>
+          </a:xfrm>
+          <a:prstGeom prst="rect">
+            <a:avLst/>
+          </a:prstGeom>
+          <a:noFill/>
+        </p:spPr>
+        <p:txBody>
+          <a:bodyPr wrap="square" rtlCol="0">
+            <a:spAutoFit/>
+          </a:bodyPr>
+          <a:lstStyle/>
+          <a:p>
+            <a:r>
+              <a:rPr kumimoji="1" lang="ja-JP" altLang="en-US" dirty="0">
+                <a:solidFill>
+                  <a:schemeClr val="bg1"/>
+                </a:solidFill>
+              </a:rPr>
+              <a:t>新規登録</a:t>
+            </a:r>
+          </a:p>
+        </p:txBody>
+      </p:sp>
+      <p:sp>
+        <p:nvSpPr>
+          <p:cNvPr id="10" name="テキスト ボックス 9">
+            <a:extLst>
+              <a:ext uri="{FF2B5EF4-FFF2-40B4-BE49-F238E27FC236}">
+                <a16:creationId xmlns:a16="http://schemas.microsoft.com/office/drawing/2014/main" id="{3D4A6F06-3128-80D7-9A51-C25B19F38519}"/>
+              </a:ext>
+            </a:extLst>
+          </p:cNvPr>
+          <p:cNvSpPr txBox="1"/>
+          <p:nvPr/>
+        </p:nvSpPr>
+        <p:spPr>
+          <a:xfrm>
+            <a:off x="1055435" y="2436631"/>
+            <a:ext cx="1641763" cy="369332"/>
+          </a:xfrm>
+          <a:prstGeom prst="rect">
+            <a:avLst/>
+          </a:prstGeom>
+          <a:noFill/>
+        </p:spPr>
+        <p:txBody>
+          <a:bodyPr wrap="square" rtlCol="0">
+            <a:spAutoFit/>
+          </a:bodyPr>
+          <a:lstStyle/>
+          <a:p>
+            <a:r>
+              <a:rPr kumimoji="1" lang="ja-JP" altLang="en-US" dirty="0">
+                <a:solidFill>
+                  <a:schemeClr val="bg1"/>
+                </a:solidFill>
+              </a:rPr>
+              <a:t>検索一覧</a:t>
+            </a:r>
+          </a:p>
+        </p:txBody>
+      </p:sp>
+      <p:sp>
+        <p:nvSpPr>
+          <p:cNvPr id="11" name="テキスト ボックス 10">
+            <a:extLst>
+              <a:ext uri="{FF2B5EF4-FFF2-40B4-BE49-F238E27FC236}">
+                <a16:creationId xmlns:a16="http://schemas.microsoft.com/office/drawing/2014/main" id="{74445E1F-60A1-C20A-0F66-E1588C94B344}"/>
+              </a:ext>
+            </a:extLst>
+          </p:cNvPr>
+          <p:cNvSpPr txBox="1"/>
+          <p:nvPr/>
+        </p:nvSpPr>
+        <p:spPr>
+          <a:xfrm>
+            <a:off x="1070769" y="3766706"/>
+            <a:ext cx="2794649" cy="369332"/>
+          </a:xfrm>
+          <a:prstGeom prst="rect">
+            <a:avLst/>
+          </a:prstGeom>
+          <a:noFill/>
+        </p:spPr>
+        <p:txBody>
+          <a:bodyPr wrap="square" rtlCol="0">
+            <a:spAutoFit/>
+          </a:bodyPr>
+          <a:lstStyle/>
+          <a:p>
+            <a:r>
+              <a:rPr kumimoji="1" lang="ja-JP" altLang="en-US" dirty="0">
+                <a:solidFill>
+                  <a:schemeClr val="bg1"/>
+                </a:solidFill>
+              </a:rPr>
+              <a:t>コーディネート登録</a:t>
+            </a:r>
+          </a:p>
+        </p:txBody>
+      </p:sp>
+      <p:sp>
+        <p:nvSpPr>
+          <p:cNvPr id="12" name="テキスト ボックス 11">
+            <a:extLst>
+              <a:ext uri="{FF2B5EF4-FFF2-40B4-BE49-F238E27FC236}">
+                <a16:creationId xmlns:a16="http://schemas.microsoft.com/office/drawing/2014/main" id="{04418538-0980-B039-9100-83A46FE98387}"/>
+              </a:ext>
+            </a:extLst>
+          </p:cNvPr>
+          <p:cNvSpPr txBox="1"/>
+          <p:nvPr/>
+        </p:nvSpPr>
+        <p:spPr>
+          <a:xfrm>
+            <a:off x="1141792" y="5114115"/>
+            <a:ext cx="1641763" cy="369332"/>
+          </a:xfrm>
+          <a:prstGeom prst="rect">
+            <a:avLst/>
+          </a:prstGeom>
+          <a:noFill/>
+        </p:spPr>
+        <p:txBody>
+          <a:bodyPr wrap="square" rtlCol="0">
+            <a:spAutoFit/>
+          </a:bodyPr>
+          <a:lstStyle/>
+          <a:p>
+            <a:r>
+              <a:rPr kumimoji="1" lang="ja-JP" altLang="en-US" dirty="0">
+                <a:solidFill>
+                  <a:schemeClr val="bg1"/>
+                </a:solidFill>
+              </a:rPr>
+              <a:t>アイテム登録</a:t>
+            </a:r>
+          </a:p>
+        </p:txBody>
+      </p:sp>
+      <p:sp>
+        <p:nvSpPr>
+          <p:cNvPr id="13" name="テキスト ボックス 12">
+            <a:extLst>
+              <a:ext uri="{FF2B5EF4-FFF2-40B4-BE49-F238E27FC236}">
+                <a16:creationId xmlns:a16="http://schemas.microsoft.com/office/drawing/2014/main" id="{BD73BD78-CB1A-CC99-10B6-8F78DC9C3031}"/>
+              </a:ext>
+            </a:extLst>
+          </p:cNvPr>
+          <p:cNvSpPr txBox="1"/>
+          <p:nvPr/>
+        </p:nvSpPr>
+        <p:spPr>
+          <a:xfrm>
+            <a:off x="125196" y="189221"/>
+            <a:ext cx="3179618" cy="369332"/>
+          </a:xfrm>
+          <a:prstGeom prst="rect">
+            <a:avLst/>
+          </a:prstGeom>
+          <a:noFill/>
+        </p:spPr>
+        <p:txBody>
+          <a:bodyPr wrap="square" rtlCol="0">
+            <a:spAutoFit/>
+          </a:bodyPr>
+          <a:lstStyle/>
+          <a:p>
+            <a:r>
+              <a:rPr kumimoji="1" lang="ja-JP" altLang="en-US" dirty="0">
+                <a:solidFill>
+                  <a:schemeClr val="bg1"/>
+                </a:solidFill>
+              </a:rPr>
+              <a:t>ハンバーガーメニュー</a:t>
+            </a:r>
+          </a:p>
+        </p:txBody>
+      </p:sp>
+    </p:spTree>
+    <p:extLst>
+      <p:ext uri="{BB962C8B-B14F-4D97-AF65-F5344CB8AC3E}">
+        <p14:creationId xmlns:p14="http://schemas.microsoft.com/office/powerpoint/2010/main" val="1867527602"/>
+      </p:ext>
+    </p:extLst>
+  </p:cSld>
+  <p:clrMapOvr>
+    <a:masterClrMapping/>
+  </p:clrMapOvr>
+</p:sld>
+</file>
+
 <file path=ppt/slides/slide2.xml><?xml version="1.0" encoding="utf-8"?>
 <p:sld xmlns:a="http://schemas.openxmlformats.org/drawingml/2006/main" xmlns:r="http://schemas.openxmlformats.org/officeDocument/2006/relationships" xmlns:p="http://schemas.openxmlformats.org/presentationml/2006/main">
   <p:cSld>

--- a/doc/デザイン.pptx
+++ b/doc/デザイン.pptx
@@ -6106,6 +6106,75 @@
           </a:p>
         </p:txBody>
       </p:sp>
+      <p:sp>
+        <p:nvSpPr>
+          <p:cNvPr id="14" name="テキスト ボックス 13">
+            <a:extLst>
+              <a:ext uri="{FF2B5EF4-FFF2-40B4-BE49-F238E27FC236}">
+                <a16:creationId xmlns:a16="http://schemas.microsoft.com/office/drawing/2014/main" id="{A746D2D3-3A7A-3A4A-E951-B453020C02C5}"/>
+              </a:ext>
+            </a:extLst>
+          </p:cNvPr>
+          <p:cNvSpPr txBox="1"/>
+          <p:nvPr/>
+        </p:nvSpPr>
+        <p:spPr>
+          <a:xfrm>
+            <a:off x="125196" y="558553"/>
+            <a:ext cx="792831" cy="507831"/>
+          </a:xfrm>
+          <a:prstGeom prst="rect">
+            <a:avLst/>
+          </a:prstGeom>
+          <a:noFill/>
+        </p:spPr>
+        <p:txBody>
+          <a:bodyPr wrap="square" rtlCol="0">
+            <a:spAutoFit/>
+          </a:bodyPr>
+          <a:lstStyle/>
+          <a:p>
+            <a:r>
+              <a:rPr kumimoji="1" lang="ja-JP" altLang="en-US" sz="900" dirty="0">
+                <a:solidFill>
+                  <a:schemeClr val="bg1"/>
+                </a:solidFill>
+              </a:rPr>
+              <a:t>ーー</a:t>
+            </a:r>
+            <a:endParaRPr kumimoji="1" lang="en-US" altLang="ja-JP" sz="900" dirty="0">
+              <a:solidFill>
+                <a:schemeClr val="bg1"/>
+              </a:solidFill>
+            </a:endParaRPr>
+          </a:p>
+          <a:p>
+            <a:r>
+              <a:rPr kumimoji="1" lang="ja-JP" altLang="en-US" sz="900" dirty="0">
+                <a:solidFill>
+                  <a:schemeClr val="bg1"/>
+                </a:solidFill>
+              </a:rPr>
+              <a:t>ーー</a:t>
+            </a:r>
+            <a:endParaRPr kumimoji="1" lang="en-US" altLang="ja-JP" sz="900" dirty="0">
+              <a:solidFill>
+                <a:schemeClr val="bg1"/>
+              </a:solidFill>
+            </a:endParaRPr>
+          </a:p>
+          <a:p>
+            <a:r>
+              <a:rPr kumimoji="1" lang="ja-JP" altLang="en-US" sz="900" dirty="0">
+                <a:solidFill>
+                  <a:schemeClr val="bg1"/>
+                </a:solidFill>
+              </a:rPr>
+              <a:t>ーー</a:t>
+            </a:r>
+          </a:p>
+        </p:txBody>
+      </p:sp>
     </p:spTree>
     <p:extLst>
       <p:ext uri="{BB962C8B-B14F-4D97-AF65-F5344CB8AC3E}">

--- a/doc/デザイン.pptx
+++ b/doc/デザイン.pptx
@@ -5742,10 +5742,10 @@
       </p:grpSpPr>
       <p:sp>
         <p:nvSpPr>
-          <p:cNvPr id="4" name="テキスト ボックス 3">
-            <a:extLst>
-              <a:ext uri="{FF2B5EF4-FFF2-40B4-BE49-F238E27FC236}">
-                <a16:creationId xmlns:a16="http://schemas.microsoft.com/office/drawing/2014/main" id="{8E1C99CE-176C-F5D6-B489-6B1B7B7E0BBA}"/>
+          <p:cNvPr id="5" name="テキスト ボックス 4">
+            <a:extLst>
+              <a:ext uri="{FF2B5EF4-FFF2-40B4-BE49-F238E27FC236}">
+                <a16:creationId xmlns:a16="http://schemas.microsoft.com/office/drawing/2014/main" id="{67FFF852-1F8A-80EA-928B-1877A48133BB}"/>
               </a:ext>
             </a:extLst>
           </p:cNvPr>
@@ -5754,51 +5754,7 @@
         </p:nvSpPr>
         <p:spPr>
           <a:xfrm>
-            <a:off x="1070769" y="593649"/>
-            <a:ext cx="4779818" cy="646331"/>
-          </a:xfrm>
-          <a:prstGeom prst="rect">
-            <a:avLst/>
-          </a:prstGeom>
-          <a:noFill/>
-        </p:spPr>
-        <p:txBody>
-          <a:bodyPr wrap="square" rtlCol="0">
-            <a:spAutoFit/>
-          </a:bodyPr>
-          <a:lstStyle/>
-          <a:p>
-            <a:r>
-              <a:rPr kumimoji="1" lang="en-US" altLang="ja-JP" sz="3600" dirty="0">
-                <a:solidFill>
-                  <a:schemeClr val="bg1"/>
-                </a:solidFill>
-              </a:rPr>
-              <a:t>New Registration</a:t>
-            </a:r>
-            <a:endParaRPr kumimoji="1" lang="ja-JP" altLang="en-US" sz="3600" dirty="0">
-              <a:solidFill>
-                <a:schemeClr val="bg1"/>
-              </a:solidFill>
-            </a:endParaRPr>
-          </a:p>
-        </p:txBody>
-      </p:sp>
-      <p:sp>
-        <p:nvSpPr>
-          <p:cNvPr id="5" name="テキスト ボックス 4">
-            <a:extLst>
-              <a:ext uri="{FF2B5EF4-FFF2-40B4-BE49-F238E27FC236}">
-                <a16:creationId xmlns:a16="http://schemas.microsoft.com/office/drawing/2014/main" id="{67FFF852-1F8A-80EA-928B-1877A48133BB}"/>
-              </a:ext>
-            </a:extLst>
-          </p:cNvPr>
-          <p:cNvSpPr txBox="1"/>
-          <p:nvPr/>
-        </p:nvSpPr>
-        <p:spPr>
-          <a:xfrm>
-            <a:off x="1070769" y="1886311"/>
+            <a:off x="841663" y="595452"/>
             <a:ext cx="3252860" cy="646331"/>
           </a:xfrm>
           <a:prstGeom prst="rect">
@@ -5837,7 +5793,7 @@
         </p:nvSpPr>
         <p:spPr>
           <a:xfrm>
-            <a:off x="1070769" y="3178973"/>
+            <a:off x="841663" y="1971693"/>
             <a:ext cx="4145467" cy="646331"/>
           </a:xfrm>
           <a:prstGeom prst="rect">
@@ -5881,7 +5837,7 @@
         </p:nvSpPr>
         <p:spPr>
           <a:xfrm>
-            <a:off x="1070769" y="4467784"/>
+            <a:off x="894123" y="3347934"/>
             <a:ext cx="4468090" cy="646331"/>
           </a:xfrm>
           <a:prstGeom prst="rect">
@@ -5913,10 +5869,10 @@
       </p:sp>
       <p:sp>
         <p:nvSpPr>
-          <p:cNvPr id="9" name="テキスト ボックス 8">
-            <a:extLst>
-              <a:ext uri="{FF2B5EF4-FFF2-40B4-BE49-F238E27FC236}">
-                <a16:creationId xmlns:a16="http://schemas.microsoft.com/office/drawing/2014/main" id="{897A58D2-7A11-D4B6-41D9-F544AA09D6A1}"/>
+          <p:cNvPr id="10" name="テキスト ボックス 9">
+            <a:extLst>
+              <a:ext uri="{FF2B5EF4-FFF2-40B4-BE49-F238E27FC236}">
+                <a16:creationId xmlns:a16="http://schemas.microsoft.com/office/drawing/2014/main" id="{3D4A6F06-3128-80D7-9A51-C25B19F38519}"/>
               </a:ext>
             </a:extLst>
           </p:cNvPr>
@@ -5925,46 +5881,7 @@
         </p:nvSpPr>
         <p:spPr>
           <a:xfrm>
-            <a:off x="1055436" y="1144143"/>
-            <a:ext cx="1641763" cy="369332"/>
-          </a:xfrm>
-          <a:prstGeom prst="rect">
-            <a:avLst/>
-          </a:prstGeom>
-          <a:noFill/>
-        </p:spPr>
-        <p:txBody>
-          <a:bodyPr wrap="square" rtlCol="0">
-            <a:spAutoFit/>
-          </a:bodyPr>
-          <a:lstStyle/>
-          <a:p>
-            <a:r>
-              <a:rPr kumimoji="1" lang="ja-JP" altLang="en-US" dirty="0">
-                <a:solidFill>
-                  <a:schemeClr val="bg1"/>
-                </a:solidFill>
-              </a:rPr>
-              <a:t>新規登録</a:t>
-            </a:r>
-          </a:p>
-        </p:txBody>
-      </p:sp>
-      <p:sp>
-        <p:nvSpPr>
-          <p:cNvPr id="10" name="テキスト ボックス 9">
-            <a:extLst>
-              <a:ext uri="{FF2B5EF4-FFF2-40B4-BE49-F238E27FC236}">
-                <a16:creationId xmlns:a16="http://schemas.microsoft.com/office/drawing/2014/main" id="{3D4A6F06-3128-80D7-9A51-C25B19F38519}"/>
-              </a:ext>
-            </a:extLst>
-          </p:cNvPr>
-          <p:cNvSpPr txBox="1"/>
-          <p:nvPr/>
-        </p:nvSpPr>
-        <p:spPr>
-          <a:xfrm>
-            <a:off x="1055435" y="2436631"/>
+            <a:off x="894123" y="1225028"/>
             <a:ext cx="1641763" cy="369332"/>
           </a:xfrm>
           <a:prstGeom prst="rect">
@@ -6003,7 +5920,7 @@
         </p:nvSpPr>
         <p:spPr>
           <a:xfrm>
-            <a:off x="1070769" y="3766706"/>
+            <a:off x="841663" y="2539331"/>
             <a:ext cx="2794649" cy="369332"/>
           </a:xfrm>
           <a:prstGeom prst="rect">
@@ -6042,7 +5959,7 @@
         </p:nvSpPr>
         <p:spPr>
           <a:xfrm>
-            <a:off x="1141792" y="5114115"/>
+            <a:off x="894123" y="3956903"/>
             <a:ext cx="1641763" cy="369332"/>
           </a:xfrm>
           <a:prstGeom prst="rect">
@@ -6120,7 +6037,7 @@
         </p:nvSpPr>
         <p:spPr>
           <a:xfrm>
-            <a:off x="125196" y="558553"/>
+            <a:off x="245449" y="636312"/>
             <a:ext cx="792831" cy="507831"/>
           </a:xfrm>
           <a:prstGeom prst="rect">

--- a/doc/デザイン.pptx
+++ b/doc/デザイン.pptx
@@ -4694,7 +4694,7 @@
         </p:nvSpPr>
         <p:spPr>
           <a:xfrm>
-            <a:off x="1134168" y="6617043"/>
+            <a:off x="774667" y="6782440"/>
             <a:ext cx="1799902" cy="369332"/>
           </a:xfrm>
           <a:prstGeom prst="rect">
@@ -4729,7 +4729,7 @@
         </p:nvSpPr>
         <p:spPr>
           <a:xfrm>
-            <a:off x="1662545" y="7023526"/>
+            <a:off x="1303044" y="7188923"/>
             <a:ext cx="1799902" cy="369332"/>
           </a:xfrm>
           <a:prstGeom prst="rect">
@@ -4769,7 +4769,7 @@
         </p:nvSpPr>
         <p:spPr>
           <a:xfrm>
-            <a:off x="1678279" y="7392493"/>
+            <a:off x="1318778" y="7557890"/>
             <a:ext cx="1391097" cy="369332"/>
           </a:xfrm>
           <a:prstGeom prst="rect">
@@ -4809,8 +4809,8 @@
         </p:nvSpPr>
         <p:spPr>
           <a:xfrm>
-            <a:off x="1148118" y="8017222"/>
-            <a:ext cx="1391097" cy="369332"/>
+            <a:off x="908189" y="8455950"/>
+            <a:ext cx="2130654" cy="369332"/>
           </a:xfrm>
           <a:prstGeom prst="rect">
             <a:avLst/>
@@ -4844,8 +4844,8 @@
         </p:nvSpPr>
         <p:spPr>
           <a:xfrm>
-            <a:off x="1558707" y="8381813"/>
-            <a:ext cx="1799902" cy="369332"/>
+            <a:off x="1318777" y="8820541"/>
+            <a:ext cx="2756795" cy="369332"/>
           </a:xfrm>
           <a:prstGeom prst="rect">
             <a:avLst/>
@@ -4884,8 +4884,8 @@
         </p:nvSpPr>
         <p:spPr>
           <a:xfrm>
-            <a:off x="1542973" y="8736940"/>
-            <a:ext cx="1391097" cy="369332"/>
+            <a:off x="1303044" y="9175668"/>
+            <a:ext cx="2130654" cy="369332"/>
           </a:xfrm>
           <a:prstGeom prst="rect">
             <a:avLst/>
@@ -4956,10 +4956,10 @@
       </p:sp>
       <p:sp>
         <p:nvSpPr>
-          <p:cNvPr id="22" name="四角形: 角を丸くする 21">
-            <a:extLst>
-              <a:ext uri="{FF2B5EF4-FFF2-40B4-BE49-F238E27FC236}">
-                <a16:creationId xmlns:a16="http://schemas.microsoft.com/office/drawing/2014/main" id="{E02D7466-1E29-CDC0-1475-B53E3926D771}"/>
+          <p:cNvPr id="3" name="四角形: 角を丸くする 2">
+            <a:extLst>
+              <a:ext uri="{FF2B5EF4-FFF2-40B4-BE49-F238E27FC236}">
+                <a16:creationId xmlns:a16="http://schemas.microsoft.com/office/drawing/2014/main" id="{76236FC8-F47A-3AA2-F42F-32EA941BE22C}"/>
               </a:ext>
             </a:extLst>
           </p:cNvPr>
@@ -4968,8 +4968,8 @@
         </p:nvSpPr>
         <p:spPr>
           <a:xfrm>
-            <a:off x="7238971" y="8815332"/>
-            <a:ext cx="1206224" cy="397637"/>
+            <a:off x="7784687" y="7358108"/>
+            <a:ext cx="997527" cy="369329"/>
           </a:xfrm>
           <a:prstGeom prst="roundRect">
             <a:avLst/>
@@ -4996,7 +4996,7 @@
             <a:pPr algn="ctr"/>
             <a:r>
               <a:rPr kumimoji="1" lang="en-US" altLang="ja-JP" dirty="0"/>
-              <a:t>More info</a:t>
+              <a:t>Delete</a:t>
             </a:r>
             <a:endParaRPr kumimoji="1" lang="ja-JP" altLang="en-US" dirty="0"/>
           </a:p>
@@ -5004,10 +5004,10 @@
       </p:sp>
       <p:sp>
         <p:nvSpPr>
-          <p:cNvPr id="23" name="四角形: 角を丸くする 22">
-            <a:extLst>
-              <a:ext uri="{FF2B5EF4-FFF2-40B4-BE49-F238E27FC236}">
-                <a16:creationId xmlns:a16="http://schemas.microsoft.com/office/drawing/2014/main" id="{38399239-CD69-32A3-099D-9B5FD03483FE}"/>
+          <p:cNvPr id="25" name="四角形: 角を丸くする 24">
+            <a:extLst>
+              <a:ext uri="{FF2B5EF4-FFF2-40B4-BE49-F238E27FC236}">
+                <a16:creationId xmlns:a16="http://schemas.microsoft.com/office/drawing/2014/main" id="{499F5FE1-67F5-E4D1-9A3D-BC1889979130}"/>
               </a:ext>
             </a:extLst>
           </p:cNvPr>
@@ -5016,8 +5016,8 @@
         </p:nvSpPr>
         <p:spPr>
           <a:xfrm>
-            <a:off x="7268760" y="7298092"/>
-            <a:ext cx="1206224" cy="397637"/>
+            <a:off x="7784687" y="8616293"/>
+            <a:ext cx="997527" cy="369329"/>
           </a:xfrm>
           <a:prstGeom prst="roundRect">
             <a:avLst/>
@@ -5044,7 +5044,7 @@
             <a:pPr algn="ctr"/>
             <a:r>
               <a:rPr kumimoji="1" lang="en-US" altLang="ja-JP" dirty="0"/>
-              <a:t>More info</a:t>
+              <a:t>Delete</a:t>
             </a:r>
             <a:endParaRPr kumimoji="1" lang="ja-JP" altLang="en-US" dirty="0"/>
           </a:p>
@@ -5052,10 +5052,10 @@
       </p:sp>
       <p:sp>
         <p:nvSpPr>
-          <p:cNvPr id="3" name="四角形: 角を丸くする 2">
-            <a:extLst>
-              <a:ext uri="{FF2B5EF4-FFF2-40B4-BE49-F238E27FC236}">
-                <a16:creationId xmlns:a16="http://schemas.microsoft.com/office/drawing/2014/main" id="{76236FC8-F47A-3AA2-F42F-32EA941BE22C}"/>
+          <p:cNvPr id="11" name="四角形: 角を丸くする 10">
+            <a:extLst>
+              <a:ext uri="{FF2B5EF4-FFF2-40B4-BE49-F238E27FC236}">
+                <a16:creationId xmlns:a16="http://schemas.microsoft.com/office/drawing/2014/main" id="{CE4B7C6D-8D43-1C69-BA0C-55342D15A4F4}"/>
               </a:ext>
             </a:extLst>
           </p:cNvPr>
@@ -5064,8 +5064,8 @@
         </p:nvSpPr>
         <p:spPr>
           <a:xfrm>
-            <a:off x="7242969" y="6774873"/>
-            <a:ext cx="997527" cy="369329"/>
+            <a:off x="6451870" y="9319183"/>
+            <a:ext cx="2330344" cy="461662"/>
           </a:xfrm>
           <a:prstGeom prst="roundRect">
             <a:avLst/>
@@ -5092,102 +5092,6 @@
             <a:pPr algn="ctr"/>
             <a:r>
               <a:rPr kumimoji="1" lang="en-US" altLang="ja-JP" dirty="0"/>
-              <a:t>Delete</a:t>
-            </a:r>
-            <a:endParaRPr kumimoji="1" lang="ja-JP" altLang="en-US" dirty="0"/>
-          </a:p>
-        </p:txBody>
-      </p:sp>
-      <p:sp>
-        <p:nvSpPr>
-          <p:cNvPr id="25" name="四角形: 角を丸くする 24">
-            <a:extLst>
-              <a:ext uri="{FF2B5EF4-FFF2-40B4-BE49-F238E27FC236}">
-                <a16:creationId xmlns:a16="http://schemas.microsoft.com/office/drawing/2014/main" id="{499F5FE1-67F5-E4D1-9A3D-BC1889979130}"/>
-              </a:ext>
-            </a:extLst>
-          </p:cNvPr>
-          <p:cNvSpPr/>
-          <p:nvPr/>
-        </p:nvSpPr>
-        <p:spPr>
-          <a:xfrm>
-            <a:off x="7242969" y="8218009"/>
-            <a:ext cx="997527" cy="369329"/>
-          </a:xfrm>
-          <a:prstGeom prst="roundRect">
-            <a:avLst/>
-          </a:prstGeom>
-        </p:spPr>
-        <p:style>
-          <a:lnRef idx="1">
-            <a:schemeClr val="accent3"/>
-          </a:lnRef>
-          <a:fillRef idx="2">
-            <a:schemeClr val="accent3"/>
-          </a:fillRef>
-          <a:effectRef idx="1">
-            <a:schemeClr val="accent3"/>
-          </a:effectRef>
-          <a:fontRef idx="minor">
-            <a:schemeClr val="dk1"/>
-          </a:fontRef>
-        </p:style>
-        <p:txBody>
-          <a:bodyPr rtlCol="0" anchor="ctr"/>
-          <a:lstStyle/>
-          <a:p>
-            <a:pPr algn="ctr"/>
-            <a:r>
-              <a:rPr kumimoji="1" lang="en-US" altLang="ja-JP" dirty="0"/>
-              <a:t>Delete</a:t>
-            </a:r>
-            <a:endParaRPr kumimoji="1" lang="ja-JP" altLang="en-US" dirty="0"/>
-          </a:p>
-        </p:txBody>
-      </p:sp>
-      <p:sp>
-        <p:nvSpPr>
-          <p:cNvPr id="11" name="四角形: 角を丸くする 10">
-            <a:extLst>
-              <a:ext uri="{FF2B5EF4-FFF2-40B4-BE49-F238E27FC236}">
-                <a16:creationId xmlns:a16="http://schemas.microsoft.com/office/drawing/2014/main" id="{CE4B7C6D-8D43-1C69-BA0C-55342D15A4F4}"/>
-              </a:ext>
-            </a:extLst>
-          </p:cNvPr>
-          <p:cNvSpPr/>
-          <p:nvPr/>
-        </p:nvSpPr>
-        <p:spPr>
-          <a:xfrm>
-            <a:off x="6451870" y="9467482"/>
-            <a:ext cx="2330344" cy="461662"/>
-          </a:xfrm>
-          <a:prstGeom prst="roundRect">
-            <a:avLst/>
-          </a:prstGeom>
-        </p:spPr>
-        <p:style>
-          <a:lnRef idx="1">
-            <a:schemeClr val="accent3"/>
-          </a:lnRef>
-          <a:fillRef idx="2">
-            <a:schemeClr val="accent3"/>
-          </a:fillRef>
-          <a:effectRef idx="1">
-            <a:schemeClr val="accent3"/>
-          </a:effectRef>
-          <a:fontRef idx="minor">
-            <a:schemeClr val="dk1"/>
-          </a:fontRef>
-        </p:style>
-        <p:txBody>
-          <a:bodyPr rtlCol="0" anchor="ctr"/>
-          <a:lstStyle/>
-          <a:p>
-            <a:pPr algn="ctr"/>
-            <a:r>
-              <a:rPr kumimoji="1" lang="en-US" altLang="ja-JP" dirty="0"/>
               <a:t>Delete this look</a:t>
             </a:r>
             <a:endParaRPr kumimoji="1" lang="ja-JP" altLang="en-US" dirty="0"/>
@@ -5276,6 +5180,72 @@
           <a:xfrm>
             <a:off x="2430413" y="-19725"/>
             <a:ext cx="4467634" cy="1612569"/>
+          </a:xfrm>
+          <a:prstGeom prst="rect">
+            <a:avLst/>
+          </a:prstGeom>
+        </p:spPr>
+      </p:pic>
+      <p:pic>
+        <p:nvPicPr>
+          <p:cNvPr id="12" name="図 11">
+            <a:extLst>
+              <a:ext uri="{FF2B5EF4-FFF2-40B4-BE49-F238E27FC236}">
+                <a16:creationId xmlns:a16="http://schemas.microsoft.com/office/drawing/2014/main" id="{6AEB526B-88A1-3512-8F76-005AAD10C32B}"/>
+              </a:ext>
+            </a:extLst>
+          </p:cNvPr>
+          <p:cNvPicPr>
+            <a:picLocks noChangeAspect="1"/>
+          </p:cNvPicPr>
+          <p:nvPr/>
+        </p:nvPicPr>
+        <p:blipFill>
+          <a:blip r:embed="rId3"/>
+          <a:stretch>
+            <a:fillRect/>
+          </a:stretch>
+        </p:blipFill>
+        <p:spPr>
+          <a:xfrm>
+            <a:off x="4166058" y="6353956"/>
+            <a:ext cx="1849228" cy="1849228"/>
+          </a:xfrm>
+          <a:prstGeom prst="rect">
+            <a:avLst/>
+          </a:prstGeom>
+        </p:spPr>
+      </p:pic>
+      <p:pic>
+        <p:nvPicPr>
+          <p:cNvPr id="28" name="図 27" descr="ダイアグラム&#10;&#10;自動的に生成された説明">
+            <a:extLst>
+              <a:ext uri="{FF2B5EF4-FFF2-40B4-BE49-F238E27FC236}">
+                <a16:creationId xmlns:a16="http://schemas.microsoft.com/office/drawing/2014/main" id="{A9B862F8-4D6B-4EBF-2C3F-011A5FE69B4F}"/>
+              </a:ext>
+            </a:extLst>
+          </p:cNvPr>
+          <p:cNvPicPr>
+            <a:picLocks noChangeAspect="1"/>
+          </p:cNvPicPr>
+          <p:nvPr/>
+        </p:nvPicPr>
+        <p:blipFill>
+          <a:blip r:embed="rId4">
+            <a:extLst>
+              <a:ext uri="{28A0092B-C50C-407E-A947-70E740481C1C}">
+                <a14:useLocalDpi xmlns:a14="http://schemas.microsoft.com/office/drawing/2010/main" val="0"/>
+              </a:ext>
+            </a:extLst>
+          </a:blip>
+          <a:stretch>
+            <a:fillRect/>
+          </a:stretch>
+        </p:blipFill>
+        <p:spPr>
+          <a:xfrm>
+            <a:off x="4355826" y="8203112"/>
+            <a:ext cx="1469692" cy="1438116"/>
           </a:xfrm>
           <a:prstGeom prst="rect">
             <a:avLst/>
@@ -5761,11 +5731,6 @@
               <a:rPr kumimoji="1" lang="ja-JP" altLang="en-US" dirty="0"/>
               <a:t>ブランド：</a:t>
             </a:r>
-            <a:r>
-              <a:rPr kumimoji="1" lang="en-US" altLang="ja-JP" dirty="0"/>
-              <a:t>ABC</a:t>
-            </a:r>
-            <a:endParaRPr kumimoji="1" lang="ja-JP" altLang="en-US" dirty="0"/>
           </a:p>
         </p:txBody>
       </p:sp>
@@ -5783,7 +5748,7 @@
         </p:nvSpPr>
         <p:spPr>
           <a:xfrm>
-            <a:off x="1678279" y="7392493"/>
+            <a:off x="1678278" y="7604777"/>
             <a:ext cx="1391097" cy="369332"/>
           </a:xfrm>
           <a:prstGeom prst="rect">
@@ -5801,11 +5766,6 @@
               <a:rPr kumimoji="1" lang="ja-JP" altLang="en-US" dirty="0"/>
               <a:t>サイズ：</a:t>
             </a:r>
-            <a:r>
-              <a:rPr kumimoji="1" lang="en-US" altLang="ja-JP" dirty="0"/>
-              <a:t>M</a:t>
-            </a:r>
-            <a:endParaRPr kumimoji="1" lang="ja-JP" altLang="en-US" dirty="0"/>
           </a:p>
         </p:txBody>
       </p:sp>
@@ -5867,7 +5827,7 @@
         </p:nvSpPr>
         <p:spPr>
           <a:xfrm>
-            <a:off x="6689635" y="6748744"/>
+            <a:off x="7766212" y="7557248"/>
             <a:ext cx="1149312" cy="464390"/>
           </a:xfrm>
           <a:prstGeom prst="roundRect">
@@ -5900,78 +5860,6 @@
           </a:p>
         </p:txBody>
       </p:sp>
-      <p:pic>
-        <p:nvPicPr>
-          <p:cNvPr id="11" name="図 10" descr="アイコン&#10;&#10;自動的に生成された説明">
-            <a:extLst>
-              <a:ext uri="{FF2B5EF4-FFF2-40B4-BE49-F238E27FC236}">
-                <a16:creationId xmlns:a16="http://schemas.microsoft.com/office/drawing/2014/main" id="{BA3B52EB-8CFC-5C44-67D7-0F9A7CFA762E}"/>
-              </a:ext>
-            </a:extLst>
-          </p:cNvPr>
-          <p:cNvPicPr>
-            <a:picLocks noChangeAspect="1"/>
-          </p:cNvPicPr>
-          <p:nvPr/>
-        </p:nvPicPr>
-        <p:blipFill>
-          <a:blip r:embed="rId2">
-            <a:extLst>
-              <a:ext uri="{28A0092B-C50C-407E-A947-70E740481C1C}">
-                <a14:useLocalDpi xmlns:a14="http://schemas.microsoft.com/office/drawing/2010/main" val="0"/>
-              </a:ext>
-            </a:extLst>
-          </a:blip>
-          <a:stretch>
-            <a:fillRect/>
-          </a:stretch>
-        </p:blipFill>
-        <p:spPr>
-          <a:xfrm>
-            <a:off x="8288930" y="7362883"/>
-            <a:ext cx="548380" cy="305185"/>
-          </a:xfrm>
-          <a:prstGeom prst="rect">
-            <a:avLst/>
-          </a:prstGeom>
-        </p:spPr>
-      </p:pic>
-      <p:pic>
-        <p:nvPicPr>
-          <p:cNvPr id="14" name="図 13" descr="アイコン&#10;&#10;自動的に生成された説明">
-            <a:extLst>
-              <a:ext uri="{FF2B5EF4-FFF2-40B4-BE49-F238E27FC236}">
-                <a16:creationId xmlns:a16="http://schemas.microsoft.com/office/drawing/2014/main" id="{1BD79F5D-0705-EC06-A08E-5826544E9032}"/>
-              </a:ext>
-            </a:extLst>
-          </p:cNvPr>
-          <p:cNvPicPr>
-            <a:picLocks noChangeAspect="1"/>
-          </p:cNvPicPr>
-          <p:nvPr/>
-        </p:nvPicPr>
-        <p:blipFill>
-          <a:blip r:embed="rId3">
-            <a:extLst>
-              <a:ext uri="{28A0092B-C50C-407E-A947-70E740481C1C}">
-                <a14:useLocalDpi xmlns:a14="http://schemas.microsoft.com/office/drawing/2010/main" val="0"/>
-              </a:ext>
-            </a:extLst>
-          </a:blip>
-          <a:stretch>
-            <a:fillRect/>
-          </a:stretch>
-        </p:blipFill>
-        <p:spPr>
-          <a:xfrm>
-            <a:off x="8367324" y="6761808"/>
-            <a:ext cx="357880" cy="380654"/>
-          </a:xfrm>
-          <a:prstGeom prst="rect">
-            <a:avLst/>
-          </a:prstGeom>
-        </p:spPr>
-      </p:pic>
       <p:sp>
         <p:nvSpPr>
           <p:cNvPr id="31" name="四角形: 角を丸くする 30">
@@ -5986,7 +5874,7 @@
         </p:nvSpPr>
         <p:spPr>
           <a:xfrm>
-            <a:off x="6689635" y="7362883"/>
+            <a:off x="7842105" y="9229139"/>
             <a:ext cx="997527" cy="369329"/>
           </a:xfrm>
           <a:prstGeom prst="roundRect">
@@ -6087,7 +5975,7 @@
           <p:nvPr/>
         </p:nvPicPr>
         <p:blipFill>
-          <a:blip r:embed="rId4">
+          <a:blip r:embed="rId2">
             <a:extLst>
               <a:ext uri="{28A0092B-C50C-407E-A947-70E740481C1C}">
                 <a14:useLocalDpi xmlns:a14="http://schemas.microsoft.com/office/drawing/2010/main" val="0"/>
@@ -6108,6 +5996,118 @@
           </a:prstGeom>
         </p:spPr>
       </p:pic>
+      <p:sp>
+        <p:nvSpPr>
+          <p:cNvPr id="9" name="正方形/長方形 8">
+            <a:extLst>
+              <a:ext uri="{FF2B5EF4-FFF2-40B4-BE49-F238E27FC236}">
+                <a16:creationId xmlns:a16="http://schemas.microsoft.com/office/drawing/2014/main" id="{1A5908A2-2DFD-25DA-CED3-04B30ED88A4A}"/>
+              </a:ext>
+            </a:extLst>
+          </p:cNvPr>
+          <p:cNvSpPr/>
+          <p:nvPr/>
+        </p:nvSpPr>
+        <p:spPr>
+          <a:xfrm>
+            <a:off x="2989843" y="7006115"/>
+            <a:ext cx="3494084" cy="423873"/>
+          </a:xfrm>
+          <a:prstGeom prst="rect">
+            <a:avLst/>
+          </a:prstGeom>
+          <a:effectLst>
+            <a:innerShdw blurRad="114300">
+              <a:prstClr val="black"/>
+            </a:innerShdw>
+          </a:effectLst>
+        </p:spPr>
+        <p:style>
+          <a:lnRef idx="2">
+            <a:schemeClr val="accent3"/>
+          </a:lnRef>
+          <a:fillRef idx="1">
+            <a:schemeClr val="lt1"/>
+          </a:fillRef>
+          <a:effectRef idx="0">
+            <a:schemeClr val="accent3"/>
+          </a:effectRef>
+          <a:fontRef idx="minor">
+            <a:schemeClr val="dk1"/>
+          </a:fontRef>
+        </p:style>
+        <p:txBody>
+          <a:bodyPr rtlCol="0" anchor="ctr"/>
+          <a:lstStyle/>
+          <a:p>
+            <a:pPr algn="ctr"/>
+            <a:r>
+              <a:rPr kumimoji="1" lang="ja-JP" altLang="en-US" dirty="0">
+                <a:solidFill>
+                  <a:schemeClr val="accent3"/>
+                </a:solidFill>
+              </a:rPr>
+              <a:t>ブランドを入力してください</a:t>
+            </a:r>
+          </a:p>
+        </p:txBody>
+      </p:sp>
+      <p:sp>
+        <p:nvSpPr>
+          <p:cNvPr id="24" name="正方形/長方形 23">
+            <a:extLst>
+              <a:ext uri="{FF2B5EF4-FFF2-40B4-BE49-F238E27FC236}">
+                <a16:creationId xmlns:a16="http://schemas.microsoft.com/office/drawing/2014/main" id="{AA13BEDC-848C-37B2-84B8-172842466237}"/>
+              </a:ext>
+            </a:extLst>
+          </p:cNvPr>
+          <p:cNvSpPr/>
+          <p:nvPr/>
+        </p:nvSpPr>
+        <p:spPr>
+          <a:xfrm>
+            <a:off x="2865984" y="7616039"/>
+            <a:ext cx="3494084" cy="400324"/>
+          </a:xfrm>
+          <a:prstGeom prst="rect">
+            <a:avLst/>
+          </a:prstGeom>
+          <a:effectLst>
+            <a:innerShdw blurRad="114300">
+              <a:prstClr val="black"/>
+            </a:innerShdw>
+          </a:effectLst>
+        </p:spPr>
+        <p:style>
+          <a:lnRef idx="2">
+            <a:schemeClr val="accent3"/>
+          </a:lnRef>
+          <a:fillRef idx="1">
+            <a:schemeClr val="lt1"/>
+          </a:fillRef>
+          <a:effectRef idx="0">
+            <a:schemeClr val="accent3"/>
+          </a:effectRef>
+          <a:fontRef idx="minor">
+            <a:schemeClr val="dk1"/>
+          </a:fontRef>
+        </p:style>
+        <p:txBody>
+          <a:bodyPr rtlCol="0" anchor="ctr"/>
+          <a:lstStyle/>
+          <a:p>
+            <a:pPr algn="ctr"/>
+            <a:r>
+              <a:rPr kumimoji="1" lang="ja-JP" altLang="en-US" dirty="0">
+                <a:solidFill>
+                  <a:schemeClr val="accent3"/>
+                </a:solidFill>
+              </a:rPr>
+              <a:t>サイズを入力してください</a:t>
+            </a:r>
+          </a:p>
+        </p:txBody>
+      </p:sp>
     </p:spTree>
     <p:extLst>
       <p:ext uri="{BB962C8B-B14F-4D97-AF65-F5344CB8AC3E}">
@@ -6895,6 +6895,166 @@
           </a:prstGeom>
         </p:spPr>
       </p:pic>
+      <p:sp>
+        <p:nvSpPr>
+          <p:cNvPr id="2" name="正方形/長方形 1">
+            <a:extLst>
+              <a:ext uri="{FF2B5EF4-FFF2-40B4-BE49-F238E27FC236}">
+                <a16:creationId xmlns:a16="http://schemas.microsoft.com/office/drawing/2014/main" id="{177944AD-7D24-991F-1870-6082823A6BDE}"/>
+              </a:ext>
+            </a:extLst>
+          </p:cNvPr>
+          <p:cNvSpPr/>
+          <p:nvPr/>
+        </p:nvSpPr>
+        <p:spPr>
+          <a:xfrm>
+            <a:off x="2544698" y="7195852"/>
+            <a:ext cx="2464200" cy="1312412"/>
+          </a:xfrm>
+          <a:prstGeom prst="rect">
+            <a:avLst/>
+          </a:prstGeom>
+          <a:effectLst>
+            <a:innerShdw blurRad="114300">
+              <a:prstClr val="black"/>
+            </a:innerShdw>
+          </a:effectLst>
+        </p:spPr>
+        <p:style>
+          <a:lnRef idx="2">
+            <a:schemeClr val="accent3"/>
+          </a:lnRef>
+          <a:fillRef idx="1">
+            <a:schemeClr val="lt1"/>
+          </a:fillRef>
+          <a:effectRef idx="0">
+            <a:schemeClr val="accent3"/>
+          </a:effectRef>
+          <a:fontRef idx="minor">
+            <a:schemeClr val="dk1"/>
+          </a:fontRef>
+        </p:style>
+        <p:txBody>
+          <a:bodyPr rtlCol="0" anchor="ctr"/>
+          <a:lstStyle/>
+          <a:p>
+            <a:pPr algn="ctr"/>
+            <a:endParaRPr kumimoji="1" lang="ja-JP" altLang="en-US"/>
+          </a:p>
+        </p:txBody>
+      </p:sp>
+      <p:sp>
+        <p:nvSpPr>
+          <p:cNvPr id="8" name="テキスト ボックス 7">
+            <a:extLst>
+              <a:ext uri="{FF2B5EF4-FFF2-40B4-BE49-F238E27FC236}">
+                <a16:creationId xmlns:a16="http://schemas.microsoft.com/office/drawing/2014/main" id="{A23DCF55-687B-87E3-5711-88541CFDE156}"/>
+              </a:ext>
+            </a:extLst>
+          </p:cNvPr>
+          <p:cNvSpPr txBox="1"/>
+          <p:nvPr/>
+        </p:nvSpPr>
+        <p:spPr>
+          <a:xfrm>
+            <a:off x="1600979" y="7127629"/>
+            <a:ext cx="1391097" cy="369332"/>
+          </a:xfrm>
+          <a:prstGeom prst="rect">
+            <a:avLst/>
+          </a:prstGeom>
+          <a:noFill/>
+        </p:spPr>
+        <p:txBody>
+          <a:bodyPr wrap="square" rtlCol="0">
+            <a:spAutoFit/>
+          </a:bodyPr>
+          <a:lstStyle/>
+          <a:p>
+            <a:r>
+              <a:rPr kumimoji="1" lang="ja-JP" altLang="en-US" dirty="0"/>
+              <a:t>メモ：</a:t>
+            </a:r>
+          </a:p>
+        </p:txBody>
+      </p:sp>
+      <p:cxnSp>
+        <p:nvCxnSpPr>
+          <p:cNvPr id="13" name="直線コネクタ 12">
+            <a:extLst>
+              <a:ext uri="{FF2B5EF4-FFF2-40B4-BE49-F238E27FC236}">
+                <a16:creationId xmlns:a16="http://schemas.microsoft.com/office/drawing/2014/main" id="{C11931B1-FFC2-E384-9FFD-6A565AD6F993}"/>
+              </a:ext>
+            </a:extLst>
+          </p:cNvPr>
+          <p:cNvCxnSpPr>
+            <a:cxnSpLocks/>
+          </p:cNvCxnSpPr>
+          <p:nvPr/>
+        </p:nvCxnSpPr>
+        <p:spPr>
+          <a:xfrm flipH="1">
+            <a:off x="4757928" y="8230577"/>
+            <a:ext cx="229707" cy="228745"/>
+          </a:xfrm>
+          <a:prstGeom prst="line">
+            <a:avLst/>
+          </a:prstGeom>
+        </p:spPr>
+        <p:style>
+          <a:lnRef idx="3">
+            <a:schemeClr val="accent3"/>
+          </a:lnRef>
+          <a:fillRef idx="0">
+            <a:schemeClr val="accent3"/>
+          </a:fillRef>
+          <a:effectRef idx="2">
+            <a:schemeClr val="accent3"/>
+          </a:effectRef>
+          <a:fontRef idx="minor">
+            <a:schemeClr val="tx1"/>
+          </a:fontRef>
+        </p:style>
+      </p:cxnSp>
+      <p:cxnSp>
+        <p:nvCxnSpPr>
+          <p:cNvPr id="27" name="直線コネクタ 26">
+            <a:extLst>
+              <a:ext uri="{FF2B5EF4-FFF2-40B4-BE49-F238E27FC236}">
+                <a16:creationId xmlns:a16="http://schemas.microsoft.com/office/drawing/2014/main" id="{7EE8157C-1E60-6410-D3D4-C29E8E272EA2}"/>
+              </a:ext>
+            </a:extLst>
+          </p:cNvPr>
+          <p:cNvCxnSpPr>
+            <a:cxnSpLocks/>
+          </p:cNvCxnSpPr>
+          <p:nvPr/>
+        </p:nvCxnSpPr>
+        <p:spPr>
+          <a:xfrm flipH="1">
+            <a:off x="4607644" y="8074985"/>
+            <a:ext cx="300568" cy="323577"/>
+          </a:xfrm>
+          <a:prstGeom prst="line">
+            <a:avLst/>
+          </a:prstGeom>
+        </p:spPr>
+        <p:style>
+          <a:lnRef idx="3">
+            <a:schemeClr val="accent3"/>
+          </a:lnRef>
+          <a:fillRef idx="0">
+            <a:schemeClr val="accent3"/>
+          </a:fillRef>
+          <a:effectRef idx="2">
+            <a:schemeClr val="accent3"/>
+          </a:effectRef>
+          <a:fontRef idx="minor">
+            <a:schemeClr val="tx1"/>
+          </a:fontRef>
+        </p:style>
+      </p:cxnSp>
     </p:spTree>
     <p:extLst>
       <p:ext uri="{BB962C8B-B14F-4D97-AF65-F5344CB8AC3E}">
@@ -8134,8 +8294,8 @@
         </p:nvSpPr>
         <p:spPr>
           <a:xfrm>
-            <a:off x="841663" y="2612589"/>
-            <a:ext cx="4145467" cy="769441"/>
+            <a:off x="841663" y="3927858"/>
+            <a:ext cx="5185064" cy="769441"/>
           </a:xfrm>
           <a:prstGeom prst="rect">
             <a:avLst/>
@@ -8153,6 +8313,7 @@
                 <a:solidFill>
                   <a:schemeClr val="bg1"/>
                 </a:solidFill>
+                <a:latin typeface="Segoe Print" panose="02000600000000000000" pitchFamily="2" charset="0"/>
               </a:rPr>
               <a:t>Add New Outfits</a:t>
             </a:r>
@@ -8160,6 +8321,7 @@
               <a:solidFill>
                 <a:schemeClr val="bg1"/>
               </a:solidFill>
+              <a:latin typeface="Segoe Print" panose="02000600000000000000" pitchFamily="2" charset="0"/>
             </a:endParaRPr>
           </a:p>
         </p:txBody>
@@ -8178,8 +8340,8 @@
         </p:nvSpPr>
         <p:spPr>
           <a:xfrm>
-            <a:off x="841663" y="3992171"/>
-            <a:ext cx="4468090" cy="830997"/>
+            <a:off x="841663" y="5307440"/>
+            <a:ext cx="5496792" cy="830997"/>
           </a:xfrm>
           <a:prstGeom prst="rect">
             <a:avLst/>
@@ -8197,6 +8359,7 @@
                 <a:solidFill>
                   <a:schemeClr val="bg1"/>
                 </a:solidFill>
+                <a:latin typeface="Segoe Print" panose="02000600000000000000" pitchFamily="2" charset="0"/>
               </a:rPr>
               <a:t>Add New Items</a:t>
             </a:r>
@@ -8204,6 +8367,7 @@
               <a:solidFill>
                 <a:schemeClr val="bg1"/>
               </a:solidFill>
+              <a:latin typeface="Segoe Print" panose="02000600000000000000" pitchFamily="2" charset="0"/>
             </a:endParaRPr>
           </a:p>
         </p:txBody>
@@ -8312,6 +8476,46 @@
                 </a:solidFill>
               </a:rPr>
               <a:t>ーー</a:t>
+            </a:r>
+          </a:p>
+        </p:txBody>
+      </p:sp>
+      <p:sp>
+        <p:nvSpPr>
+          <p:cNvPr id="7" name="テキスト ボックス 6">
+            <a:extLst>
+              <a:ext uri="{FF2B5EF4-FFF2-40B4-BE49-F238E27FC236}">
+                <a16:creationId xmlns:a16="http://schemas.microsoft.com/office/drawing/2014/main" id="{C865B36B-6E7C-F461-341E-92BA495C6CDA}"/>
+              </a:ext>
+            </a:extLst>
+          </p:cNvPr>
+          <p:cNvSpPr txBox="1"/>
+          <p:nvPr/>
+        </p:nvSpPr>
+        <p:spPr>
+          <a:xfrm>
+            <a:off x="841663" y="2548276"/>
+            <a:ext cx="4468090" cy="769441"/>
+          </a:xfrm>
+          <a:prstGeom prst="rect">
+            <a:avLst/>
+          </a:prstGeom>
+          <a:noFill/>
+        </p:spPr>
+        <p:txBody>
+          <a:bodyPr wrap="square" rtlCol="0">
+            <a:spAutoFit/>
+          </a:bodyPr>
+          <a:lstStyle/>
+          <a:p>
+            <a:r>
+              <a:rPr kumimoji="1" lang="en-US" altLang="ja-JP" sz="4400" dirty="0">
+                <a:solidFill>
+                  <a:schemeClr val="bg1"/>
+                </a:solidFill>
+                <a:latin typeface="Segoe Print" panose="02000600000000000000" pitchFamily="2" charset="0"/>
+              </a:rPr>
+              <a:t>Your Items</a:t>
             </a:r>
           </a:p>
         </p:txBody>
@@ -10347,64 +10551,6 @@
           </a:p>
         </p:txBody>
       </p:sp>
-      <p:sp>
-        <p:nvSpPr>
-          <p:cNvPr id="3" name="リボン: 上に曲がる 2">
-            <a:extLst>
-              <a:ext uri="{FF2B5EF4-FFF2-40B4-BE49-F238E27FC236}">
-                <a16:creationId xmlns:a16="http://schemas.microsoft.com/office/drawing/2014/main" id="{85CABAA5-656D-7248-9E8A-E8C8192F5DD5}"/>
-              </a:ext>
-            </a:extLst>
-          </p:cNvPr>
-          <p:cNvSpPr/>
-          <p:nvPr/>
-        </p:nvSpPr>
-        <p:spPr>
-          <a:xfrm>
-            <a:off x="9216812" y="690395"/>
-            <a:ext cx="4563883" cy="967242"/>
-          </a:xfrm>
-          <a:prstGeom prst="ribbon2">
-            <a:avLst/>
-          </a:prstGeom>
-        </p:spPr>
-        <p:style>
-          <a:lnRef idx="2">
-            <a:schemeClr val="dk1"/>
-          </a:lnRef>
-          <a:fillRef idx="1">
-            <a:schemeClr val="lt1"/>
-          </a:fillRef>
-          <a:effectRef idx="0">
-            <a:schemeClr val="dk1"/>
-          </a:effectRef>
-          <a:fontRef idx="minor">
-            <a:schemeClr val="dk1"/>
-          </a:fontRef>
-        </p:style>
-        <p:txBody>
-          <a:bodyPr rtlCol="0" anchor="ctr"/>
-          <a:lstStyle/>
-          <a:p>
-            <a:pPr algn="ctr"/>
-            <a:r>
-              <a:rPr kumimoji="1" lang="en-US" altLang="ja-JP" sz="4000" dirty="0">
-                <a:solidFill>
-                  <a:schemeClr val="accent2"/>
-                </a:solidFill>
-                <a:latin typeface="Brush Script MT" panose="03060802040406070304" pitchFamily="66" charset="0"/>
-              </a:rPr>
-              <a:t>LOGO</a:t>
-            </a:r>
-            <a:endParaRPr kumimoji="1" lang="ja-JP" altLang="en-US" sz="4000" dirty="0">
-              <a:solidFill>
-                <a:schemeClr val="accent2"/>
-              </a:solidFill>
-              <a:latin typeface="Brush Script MT" panose="03060802040406070304" pitchFamily="66" charset="0"/>
-            </a:endParaRPr>
-          </a:p>
-        </p:txBody>
-      </p:sp>
       <p:pic>
         <p:nvPicPr>
           <p:cNvPr id="5" name="図 4" descr="ドレスを着た女性の絵&#10;&#10;中程度の精度で自動的に生成された説明">
@@ -14203,7 +14349,7 @@
           <a:p>
             <a:r>
               <a:rPr kumimoji="1" lang="ja-JP" altLang="en-US" dirty="0"/>
-              <a:t>アイテム一蘭</a:t>
+              <a:t>アイテム一覧</a:t>
             </a:r>
             <a:endParaRPr kumimoji="1" lang="en-US" altLang="ja-JP" dirty="0"/>
           </a:p>
@@ -14743,42 +14889,6 @@
           <a:xfrm>
             <a:off x="193399" y="4802243"/>
             <a:ext cx="2633152" cy="2063733"/>
-          </a:xfrm>
-          <a:prstGeom prst="rect">
-            <a:avLst/>
-          </a:prstGeom>
-        </p:spPr>
-      </p:pic>
-      <p:pic>
-        <p:nvPicPr>
-          <p:cNvPr id="33" name="図 32" descr="紫の布の上に置かれたネクタイ&#10;&#10;低い精度で自動的に生成された説明">
-            <a:extLst>
-              <a:ext uri="{FF2B5EF4-FFF2-40B4-BE49-F238E27FC236}">
-                <a16:creationId xmlns:a16="http://schemas.microsoft.com/office/drawing/2014/main" id="{EE300016-77B8-BE34-D36D-782657D66712}"/>
-              </a:ext>
-            </a:extLst>
-          </p:cNvPr>
-          <p:cNvPicPr>
-            <a:picLocks noChangeAspect="1"/>
-          </p:cNvPicPr>
-          <p:nvPr/>
-        </p:nvPicPr>
-        <p:blipFill>
-          <a:blip r:embed="rId6">
-            <a:extLst>
-              <a:ext uri="{28A0092B-C50C-407E-A947-70E740481C1C}">
-                <a14:useLocalDpi xmlns:a14="http://schemas.microsoft.com/office/drawing/2010/main" val="0"/>
-              </a:ext>
-            </a:extLst>
-          </a:blip>
-          <a:stretch>
-            <a:fillRect/>
-          </a:stretch>
-        </p:blipFill>
-        <p:spPr>
-          <a:xfrm>
-            <a:off x="6854671" y="7528264"/>
-            <a:ext cx="1417711" cy="2223229"/>
           </a:xfrm>
           <a:prstGeom prst="rect">
             <a:avLst/>
@@ -14852,7 +14962,7 @@
           <p:nvPr/>
         </p:nvPicPr>
         <p:blipFill>
-          <a:blip r:embed="rId7">
+          <a:blip r:embed="rId6">
             <a:extLst>
               <a:ext uri="{28A0092B-C50C-407E-A947-70E740481C1C}">
                 <a14:useLocalDpi xmlns:a14="http://schemas.microsoft.com/office/drawing/2010/main" val="0"/>
@@ -14888,7 +14998,7 @@
           <p:nvPr/>
         </p:nvPicPr>
         <p:blipFill>
-          <a:blip r:embed="rId8">
+          <a:blip r:embed="rId7">
             <a:extLst>
               <a:ext uri="{28A0092B-C50C-407E-A947-70E740481C1C}">
                 <a14:useLocalDpi xmlns:a14="http://schemas.microsoft.com/office/drawing/2010/main" val="0"/>
@@ -14924,7 +15034,7 @@
           <p:nvPr/>
         </p:nvPicPr>
         <p:blipFill>
-          <a:blip r:embed="rId9">
+          <a:blip r:embed="rId8">
             <a:extLst>
               <a:ext uri="{28A0092B-C50C-407E-A947-70E740481C1C}">
                 <a14:useLocalDpi xmlns:a14="http://schemas.microsoft.com/office/drawing/2010/main" val="0"/>
@@ -14960,7 +15070,7 @@
           <p:nvPr/>
         </p:nvPicPr>
         <p:blipFill>
-          <a:blip r:embed="rId10">
+          <a:blip r:embed="rId9">
             <a:extLst>
               <a:ext uri="{28A0092B-C50C-407E-A947-70E740481C1C}">
                 <a14:useLocalDpi xmlns:a14="http://schemas.microsoft.com/office/drawing/2010/main" val="0"/>
@@ -15159,98 +15269,62 @@
       </p:sp>
       <p:sp>
         <p:nvSpPr>
-          <p:cNvPr id="44" name="正方形/長方形 43">
-            <a:extLst>
-              <a:ext uri="{FF2B5EF4-FFF2-40B4-BE49-F238E27FC236}">
-                <a16:creationId xmlns:a16="http://schemas.microsoft.com/office/drawing/2014/main" id="{8D49C137-8E6A-5845-B3D0-95338367BC06}"/>
-              </a:ext>
-            </a:extLst>
-          </p:cNvPr>
-          <p:cNvSpPr/>
-          <p:nvPr/>
-        </p:nvSpPr>
-        <p:spPr>
-          <a:xfrm>
-            <a:off x="3063758" y="7397763"/>
-            <a:ext cx="2872022" cy="2461031"/>
-          </a:xfrm>
-          <a:prstGeom prst="rect">
-            <a:avLst/>
-          </a:prstGeom>
-        </p:spPr>
-        <p:style>
-          <a:lnRef idx="2">
-            <a:schemeClr val="dk1"/>
-          </a:lnRef>
-          <a:fillRef idx="1">
-            <a:schemeClr val="lt1"/>
-          </a:fillRef>
-          <a:effectRef idx="0">
-            <a:schemeClr val="dk1"/>
-          </a:effectRef>
-          <a:fontRef idx="minor">
-            <a:schemeClr val="dk1"/>
-          </a:fontRef>
-        </p:style>
-        <p:txBody>
-          <a:bodyPr rtlCol="0" anchor="ctr"/>
-          <a:lstStyle/>
-          <a:p>
-            <a:pPr algn="ctr"/>
-            <a:endParaRPr kumimoji="1" lang="ja-JP" altLang="en-US"/>
-          </a:p>
-        </p:txBody>
-      </p:sp>
-      <p:sp>
-        <p:nvSpPr>
-          <p:cNvPr id="46" name="正方形/長方形 45">
-            <a:extLst>
-              <a:ext uri="{FF2B5EF4-FFF2-40B4-BE49-F238E27FC236}">
-                <a16:creationId xmlns:a16="http://schemas.microsoft.com/office/drawing/2014/main" id="{2ACBEC94-FA70-5CAF-1041-FB7B8587A7EF}"/>
-              </a:ext>
-            </a:extLst>
-          </p:cNvPr>
-          <p:cNvSpPr/>
-          <p:nvPr/>
-        </p:nvSpPr>
-        <p:spPr>
-          <a:xfrm>
-            <a:off x="6127516" y="7390077"/>
-            <a:ext cx="2872022" cy="2468717"/>
-          </a:xfrm>
-          <a:prstGeom prst="rect">
-            <a:avLst/>
-          </a:prstGeom>
-        </p:spPr>
-        <p:style>
-          <a:lnRef idx="2">
-            <a:schemeClr val="dk1"/>
-          </a:lnRef>
-          <a:fillRef idx="1">
-            <a:schemeClr val="lt1"/>
-          </a:fillRef>
-          <a:effectRef idx="0">
-            <a:schemeClr val="dk1"/>
-          </a:effectRef>
-          <a:fontRef idx="minor">
-            <a:schemeClr val="dk1"/>
-          </a:fontRef>
-        </p:style>
-        <p:txBody>
-          <a:bodyPr rtlCol="0" anchor="ctr"/>
-          <a:lstStyle/>
-          <a:p>
-            <a:pPr algn="ctr"/>
-            <a:endParaRPr kumimoji="1" lang="ja-JP" altLang="en-US"/>
+          <p:cNvPr id="56" name="テキスト ボックス 55">
+            <a:extLst>
+              <a:ext uri="{FF2B5EF4-FFF2-40B4-BE49-F238E27FC236}">
+                <a16:creationId xmlns:a16="http://schemas.microsoft.com/office/drawing/2014/main" id="{4CFFBC51-DCA0-892F-314B-ECE1F9006C95}"/>
+              </a:ext>
+            </a:extLst>
+          </p:cNvPr>
+          <p:cNvSpPr txBox="1"/>
+          <p:nvPr/>
+        </p:nvSpPr>
+        <p:spPr>
+          <a:xfrm>
+            <a:off x="2920730" y="10074549"/>
+            <a:ext cx="4133811" cy="369332"/>
+          </a:xfrm>
+          <a:prstGeom prst="rect">
+            <a:avLst/>
+          </a:prstGeom>
+          <a:noFill/>
+        </p:spPr>
+        <p:txBody>
+          <a:bodyPr wrap="square" rtlCol="0">
+            <a:spAutoFit/>
+          </a:bodyPr>
+          <a:lstStyle/>
+          <a:p>
+            <a:r>
+              <a:rPr kumimoji="1" lang="ja-JP" altLang="en-US" dirty="0">
+                <a:solidFill>
+                  <a:schemeClr val="bg1"/>
+                </a:solidFill>
+              </a:rPr>
+              <a:t>＠</a:t>
+            </a:r>
+            <a:r>
+              <a:rPr kumimoji="1" lang="en-US" altLang="ja-JP" dirty="0">
+                <a:solidFill>
+                  <a:schemeClr val="bg1"/>
+                </a:solidFill>
+              </a:rPr>
+              <a:t>2022 CCC All Rights Reserved </a:t>
+            </a:r>
+            <a:endParaRPr kumimoji="1" lang="ja-JP" altLang="en-US" dirty="0">
+              <a:solidFill>
+                <a:schemeClr val="bg1"/>
+              </a:solidFill>
+            </a:endParaRPr>
           </a:p>
         </p:txBody>
       </p:sp>
       <p:pic>
         <p:nvPicPr>
-          <p:cNvPr id="47" name="図 46" descr="ドレスを着た女性の絵&#10;&#10;中程度の精度で自動的に生成された説明">
-            <a:extLst>
-              <a:ext uri="{FF2B5EF4-FFF2-40B4-BE49-F238E27FC236}">
-                <a16:creationId xmlns:a16="http://schemas.microsoft.com/office/drawing/2014/main" id="{09323EFF-C10D-0469-8B93-BB0DF8265411}"/>
+          <p:cNvPr id="58" name="図 57" descr="ロゴ が含まれている画像&#10;&#10;自動的に生成された説明">
+            <a:extLst>
+              <a:ext uri="{FF2B5EF4-FFF2-40B4-BE49-F238E27FC236}">
+                <a16:creationId xmlns:a16="http://schemas.microsoft.com/office/drawing/2014/main" id="{E46BFC16-9576-0F60-9190-2D1B2E40ACFF}"/>
               </a:ext>
             </a:extLst>
           </p:cNvPr>
@@ -15260,7 +15334,7 @@
           <p:nvPr/>
         </p:nvPicPr>
         <p:blipFill>
-          <a:blip r:embed="rId11">
+          <a:blip r:embed="rId10">
             <a:extLst>
               <a:ext uri="{28A0092B-C50C-407E-A947-70E740481C1C}">
                 <a14:useLocalDpi xmlns:a14="http://schemas.microsoft.com/office/drawing/2010/main" val="0"/>
@@ -15273,8 +15347,8 @@
         </p:blipFill>
         <p:spPr>
           <a:xfrm>
-            <a:off x="6427849" y="4538380"/>
-            <a:ext cx="2576945" cy="2576945"/>
+            <a:off x="2408303" y="-237"/>
+            <a:ext cx="4467634" cy="1612569"/>
           </a:xfrm>
           <a:prstGeom prst="rect">
             <a:avLst/>
@@ -15283,10 +15357,10 @@
       </p:pic>
       <p:pic>
         <p:nvPicPr>
-          <p:cNvPr id="48" name="図 47" descr="衣料, 人形, おもちゃ, コート が含まれている画像&#10;&#10;自動的に生成された説明">
-            <a:extLst>
-              <a:ext uri="{FF2B5EF4-FFF2-40B4-BE49-F238E27FC236}">
-                <a16:creationId xmlns:a16="http://schemas.microsoft.com/office/drawing/2014/main" id="{7B0298E8-3C33-86BE-D2AE-02CB42645F84}"/>
+          <p:cNvPr id="4" name="図 3" descr="ダイアグラム&#10;&#10;自動的に生成された説明">
+            <a:extLst>
+              <a:ext uri="{FF2B5EF4-FFF2-40B4-BE49-F238E27FC236}">
+                <a16:creationId xmlns:a16="http://schemas.microsoft.com/office/drawing/2014/main" id="{3D5F3E7F-F163-F543-34FB-859E3C8D5EB2}"/>
               </a:ext>
             </a:extLst>
           </p:cNvPr>
@@ -15296,7 +15370,7 @@
           <p:nvPr/>
         </p:nvPicPr>
         <p:blipFill>
-          <a:blip r:embed="rId12">
+          <a:blip r:embed="rId11">
             <a:extLst>
               <a:ext uri="{28A0092B-C50C-407E-A947-70E740481C1C}">
                 <a14:useLocalDpi xmlns:a14="http://schemas.microsoft.com/office/drawing/2010/main" val="0"/>
@@ -15309,8 +15383,8 @@
         </p:blipFill>
         <p:spPr>
           <a:xfrm>
-            <a:off x="651391" y="4542760"/>
-            <a:ext cx="1428350" cy="2609217"/>
+            <a:off x="485102" y="4671372"/>
+            <a:ext cx="2301403" cy="2460731"/>
           </a:xfrm>
           <a:prstGeom prst="rect">
             <a:avLst/>
@@ -15319,10 +15393,10 @@
       </p:pic>
       <p:pic>
         <p:nvPicPr>
-          <p:cNvPr id="49" name="図 48" descr="下着姿の女性のイラスト&#10;&#10;低い精度で自動的に生成された説明">
-            <a:extLst>
-              <a:ext uri="{FF2B5EF4-FFF2-40B4-BE49-F238E27FC236}">
-                <a16:creationId xmlns:a16="http://schemas.microsoft.com/office/drawing/2014/main" id="{732713AE-D979-646B-4289-FDD50B70E7C2}"/>
+          <p:cNvPr id="8" name="図 7">
+            <a:extLst>
+              <a:ext uri="{FF2B5EF4-FFF2-40B4-BE49-F238E27FC236}">
+                <a16:creationId xmlns:a16="http://schemas.microsoft.com/office/drawing/2014/main" id="{599CEB8A-35ED-65C1-09D5-D8660122C8FF}"/>
               </a:ext>
             </a:extLst>
           </p:cNvPr>
@@ -15332,7 +15406,7 @@
           <p:nvPr/>
         </p:nvPicPr>
         <p:blipFill>
-          <a:blip r:embed="rId13">
+          <a:blip r:embed="rId7">
             <a:extLst>
               <a:ext uri="{28A0092B-C50C-407E-A947-70E740481C1C}">
                 <a14:useLocalDpi xmlns:a14="http://schemas.microsoft.com/office/drawing/2010/main" val="0"/>
@@ -15345,8 +15419,8 @@
         </p:blipFill>
         <p:spPr>
           <a:xfrm>
-            <a:off x="3331926" y="4480361"/>
-            <a:ext cx="2620391" cy="2620391"/>
+            <a:off x="3522135" y="4548843"/>
+            <a:ext cx="1955270" cy="2244470"/>
           </a:xfrm>
           <a:prstGeom prst="rect">
             <a:avLst/>
@@ -15355,10 +15429,10 @@
       </p:pic>
       <p:pic>
         <p:nvPicPr>
-          <p:cNvPr id="51" name="図 50" descr="ダイアグラム&#10;&#10;自動的に生成された説明">
-            <a:extLst>
-              <a:ext uri="{FF2B5EF4-FFF2-40B4-BE49-F238E27FC236}">
-                <a16:creationId xmlns:a16="http://schemas.microsoft.com/office/drawing/2014/main" id="{7E800B15-7E99-490D-EB89-56C87119197F}"/>
+          <p:cNvPr id="10" name="図 9" descr="傘 が含まれている画像&#10;&#10;自動的に生成された説明">
+            <a:extLst>
+              <a:ext uri="{FF2B5EF4-FFF2-40B4-BE49-F238E27FC236}">
+                <a16:creationId xmlns:a16="http://schemas.microsoft.com/office/drawing/2014/main" id="{A84F2182-5456-3500-16D2-0A1705A2810D}"/>
               </a:ext>
             </a:extLst>
           </p:cNvPr>
@@ -15368,7 +15442,7 @@
           <p:nvPr/>
         </p:nvPicPr>
         <p:blipFill>
-          <a:blip r:embed="rId14">
+          <a:blip r:embed="rId12">
             <a:extLst>
               <a:ext uri="{28A0092B-C50C-407E-A947-70E740481C1C}">
                 <a14:useLocalDpi xmlns:a14="http://schemas.microsoft.com/office/drawing/2010/main" val="0"/>
@@ -15381,8 +15455,8 @@
         </p:blipFill>
         <p:spPr>
           <a:xfrm>
-            <a:off x="563332" y="7439891"/>
-            <a:ext cx="1735662" cy="2394259"/>
+            <a:off x="6394157" y="4626019"/>
+            <a:ext cx="2394259" cy="2394259"/>
           </a:xfrm>
           <a:prstGeom prst="rect">
             <a:avLst/>
@@ -15391,10 +15465,10 @@
       </p:pic>
       <p:pic>
         <p:nvPicPr>
-          <p:cNvPr id="53" name="図 52">
-            <a:extLst>
-              <a:ext uri="{FF2B5EF4-FFF2-40B4-BE49-F238E27FC236}">
-                <a16:creationId xmlns:a16="http://schemas.microsoft.com/office/drawing/2014/main" id="{9796678F-36C7-67C7-B42F-90F30A1D65D7}"/>
+          <p:cNvPr id="13" name="図 12" descr="スポーツゲーム, ペア, バッグ が含まれている画像&#10;&#10;自動的に生成された説明">
+            <a:extLst>
+              <a:ext uri="{FF2B5EF4-FFF2-40B4-BE49-F238E27FC236}">
+                <a16:creationId xmlns:a16="http://schemas.microsoft.com/office/drawing/2014/main" id="{AF1A759E-CEAD-17EE-3B91-831B1A377525}"/>
               </a:ext>
             </a:extLst>
           </p:cNvPr>
@@ -15404,7 +15478,7 @@
           <p:nvPr/>
         </p:nvPicPr>
         <p:blipFill>
-          <a:blip r:embed="rId15">
+          <a:blip r:embed="rId13">
             <a:extLst>
               <a:ext uri="{28A0092B-C50C-407E-A947-70E740481C1C}">
                 <a14:useLocalDpi xmlns:a14="http://schemas.microsoft.com/office/drawing/2010/main" val="0"/>
@@ -15417,8 +15491,8 @@
         </p:blipFill>
         <p:spPr>
           <a:xfrm>
-            <a:off x="3725907" y="7508977"/>
-            <a:ext cx="1832427" cy="2223229"/>
+            <a:off x="317884" y="7502386"/>
+            <a:ext cx="2414799" cy="2211447"/>
           </a:xfrm>
           <a:prstGeom prst="rect">
             <a:avLst/>
@@ -15427,10 +15501,10 @@
       </p:pic>
       <p:pic>
         <p:nvPicPr>
-          <p:cNvPr id="54" name="図 53" descr="女性, 立つ が含まれている画像&#10;&#10;自動的に生成された説明">
-            <a:extLst>
-              <a:ext uri="{FF2B5EF4-FFF2-40B4-BE49-F238E27FC236}">
-                <a16:creationId xmlns:a16="http://schemas.microsoft.com/office/drawing/2014/main" id="{91B395ED-5D7A-6B89-34A3-6F94B745A393}"/>
+          <p:cNvPr id="16" name="図 15" descr="ダイアグラム が含まれている画像&#10;&#10;自動的に生成された説明">
+            <a:extLst>
+              <a:ext uri="{FF2B5EF4-FFF2-40B4-BE49-F238E27FC236}">
+                <a16:creationId xmlns:a16="http://schemas.microsoft.com/office/drawing/2014/main" id="{F123EC63-24C9-4CD1-5E78-09F53C6A6F90}"/>
               </a:ext>
             </a:extLst>
           </p:cNvPr>
@@ -15440,7 +15514,7 @@
           <p:nvPr/>
         </p:nvPicPr>
         <p:blipFill>
-          <a:blip r:embed="rId16">
+          <a:blip r:embed="rId14">
             <a:extLst>
               <a:ext uri="{28A0092B-C50C-407E-A947-70E740481C1C}">
                 <a14:useLocalDpi xmlns:a14="http://schemas.microsoft.com/office/drawing/2010/main" val="0"/>
@@ -15453,8 +15527,8 @@
         </p:blipFill>
         <p:spPr>
           <a:xfrm>
-            <a:off x="6458978" y="7429305"/>
-            <a:ext cx="2271602" cy="2404113"/>
+            <a:off x="6585892" y="7757558"/>
+            <a:ext cx="1955270" cy="1783420"/>
           </a:xfrm>
           <a:prstGeom prst="rect">
             <a:avLst/>
@@ -15513,94 +15587,6 @@
           </a:p>
         </p:txBody>
       </p:sp>
-      <p:sp>
-        <p:nvSpPr>
-          <p:cNvPr id="56" name="テキスト ボックス 55">
-            <a:extLst>
-              <a:ext uri="{FF2B5EF4-FFF2-40B4-BE49-F238E27FC236}">
-                <a16:creationId xmlns:a16="http://schemas.microsoft.com/office/drawing/2014/main" id="{4CFFBC51-DCA0-892F-314B-ECE1F9006C95}"/>
-              </a:ext>
-            </a:extLst>
-          </p:cNvPr>
-          <p:cNvSpPr txBox="1"/>
-          <p:nvPr/>
-        </p:nvSpPr>
-        <p:spPr>
-          <a:xfrm>
-            <a:off x="2920730" y="10074549"/>
-            <a:ext cx="4133811" cy="369332"/>
-          </a:xfrm>
-          <a:prstGeom prst="rect">
-            <a:avLst/>
-          </a:prstGeom>
-          <a:noFill/>
-        </p:spPr>
-        <p:txBody>
-          <a:bodyPr wrap="square" rtlCol="0">
-            <a:spAutoFit/>
-          </a:bodyPr>
-          <a:lstStyle/>
-          <a:p>
-            <a:r>
-              <a:rPr kumimoji="1" lang="ja-JP" altLang="en-US" dirty="0">
-                <a:solidFill>
-                  <a:schemeClr val="bg1"/>
-                </a:solidFill>
-              </a:rPr>
-              <a:t>＠</a:t>
-            </a:r>
-            <a:r>
-              <a:rPr kumimoji="1" lang="en-US" altLang="ja-JP" dirty="0">
-                <a:solidFill>
-                  <a:schemeClr val="bg1"/>
-                </a:solidFill>
-              </a:rPr>
-              <a:t>2022 CCC All Rights Reserved </a:t>
-            </a:r>
-            <a:endParaRPr kumimoji="1" lang="ja-JP" altLang="en-US" dirty="0">
-              <a:solidFill>
-                <a:schemeClr val="bg1"/>
-              </a:solidFill>
-            </a:endParaRPr>
-          </a:p>
-        </p:txBody>
-      </p:sp>
-      <p:pic>
-        <p:nvPicPr>
-          <p:cNvPr id="58" name="図 57" descr="ロゴ が含まれている画像&#10;&#10;自動的に生成された説明">
-            <a:extLst>
-              <a:ext uri="{FF2B5EF4-FFF2-40B4-BE49-F238E27FC236}">
-                <a16:creationId xmlns:a16="http://schemas.microsoft.com/office/drawing/2014/main" id="{E46BFC16-9576-0F60-9190-2D1B2E40ACFF}"/>
-              </a:ext>
-            </a:extLst>
-          </p:cNvPr>
-          <p:cNvPicPr>
-            <a:picLocks noChangeAspect="1"/>
-          </p:cNvPicPr>
-          <p:nvPr/>
-        </p:nvPicPr>
-        <p:blipFill>
-          <a:blip r:embed="rId17">
-            <a:extLst>
-              <a:ext uri="{28A0092B-C50C-407E-A947-70E740481C1C}">
-                <a14:useLocalDpi xmlns:a14="http://schemas.microsoft.com/office/drawing/2010/main" val="0"/>
-              </a:ext>
-            </a:extLst>
-          </a:blip>
-          <a:stretch>
-            <a:fillRect/>
-          </a:stretch>
-        </p:blipFill>
-        <p:spPr>
-          <a:xfrm>
-            <a:off x="2408303" y="-237"/>
-            <a:ext cx="4467634" cy="1612569"/>
-          </a:xfrm>
-          <a:prstGeom prst="rect">
-            <a:avLst/>
-          </a:prstGeom>
-        </p:spPr>
-      </p:pic>
     </p:spTree>
     <p:extLst>
       <p:ext uri="{BB962C8B-B14F-4D97-AF65-F5344CB8AC3E}">
@@ -17504,7 +17490,7 @@
                 <a:latin typeface="HGPｺﾞｼｯｸM" panose="020B0600000000000000" pitchFamily="50" charset="-128"/>
                 <a:ea typeface="HGPｺﾞｼｯｸM" panose="020B0600000000000000" pitchFamily="50" charset="-128"/>
               </a:rPr>
-              <a:t>ブランド</a:t>
+              <a:t>選択なし</a:t>
             </a:r>
           </a:p>
         </p:txBody>
@@ -18746,10 +18732,10 @@
       </p:sp>
       <p:sp>
         <p:nvSpPr>
-          <p:cNvPr id="7" name="正方形/長方形 6">
-            <a:extLst>
-              <a:ext uri="{FF2B5EF4-FFF2-40B4-BE49-F238E27FC236}">
-                <a16:creationId xmlns:a16="http://schemas.microsoft.com/office/drawing/2014/main" id="{940B2C5E-82CB-8692-13C3-BB6361922D41}"/>
+          <p:cNvPr id="23" name="正方形/長方形 22">
+            <a:extLst>
+              <a:ext uri="{FF2B5EF4-FFF2-40B4-BE49-F238E27FC236}">
+                <a16:creationId xmlns:a16="http://schemas.microsoft.com/office/drawing/2014/main" id="{0376425B-CEB0-A62A-BCB5-80EBA6ED5488}"/>
               </a:ext>
             </a:extLst>
           </p:cNvPr>
@@ -18758,8 +18744,8 @@
         </p:nvSpPr>
         <p:spPr>
           <a:xfrm>
-            <a:off x="6127516" y="3726678"/>
-            <a:ext cx="2872022" cy="2700858"/>
+            <a:off x="-18768" y="3736003"/>
+            <a:ext cx="2872022" cy="2711864"/>
           </a:xfrm>
           <a:prstGeom prst="rect">
             <a:avLst/>
@@ -18788,100 +18774,12 @@
           </a:p>
         </p:txBody>
       </p:sp>
-      <p:sp>
-        <p:nvSpPr>
-          <p:cNvPr id="22" name="正方形/長方形 21">
-            <a:extLst>
-              <a:ext uri="{FF2B5EF4-FFF2-40B4-BE49-F238E27FC236}">
-                <a16:creationId xmlns:a16="http://schemas.microsoft.com/office/drawing/2014/main" id="{14C40024-C608-51F7-D9A9-FEB0C63D0BA6}"/>
-              </a:ext>
-            </a:extLst>
-          </p:cNvPr>
-          <p:cNvSpPr/>
-          <p:nvPr/>
-        </p:nvSpPr>
-        <p:spPr>
-          <a:xfrm>
-            <a:off x="3085820" y="3731954"/>
-            <a:ext cx="2872022" cy="2711864"/>
-          </a:xfrm>
-          <a:prstGeom prst="rect">
-            <a:avLst/>
-          </a:prstGeom>
-        </p:spPr>
-        <p:style>
-          <a:lnRef idx="2">
-            <a:schemeClr val="dk1"/>
-          </a:lnRef>
-          <a:fillRef idx="1">
-            <a:schemeClr val="lt1"/>
-          </a:fillRef>
-          <a:effectRef idx="0">
-            <a:schemeClr val="dk1"/>
-          </a:effectRef>
-          <a:fontRef idx="minor">
-            <a:schemeClr val="dk1"/>
-          </a:fontRef>
-        </p:style>
-        <p:txBody>
-          <a:bodyPr rtlCol="0" anchor="ctr"/>
-          <a:lstStyle/>
-          <a:p>
-            <a:pPr algn="ctr"/>
-            <a:endParaRPr kumimoji="1" lang="ja-JP" altLang="en-US"/>
-          </a:p>
-        </p:txBody>
-      </p:sp>
-      <p:sp>
-        <p:nvSpPr>
-          <p:cNvPr id="23" name="正方形/長方形 22">
-            <a:extLst>
-              <a:ext uri="{FF2B5EF4-FFF2-40B4-BE49-F238E27FC236}">
-                <a16:creationId xmlns:a16="http://schemas.microsoft.com/office/drawing/2014/main" id="{0376425B-CEB0-A62A-BCB5-80EBA6ED5488}"/>
-              </a:ext>
-            </a:extLst>
-          </p:cNvPr>
-          <p:cNvSpPr/>
-          <p:nvPr/>
-        </p:nvSpPr>
-        <p:spPr>
-          <a:xfrm>
-            <a:off x="-18768" y="3736003"/>
-            <a:ext cx="2872022" cy="2711864"/>
-          </a:xfrm>
-          <a:prstGeom prst="rect">
-            <a:avLst/>
-          </a:prstGeom>
-        </p:spPr>
-        <p:style>
-          <a:lnRef idx="2">
-            <a:schemeClr val="dk1"/>
-          </a:lnRef>
-          <a:fillRef idx="1">
-            <a:schemeClr val="lt1"/>
-          </a:fillRef>
-          <a:effectRef idx="0">
-            <a:schemeClr val="dk1"/>
-          </a:effectRef>
-          <a:fontRef idx="minor">
-            <a:schemeClr val="dk1"/>
-          </a:fontRef>
-        </p:style>
-        <p:txBody>
-          <a:bodyPr rtlCol="0" anchor="ctr"/>
-          <a:lstStyle/>
-          <a:p>
-            <a:pPr algn="ctr"/>
-            <a:endParaRPr kumimoji="1" lang="ja-JP" altLang="en-US"/>
-          </a:p>
-        </p:txBody>
-      </p:sp>
       <p:pic>
         <p:nvPicPr>
-          <p:cNvPr id="5" name="図 4" descr="ドレスを着た女性の絵&#10;&#10;中程度の精度で自動的に生成された説明">
-            <a:extLst>
-              <a:ext uri="{FF2B5EF4-FFF2-40B4-BE49-F238E27FC236}">
-                <a16:creationId xmlns:a16="http://schemas.microsoft.com/office/drawing/2014/main" id="{B8CF4B80-695F-1E4D-03DC-C4F932B8F0D2}"/>
+          <p:cNvPr id="34" name="図 33" descr="ロゴ が含まれている画像&#10;&#10;自動的に生成された説明">
+            <a:extLst>
+              <a:ext uri="{FF2B5EF4-FFF2-40B4-BE49-F238E27FC236}">
+                <a16:creationId xmlns:a16="http://schemas.microsoft.com/office/drawing/2014/main" id="{FF08228D-2555-30BF-D5EB-E2DE1D85EE19}"/>
               </a:ext>
             </a:extLst>
           </p:cNvPr>
@@ -18892,114 +18790,6 @@
         </p:nvPicPr>
         <p:blipFill>
           <a:blip r:embed="rId2">
-            <a:extLst>
-              <a:ext uri="{28A0092B-C50C-407E-A947-70E740481C1C}">
-                <a14:useLocalDpi xmlns:a14="http://schemas.microsoft.com/office/drawing/2010/main" val="0"/>
-              </a:ext>
-            </a:extLst>
-          </a:blip>
-          <a:stretch>
-            <a:fillRect/>
-          </a:stretch>
-        </p:blipFill>
-        <p:spPr>
-          <a:xfrm>
-            <a:off x="6328569" y="3747009"/>
-            <a:ext cx="2576945" cy="2576945"/>
-          </a:xfrm>
-          <a:prstGeom prst="rect">
-            <a:avLst/>
-          </a:prstGeom>
-        </p:spPr>
-      </p:pic>
-      <p:pic>
-        <p:nvPicPr>
-          <p:cNvPr id="8" name="図 7" descr="ドレスを着た女性の絵&#10;&#10;低い精度で自動的に生成された説明">
-            <a:extLst>
-              <a:ext uri="{FF2B5EF4-FFF2-40B4-BE49-F238E27FC236}">
-                <a16:creationId xmlns:a16="http://schemas.microsoft.com/office/drawing/2014/main" id="{C923F918-03DB-E1B0-92A9-6A9BD4A860B4}"/>
-              </a:ext>
-            </a:extLst>
-          </p:cNvPr>
-          <p:cNvPicPr>
-            <a:picLocks noChangeAspect="1"/>
-          </p:cNvPicPr>
-          <p:nvPr/>
-        </p:nvPicPr>
-        <p:blipFill>
-          <a:blip r:embed="rId3">
-            <a:extLst>
-              <a:ext uri="{28A0092B-C50C-407E-A947-70E740481C1C}">
-                <a14:useLocalDpi xmlns:a14="http://schemas.microsoft.com/office/drawing/2010/main" val="0"/>
-              </a:ext>
-            </a:extLst>
-          </a:blip>
-          <a:stretch>
-            <a:fillRect/>
-          </a:stretch>
-        </p:blipFill>
-        <p:spPr>
-          <a:xfrm>
-            <a:off x="3715682" y="3792808"/>
-            <a:ext cx="1750458" cy="2590156"/>
-          </a:xfrm>
-          <a:prstGeom prst="rect">
-            <a:avLst/>
-          </a:prstGeom>
-        </p:spPr>
-      </p:pic>
-      <p:pic>
-        <p:nvPicPr>
-          <p:cNvPr id="10" name="図 9" descr="ドレスを着た女性の絵&#10;&#10;低い精度で自動的に生成された説明">
-            <a:extLst>
-              <a:ext uri="{FF2B5EF4-FFF2-40B4-BE49-F238E27FC236}">
-                <a16:creationId xmlns:a16="http://schemas.microsoft.com/office/drawing/2014/main" id="{1FF5AAD1-5BFB-329E-4045-A922835A1C18}"/>
-              </a:ext>
-            </a:extLst>
-          </p:cNvPr>
-          <p:cNvPicPr>
-            <a:picLocks noChangeAspect="1"/>
-          </p:cNvPicPr>
-          <p:nvPr/>
-        </p:nvPicPr>
-        <p:blipFill>
-          <a:blip r:embed="rId4">
-            <a:extLst>
-              <a:ext uri="{28A0092B-C50C-407E-A947-70E740481C1C}">
-                <a14:useLocalDpi xmlns:a14="http://schemas.microsoft.com/office/drawing/2010/main" val="0"/>
-              </a:ext>
-            </a:extLst>
-          </a:blip>
-          <a:stretch>
-            <a:fillRect/>
-          </a:stretch>
-        </p:blipFill>
-        <p:spPr>
-          <a:xfrm>
-            <a:off x="534133" y="3817693"/>
-            <a:ext cx="1751468" cy="2581341"/>
-          </a:xfrm>
-          <a:prstGeom prst="rect">
-            <a:avLst/>
-          </a:prstGeom>
-        </p:spPr>
-      </p:pic>
-      <p:pic>
-        <p:nvPicPr>
-          <p:cNvPr id="34" name="図 33" descr="ロゴ が含まれている画像&#10;&#10;自動的に生成された説明">
-            <a:extLst>
-              <a:ext uri="{FF2B5EF4-FFF2-40B4-BE49-F238E27FC236}">
-                <a16:creationId xmlns:a16="http://schemas.microsoft.com/office/drawing/2014/main" id="{FF08228D-2555-30BF-D5EB-E2DE1D85EE19}"/>
-              </a:ext>
-            </a:extLst>
-          </p:cNvPr>
-          <p:cNvPicPr>
-            <a:picLocks noChangeAspect="1"/>
-          </p:cNvPicPr>
-          <p:nvPr/>
-        </p:nvPicPr>
-        <p:blipFill>
-          <a:blip r:embed="rId5">
             <a:extLst>
               <a:ext uri="{28A0092B-C50C-407E-A947-70E740481C1C}">
                 <a14:useLocalDpi xmlns:a14="http://schemas.microsoft.com/office/drawing/2010/main" val="0"/>
@@ -19106,60 +18896,7 @@
             <a:pPr algn="ctr"/>
             <a:r>
               <a:rPr kumimoji="1" lang="ja-JP" altLang="en-US" dirty="0"/>
-              <a:t>ビジネス</a:t>
-            </a:r>
-          </a:p>
-        </p:txBody>
-      </p:sp>
-      <p:sp>
-        <p:nvSpPr>
-          <p:cNvPr id="33" name="正方形/長方形 32">
-            <a:extLst>
-              <a:ext uri="{FF2B5EF4-FFF2-40B4-BE49-F238E27FC236}">
-                <a16:creationId xmlns:a16="http://schemas.microsoft.com/office/drawing/2014/main" id="{C68F1872-E7CC-5C92-19FD-E792B72D100A}"/>
-              </a:ext>
-            </a:extLst>
-          </p:cNvPr>
-          <p:cNvSpPr/>
-          <p:nvPr/>
-        </p:nvSpPr>
-        <p:spPr>
-          <a:xfrm>
-            <a:off x="2288014" y="3072788"/>
-            <a:ext cx="1288473" cy="453594"/>
-          </a:xfrm>
-          <a:prstGeom prst="rect">
-            <a:avLst/>
-          </a:prstGeom>
-          <a:solidFill>
-            <a:schemeClr val="accent3"/>
-          </a:solidFill>
-          <a:ln>
-            <a:noFill/>
-          </a:ln>
-        </p:spPr>
-        <p:style>
-          <a:lnRef idx="0">
-            <a:scrgbClr r="0" g="0" b="0"/>
-          </a:lnRef>
-          <a:fillRef idx="0">
-            <a:scrgbClr r="0" g="0" b="0"/>
-          </a:fillRef>
-          <a:effectRef idx="0">
-            <a:scrgbClr r="0" g="0" b="0"/>
-          </a:effectRef>
-          <a:fontRef idx="minor">
-            <a:schemeClr val="lt1"/>
-          </a:fontRef>
-        </p:style>
-        <p:txBody>
-          <a:bodyPr rtlCol="0" anchor="ctr"/>
-          <a:lstStyle/>
-          <a:p>
-            <a:pPr algn="ctr"/>
-            <a:r>
-              <a:rPr kumimoji="1" lang="ja-JP" altLang="en-US" dirty="0"/>
-              <a:t>春</a:t>
+              <a:t>トップス</a:t>
             </a:r>
           </a:p>
         </p:txBody>
@@ -19240,6 +18977,122 @@
           </a:p>
         </p:txBody>
       </p:sp>
+      <p:sp>
+        <p:nvSpPr>
+          <p:cNvPr id="24" name="正方形/長方形 23">
+            <a:extLst>
+              <a:ext uri="{FF2B5EF4-FFF2-40B4-BE49-F238E27FC236}">
+                <a16:creationId xmlns:a16="http://schemas.microsoft.com/office/drawing/2014/main" id="{AFCC73C8-4218-8E48-52E9-EF223A6B5A3E}"/>
+              </a:ext>
+            </a:extLst>
+          </p:cNvPr>
+          <p:cNvSpPr/>
+          <p:nvPr/>
+        </p:nvSpPr>
+        <p:spPr>
+          <a:xfrm>
+            <a:off x="3331926" y="3762041"/>
+            <a:ext cx="2872022" cy="2711864"/>
+          </a:xfrm>
+          <a:prstGeom prst="rect">
+            <a:avLst/>
+          </a:prstGeom>
+        </p:spPr>
+        <p:style>
+          <a:lnRef idx="2">
+            <a:schemeClr val="dk1"/>
+          </a:lnRef>
+          <a:fillRef idx="1">
+            <a:schemeClr val="lt1"/>
+          </a:fillRef>
+          <a:effectRef idx="0">
+            <a:schemeClr val="dk1"/>
+          </a:effectRef>
+          <a:fontRef idx="minor">
+            <a:schemeClr val="dk1"/>
+          </a:fontRef>
+        </p:style>
+        <p:txBody>
+          <a:bodyPr rtlCol="0" anchor="ctr"/>
+          <a:lstStyle/>
+          <a:p>
+            <a:pPr algn="ctr"/>
+            <a:endParaRPr kumimoji="1" lang="ja-JP" altLang="en-US"/>
+          </a:p>
+        </p:txBody>
+      </p:sp>
+      <p:pic>
+        <p:nvPicPr>
+          <p:cNvPr id="21" name="図 20" descr="ダイアグラム が含まれている画像&#10;&#10;自動的に生成された説明">
+            <a:extLst>
+              <a:ext uri="{FF2B5EF4-FFF2-40B4-BE49-F238E27FC236}">
+                <a16:creationId xmlns:a16="http://schemas.microsoft.com/office/drawing/2014/main" id="{CF9264B7-B4FD-D3CD-0FD9-1FE158252B00}"/>
+              </a:ext>
+            </a:extLst>
+          </p:cNvPr>
+          <p:cNvPicPr>
+            <a:picLocks noChangeAspect="1"/>
+          </p:cNvPicPr>
+          <p:nvPr/>
+        </p:nvPicPr>
+        <p:blipFill>
+          <a:blip r:embed="rId3">
+            <a:extLst>
+              <a:ext uri="{28A0092B-C50C-407E-A947-70E740481C1C}">
+                <a14:useLocalDpi xmlns:a14="http://schemas.microsoft.com/office/drawing/2010/main" val="0"/>
+              </a:ext>
+            </a:extLst>
+          </a:blip>
+          <a:stretch>
+            <a:fillRect/>
+          </a:stretch>
+        </p:blipFill>
+        <p:spPr>
+          <a:xfrm>
+            <a:off x="3790302" y="4200225"/>
+            <a:ext cx="1955270" cy="1783420"/>
+          </a:xfrm>
+          <a:prstGeom prst="rect">
+            <a:avLst/>
+          </a:prstGeom>
+        </p:spPr>
+      </p:pic>
+      <p:pic>
+        <p:nvPicPr>
+          <p:cNvPr id="25" name="図 24">
+            <a:extLst>
+              <a:ext uri="{FF2B5EF4-FFF2-40B4-BE49-F238E27FC236}">
+                <a16:creationId xmlns:a16="http://schemas.microsoft.com/office/drawing/2014/main" id="{CA1AD492-EC63-6B2D-AF06-EAC1A5ECA260}"/>
+              </a:ext>
+            </a:extLst>
+          </p:cNvPr>
+          <p:cNvPicPr>
+            <a:picLocks noChangeAspect="1"/>
+          </p:cNvPicPr>
+          <p:nvPr/>
+        </p:nvPicPr>
+        <p:blipFill>
+          <a:blip r:embed="rId4">
+            <a:extLst>
+              <a:ext uri="{28A0092B-C50C-407E-A947-70E740481C1C}">
+                <a14:useLocalDpi xmlns:a14="http://schemas.microsoft.com/office/drawing/2010/main" val="0"/>
+              </a:ext>
+            </a:extLst>
+          </a:blip>
+          <a:stretch>
+            <a:fillRect/>
+          </a:stretch>
+        </p:blipFill>
+        <p:spPr>
+          <a:xfrm>
+            <a:off x="179071" y="3780568"/>
+            <a:ext cx="2622734" cy="2622734"/>
+          </a:xfrm>
+          <a:prstGeom prst="rect">
+            <a:avLst/>
+          </a:prstGeom>
+        </p:spPr>
+      </p:pic>
     </p:spTree>
     <p:extLst>
       <p:ext uri="{BB962C8B-B14F-4D97-AF65-F5344CB8AC3E}">

--- a/doc/デザイン.pptx
+++ b/doc/デザイン.pptx
@@ -18724,8 +18724,12 @@
           <a:lstStyle/>
           <a:p>
             <a:r>
+              <a:rPr kumimoji="1" lang="ja-JP" altLang="en-US"/>
+              <a:t>アイテム検索</a:t>
+            </a:r>
+            <a:r>
               <a:rPr kumimoji="1" lang="ja-JP" altLang="en-US" dirty="0"/>
-              <a:t>コーディネート検索結果</a:t>
+              <a:t>結果</a:t>
             </a:r>
           </a:p>
         </p:txBody>

--- a/doc/デザイン.pptx
+++ b/doc/デザイン.pptx
@@ -5252,6 +5252,54 @@
           </a:prstGeom>
         </p:spPr>
       </p:pic>
+      <p:sp>
+        <p:nvSpPr>
+          <p:cNvPr id="30" name="四角形: 角を丸くする 29">
+            <a:extLst>
+              <a:ext uri="{FF2B5EF4-FFF2-40B4-BE49-F238E27FC236}">
+                <a16:creationId xmlns:a16="http://schemas.microsoft.com/office/drawing/2014/main" id="{7E011401-360C-402F-3D0D-2D15F49702EA}"/>
+              </a:ext>
+            </a:extLst>
+          </p:cNvPr>
+          <p:cNvSpPr/>
+          <p:nvPr/>
+        </p:nvSpPr>
+        <p:spPr>
+          <a:xfrm>
+            <a:off x="1038620" y="9643002"/>
+            <a:ext cx="207818" cy="187036"/>
+          </a:xfrm>
+          <a:prstGeom prst="roundRect">
+            <a:avLst/>
+          </a:prstGeom>
+        </p:spPr>
+        <p:style>
+          <a:lnRef idx="1">
+            <a:schemeClr val="accent3"/>
+          </a:lnRef>
+          <a:fillRef idx="2">
+            <a:schemeClr val="accent3"/>
+          </a:fillRef>
+          <a:effectRef idx="1">
+            <a:schemeClr val="accent3"/>
+          </a:effectRef>
+          <a:fontRef idx="minor">
+            <a:schemeClr val="dk1"/>
+          </a:fontRef>
+        </p:style>
+        <p:txBody>
+          <a:bodyPr rtlCol="0" anchor="ctr"/>
+          <a:lstStyle/>
+          <a:p>
+            <a:pPr algn="ctr"/>
+            <a:r>
+              <a:rPr kumimoji="1" lang="en-US" altLang="ja-JP" dirty="0"/>
+              <a:t>+</a:t>
+            </a:r>
+            <a:endParaRPr kumimoji="1" lang="ja-JP" altLang="en-US" dirty="0"/>
+          </a:p>
+        </p:txBody>
+      </p:sp>
     </p:spTree>
     <p:extLst>
       <p:ext uri="{BB962C8B-B14F-4D97-AF65-F5344CB8AC3E}">
@@ -6040,15 +6088,19 @@
           <a:bodyPr rtlCol="0" anchor="ctr"/>
           <a:lstStyle/>
           <a:p>
-            <a:pPr algn="ctr"/>
-            <a:r>
-              <a:rPr kumimoji="1" lang="ja-JP" altLang="en-US" dirty="0">
+            <a:r>
+              <a:rPr kumimoji="1" lang="en-US" altLang="ja-JP" dirty="0">
                 <a:solidFill>
-                  <a:schemeClr val="accent3"/>
+                  <a:schemeClr val="tx1"/>
                 </a:solidFill>
               </a:rPr>
-              <a:t>ブランドを入力してください</a:t>
-            </a:r>
+              <a:t>ABC</a:t>
+            </a:r>
+            <a:endParaRPr kumimoji="1" lang="ja-JP" altLang="en-US" dirty="0">
+              <a:solidFill>
+                <a:schemeClr val="tx1"/>
+              </a:solidFill>
+            </a:endParaRPr>
           </a:p>
         </p:txBody>
       </p:sp>
@@ -6096,15 +6148,19 @@
           <a:bodyPr rtlCol="0" anchor="ctr"/>
           <a:lstStyle/>
           <a:p>
-            <a:pPr algn="ctr"/>
-            <a:r>
-              <a:rPr kumimoji="1" lang="ja-JP" altLang="en-US" dirty="0">
+            <a:r>
+              <a:rPr kumimoji="1" lang="en-US" altLang="ja-JP" dirty="0">
                 <a:solidFill>
-                  <a:schemeClr val="accent3"/>
+                  <a:schemeClr val="tx1"/>
                 </a:solidFill>
               </a:rPr>
-              <a:t>サイズを入力してください</a:t>
-            </a:r>
+              <a:t>M</a:t>
+            </a:r>
+            <a:endParaRPr kumimoji="1" lang="ja-JP" altLang="en-US" dirty="0">
+              <a:solidFill>
+                <a:schemeClr val="tx1"/>
+              </a:solidFill>
+            </a:endParaRPr>
           </a:p>
         </p:txBody>
       </p:sp>
@@ -6663,8 +6719,8 @@
         </p:nvSpPr>
         <p:spPr>
           <a:xfrm>
-            <a:off x="1618200" y="6362934"/>
-            <a:ext cx="1799902" cy="369332"/>
+            <a:off x="1618199" y="6362934"/>
+            <a:ext cx="1391097" cy="369332"/>
           </a:xfrm>
           <a:prstGeom prst="rect">
             <a:avLst/>
@@ -6681,11 +6737,6 @@
               <a:rPr kumimoji="1" lang="ja-JP" altLang="en-US" dirty="0"/>
               <a:t>ブランド：</a:t>
             </a:r>
-            <a:r>
-              <a:rPr kumimoji="1" lang="en-US" altLang="ja-JP" dirty="0"/>
-              <a:t>ABC</a:t>
-            </a:r>
-            <a:endParaRPr kumimoji="1" lang="ja-JP" altLang="en-US" dirty="0"/>
           </a:p>
         </p:txBody>
       </p:sp>
@@ -6721,11 +6772,6 @@
               <a:rPr kumimoji="1" lang="ja-JP" altLang="en-US" dirty="0"/>
               <a:t>サイズ：</a:t>
             </a:r>
-            <a:r>
-              <a:rPr kumimoji="1" lang="en-US" altLang="ja-JP" dirty="0"/>
-              <a:t>M</a:t>
-            </a:r>
-            <a:endParaRPr kumimoji="1" lang="ja-JP" altLang="en-US" dirty="0"/>
           </a:p>
         </p:txBody>
       </p:sp>
@@ -7055,6 +7101,116 @@
           </a:fontRef>
         </p:style>
       </p:cxnSp>
+      <p:sp>
+        <p:nvSpPr>
+          <p:cNvPr id="24" name="正方形/長方形 23">
+            <a:extLst>
+              <a:ext uri="{FF2B5EF4-FFF2-40B4-BE49-F238E27FC236}">
+                <a16:creationId xmlns:a16="http://schemas.microsoft.com/office/drawing/2014/main" id="{7FE22EFD-BE08-90FF-408E-D5EF09FF3495}"/>
+              </a:ext>
+            </a:extLst>
+          </p:cNvPr>
+          <p:cNvSpPr/>
+          <p:nvPr/>
+        </p:nvSpPr>
+        <p:spPr>
+          <a:xfrm>
+            <a:off x="2957846" y="6329300"/>
+            <a:ext cx="3214353" cy="321054"/>
+          </a:xfrm>
+          <a:prstGeom prst="rect">
+            <a:avLst/>
+          </a:prstGeom>
+          <a:effectLst>
+            <a:innerShdw blurRad="114300">
+              <a:prstClr val="black"/>
+            </a:innerShdw>
+          </a:effectLst>
+        </p:spPr>
+        <p:style>
+          <a:lnRef idx="2">
+            <a:schemeClr val="accent3"/>
+          </a:lnRef>
+          <a:fillRef idx="1">
+            <a:schemeClr val="lt1"/>
+          </a:fillRef>
+          <a:effectRef idx="0">
+            <a:schemeClr val="accent3"/>
+          </a:effectRef>
+          <a:fontRef idx="minor">
+            <a:schemeClr val="dk1"/>
+          </a:fontRef>
+        </p:style>
+        <p:txBody>
+          <a:bodyPr rtlCol="0" anchor="ctr"/>
+          <a:lstStyle/>
+          <a:p>
+            <a:r>
+              <a:rPr kumimoji="1" lang="ja-JP" altLang="en-US" dirty="0">
+                <a:solidFill>
+                  <a:schemeClr val="accent3"/>
+                </a:solidFill>
+              </a:rPr>
+              <a:t>ブランドを入力してください</a:t>
+            </a:r>
+          </a:p>
+        </p:txBody>
+      </p:sp>
+      <p:sp>
+        <p:nvSpPr>
+          <p:cNvPr id="28" name="正方形/長方形 27">
+            <a:extLst>
+              <a:ext uri="{FF2B5EF4-FFF2-40B4-BE49-F238E27FC236}">
+                <a16:creationId xmlns:a16="http://schemas.microsoft.com/office/drawing/2014/main" id="{F4D1FD48-8DA0-FBC9-37E2-DA32FF7C4F1E}"/>
+              </a:ext>
+            </a:extLst>
+          </p:cNvPr>
+          <p:cNvSpPr/>
+          <p:nvPr/>
+        </p:nvSpPr>
+        <p:spPr>
+          <a:xfrm>
+            <a:off x="2602570" y="6751707"/>
+            <a:ext cx="3214353" cy="321054"/>
+          </a:xfrm>
+          <a:prstGeom prst="rect">
+            <a:avLst/>
+          </a:prstGeom>
+          <a:effectLst>
+            <a:innerShdw blurRad="114300">
+              <a:prstClr val="black"/>
+            </a:innerShdw>
+          </a:effectLst>
+        </p:spPr>
+        <p:style>
+          <a:lnRef idx="2">
+            <a:schemeClr val="accent3"/>
+          </a:lnRef>
+          <a:fillRef idx="1">
+            <a:schemeClr val="lt1"/>
+          </a:fillRef>
+          <a:effectRef idx="0">
+            <a:schemeClr val="accent3"/>
+          </a:effectRef>
+          <a:fontRef idx="minor">
+            <a:schemeClr val="dk1"/>
+          </a:fontRef>
+        </p:style>
+        <p:txBody>
+          <a:bodyPr rtlCol="0" anchor="ctr"/>
+          <a:lstStyle/>
+          <a:p>
+            <a:r>
+              <a:rPr kumimoji="1" lang="ja-JP" altLang="en-US" dirty="0">
+                <a:solidFill>
+                  <a:schemeClr val="accent3"/>
+                </a:solidFill>
+              </a:rPr>
+              <a:t>サイズを入力してください</a:t>
+            </a:r>
+          </a:p>
+        </p:txBody>
+      </p:sp>
     </p:spTree>
     <p:extLst>
       <p:ext uri="{BB962C8B-B14F-4D97-AF65-F5344CB8AC3E}">

--- a/doc/デザイン.pptx
+++ b/doc/デザイン.pptx
@@ -5,7 +5,7 @@
     <p:sldMasterId id="2147483684" r:id="rId1"/>
   </p:sldMasterIdLst>
   <p:notesMasterIdLst>
-    <p:notesMasterId r:id="rId18"/>
+    <p:notesMasterId r:id="rId20"/>
   </p:notesMasterIdLst>
   <p:sldIdLst>
     <p:sldId id="263" r:id="rId2"/>
@@ -22,8 +22,10 @@
     <p:sldId id="260" r:id="rId13"/>
     <p:sldId id="265" r:id="rId14"/>
     <p:sldId id="261" r:id="rId15"/>
-    <p:sldId id="262" r:id="rId16"/>
-    <p:sldId id="269" r:id="rId17"/>
+    <p:sldId id="274" r:id="rId16"/>
+    <p:sldId id="262" r:id="rId17"/>
+    <p:sldId id="275" r:id="rId18"/>
+    <p:sldId id="269" r:id="rId19"/>
   </p:sldIdLst>
   <p:sldSz cx="8999538" cy="10799763"/>
   <p:notesSz cx="6858000" cy="9144000"/>
@@ -10820,6 +10822,517 @@
           <a:chExt cx="0" cy="0"/>
         </a:xfrm>
       </p:grpSpPr>
+      <p:cxnSp>
+        <p:nvCxnSpPr>
+          <p:cNvPr id="32" name="直線コネクタ 31">
+            <a:extLst>
+              <a:ext uri="{FF2B5EF4-FFF2-40B4-BE49-F238E27FC236}">
+                <a16:creationId xmlns:a16="http://schemas.microsoft.com/office/drawing/2014/main" id="{76AAD5FF-E3A5-EB37-699E-02B851D90469}"/>
+              </a:ext>
+            </a:extLst>
+          </p:cNvPr>
+          <p:cNvCxnSpPr/>
+          <p:nvPr/>
+        </p:nvCxnSpPr>
+        <p:spPr>
+          <a:xfrm>
+            <a:off x="0" y="1558636"/>
+            <a:ext cx="8999538" cy="0"/>
+          </a:xfrm>
+          <a:prstGeom prst="line">
+            <a:avLst/>
+          </a:prstGeom>
+        </p:spPr>
+        <p:style>
+          <a:lnRef idx="1">
+            <a:schemeClr val="dk1"/>
+          </a:lnRef>
+          <a:fillRef idx="0">
+            <a:schemeClr val="dk1"/>
+          </a:fillRef>
+          <a:effectRef idx="0">
+            <a:schemeClr val="dk1"/>
+          </a:effectRef>
+          <a:fontRef idx="minor">
+            <a:schemeClr val="tx1"/>
+          </a:fontRef>
+        </p:style>
+      </p:cxnSp>
+      <p:sp>
+        <p:nvSpPr>
+          <p:cNvPr id="38" name="太陽 37">
+            <a:extLst>
+              <a:ext uri="{FF2B5EF4-FFF2-40B4-BE49-F238E27FC236}">
+                <a16:creationId xmlns:a16="http://schemas.microsoft.com/office/drawing/2014/main" id="{E85D0F8E-1F7E-F9CD-FB2A-608F88DBCF33}"/>
+              </a:ext>
+            </a:extLst>
+          </p:cNvPr>
+          <p:cNvSpPr/>
+          <p:nvPr/>
+        </p:nvSpPr>
+        <p:spPr>
+          <a:xfrm>
+            <a:off x="7617042" y="826686"/>
+            <a:ext cx="509660" cy="457199"/>
+          </a:xfrm>
+          <a:prstGeom prst="sun">
+            <a:avLst/>
+          </a:prstGeom>
+        </p:spPr>
+        <p:style>
+          <a:lnRef idx="2">
+            <a:schemeClr val="dk1"/>
+          </a:lnRef>
+          <a:fillRef idx="1">
+            <a:schemeClr val="lt1"/>
+          </a:fillRef>
+          <a:effectRef idx="0">
+            <a:schemeClr val="dk1"/>
+          </a:effectRef>
+          <a:fontRef idx="minor">
+            <a:schemeClr val="dk1"/>
+          </a:fontRef>
+        </p:style>
+        <p:txBody>
+          <a:bodyPr rtlCol="0" anchor="ctr"/>
+          <a:lstStyle/>
+          <a:p>
+            <a:pPr algn="ctr"/>
+            <a:endParaRPr kumimoji="1" lang="ja-JP" altLang="en-US"/>
+          </a:p>
+        </p:txBody>
+      </p:sp>
+      <p:sp>
+        <p:nvSpPr>
+          <p:cNvPr id="39" name="テキスト ボックス 38">
+            <a:extLst>
+              <a:ext uri="{FF2B5EF4-FFF2-40B4-BE49-F238E27FC236}">
+                <a16:creationId xmlns:a16="http://schemas.microsoft.com/office/drawing/2014/main" id="{C79CDC0E-C0FA-1C31-BB6A-26B12B6429B8}"/>
+              </a:ext>
+            </a:extLst>
+          </p:cNvPr>
+          <p:cNvSpPr txBox="1"/>
+          <p:nvPr/>
+        </p:nvSpPr>
+        <p:spPr>
+          <a:xfrm>
+            <a:off x="8126702" y="889034"/>
+            <a:ext cx="436418" cy="369332"/>
+          </a:xfrm>
+          <a:prstGeom prst="rect">
+            <a:avLst/>
+          </a:prstGeom>
+          <a:noFill/>
+        </p:spPr>
+        <p:txBody>
+          <a:bodyPr wrap="square" rtlCol="0">
+            <a:spAutoFit/>
+          </a:bodyPr>
+          <a:lstStyle/>
+          <a:p>
+            <a:r>
+              <a:rPr kumimoji="1" lang="en-US" altLang="ja-JP" dirty="0"/>
+              <a:t>/</a:t>
+            </a:r>
+            <a:endParaRPr kumimoji="1" lang="ja-JP" altLang="en-US" dirty="0"/>
+          </a:p>
+        </p:txBody>
+      </p:sp>
+      <p:sp>
+        <p:nvSpPr>
+          <p:cNvPr id="40" name="テキスト ボックス 39">
+            <a:extLst>
+              <a:ext uri="{FF2B5EF4-FFF2-40B4-BE49-F238E27FC236}">
+                <a16:creationId xmlns:a16="http://schemas.microsoft.com/office/drawing/2014/main" id="{3805D789-838E-C787-2AEC-0D4D5CD3952E}"/>
+              </a:ext>
+            </a:extLst>
+          </p:cNvPr>
+          <p:cNvSpPr txBox="1"/>
+          <p:nvPr/>
+        </p:nvSpPr>
+        <p:spPr>
+          <a:xfrm>
+            <a:off x="8240496" y="870619"/>
+            <a:ext cx="832284" cy="369332"/>
+          </a:xfrm>
+          <a:prstGeom prst="rect">
+            <a:avLst/>
+          </a:prstGeom>
+          <a:noFill/>
+        </p:spPr>
+        <p:txBody>
+          <a:bodyPr wrap="square" rtlCol="0">
+            <a:spAutoFit/>
+          </a:bodyPr>
+          <a:lstStyle/>
+          <a:p>
+            <a:r>
+              <a:rPr kumimoji="1" lang="en-US" altLang="ja-JP" dirty="0"/>
+              <a:t>50</a:t>
+            </a:r>
+            <a:r>
+              <a:rPr kumimoji="1" lang="ja-JP" altLang="en-US" dirty="0"/>
+              <a:t>％</a:t>
+            </a:r>
+          </a:p>
+        </p:txBody>
+      </p:sp>
+      <p:sp>
+        <p:nvSpPr>
+          <p:cNvPr id="50" name="正方形/長方形 49">
+            <a:extLst>
+              <a:ext uri="{FF2B5EF4-FFF2-40B4-BE49-F238E27FC236}">
+                <a16:creationId xmlns:a16="http://schemas.microsoft.com/office/drawing/2014/main" id="{5804D86F-64EB-1D8D-01F4-835390986837}"/>
+              </a:ext>
+            </a:extLst>
+          </p:cNvPr>
+          <p:cNvSpPr/>
+          <p:nvPr/>
+        </p:nvSpPr>
+        <p:spPr>
+          <a:xfrm>
+            <a:off x="0" y="9896860"/>
+            <a:ext cx="8999538" cy="902903"/>
+          </a:xfrm>
+          <a:prstGeom prst="rect">
+            <a:avLst/>
+          </a:prstGeom>
+          <a:solidFill>
+            <a:schemeClr val="tx2">
+              <a:lumMod val="40000"/>
+              <a:lumOff val="60000"/>
+            </a:schemeClr>
+          </a:solidFill>
+          <a:ln>
+            <a:solidFill>
+              <a:schemeClr val="tx2">
+                <a:lumMod val="40000"/>
+                <a:lumOff val="60000"/>
+              </a:schemeClr>
+            </a:solidFill>
+          </a:ln>
+        </p:spPr>
+        <p:style>
+          <a:lnRef idx="2">
+            <a:schemeClr val="dk1">
+              <a:shade val="50000"/>
+            </a:schemeClr>
+          </a:lnRef>
+          <a:fillRef idx="1">
+            <a:schemeClr val="dk1"/>
+          </a:fillRef>
+          <a:effectRef idx="0">
+            <a:schemeClr val="dk1"/>
+          </a:effectRef>
+          <a:fontRef idx="minor">
+            <a:schemeClr val="lt1"/>
+          </a:fontRef>
+        </p:style>
+        <p:txBody>
+          <a:bodyPr rtlCol="0" anchor="ctr"/>
+          <a:lstStyle/>
+          <a:p>
+            <a:pPr algn="ctr"/>
+            <a:endParaRPr kumimoji="1" lang="ja-JP" altLang="en-US"/>
+          </a:p>
+        </p:txBody>
+      </p:sp>
+      <p:sp>
+        <p:nvSpPr>
+          <p:cNvPr id="6" name="テキスト ボックス 5">
+            <a:extLst>
+              <a:ext uri="{FF2B5EF4-FFF2-40B4-BE49-F238E27FC236}">
+                <a16:creationId xmlns:a16="http://schemas.microsoft.com/office/drawing/2014/main" id="{B090A1A4-C8A4-FBBB-47F3-C3C56722DCE6}"/>
+              </a:ext>
+            </a:extLst>
+          </p:cNvPr>
+          <p:cNvSpPr txBox="1"/>
+          <p:nvPr/>
+        </p:nvSpPr>
+        <p:spPr>
+          <a:xfrm>
+            <a:off x="2920730" y="10074549"/>
+            <a:ext cx="4133811" cy="369332"/>
+          </a:xfrm>
+          <a:prstGeom prst="rect">
+            <a:avLst/>
+          </a:prstGeom>
+          <a:noFill/>
+        </p:spPr>
+        <p:txBody>
+          <a:bodyPr wrap="square" rtlCol="0">
+            <a:spAutoFit/>
+          </a:bodyPr>
+          <a:lstStyle/>
+          <a:p>
+            <a:r>
+              <a:rPr kumimoji="1" lang="ja-JP" altLang="en-US" dirty="0">
+                <a:solidFill>
+                  <a:schemeClr val="bg1"/>
+                </a:solidFill>
+              </a:rPr>
+              <a:t>＠</a:t>
+            </a:r>
+            <a:r>
+              <a:rPr kumimoji="1" lang="en-US" altLang="ja-JP" dirty="0">
+                <a:solidFill>
+                  <a:schemeClr val="bg1"/>
+                </a:solidFill>
+              </a:rPr>
+              <a:t>2022 CCC All Rights Reserved </a:t>
+            </a:r>
+            <a:endParaRPr kumimoji="1" lang="ja-JP" altLang="en-US" dirty="0">
+              <a:solidFill>
+                <a:schemeClr val="bg1"/>
+              </a:solidFill>
+            </a:endParaRPr>
+          </a:p>
+        </p:txBody>
+      </p:sp>
+      <p:pic>
+        <p:nvPicPr>
+          <p:cNvPr id="17" name="図 16" descr="ロゴ が含まれている画像&#10;&#10;自動的に生成された説明">
+            <a:extLst>
+              <a:ext uri="{FF2B5EF4-FFF2-40B4-BE49-F238E27FC236}">
+                <a16:creationId xmlns:a16="http://schemas.microsoft.com/office/drawing/2014/main" id="{D0CD6B6B-DD12-7976-81C5-C0F3CE88C8EA}"/>
+              </a:ext>
+            </a:extLst>
+          </p:cNvPr>
+          <p:cNvPicPr>
+            <a:picLocks noChangeAspect="1"/>
+          </p:cNvPicPr>
+          <p:nvPr/>
+        </p:nvPicPr>
+        <p:blipFill>
+          <a:blip r:embed="rId2">
+            <a:extLst>
+              <a:ext uri="{28A0092B-C50C-407E-A947-70E740481C1C}">
+                <a14:useLocalDpi xmlns:a14="http://schemas.microsoft.com/office/drawing/2010/main" val="0"/>
+              </a:ext>
+            </a:extLst>
+          </a:blip>
+          <a:stretch>
+            <a:fillRect/>
+          </a:stretch>
+        </p:blipFill>
+        <p:spPr>
+          <a:xfrm>
+            <a:off x="2288014" y="20401"/>
+            <a:ext cx="4467634" cy="1612569"/>
+          </a:xfrm>
+          <a:prstGeom prst="rect">
+            <a:avLst/>
+          </a:prstGeom>
+        </p:spPr>
+      </p:pic>
+      <p:sp>
+        <p:nvSpPr>
+          <p:cNvPr id="16" name="テキスト ボックス 15">
+            <a:extLst>
+              <a:ext uri="{FF2B5EF4-FFF2-40B4-BE49-F238E27FC236}">
+                <a16:creationId xmlns:a16="http://schemas.microsoft.com/office/drawing/2014/main" id="{669820AC-2D7B-F61E-53FB-2C6F00919697}"/>
+              </a:ext>
+            </a:extLst>
+          </p:cNvPr>
+          <p:cNvSpPr txBox="1"/>
+          <p:nvPr/>
+        </p:nvSpPr>
+        <p:spPr>
+          <a:xfrm>
+            <a:off x="157593" y="168434"/>
+            <a:ext cx="3126752" cy="369332"/>
+          </a:xfrm>
+          <a:prstGeom prst="rect">
+            <a:avLst/>
+          </a:prstGeom>
+          <a:noFill/>
+        </p:spPr>
+        <p:txBody>
+          <a:bodyPr wrap="square" rtlCol="0">
+            <a:spAutoFit/>
+          </a:bodyPr>
+          <a:lstStyle/>
+          <a:p>
+            <a:r>
+              <a:rPr kumimoji="1" lang="ja-JP" altLang="en-US" dirty="0"/>
+              <a:t>アイテム登録エラー画面</a:t>
+            </a:r>
+          </a:p>
+        </p:txBody>
+      </p:sp>
+      <p:sp>
+        <p:nvSpPr>
+          <p:cNvPr id="7" name="テキスト ボックス 6">
+            <a:extLst>
+              <a:ext uri="{FF2B5EF4-FFF2-40B4-BE49-F238E27FC236}">
+                <a16:creationId xmlns:a16="http://schemas.microsoft.com/office/drawing/2014/main" id="{1B907D86-BCC3-4DCB-4B70-64041788F7FD}"/>
+              </a:ext>
+            </a:extLst>
+          </p:cNvPr>
+          <p:cNvSpPr txBox="1"/>
+          <p:nvPr/>
+        </p:nvSpPr>
+        <p:spPr>
+          <a:xfrm>
+            <a:off x="2660578" y="2532092"/>
+            <a:ext cx="3573967" cy="1569660"/>
+          </a:xfrm>
+          <a:prstGeom prst="rect">
+            <a:avLst/>
+          </a:prstGeom>
+          <a:noFill/>
+        </p:spPr>
+        <p:txBody>
+          <a:bodyPr wrap="square" rtlCol="0">
+            <a:spAutoFit/>
+          </a:bodyPr>
+          <a:lstStyle/>
+          <a:p>
+            <a:r>
+              <a:rPr kumimoji="1" lang="en-US" altLang="ja-JP" sz="9600" b="1" dirty="0">
+                <a:solidFill>
+                  <a:schemeClr val="tx1">
+                    <a:lumMod val="75000"/>
+                    <a:lumOff val="25000"/>
+                  </a:schemeClr>
+                </a:solidFill>
+                <a:latin typeface="Segoe Print" panose="02000600000000000000" pitchFamily="2" charset="0"/>
+              </a:rPr>
+              <a:t>Oops!</a:t>
+            </a:r>
+            <a:endParaRPr kumimoji="1" lang="ja-JP" altLang="en-US" sz="9600" b="1" dirty="0">
+              <a:solidFill>
+                <a:schemeClr val="tx1">
+                  <a:lumMod val="75000"/>
+                  <a:lumOff val="25000"/>
+                </a:schemeClr>
+              </a:solidFill>
+              <a:latin typeface="Segoe Print" panose="02000600000000000000" pitchFamily="2" charset="0"/>
+            </a:endParaRPr>
+          </a:p>
+        </p:txBody>
+      </p:sp>
+      <p:sp>
+        <p:nvSpPr>
+          <p:cNvPr id="8" name="正方形/長方形 7">
+            <a:extLst>
+              <a:ext uri="{FF2B5EF4-FFF2-40B4-BE49-F238E27FC236}">
+                <a16:creationId xmlns:a16="http://schemas.microsoft.com/office/drawing/2014/main" id="{26BB981D-918F-B405-E03A-D558B180B172}"/>
+              </a:ext>
+            </a:extLst>
+          </p:cNvPr>
+          <p:cNvSpPr/>
+          <p:nvPr/>
+        </p:nvSpPr>
+        <p:spPr>
+          <a:xfrm>
+            <a:off x="3380369" y="6131822"/>
+            <a:ext cx="2500886" cy="369332"/>
+          </a:xfrm>
+          <a:prstGeom prst="rect">
+            <a:avLst/>
+          </a:prstGeom>
+        </p:spPr>
+        <p:style>
+          <a:lnRef idx="1">
+            <a:schemeClr val="accent3"/>
+          </a:lnRef>
+          <a:fillRef idx="2">
+            <a:schemeClr val="accent3"/>
+          </a:fillRef>
+          <a:effectRef idx="1">
+            <a:schemeClr val="accent3"/>
+          </a:effectRef>
+          <a:fontRef idx="minor">
+            <a:schemeClr val="dk1"/>
+          </a:fontRef>
+        </p:style>
+        <p:txBody>
+          <a:bodyPr rtlCol="0" anchor="ctr"/>
+          <a:lstStyle/>
+          <a:p>
+            <a:pPr algn="ctr"/>
+            <a:r>
+              <a:rPr kumimoji="1" lang="en-US" altLang="ja-JP" dirty="0"/>
+              <a:t>Back to</a:t>
+            </a:r>
+            <a:r>
+              <a:rPr kumimoji="1" lang="ja-JP" altLang="en-US" dirty="0"/>
+              <a:t> </a:t>
+            </a:r>
+            <a:r>
+              <a:rPr kumimoji="1" lang="en-US" altLang="ja-JP" dirty="0"/>
+              <a:t>Add New Item</a:t>
+            </a:r>
+            <a:endParaRPr kumimoji="1" lang="ja-JP" altLang="en-US" dirty="0"/>
+          </a:p>
+        </p:txBody>
+      </p:sp>
+      <p:sp>
+        <p:nvSpPr>
+          <p:cNvPr id="11" name="テキスト ボックス 10">
+            <a:extLst>
+              <a:ext uri="{FF2B5EF4-FFF2-40B4-BE49-F238E27FC236}">
+                <a16:creationId xmlns:a16="http://schemas.microsoft.com/office/drawing/2014/main" id="{20D8494B-405C-2F72-4759-38C69926AFE6}"/>
+              </a:ext>
+            </a:extLst>
+          </p:cNvPr>
+          <p:cNvSpPr txBox="1"/>
+          <p:nvPr/>
+        </p:nvSpPr>
+        <p:spPr>
+          <a:xfrm>
+            <a:off x="2864924" y="4298608"/>
+            <a:ext cx="3313814" cy="369332"/>
+          </a:xfrm>
+          <a:prstGeom prst="rect">
+            <a:avLst/>
+          </a:prstGeom>
+          <a:noFill/>
+        </p:spPr>
+        <p:txBody>
+          <a:bodyPr wrap="square" rtlCol="0">
+            <a:spAutoFit/>
+          </a:bodyPr>
+          <a:lstStyle/>
+          <a:p>
+            <a:r>
+              <a:rPr kumimoji="1" lang="ja-JP" altLang="en-US" dirty="0"/>
+              <a:t>アイテム登録に失敗しました</a:t>
+            </a:r>
+          </a:p>
+        </p:txBody>
+      </p:sp>
+    </p:spTree>
+    <p:extLst>
+      <p:ext uri="{BB962C8B-B14F-4D97-AF65-F5344CB8AC3E}">
+        <p14:creationId xmlns:p14="http://schemas.microsoft.com/office/powerpoint/2010/main" val="3978268887"/>
+      </p:ext>
+    </p:extLst>
+  </p:cSld>
+  <p:clrMapOvr>
+    <a:masterClrMapping/>
+  </p:clrMapOvr>
+</p:sld>
+</file>
+
+<file path=ppt/slides/slide16.xml><?xml version="1.0" encoding="utf-8"?>
+<p:sld xmlns:a="http://schemas.openxmlformats.org/drawingml/2006/main" xmlns:r="http://schemas.openxmlformats.org/officeDocument/2006/relationships" xmlns:p="http://schemas.openxmlformats.org/presentationml/2006/main">
+  <p:cSld>
+    <p:spTree>
+      <p:nvGrpSpPr>
+        <p:cNvPr id="1" name=""/>
+        <p:cNvGrpSpPr/>
+        <p:nvPr/>
+      </p:nvGrpSpPr>
+      <p:grpSpPr>
+        <a:xfrm>
+          <a:off x="0" y="0"/>
+          <a:ext cx="0" cy="0"/>
+          <a:chOff x="0" y="0"/>
+          <a:chExt cx="0" cy="0"/>
+        </a:xfrm>
+      </p:grpSpPr>
       <p:sp>
         <p:nvSpPr>
           <p:cNvPr id="29" name="テキスト ボックス 28">
@@ -11950,7 +12463,526 @@
 </p:sld>
 </file>
 
-<file path=ppt/slides/slide16.xml><?xml version="1.0" encoding="utf-8"?>
+<file path=ppt/slides/slide17.xml><?xml version="1.0" encoding="utf-8"?>
+<p:sld xmlns:a="http://schemas.openxmlformats.org/drawingml/2006/main" xmlns:r="http://schemas.openxmlformats.org/officeDocument/2006/relationships" xmlns:p="http://schemas.openxmlformats.org/presentationml/2006/main">
+  <p:cSld>
+    <p:spTree>
+      <p:nvGrpSpPr>
+        <p:cNvPr id="1" name=""/>
+        <p:cNvGrpSpPr/>
+        <p:nvPr/>
+      </p:nvGrpSpPr>
+      <p:grpSpPr>
+        <a:xfrm>
+          <a:off x="0" y="0"/>
+          <a:ext cx="0" cy="0"/>
+          <a:chOff x="0" y="0"/>
+          <a:chExt cx="0" cy="0"/>
+        </a:xfrm>
+      </p:grpSpPr>
+      <p:cxnSp>
+        <p:nvCxnSpPr>
+          <p:cNvPr id="32" name="直線コネクタ 31">
+            <a:extLst>
+              <a:ext uri="{FF2B5EF4-FFF2-40B4-BE49-F238E27FC236}">
+                <a16:creationId xmlns:a16="http://schemas.microsoft.com/office/drawing/2014/main" id="{76AAD5FF-E3A5-EB37-699E-02B851D90469}"/>
+              </a:ext>
+            </a:extLst>
+          </p:cNvPr>
+          <p:cNvCxnSpPr/>
+          <p:nvPr/>
+        </p:nvCxnSpPr>
+        <p:spPr>
+          <a:xfrm>
+            <a:off x="0" y="1558636"/>
+            <a:ext cx="8999538" cy="0"/>
+          </a:xfrm>
+          <a:prstGeom prst="line">
+            <a:avLst/>
+          </a:prstGeom>
+        </p:spPr>
+        <p:style>
+          <a:lnRef idx="1">
+            <a:schemeClr val="dk1"/>
+          </a:lnRef>
+          <a:fillRef idx="0">
+            <a:schemeClr val="dk1"/>
+          </a:fillRef>
+          <a:effectRef idx="0">
+            <a:schemeClr val="dk1"/>
+          </a:effectRef>
+          <a:fontRef idx="minor">
+            <a:schemeClr val="tx1"/>
+          </a:fontRef>
+        </p:style>
+      </p:cxnSp>
+      <p:sp>
+        <p:nvSpPr>
+          <p:cNvPr id="38" name="太陽 37">
+            <a:extLst>
+              <a:ext uri="{FF2B5EF4-FFF2-40B4-BE49-F238E27FC236}">
+                <a16:creationId xmlns:a16="http://schemas.microsoft.com/office/drawing/2014/main" id="{E85D0F8E-1F7E-F9CD-FB2A-608F88DBCF33}"/>
+              </a:ext>
+            </a:extLst>
+          </p:cNvPr>
+          <p:cNvSpPr/>
+          <p:nvPr/>
+        </p:nvSpPr>
+        <p:spPr>
+          <a:xfrm>
+            <a:off x="7617042" y="826686"/>
+            <a:ext cx="509660" cy="457199"/>
+          </a:xfrm>
+          <a:prstGeom prst="sun">
+            <a:avLst/>
+          </a:prstGeom>
+        </p:spPr>
+        <p:style>
+          <a:lnRef idx="2">
+            <a:schemeClr val="dk1"/>
+          </a:lnRef>
+          <a:fillRef idx="1">
+            <a:schemeClr val="lt1"/>
+          </a:fillRef>
+          <a:effectRef idx="0">
+            <a:schemeClr val="dk1"/>
+          </a:effectRef>
+          <a:fontRef idx="minor">
+            <a:schemeClr val="dk1"/>
+          </a:fontRef>
+        </p:style>
+        <p:txBody>
+          <a:bodyPr rtlCol="0" anchor="ctr"/>
+          <a:lstStyle/>
+          <a:p>
+            <a:pPr algn="ctr"/>
+            <a:endParaRPr kumimoji="1" lang="ja-JP" altLang="en-US"/>
+          </a:p>
+        </p:txBody>
+      </p:sp>
+      <p:sp>
+        <p:nvSpPr>
+          <p:cNvPr id="39" name="テキスト ボックス 38">
+            <a:extLst>
+              <a:ext uri="{FF2B5EF4-FFF2-40B4-BE49-F238E27FC236}">
+                <a16:creationId xmlns:a16="http://schemas.microsoft.com/office/drawing/2014/main" id="{C79CDC0E-C0FA-1C31-BB6A-26B12B6429B8}"/>
+              </a:ext>
+            </a:extLst>
+          </p:cNvPr>
+          <p:cNvSpPr txBox="1"/>
+          <p:nvPr/>
+        </p:nvSpPr>
+        <p:spPr>
+          <a:xfrm>
+            <a:off x="8126702" y="889034"/>
+            <a:ext cx="436418" cy="369332"/>
+          </a:xfrm>
+          <a:prstGeom prst="rect">
+            <a:avLst/>
+          </a:prstGeom>
+          <a:noFill/>
+        </p:spPr>
+        <p:txBody>
+          <a:bodyPr wrap="square" rtlCol="0">
+            <a:spAutoFit/>
+          </a:bodyPr>
+          <a:lstStyle/>
+          <a:p>
+            <a:r>
+              <a:rPr kumimoji="1" lang="en-US" altLang="ja-JP" dirty="0"/>
+              <a:t>/</a:t>
+            </a:r>
+            <a:endParaRPr kumimoji="1" lang="ja-JP" altLang="en-US" dirty="0"/>
+          </a:p>
+        </p:txBody>
+      </p:sp>
+      <p:sp>
+        <p:nvSpPr>
+          <p:cNvPr id="40" name="テキスト ボックス 39">
+            <a:extLst>
+              <a:ext uri="{FF2B5EF4-FFF2-40B4-BE49-F238E27FC236}">
+                <a16:creationId xmlns:a16="http://schemas.microsoft.com/office/drawing/2014/main" id="{3805D789-838E-C787-2AEC-0D4D5CD3952E}"/>
+              </a:ext>
+            </a:extLst>
+          </p:cNvPr>
+          <p:cNvSpPr txBox="1"/>
+          <p:nvPr/>
+        </p:nvSpPr>
+        <p:spPr>
+          <a:xfrm>
+            <a:off x="8240496" y="870619"/>
+            <a:ext cx="832284" cy="369332"/>
+          </a:xfrm>
+          <a:prstGeom prst="rect">
+            <a:avLst/>
+          </a:prstGeom>
+          <a:noFill/>
+        </p:spPr>
+        <p:txBody>
+          <a:bodyPr wrap="square" rtlCol="0">
+            <a:spAutoFit/>
+          </a:bodyPr>
+          <a:lstStyle/>
+          <a:p>
+            <a:r>
+              <a:rPr kumimoji="1" lang="en-US" altLang="ja-JP" dirty="0"/>
+              <a:t>50</a:t>
+            </a:r>
+            <a:r>
+              <a:rPr kumimoji="1" lang="ja-JP" altLang="en-US" dirty="0"/>
+              <a:t>％</a:t>
+            </a:r>
+          </a:p>
+        </p:txBody>
+      </p:sp>
+      <p:sp>
+        <p:nvSpPr>
+          <p:cNvPr id="50" name="正方形/長方形 49">
+            <a:extLst>
+              <a:ext uri="{FF2B5EF4-FFF2-40B4-BE49-F238E27FC236}">
+                <a16:creationId xmlns:a16="http://schemas.microsoft.com/office/drawing/2014/main" id="{5804D86F-64EB-1D8D-01F4-835390986837}"/>
+              </a:ext>
+            </a:extLst>
+          </p:cNvPr>
+          <p:cNvSpPr/>
+          <p:nvPr/>
+        </p:nvSpPr>
+        <p:spPr>
+          <a:xfrm>
+            <a:off x="0" y="9896860"/>
+            <a:ext cx="8999538" cy="902903"/>
+          </a:xfrm>
+          <a:prstGeom prst="rect">
+            <a:avLst/>
+          </a:prstGeom>
+          <a:solidFill>
+            <a:schemeClr val="tx2">
+              <a:lumMod val="40000"/>
+              <a:lumOff val="60000"/>
+            </a:schemeClr>
+          </a:solidFill>
+          <a:ln>
+            <a:solidFill>
+              <a:schemeClr val="tx2">
+                <a:lumMod val="40000"/>
+                <a:lumOff val="60000"/>
+              </a:schemeClr>
+            </a:solidFill>
+          </a:ln>
+        </p:spPr>
+        <p:style>
+          <a:lnRef idx="2">
+            <a:schemeClr val="dk1">
+              <a:shade val="50000"/>
+            </a:schemeClr>
+          </a:lnRef>
+          <a:fillRef idx="1">
+            <a:schemeClr val="dk1"/>
+          </a:fillRef>
+          <a:effectRef idx="0">
+            <a:schemeClr val="dk1"/>
+          </a:effectRef>
+          <a:fontRef idx="minor">
+            <a:schemeClr val="lt1"/>
+          </a:fontRef>
+        </p:style>
+        <p:txBody>
+          <a:bodyPr rtlCol="0" anchor="ctr"/>
+          <a:lstStyle/>
+          <a:p>
+            <a:pPr algn="ctr"/>
+            <a:endParaRPr kumimoji="1" lang="ja-JP" altLang="en-US"/>
+          </a:p>
+        </p:txBody>
+      </p:sp>
+      <p:sp>
+        <p:nvSpPr>
+          <p:cNvPr id="6" name="テキスト ボックス 5">
+            <a:extLst>
+              <a:ext uri="{FF2B5EF4-FFF2-40B4-BE49-F238E27FC236}">
+                <a16:creationId xmlns:a16="http://schemas.microsoft.com/office/drawing/2014/main" id="{B090A1A4-C8A4-FBBB-47F3-C3C56722DCE6}"/>
+              </a:ext>
+            </a:extLst>
+          </p:cNvPr>
+          <p:cNvSpPr txBox="1"/>
+          <p:nvPr/>
+        </p:nvSpPr>
+        <p:spPr>
+          <a:xfrm>
+            <a:off x="2920730" y="10074549"/>
+            <a:ext cx="4133811" cy="369332"/>
+          </a:xfrm>
+          <a:prstGeom prst="rect">
+            <a:avLst/>
+          </a:prstGeom>
+          <a:noFill/>
+        </p:spPr>
+        <p:txBody>
+          <a:bodyPr wrap="square" rtlCol="0">
+            <a:spAutoFit/>
+          </a:bodyPr>
+          <a:lstStyle/>
+          <a:p>
+            <a:r>
+              <a:rPr kumimoji="1" lang="ja-JP" altLang="en-US" dirty="0">
+                <a:solidFill>
+                  <a:schemeClr val="bg1"/>
+                </a:solidFill>
+              </a:rPr>
+              <a:t>＠</a:t>
+            </a:r>
+            <a:r>
+              <a:rPr kumimoji="1" lang="en-US" altLang="ja-JP" dirty="0">
+                <a:solidFill>
+                  <a:schemeClr val="bg1"/>
+                </a:solidFill>
+              </a:rPr>
+              <a:t>2022 CCC All Rights Reserved </a:t>
+            </a:r>
+            <a:endParaRPr kumimoji="1" lang="ja-JP" altLang="en-US" dirty="0">
+              <a:solidFill>
+                <a:schemeClr val="bg1"/>
+              </a:solidFill>
+            </a:endParaRPr>
+          </a:p>
+        </p:txBody>
+      </p:sp>
+      <p:pic>
+        <p:nvPicPr>
+          <p:cNvPr id="17" name="図 16" descr="ロゴ が含まれている画像&#10;&#10;自動的に生成された説明">
+            <a:extLst>
+              <a:ext uri="{FF2B5EF4-FFF2-40B4-BE49-F238E27FC236}">
+                <a16:creationId xmlns:a16="http://schemas.microsoft.com/office/drawing/2014/main" id="{D0CD6B6B-DD12-7976-81C5-C0F3CE88C8EA}"/>
+              </a:ext>
+            </a:extLst>
+          </p:cNvPr>
+          <p:cNvPicPr>
+            <a:picLocks noChangeAspect="1"/>
+          </p:cNvPicPr>
+          <p:nvPr/>
+        </p:nvPicPr>
+        <p:blipFill>
+          <a:blip r:embed="rId2">
+            <a:extLst>
+              <a:ext uri="{28A0092B-C50C-407E-A947-70E740481C1C}">
+                <a14:useLocalDpi xmlns:a14="http://schemas.microsoft.com/office/drawing/2010/main" val="0"/>
+              </a:ext>
+            </a:extLst>
+          </a:blip>
+          <a:stretch>
+            <a:fillRect/>
+          </a:stretch>
+        </p:blipFill>
+        <p:spPr>
+          <a:xfrm>
+            <a:off x="2288014" y="20401"/>
+            <a:ext cx="4467634" cy="1612569"/>
+          </a:xfrm>
+          <a:prstGeom prst="rect">
+            <a:avLst/>
+          </a:prstGeom>
+        </p:spPr>
+      </p:pic>
+      <p:sp>
+        <p:nvSpPr>
+          <p:cNvPr id="16" name="テキスト ボックス 15">
+            <a:extLst>
+              <a:ext uri="{FF2B5EF4-FFF2-40B4-BE49-F238E27FC236}">
+                <a16:creationId xmlns:a16="http://schemas.microsoft.com/office/drawing/2014/main" id="{669820AC-2D7B-F61E-53FB-2C6F00919697}"/>
+              </a:ext>
+            </a:extLst>
+          </p:cNvPr>
+          <p:cNvSpPr txBox="1"/>
+          <p:nvPr/>
+        </p:nvSpPr>
+        <p:spPr>
+          <a:xfrm>
+            <a:off x="157593" y="168434"/>
+            <a:ext cx="4123462" cy="369332"/>
+          </a:xfrm>
+          <a:prstGeom prst="rect">
+            <a:avLst/>
+          </a:prstGeom>
+          <a:noFill/>
+        </p:spPr>
+        <p:txBody>
+          <a:bodyPr wrap="square" rtlCol="0">
+            <a:spAutoFit/>
+          </a:bodyPr>
+          <a:lstStyle/>
+          <a:p>
+            <a:r>
+              <a:rPr kumimoji="1" lang="ja-JP" altLang="en-US" dirty="0"/>
+              <a:t>コーディネート登録エラー画面</a:t>
+            </a:r>
+          </a:p>
+        </p:txBody>
+      </p:sp>
+      <p:sp>
+        <p:nvSpPr>
+          <p:cNvPr id="7" name="テキスト ボックス 6">
+            <a:extLst>
+              <a:ext uri="{FF2B5EF4-FFF2-40B4-BE49-F238E27FC236}">
+                <a16:creationId xmlns:a16="http://schemas.microsoft.com/office/drawing/2014/main" id="{1B907D86-BCC3-4DCB-4B70-64041788F7FD}"/>
+              </a:ext>
+            </a:extLst>
+          </p:cNvPr>
+          <p:cNvSpPr txBox="1"/>
+          <p:nvPr/>
+        </p:nvSpPr>
+        <p:spPr>
+          <a:xfrm>
+            <a:off x="2660578" y="2532092"/>
+            <a:ext cx="3573967" cy="1569660"/>
+          </a:xfrm>
+          <a:prstGeom prst="rect">
+            <a:avLst/>
+          </a:prstGeom>
+          <a:noFill/>
+        </p:spPr>
+        <p:txBody>
+          <a:bodyPr wrap="square" rtlCol="0">
+            <a:spAutoFit/>
+          </a:bodyPr>
+          <a:lstStyle/>
+          <a:p>
+            <a:r>
+              <a:rPr kumimoji="1" lang="en-US" altLang="ja-JP" sz="9600" b="1" dirty="0">
+                <a:solidFill>
+                  <a:schemeClr val="tx1">
+                    <a:lumMod val="75000"/>
+                    <a:lumOff val="25000"/>
+                  </a:schemeClr>
+                </a:solidFill>
+                <a:latin typeface="Segoe Print" panose="02000600000000000000" pitchFamily="2" charset="0"/>
+              </a:rPr>
+              <a:t>Oops!</a:t>
+            </a:r>
+            <a:endParaRPr kumimoji="1" lang="ja-JP" altLang="en-US" sz="9600" b="1" dirty="0">
+              <a:solidFill>
+                <a:schemeClr val="tx1">
+                  <a:lumMod val="75000"/>
+                  <a:lumOff val="25000"/>
+                </a:schemeClr>
+              </a:solidFill>
+              <a:latin typeface="Segoe Print" panose="02000600000000000000" pitchFamily="2" charset="0"/>
+            </a:endParaRPr>
+          </a:p>
+        </p:txBody>
+      </p:sp>
+      <p:sp>
+        <p:nvSpPr>
+          <p:cNvPr id="8" name="正方形/長方形 7">
+            <a:extLst>
+              <a:ext uri="{FF2B5EF4-FFF2-40B4-BE49-F238E27FC236}">
+                <a16:creationId xmlns:a16="http://schemas.microsoft.com/office/drawing/2014/main" id="{26BB981D-918F-B405-E03A-D558B180B172}"/>
+              </a:ext>
+            </a:extLst>
+          </p:cNvPr>
+          <p:cNvSpPr/>
+          <p:nvPr/>
+        </p:nvSpPr>
+        <p:spPr>
+          <a:xfrm>
+            <a:off x="3197371" y="6107485"/>
+            <a:ext cx="2604795" cy="369332"/>
+          </a:xfrm>
+          <a:prstGeom prst="rect">
+            <a:avLst/>
+          </a:prstGeom>
+        </p:spPr>
+        <p:style>
+          <a:lnRef idx="1">
+            <a:schemeClr val="accent3"/>
+          </a:lnRef>
+          <a:fillRef idx="2">
+            <a:schemeClr val="accent3"/>
+          </a:fillRef>
+          <a:effectRef idx="1">
+            <a:schemeClr val="accent3"/>
+          </a:effectRef>
+          <a:fontRef idx="minor">
+            <a:schemeClr val="dk1"/>
+          </a:fontRef>
+        </p:style>
+        <p:txBody>
+          <a:bodyPr rtlCol="0" anchor="ctr"/>
+          <a:lstStyle/>
+          <a:p>
+            <a:pPr algn="ctr"/>
+            <a:r>
+              <a:rPr kumimoji="1" lang="en-US" altLang="ja-JP" dirty="0"/>
+              <a:t>Back to</a:t>
+            </a:r>
+            <a:r>
+              <a:rPr kumimoji="1" lang="ja-JP" altLang="en-US" dirty="0"/>
+              <a:t> </a:t>
+            </a:r>
+            <a:r>
+              <a:rPr kumimoji="1" lang="en-US" altLang="ja-JP" dirty="0"/>
+              <a:t>Add</a:t>
+            </a:r>
+            <a:r>
+              <a:rPr kumimoji="1" lang="ja-JP" altLang="en-US" dirty="0"/>
+              <a:t> </a:t>
+            </a:r>
+            <a:r>
+              <a:rPr kumimoji="1" lang="en-US" altLang="ja-JP" dirty="0"/>
+              <a:t>New Outfit</a:t>
+            </a:r>
+            <a:endParaRPr kumimoji="1" lang="ja-JP" altLang="en-US" dirty="0"/>
+          </a:p>
+        </p:txBody>
+      </p:sp>
+      <p:sp>
+        <p:nvSpPr>
+          <p:cNvPr id="11" name="テキスト ボックス 10">
+            <a:extLst>
+              <a:ext uri="{FF2B5EF4-FFF2-40B4-BE49-F238E27FC236}">
+                <a16:creationId xmlns:a16="http://schemas.microsoft.com/office/drawing/2014/main" id="{20D8494B-405C-2F72-4759-38C69926AFE6}"/>
+              </a:ext>
+            </a:extLst>
+          </p:cNvPr>
+          <p:cNvSpPr txBox="1"/>
+          <p:nvPr/>
+        </p:nvSpPr>
+        <p:spPr>
+          <a:xfrm>
+            <a:off x="2474296" y="4298608"/>
+            <a:ext cx="3946530" cy="369332"/>
+          </a:xfrm>
+          <a:prstGeom prst="rect">
+            <a:avLst/>
+          </a:prstGeom>
+          <a:noFill/>
+        </p:spPr>
+        <p:txBody>
+          <a:bodyPr wrap="square" rtlCol="0">
+            <a:spAutoFit/>
+          </a:bodyPr>
+          <a:lstStyle/>
+          <a:p>
+            <a:r>
+              <a:rPr kumimoji="1" lang="ja-JP" altLang="en-US" dirty="0"/>
+              <a:t>コーディネート登録に失敗しました</a:t>
+            </a:r>
+          </a:p>
+        </p:txBody>
+      </p:sp>
+    </p:spTree>
+    <p:extLst>
+      <p:ext uri="{BB962C8B-B14F-4D97-AF65-F5344CB8AC3E}">
+        <p14:creationId xmlns:p14="http://schemas.microsoft.com/office/powerpoint/2010/main" val="3145305220"/>
+      </p:ext>
+    </p:extLst>
+  </p:cSld>
+  <p:clrMapOvr>
+    <a:masterClrMapping/>
+  </p:clrMapOvr>
+</p:sld>
+</file>
+
+<file path=ppt/slides/slide18.xml><?xml version="1.0" encoding="utf-8"?>
 <p:sld xmlns:a="http://schemas.openxmlformats.org/drawingml/2006/main" xmlns:r="http://schemas.openxmlformats.org/officeDocument/2006/relationships" xmlns:p="http://schemas.openxmlformats.org/presentationml/2006/main">
   <p:cSld>
     <p:bg>
@@ -12050,7 +13082,7 @@
                 </a:solidFill>
                 <a:latin typeface="Segoe Print" panose="02000600000000000000" pitchFamily="2" charset="0"/>
               </a:rPr>
-              <a:t>Add New Outfits</a:t>
+              <a:t>Add New Outfit</a:t>
             </a:r>
             <a:endParaRPr kumimoji="1" lang="ja-JP" altLang="en-US" sz="4400" dirty="0">
               <a:solidFill>
@@ -12096,7 +13128,7 @@
                 </a:solidFill>
                 <a:latin typeface="Segoe Print" panose="02000600000000000000" pitchFamily="2" charset="0"/>
               </a:rPr>
-              <a:t>Add New Items</a:t>
+              <a:t>Add New Item</a:t>
             </a:r>
             <a:endParaRPr kumimoji="1" lang="ja-JP" altLang="en-US" sz="4800" dirty="0">
               <a:solidFill>
